--- a/docs/Smart Garden.pptx
+++ b/docs/Smart Garden.pptx
@@ -11,7 +11,8 @@
     <p:sldId id="260" r:id="rId5"/>
     <p:sldId id="258" r:id="rId6"/>
     <p:sldId id="263" r:id="rId7"/>
-    <p:sldId id="259" r:id="rId8"/>
+    <p:sldId id="264" r:id="rId8"/>
+    <p:sldId id="259" r:id="rId9"/>
   </p:sldIdLst>
   <p:sldSz cx="12192000" cy="6858000"/>
   <p:notesSz cx="6858000" cy="9144000"/>
@@ -118,6 +119,6105 @@
 </p:presentation>
 </file>
 
+<file path=ppt/revisionInfo.xml><?xml version="1.0" encoding="utf-8"?>
+<p1510:revInfo xmlns:a="http://schemas.openxmlformats.org/drawingml/2006/main" xmlns:r="http://schemas.openxmlformats.org/officeDocument/2006/relationships" xmlns:p1510="http://schemas.microsoft.com/office/powerpoint/2015/10/main">
+  <p1510:revLst>
+    <p1510:client id="{FA22C7F2-C4DB-476C-A55E-363AA47E3EDA}" v="111" dt="2026-01-28T10:46:35.945"/>
+  </p1510:revLst>
+</p1510:revInfo>
+</file>
+
+<file path=ppt/changesInfos/changesInfo1.xml><?xml version="1.0" encoding="utf-8"?>
+<pc:chgInfo xmlns:a="http://schemas.openxmlformats.org/drawingml/2006/main" xmlns:r="http://schemas.openxmlformats.org/officeDocument/2006/relationships" xmlns:ac="http://schemas.microsoft.com/office/drawing/2013/main/command" xmlns:pc="http://schemas.microsoft.com/office/powerpoint/2013/main/command">
+  <pc:docChgLst>
+    <pc:chgData name="NICOLO'MASSIMO LISENA" userId="f3d6d6cc-e1af-4921-83db-785f07c959d4" providerId="ADAL" clId="{52300CBB-EB40-437D-AC13-5F91FFBE4C5E}"/>
+    <pc:docChg chg="undo custSel addSld modSld">
+      <pc:chgData name="NICOLO'MASSIMO LISENA" userId="f3d6d6cc-e1af-4921-83db-785f07c959d4" providerId="ADAL" clId="{52300CBB-EB40-437D-AC13-5F91FFBE4C5E}" dt="2026-01-28T10:46:35.945" v="1383" actId="208"/>
+      <pc:docMkLst>
+        <pc:docMk/>
+      </pc:docMkLst>
+      <pc:sldChg chg="addSp modSp mod">
+        <pc:chgData name="NICOLO'MASSIMO LISENA" userId="f3d6d6cc-e1af-4921-83db-785f07c959d4" providerId="ADAL" clId="{52300CBB-EB40-437D-AC13-5F91FFBE4C5E}" dt="2026-01-28T10:15:40.046" v="1115" actId="1076"/>
+        <pc:sldMkLst>
+          <pc:docMk/>
+          <pc:sldMk cId="3738208350" sldId="259"/>
+        </pc:sldMkLst>
+        <pc:spChg chg="mod">
+          <ac:chgData name="NICOLO'MASSIMO LISENA" userId="f3d6d6cc-e1af-4921-83db-785f07c959d4" providerId="ADAL" clId="{52300CBB-EB40-437D-AC13-5F91FFBE4C5E}" dt="2026-01-28T10:15:25.577" v="1114" actId="20577"/>
+          <ac:spMkLst>
+            <pc:docMk/>
+            <pc:sldMk cId="3738208350" sldId="259"/>
+            <ac:spMk id="5" creationId="{00000000-0000-0000-0000-000000000000}"/>
+          </ac:spMkLst>
+        </pc:spChg>
+        <pc:picChg chg="add mod modCrop">
+          <ac:chgData name="NICOLO'MASSIMO LISENA" userId="f3d6d6cc-e1af-4921-83db-785f07c959d4" providerId="ADAL" clId="{52300CBB-EB40-437D-AC13-5F91FFBE4C5E}" dt="2026-01-28T10:15:40.046" v="1115" actId="1076"/>
+          <ac:picMkLst>
+            <pc:docMk/>
+            <pc:sldMk cId="3738208350" sldId="259"/>
+            <ac:picMk id="3" creationId="{921A01DB-A3BC-3CD1-4DA3-A77BBF19909B}"/>
+          </ac:picMkLst>
+        </pc:picChg>
+      </pc:sldChg>
+      <pc:sldChg chg="addSp delSp modSp mod">
+        <pc:chgData name="NICOLO'MASSIMO LISENA" userId="f3d6d6cc-e1af-4921-83db-785f07c959d4" providerId="ADAL" clId="{52300CBB-EB40-437D-AC13-5F91FFBE4C5E}" dt="2026-01-28T10:42:09.973" v="1378" actId="207"/>
+        <pc:sldMkLst>
+          <pc:docMk/>
+          <pc:sldMk cId="1946764872" sldId="263"/>
+        </pc:sldMkLst>
+        <pc:spChg chg="add del mod">
+          <ac:chgData name="NICOLO'MASSIMO LISENA" userId="f3d6d6cc-e1af-4921-83db-785f07c959d4" providerId="ADAL" clId="{52300CBB-EB40-437D-AC13-5F91FFBE4C5E}" dt="2026-01-28T10:17:14.888" v="1128" actId="26606"/>
+          <ac:spMkLst>
+            <pc:docMk/>
+            <pc:sldMk cId="1946764872" sldId="263"/>
+            <ac:spMk id="3" creationId="{6EA2B06F-6D9D-1792-D68B-A6FACC8B98FA}"/>
+          </ac:spMkLst>
+        </pc:spChg>
+        <pc:spChg chg="mod">
+          <ac:chgData name="NICOLO'MASSIMO LISENA" userId="f3d6d6cc-e1af-4921-83db-785f07c959d4" providerId="ADAL" clId="{52300CBB-EB40-437D-AC13-5F91FFBE4C5E}" dt="2026-01-28T09:36:00.394" v="12" actId="20577"/>
+          <ac:spMkLst>
+            <pc:docMk/>
+            <pc:sldMk cId="1946764872" sldId="263"/>
+            <ac:spMk id="4" creationId="{00000000-0000-0000-0000-000000000000}"/>
+          </ac:spMkLst>
+        </pc:spChg>
+        <pc:spChg chg="add mod">
+          <ac:chgData name="NICOLO'MASSIMO LISENA" userId="f3d6d6cc-e1af-4921-83db-785f07c959d4" providerId="ADAL" clId="{52300CBB-EB40-437D-AC13-5F91FFBE4C5E}" dt="2026-01-28T10:19:43.820" v="1138" actId="1076"/>
+          <ac:spMkLst>
+            <pc:docMk/>
+            <pc:sldMk cId="1946764872" sldId="263"/>
+            <ac:spMk id="5" creationId="{47946589-557B-E82A-87DE-7D948966BE45}"/>
+          </ac:spMkLst>
+        </pc:spChg>
+        <pc:graphicFrameChg chg="add del">
+          <ac:chgData name="NICOLO'MASSIMO LISENA" userId="f3d6d6cc-e1af-4921-83db-785f07c959d4" providerId="ADAL" clId="{52300CBB-EB40-437D-AC13-5F91FFBE4C5E}" dt="2026-01-28T10:16:50.116" v="1117" actId="26606"/>
+          <ac:graphicFrameMkLst>
+            <pc:docMk/>
+            <pc:sldMk cId="1946764872" sldId="263"/>
+            <ac:graphicFrameMk id="7" creationId="{F54D3D2E-43D5-C2CC-1E20-67427B24CF3B}"/>
+          </ac:graphicFrameMkLst>
+        </pc:graphicFrameChg>
+        <pc:graphicFrameChg chg="add del">
+          <ac:chgData name="NICOLO'MASSIMO LISENA" userId="f3d6d6cc-e1af-4921-83db-785f07c959d4" providerId="ADAL" clId="{52300CBB-EB40-437D-AC13-5F91FFBE4C5E}" dt="2026-01-28T10:16:57.187" v="1119" actId="26606"/>
+          <ac:graphicFrameMkLst>
+            <pc:docMk/>
+            <pc:sldMk cId="1946764872" sldId="263"/>
+            <ac:graphicFrameMk id="9" creationId="{66810FE2-464C-6718-7487-35B6BDABA90E}"/>
+          </ac:graphicFrameMkLst>
+        </pc:graphicFrameChg>
+        <pc:graphicFrameChg chg="add del">
+          <ac:chgData name="NICOLO'MASSIMO LISENA" userId="f3d6d6cc-e1af-4921-83db-785f07c959d4" providerId="ADAL" clId="{52300CBB-EB40-437D-AC13-5F91FFBE4C5E}" dt="2026-01-28T10:17:06.681" v="1121" actId="26606"/>
+          <ac:graphicFrameMkLst>
+            <pc:docMk/>
+            <pc:sldMk cId="1946764872" sldId="263"/>
+            <ac:graphicFrameMk id="11" creationId="{0DC1C469-0441-8052-4E31-65F97A28C696}"/>
+          </ac:graphicFrameMkLst>
+        </pc:graphicFrameChg>
+        <pc:graphicFrameChg chg="add del">
+          <ac:chgData name="NICOLO'MASSIMO LISENA" userId="f3d6d6cc-e1af-4921-83db-785f07c959d4" providerId="ADAL" clId="{52300CBB-EB40-437D-AC13-5F91FFBE4C5E}" dt="2026-01-28T10:17:09.967" v="1123" actId="26606"/>
+          <ac:graphicFrameMkLst>
+            <pc:docMk/>
+            <pc:sldMk cId="1946764872" sldId="263"/>
+            <ac:graphicFrameMk id="13" creationId="{8545CBAD-9CAE-E4F0-3B49-F0580CEE8F4C}"/>
+          </ac:graphicFrameMkLst>
+        </pc:graphicFrameChg>
+        <pc:graphicFrameChg chg="add del">
+          <ac:chgData name="NICOLO'MASSIMO LISENA" userId="f3d6d6cc-e1af-4921-83db-785f07c959d4" providerId="ADAL" clId="{52300CBB-EB40-437D-AC13-5F91FFBE4C5E}" dt="2026-01-28T10:17:12.222" v="1125" actId="26606"/>
+          <ac:graphicFrameMkLst>
+            <pc:docMk/>
+            <pc:sldMk cId="1946764872" sldId="263"/>
+            <ac:graphicFrameMk id="15" creationId="{66810FE2-464C-6718-7487-35B6BDABA90E}"/>
+          </ac:graphicFrameMkLst>
+        </pc:graphicFrameChg>
+        <pc:graphicFrameChg chg="add del">
+          <ac:chgData name="NICOLO'MASSIMO LISENA" userId="f3d6d6cc-e1af-4921-83db-785f07c959d4" providerId="ADAL" clId="{52300CBB-EB40-437D-AC13-5F91FFBE4C5E}" dt="2026-01-28T10:17:14.851" v="1127" actId="26606"/>
+          <ac:graphicFrameMkLst>
+            <pc:docMk/>
+            <pc:sldMk cId="1946764872" sldId="263"/>
+            <ac:graphicFrameMk id="17" creationId="{F54D3D2E-43D5-C2CC-1E20-67427B24CF3B}"/>
+          </ac:graphicFrameMkLst>
+        </pc:graphicFrameChg>
+        <pc:graphicFrameChg chg="add mod modGraphic">
+          <ac:chgData name="NICOLO'MASSIMO LISENA" userId="f3d6d6cc-e1af-4921-83db-785f07c959d4" providerId="ADAL" clId="{52300CBB-EB40-437D-AC13-5F91FFBE4C5E}" dt="2026-01-28T10:42:09.973" v="1378" actId="207"/>
+          <ac:graphicFrameMkLst>
+            <pc:docMk/>
+            <pc:sldMk cId="1946764872" sldId="263"/>
+            <ac:graphicFrameMk id="19" creationId="{8545CBAD-9CAE-E4F0-3B49-F0580CEE8F4C}"/>
+          </ac:graphicFrameMkLst>
+        </pc:graphicFrameChg>
+        <pc:picChg chg="mod">
+          <ac:chgData name="NICOLO'MASSIMO LISENA" userId="f3d6d6cc-e1af-4921-83db-785f07c959d4" providerId="ADAL" clId="{52300CBB-EB40-437D-AC13-5F91FFBE4C5E}" dt="2026-01-28T10:19:43.820" v="1138" actId="1076"/>
+          <ac:picMkLst>
+            <pc:docMk/>
+            <pc:sldMk cId="1946764872" sldId="263"/>
+            <ac:picMk id="2" creationId="{00000000-0000-0000-0000-000000000000}"/>
+          </ac:picMkLst>
+        </pc:picChg>
+      </pc:sldChg>
+      <pc:sldChg chg="addSp delSp modSp new mod">
+        <pc:chgData name="NICOLO'MASSIMO LISENA" userId="f3d6d6cc-e1af-4921-83db-785f07c959d4" providerId="ADAL" clId="{52300CBB-EB40-437D-AC13-5F91FFBE4C5E}" dt="2026-01-28T10:46:35.945" v="1383" actId="208"/>
+        <pc:sldMkLst>
+          <pc:docMk/>
+          <pc:sldMk cId="4144213770" sldId="264"/>
+        </pc:sldMkLst>
+        <pc:spChg chg="mod">
+          <ac:chgData name="NICOLO'MASSIMO LISENA" userId="f3d6d6cc-e1af-4921-83db-785f07c959d4" providerId="ADAL" clId="{52300CBB-EB40-437D-AC13-5F91FFBE4C5E}" dt="2026-01-28T09:48:35.054" v="240"/>
+          <ac:spMkLst>
+            <pc:docMk/>
+            <pc:sldMk cId="4144213770" sldId="264"/>
+            <ac:spMk id="2" creationId="{D698D47D-F96A-6A1F-9DE3-CDA0EC782727}"/>
+          </ac:spMkLst>
+        </pc:spChg>
+        <pc:spChg chg="add del mod">
+          <ac:chgData name="NICOLO'MASSIMO LISENA" userId="f3d6d6cc-e1af-4921-83db-785f07c959d4" providerId="ADAL" clId="{52300CBB-EB40-437D-AC13-5F91FFBE4C5E}" dt="2026-01-28T10:20:39.344" v="1150" actId="26606"/>
+          <ac:spMkLst>
+            <pc:docMk/>
+            <pc:sldMk cId="4144213770" sldId="264"/>
+            <ac:spMk id="3" creationId="{AE665F70-8338-E59B-AC9C-3642E026BE8C}"/>
+          </ac:spMkLst>
+        </pc:spChg>
+        <pc:spChg chg="add mod">
+          <ac:chgData name="NICOLO'MASSIMO LISENA" userId="f3d6d6cc-e1af-4921-83db-785f07c959d4" providerId="ADAL" clId="{52300CBB-EB40-437D-AC13-5F91FFBE4C5E}" dt="2026-01-28T10:26:01.082" v="1235" actId="113"/>
+          <ac:spMkLst>
+            <pc:docMk/>
+            <pc:sldMk cId="4144213770" sldId="264"/>
+            <ac:spMk id="4" creationId="{AD567897-D20E-CB8E-CE22-22110C3467BE}"/>
+          </ac:spMkLst>
+        </pc:spChg>
+        <pc:spChg chg="add mod">
+          <ac:chgData name="NICOLO'MASSIMO LISENA" userId="f3d6d6cc-e1af-4921-83db-785f07c959d4" providerId="ADAL" clId="{52300CBB-EB40-437D-AC13-5F91FFBE4C5E}" dt="2026-01-28T10:12:23.311" v="1058" actId="1076"/>
+          <ac:spMkLst>
+            <pc:docMk/>
+            <pc:sldMk cId="4144213770" sldId="264"/>
+            <ac:spMk id="6" creationId="{2DE6080A-C80B-048D-6A4C-EEF45D72EB88}"/>
+          </ac:spMkLst>
+        </pc:spChg>
+        <pc:spChg chg="add mod">
+          <ac:chgData name="NICOLO'MASSIMO LISENA" userId="f3d6d6cc-e1af-4921-83db-785f07c959d4" providerId="ADAL" clId="{52300CBB-EB40-437D-AC13-5F91FFBE4C5E}" dt="2026-01-28T10:13:14.469" v="1087" actId="1076"/>
+          <ac:spMkLst>
+            <pc:docMk/>
+            <pc:sldMk cId="4144213770" sldId="264"/>
+            <ac:spMk id="9" creationId="{7B719936-DBD7-DCDE-5B56-CCDAF0F38294}"/>
+          </ac:spMkLst>
+        </pc:spChg>
+        <pc:graphicFrameChg chg="add del">
+          <ac:chgData name="NICOLO'MASSIMO LISENA" userId="f3d6d6cc-e1af-4921-83db-785f07c959d4" providerId="ADAL" clId="{52300CBB-EB40-437D-AC13-5F91FFBE4C5E}" dt="2026-01-28T10:20:28.491" v="1145" actId="26606"/>
+          <ac:graphicFrameMkLst>
+            <pc:docMk/>
+            <pc:sldMk cId="4144213770" sldId="264"/>
+            <ac:graphicFrameMk id="11" creationId="{9CD4AF44-FAAD-C5BC-DC3E-89F737A44F02}"/>
+          </ac:graphicFrameMkLst>
+        </pc:graphicFrameChg>
+        <pc:graphicFrameChg chg="add del">
+          <ac:chgData name="NICOLO'MASSIMO LISENA" userId="f3d6d6cc-e1af-4921-83db-785f07c959d4" providerId="ADAL" clId="{52300CBB-EB40-437D-AC13-5F91FFBE4C5E}" dt="2026-01-28T10:20:32.174" v="1147" actId="26606"/>
+          <ac:graphicFrameMkLst>
+            <pc:docMk/>
+            <pc:sldMk cId="4144213770" sldId="264"/>
+            <ac:graphicFrameMk id="13" creationId="{B17CEFA7-9C93-F744-A345-8E0588B00A30}"/>
+          </ac:graphicFrameMkLst>
+        </pc:graphicFrameChg>
+        <pc:graphicFrameChg chg="add del">
+          <ac:chgData name="NICOLO'MASSIMO LISENA" userId="f3d6d6cc-e1af-4921-83db-785f07c959d4" providerId="ADAL" clId="{52300CBB-EB40-437D-AC13-5F91FFBE4C5E}" dt="2026-01-28T10:20:39.311" v="1149" actId="26606"/>
+          <ac:graphicFrameMkLst>
+            <pc:docMk/>
+            <pc:sldMk cId="4144213770" sldId="264"/>
+            <ac:graphicFrameMk id="15" creationId="{99BF891B-9F5B-2BA5-92C4-83C25A80E42E}"/>
+          </ac:graphicFrameMkLst>
+        </pc:graphicFrameChg>
+        <pc:graphicFrameChg chg="add mod modGraphic">
+          <ac:chgData name="NICOLO'MASSIMO LISENA" userId="f3d6d6cc-e1af-4921-83db-785f07c959d4" providerId="ADAL" clId="{52300CBB-EB40-437D-AC13-5F91FFBE4C5E}" dt="2026-01-28T10:46:35.945" v="1383" actId="208"/>
+          <ac:graphicFrameMkLst>
+            <pc:docMk/>
+            <pc:sldMk cId="4144213770" sldId="264"/>
+            <ac:graphicFrameMk id="17" creationId="{9CD4AF44-FAAD-C5BC-DC3E-89F737A44F02}"/>
+          </ac:graphicFrameMkLst>
+        </pc:graphicFrameChg>
+        <pc:picChg chg="add mod modCrop">
+          <ac:chgData name="NICOLO'MASSIMO LISENA" userId="f3d6d6cc-e1af-4921-83db-785f07c959d4" providerId="ADAL" clId="{52300CBB-EB40-437D-AC13-5F91FFBE4C5E}" dt="2026-01-28T10:12:23.311" v="1058" actId="1076"/>
+          <ac:picMkLst>
+            <pc:docMk/>
+            <pc:sldMk cId="4144213770" sldId="264"/>
+            <ac:picMk id="5" creationId="{5CFE1567-211B-869E-3B24-6F06782C7CB9}"/>
+          </ac:picMkLst>
+        </pc:picChg>
+        <pc:picChg chg="add mod">
+          <ac:chgData name="NICOLO'MASSIMO LISENA" userId="f3d6d6cc-e1af-4921-83db-785f07c959d4" providerId="ADAL" clId="{52300CBB-EB40-437D-AC13-5F91FFBE4C5E}" dt="2026-01-28T10:12:06.631" v="1056" actId="1076"/>
+          <ac:picMkLst>
+            <pc:docMk/>
+            <pc:sldMk cId="4144213770" sldId="264"/>
+            <ac:picMk id="8" creationId="{769B4775-9D0F-F198-FD16-28A74D26275B}"/>
+          </ac:picMkLst>
+        </pc:picChg>
+      </pc:sldChg>
+    </pc:docChg>
+  </pc:docChgLst>
+</pc:chgInfo>
+</file>
+
+<file path=ppt/diagrams/colors1.xml><?xml version="1.0" encoding="utf-8"?>
+<dgm:colorsDef xmlns:dgm="http://schemas.openxmlformats.org/drawingml/2006/diagram" xmlns:a="http://schemas.openxmlformats.org/drawingml/2006/main" uniqueId="urn:microsoft.com/office/officeart/2005/8/colors/accent1_2">
+  <dgm:title val=""/>
+  <dgm:desc val=""/>
+  <dgm:catLst>
+    <dgm:cat type="accent1" pri="11200"/>
+  </dgm:catLst>
+  <dgm:styleLbl name="node0">
+    <dgm:fillClrLst meth="repeat">
+      <a:schemeClr val="accent1"/>
+    </dgm:fillClrLst>
+    <dgm:linClrLst meth="repeat">
+      <a:schemeClr val="lt1"/>
+    </dgm:linClrLst>
+    <dgm:effectClrLst/>
+    <dgm:txLinClrLst/>
+    <dgm:txFillClrLst/>
+    <dgm:txEffectClrLst/>
+  </dgm:styleLbl>
+  <dgm:styleLbl name="alignNode1">
+    <dgm:fillClrLst meth="repeat">
+      <a:schemeClr val="accent1"/>
+    </dgm:fillClrLst>
+    <dgm:linClrLst meth="repeat">
+      <a:schemeClr val="accent1"/>
+    </dgm:linClrLst>
+    <dgm:effectClrLst/>
+    <dgm:txLinClrLst/>
+    <dgm:txFillClrLst/>
+    <dgm:txEffectClrLst/>
+  </dgm:styleLbl>
+  <dgm:styleLbl name="node1">
+    <dgm:fillClrLst meth="repeat">
+      <a:schemeClr val="accent1"/>
+    </dgm:fillClrLst>
+    <dgm:linClrLst meth="repeat">
+      <a:schemeClr val="lt1"/>
+    </dgm:linClrLst>
+    <dgm:effectClrLst/>
+    <dgm:txLinClrLst/>
+    <dgm:txFillClrLst/>
+    <dgm:txEffectClrLst/>
+  </dgm:styleLbl>
+  <dgm:styleLbl name="lnNode1">
+    <dgm:fillClrLst meth="repeat">
+      <a:schemeClr val="accent1"/>
+    </dgm:fillClrLst>
+    <dgm:linClrLst meth="repeat">
+      <a:schemeClr val="lt1"/>
+    </dgm:linClrLst>
+    <dgm:effectClrLst/>
+    <dgm:txLinClrLst/>
+    <dgm:txFillClrLst/>
+    <dgm:txEffectClrLst/>
+  </dgm:styleLbl>
+  <dgm:styleLbl name="vennNode1">
+    <dgm:fillClrLst meth="repeat">
+      <a:schemeClr val="accent1">
+        <a:alpha val="50000"/>
+      </a:schemeClr>
+    </dgm:fillClrLst>
+    <dgm:linClrLst meth="repeat">
+      <a:schemeClr val="lt1"/>
+    </dgm:linClrLst>
+    <dgm:effectClrLst/>
+    <dgm:txLinClrLst/>
+    <dgm:txFillClrLst/>
+    <dgm:txEffectClrLst/>
+  </dgm:styleLbl>
+  <dgm:styleLbl name="node2">
+    <dgm:fillClrLst meth="repeat">
+      <a:schemeClr val="accent1"/>
+    </dgm:fillClrLst>
+    <dgm:linClrLst meth="repeat">
+      <a:schemeClr val="lt1"/>
+    </dgm:linClrLst>
+    <dgm:effectClrLst/>
+    <dgm:txLinClrLst/>
+    <dgm:txFillClrLst/>
+    <dgm:txEffectClrLst/>
+  </dgm:styleLbl>
+  <dgm:styleLbl name="node3">
+    <dgm:fillClrLst meth="repeat">
+      <a:schemeClr val="accent1"/>
+    </dgm:fillClrLst>
+    <dgm:linClrLst meth="repeat">
+      <a:schemeClr val="lt1"/>
+    </dgm:linClrLst>
+    <dgm:effectClrLst/>
+    <dgm:txLinClrLst/>
+    <dgm:txFillClrLst/>
+    <dgm:txEffectClrLst/>
+  </dgm:styleLbl>
+  <dgm:styleLbl name="node4">
+    <dgm:fillClrLst meth="repeat">
+      <a:schemeClr val="accent1"/>
+    </dgm:fillClrLst>
+    <dgm:linClrLst meth="repeat">
+      <a:schemeClr val="lt1"/>
+    </dgm:linClrLst>
+    <dgm:effectClrLst/>
+    <dgm:txLinClrLst/>
+    <dgm:txFillClrLst/>
+    <dgm:txEffectClrLst/>
+  </dgm:styleLbl>
+  <dgm:styleLbl name="fgImgPlace1">
+    <dgm:fillClrLst meth="repeat">
+      <a:schemeClr val="accent1">
+        <a:tint val="50000"/>
+      </a:schemeClr>
+    </dgm:fillClrLst>
+    <dgm:linClrLst meth="repeat">
+      <a:schemeClr val="lt1"/>
+    </dgm:linClrLst>
+    <dgm:effectClrLst/>
+    <dgm:txLinClrLst/>
+    <dgm:txFillClrLst meth="repeat">
+      <a:schemeClr val="lt1"/>
+    </dgm:txFillClrLst>
+    <dgm:txEffectClrLst/>
+  </dgm:styleLbl>
+  <dgm:styleLbl name="alignImgPlace1">
+    <dgm:fillClrLst meth="repeat">
+      <a:schemeClr val="accent1">
+        <a:tint val="50000"/>
+      </a:schemeClr>
+    </dgm:fillClrLst>
+    <dgm:linClrLst meth="repeat">
+      <a:schemeClr val="lt1"/>
+    </dgm:linClrLst>
+    <dgm:effectClrLst/>
+    <dgm:txLinClrLst/>
+    <dgm:txFillClrLst meth="repeat">
+      <a:schemeClr val="lt1"/>
+    </dgm:txFillClrLst>
+    <dgm:txEffectClrLst/>
+  </dgm:styleLbl>
+  <dgm:styleLbl name="bgImgPlace1">
+    <dgm:fillClrLst meth="repeat">
+      <a:schemeClr val="accent1">
+        <a:tint val="50000"/>
+      </a:schemeClr>
+    </dgm:fillClrLst>
+    <dgm:linClrLst meth="repeat">
+      <a:schemeClr val="lt1"/>
+    </dgm:linClrLst>
+    <dgm:effectClrLst/>
+    <dgm:txLinClrLst/>
+    <dgm:txFillClrLst meth="repeat">
+      <a:schemeClr val="lt1"/>
+    </dgm:txFillClrLst>
+    <dgm:txEffectClrLst/>
+  </dgm:styleLbl>
+  <dgm:styleLbl name="sibTrans2D1">
+    <dgm:fillClrLst meth="repeat">
+      <a:schemeClr val="accent1">
+        <a:tint val="60000"/>
+      </a:schemeClr>
+    </dgm:fillClrLst>
+    <dgm:linClrLst meth="repeat">
+      <a:schemeClr val="accent1">
+        <a:tint val="60000"/>
+      </a:schemeClr>
+    </dgm:linClrLst>
+    <dgm:effectClrLst/>
+    <dgm:txLinClrLst/>
+    <dgm:txFillClrLst/>
+    <dgm:txEffectClrLst/>
+  </dgm:styleLbl>
+  <dgm:styleLbl name="fgSibTrans2D1">
+    <dgm:fillClrLst meth="repeat">
+      <a:schemeClr val="accent1">
+        <a:tint val="60000"/>
+      </a:schemeClr>
+    </dgm:fillClrLst>
+    <dgm:linClrLst meth="repeat">
+      <a:schemeClr val="accent1">
+        <a:tint val="60000"/>
+      </a:schemeClr>
+    </dgm:linClrLst>
+    <dgm:effectClrLst/>
+    <dgm:txLinClrLst/>
+    <dgm:txFillClrLst/>
+    <dgm:txEffectClrLst/>
+  </dgm:styleLbl>
+  <dgm:styleLbl name="bgSibTrans2D1">
+    <dgm:fillClrLst meth="repeat">
+      <a:schemeClr val="accent1">
+        <a:tint val="60000"/>
+      </a:schemeClr>
+    </dgm:fillClrLst>
+    <dgm:linClrLst meth="repeat">
+      <a:schemeClr val="accent1">
+        <a:tint val="60000"/>
+      </a:schemeClr>
+    </dgm:linClrLst>
+    <dgm:effectClrLst/>
+    <dgm:txLinClrLst/>
+    <dgm:txFillClrLst/>
+    <dgm:txEffectClrLst/>
+  </dgm:styleLbl>
+  <dgm:styleLbl name="sibTrans1D1">
+    <dgm:fillClrLst meth="repeat">
+      <a:schemeClr val="accent1"/>
+    </dgm:fillClrLst>
+    <dgm:linClrLst meth="repeat">
+      <a:schemeClr val="accent1"/>
+    </dgm:linClrLst>
+    <dgm:effectClrLst/>
+    <dgm:txLinClrLst/>
+    <dgm:txFillClrLst meth="repeat">
+      <a:schemeClr val="tx1"/>
+    </dgm:txFillClrLst>
+    <dgm:txEffectClrLst/>
+  </dgm:styleLbl>
+  <dgm:styleLbl name="callout">
+    <dgm:fillClrLst meth="repeat">
+      <a:schemeClr val="accent1"/>
+    </dgm:fillClrLst>
+    <dgm:linClrLst meth="repeat">
+      <a:schemeClr val="accent1">
+        <a:tint val="50000"/>
+      </a:schemeClr>
+    </dgm:linClrLst>
+    <dgm:effectClrLst/>
+    <dgm:txLinClrLst/>
+    <dgm:txFillClrLst meth="repeat">
+      <a:schemeClr val="tx1"/>
+    </dgm:txFillClrLst>
+    <dgm:txEffectClrLst/>
+  </dgm:styleLbl>
+  <dgm:styleLbl name="asst0">
+    <dgm:fillClrLst meth="repeat">
+      <a:schemeClr val="accent1"/>
+    </dgm:fillClrLst>
+    <dgm:linClrLst meth="repeat">
+      <a:schemeClr val="lt1"/>
+    </dgm:linClrLst>
+    <dgm:effectClrLst/>
+    <dgm:txLinClrLst/>
+    <dgm:txFillClrLst/>
+    <dgm:txEffectClrLst/>
+  </dgm:styleLbl>
+  <dgm:styleLbl name="asst1">
+    <dgm:fillClrLst meth="repeat">
+      <a:schemeClr val="accent1"/>
+    </dgm:fillClrLst>
+    <dgm:linClrLst meth="repeat">
+      <a:schemeClr val="lt1"/>
+    </dgm:linClrLst>
+    <dgm:effectClrLst/>
+    <dgm:txLinClrLst/>
+    <dgm:txFillClrLst/>
+    <dgm:txEffectClrLst/>
+  </dgm:styleLbl>
+  <dgm:styleLbl name="asst2">
+    <dgm:fillClrLst meth="repeat">
+      <a:schemeClr val="accent1"/>
+    </dgm:fillClrLst>
+    <dgm:linClrLst meth="repeat">
+      <a:schemeClr val="lt1"/>
+    </dgm:linClrLst>
+    <dgm:effectClrLst/>
+    <dgm:txLinClrLst/>
+    <dgm:txFillClrLst/>
+    <dgm:txEffectClrLst/>
+  </dgm:styleLbl>
+  <dgm:styleLbl name="asst3">
+    <dgm:fillClrLst meth="repeat">
+      <a:schemeClr val="accent1"/>
+    </dgm:fillClrLst>
+    <dgm:linClrLst meth="repeat">
+      <a:schemeClr val="lt1"/>
+    </dgm:linClrLst>
+    <dgm:effectClrLst/>
+    <dgm:txLinClrLst/>
+    <dgm:txFillClrLst/>
+    <dgm:txEffectClrLst/>
+  </dgm:styleLbl>
+  <dgm:styleLbl name="asst4">
+    <dgm:fillClrLst meth="repeat">
+      <a:schemeClr val="accent1"/>
+    </dgm:fillClrLst>
+    <dgm:linClrLst meth="repeat">
+      <a:schemeClr val="lt1"/>
+    </dgm:linClrLst>
+    <dgm:effectClrLst/>
+    <dgm:txLinClrLst/>
+    <dgm:txFillClrLst/>
+    <dgm:txEffectClrLst/>
+  </dgm:styleLbl>
+  <dgm:styleLbl name="parChTrans2D1">
+    <dgm:fillClrLst meth="repeat">
+      <a:schemeClr val="accent1">
+        <a:tint val="60000"/>
+      </a:schemeClr>
+    </dgm:fillClrLst>
+    <dgm:linClrLst meth="repeat">
+      <a:schemeClr val="accent1">
+        <a:tint val="60000"/>
+      </a:schemeClr>
+    </dgm:linClrLst>
+    <dgm:effectClrLst/>
+    <dgm:txLinClrLst/>
+    <dgm:txFillClrLst meth="repeat">
+      <a:schemeClr val="lt1"/>
+    </dgm:txFillClrLst>
+    <dgm:txEffectClrLst/>
+  </dgm:styleLbl>
+  <dgm:styleLbl name="parChTrans2D2">
+    <dgm:fillClrLst meth="repeat">
+      <a:schemeClr val="accent1"/>
+    </dgm:fillClrLst>
+    <dgm:linClrLst meth="repeat">
+      <a:schemeClr val="accent1"/>
+    </dgm:linClrLst>
+    <dgm:effectClrLst/>
+    <dgm:txLinClrLst/>
+    <dgm:txFillClrLst meth="repeat">
+      <a:schemeClr val="lt1"/>
+    </dgm:txFillClrLst>
+    <dgm:txEffectClrLst/>
+  </dgm:styleLbl>
+  <dgm:styleLbl name="parChTrans2D3">
+    <dgm:fillClrLst meth="repeat">
+      <a:schemeClr val="accent1"/>
+    </dgm:fillClrLst>
+    <dgm:linClrLst meth="repeat">
+      <a:schemeClr val="accent1"/>
+    </dgm:linClrLst>
+    <dgm:effectClrLst/>
+    <dgm:txLinClrLst/>
+    <dgm:txFillClrLst meth="repeat">
+      <a:schemeClr val="lt1"/>
+    </dgm:txFillClrLst>
+    <dgm:txEffectClrLst/>
+  </dgm:styleLbl>
+  <dgm:styleLbl name="parChTrans2D4">
+    <dgm:fillClrLst meth="repeat">
+      <a:schemeClr val="accent1"/>
+    </dgm:fillClrLst>
+    <dgm:linClrLst meth="repeat">
+      <a:schemeClr val="accent1"/>
+    </dgm:linClrLst>
+    <dgm:effectClrLst/>
+    <dgm:txLinClrLst/>
+    <dgm:txFillClrLst meth="repeat">
+      <a:schemeClr val="lt1"/>
+    </dgm:txFillClrLst>
+    <dgm:txEffectClrLst/>
+  </dgm:styleLbl>
+  <dgm:styleLbl name="parChTrans1D1">
+    <dgm:fillClrLst meth="repeat">
+      <a:schemeClr val="accent1"/>
+    </dgm:fillClrLst>
+    <dgm:linClrLst meth="repeat">
+      <a:schemeClr val="accent1">
+        <a:shade val="60000"/>
+      </a:schemeClr>
+    </dgm:linClrLst>
+    <dgm:effectClrLst/>
+    <dgm:txLinClrLst/>
+    <dgm:txFillClrLst meth="repeat">
+      <a:schemeClr val="tx1"/>
+    </dgm:txFillClrLst>
+    <dgm:txEffectClrLst/>
+  </dgm:styleLbl>
+  <dgm:styleLbl name="parChTrans1D2">
+    <dgm:fillClrLst meth="repeat">
+      <a:schemeClr val="accent1"/>
+    </dgm:fillClrLst>
+    <dgm:linClrLst meth="repeat">
+      <a:schemeClr val="accent1">
+        <a:shade val="60000"/>
+      </a:schemeClr>
+    </dgm:linClrLst>
+    <dgm:effectClrLst/>
+    <dgm:txLinClrLst/>
+    <dgm:txFillClrLst meth="repeat">
+      <a:schemeClr val="tx1"/>
+    </dgm:txFillClrLst>
+    <dgm:txEffectClrLst/>
+  </dgm:styleLbl>
+  <dgm:styleLbl name="parChTrans1D3">
+    <dgm:fillClrLst meth="repeat">
+      <a:schemeClr val="accent1"/>
+    </dgm:fillClrLst>
+    <dgm:linClrLst meth="repeat">
+      <a:schemeClr val="accent1">
+        <a:shade val="80000"/>
+      </a:schemeClr>
+    </dgm:linClrLst>
+    <dgm:effectClrLst/>
+    <dgm:txLinClrLst/>
+    <dgm:txFillClrLst meth="repeat">
+      <a:schemeClr val="tx1"/>
+    </dgm:txFillClrLst>
+    <dgm:txEffectClrLst/>
+  </dgm:styleLbl>
+  <dgm:styleLbl name="parChTrans1D4">
+    <dgm:fillClrLst meth="repeat">
+      <a:schemeClr val="accent1"/>
+    </dgm:fillClrLst>
+    <dgm:linClrLst meth="repeat">
+      <a:schemeClr val="accent1">
+        <a:shade val="80000"/>
+      </a:schemeClr>
+    </dgm:linClrLst>
+    <dgm:effectClrLst/>
+    <dgm:txLinClrLst/>
+    <dgm:txFillClrLst meth="repeat">
+      <a:schemeClr val="tx1"/>
+    </dgm:txFillClrLst>
+    <dgm:txEffectClrLst/>
+  </dgm:styleLbl>
+  <dgm:styleLbl name="fgAcc1">
+    <dgm:fillClrLst meth="repeat">
+      <a:schemeClr val="lt1">
+        <a:alpha val="90000"/>
+      </a:schemeClr>
+    </dgm:fillClrLst>
+    <dgm:linClrLst meth="repeat">
+      <a:schemeClr val="accent1"/>
+    </dgm:linClrLst>
+    <dgm:effectClrLst/>
+    <dgm:txLinClrLst/>
+    <dgm:txFillClrLst meth="repeat">
+      <a:schemeClr val="dk1"/>
+    </dgm:txFillClrLst>
+    <dgm:txEffectClrLst/>
+  </dgm:styleLbl>
+  <dgm:styleLbl name="conFgAcc1">
+    <dgm:fillClrLst meth="repeat">
+      <a:schemeClr val="lt1">
+        <a:alpha val="90000"/>
+      </a:schemeClr>
+    </dgm:fillClrLst>
+    <dgm:linClrLst meth="repeat">
+      <a:schemeClr val="accent1"/>
+    </dgm:linClrLst>
+    <dgm:effectClrLst/>
+    <dgm:txLinClrLst/>
+    <dgm:txFillClrLst meth="repeat">
+      <a:schemeClr val="dk1"/>
+    </dgm:txFillClrLst>
+    <dgm:txEffectClrLst/>
+  </dgm:styleLbl>
+  <dgm:styleLbl name="alignAcc1">
+    <dgm:fillClrLst meth="repeat">
+      <a:schemeClr val="lt1">
+        <a:alpha val="90000"/>
+      </a:schemeClr>
+    </dgm:fillClrLst>
+    <dgm:linClrLst meth="repeat">
+      <a:schemeClr val="accent1"/>
+    </dgm:linClrLst>
+    <dgm:effectClrLst/>
+    <dgm:txLinClrLst/>
+    <dgm:txFillClrLst meth="repeat">
+      <a:schemeClr val="dk1"/>
+    </dgm:txFillClrLst>
+    <dgm:txEffectClrLst/>
+  </dgm:styleLbl>
+  <dgm:styleLbl name="trAlignAcc1">
+    <dgm:fillClrLst meth="repeat">
+      <a:schemeClr val="lt1">
+        <a:alpha val="40000"/>
+      </a:schemeClr>
+    </dgm:fillClrLst>
+    <dgm:linClrLst meth="repeat">
+      <a:schemeClr val="accent1"/>
+    </dgm:linClrLst>
+    <dgm:effectClrLst/>
+    <dgm:txLinClrLst/>
+    <dgm:txFillClrLst meth="repeat">
+      <a:schemeClr val="dk1"/>
+    </dgm:txFillClrLst>
+    <dgm:txEffectClrLst/>
+  </dgm:styleLbl>
+  <dgm:styleLbl name="bgAcc1">
+    <dgm:fillClrLst meth="repeat">
+      <a:schemeClr val="lt1">
+        <a:alpha val="90000"/>
+      </a:schemeClr>
+    </dgm:fillClrLst>
+    <dgm:linClrLst meth="repeat">
+      <a:schemeClr val="accent1"/>
+    </dgm:linClrLst>
+    <dgm:effectClrLst/>
+    <dgm:txLinClrLst/>
+    <dgm:txFillClrLst meth="repeat">
+      <a:schemeClr val="dk1"/>
+    </dgm:txFillClrLst>
+    <dgm:txEffectClrLst/>
+  </dgm:styleLbl>
+  <dgm:styleLbl name="solidFgAcc1">
+    <dgm:fillClrLst meth="repeat">
+      <a:schemeClr val="lt1"/>
+    </dgm:fillClrLst>
+    <dgm:linClrLst meth="repeat">
+      <a:schemeClr val="accent1"/>
+    </dgm:linClrLst>
+    <dgm:effectClrLst/>
+    <dgm:txLinClrLst/>
+    <dgm:txFillClrLst meth="repeat">
+      <a:schemeClr val="dk1"/>
+    </dgm:txFillClrLst>
+    <dgm:txEffectClrLst/>
+  </dgm:styleLbl>
+  <dgm:styleLbl name="solidAlignAcc1">
+    <dgm:fillClrLst meth="repeat">
+      <a:schemeClr val="lt1"/>
+    </dgm:fillClrLst>
+    <dgm:linClrLst meth="repeat">
+      <a:schemeClr val="accent1"/>
+    </dgm:linClrLst>
+    <dgm:effectClrLst/>
+    <dgm:txLinClrLst/>
+    <dgm:txFillClrLst meth="repeat">
+      <a:schemeClr val="dk1"/>
+    </dgm:txFillClrLst>
+    <dgm:txEffectClrLst/>
+  </dgm:styleLbl>
+  <dgm:styleLbl name="solidBgAcc1">
+    <dgm:fillClrLst meth="repeat">
+      <a:schemeClr val="lt1"/>
+    </dgm:fillClrLst>
+    <dgm:linClrLst meth="repeat">
+      <a:schemeClr val="accent1"/>
+    </dgm:linClrLst>
+    <dgm:effectClrLst/>
+    <dgm:txLinClrLst/>
+    <dgm:txFillClrLst meth="repeat">
+      <a:schemeClr val="dk1"/>
+    </dgm:txFillClrLst>
+    <dgm:txEffectClrLst/>
+  </dgm:styleLbl>
+  <dgm:styleLbl name="fgAccFollowNode1">
+    <dgm:fillClrLst meth="repeat">
+      <a:schemeClr val="accent1">
+        <a:alpha val="90000"/>
+        <a:tint val="40000"/>
+      </a:schemeClr>
+    </dgm:fillClrLst>
+    <dgm:linClrLst meth="repeat">
+      <a:schemeClr val="accent1">
+        <a:alpha val="90000"/>
+        <a:tint val="40000"/>
+      </a:schemeClr>
+    </dgm:linClrLst>
+    <dgm:effectClrLst/>
+    <dgm:txLinClrLst/>
+    <dgm:txFillClrLst meth="repeat">
+      <a:schemeClr val="dk1"/>
+    </dgm:txFillClrLst>
+    <dgm:txEffectClrLst/>
+  </dgm:styleLbl>
+  <dgm:styleLbl name="alignAccFollowNode1">
+    <dgm:fillClrLst meth="repeat">
+      <a:schemeClr val="accent1">
+        <a:alpha val="90000"/>
+        <a:tint val="40000"/>
+      </a:schemeClr>
+    </dgm:fillClrLst>
+    <dgm:linClrLst meth="repeat">
+      <a:schemeClr val="accent1">
+        <a:alpha val="90000"/>
+        <a:tint val="40000"/>
+      </a:schemeClr>
+    </dgm:linClrLst>
+    <dgm:effectClrLst/>
+    <dgm:txLinClrLst/>
+    <dgm:txFillClrLst meth="repeat">
+      <a:schemeClr val="dk1"/>
+    </dgm:txFillClrLst>
+    <dgm:txEffectClrLst/>
+  </dgm:styleLbl>
+  <dgm:styleLbl name="bgAccFollowNode1">
+    <dgm:fillClrLst meth="repeat">
+      <a:schemeClr val="accent1">
+        <a:alpha val="90000"/>
+        <a:tint val="40000"/>
+      </a:schemeClr>
+    </dgm:fillClrLst>
+    <dgm:linClrLst meth="repeat">
+      <a:schemeClr val="accent1">
+        <a:alpha val="90000"/>
+        <a:tint val="40000"/>
+      </a:schemeClr>
+    </dgm:linClrLst>
+    <dgm:effectClrLst/>
+    <dgm:txLinClrLst/>
+    <dgm:txFillClrLst meth="repeat">
+      <a:schemeClr val="dk1"/>
+    </dgm:txFillClrLst>
+    <dgm:txEffectClrLst/>
+  </dgm:styleLbl>
+  <dgm:styleLbl name="fgAcc0">
+    <dgm:fillClrLst meth="repeat">
+      <a:schemeClr val="lt1">
+        <a:alpha val="90000"/>
+      </a:schemeClr>
+    </dgm:fillClrLst>
+    <dgm:linClrLst meth="repeat">
+      <a:schemeClr val="accent1"/>
+    </dgm:linClrLst>
+    <dgm:effectClrLst/>
+    <dgm:txLinClrLst/>
+    <dgm:txFillClrLst meth="repeat">
+      <a:schemeClr val="dk1"/>
+    </dgm:txFillClrLst>
+    <dgm:txEffectClrLst/>
+  </dgm:styleLbl>
+  <dgm:styleLbl name="fgAcc2">
+    <dgm:fillClrLst meth="repeat">
+      <a:schemeClr val="lt1">
+        <a:alpha val="90000"/>
+      </a:schemeClr>
+    </dgm:fillClrLst>
+    <dgm:linClrLst meth="repeat">
+      <a:schemeClr val="accent1"/>
+    </dgm:linClrLst>
+    <dgm:effectClrLst/>
+    <dgm:txLinClrLst/>
+    <dgm:txFillClrLst meth="repeat">
+      <a:schemeClr val="dk1"/>
+    </dgm:txFillClrLst>
+    <dgm:txEffectClrLst/>
+  </dgm:styleLbl>
+  <dgm:styleLbl name="fgAcc3">
+    <dgm:fillClrLst meth="repeat">
+      <a:schemeClr val="lt1">
+        <a:alpha val="90000"/>
+      </a:schemeClr>
+    </dgm:fillClrLst>
+    <dgm:linClrLst meth="repeat">
+      <a:schemeClr val="accent1"/>
+    </dgm:linClrLst>
+    <dgm:effectClrLst/>
+    <dgm:txLinClrLst/>
+    <dgm:txFillClrLst meth="repeat">
+      <a:schemeClr val="dk1"/>
+    </dgm:txFillClrLst>
+    <dgm:txEffectClrLst/>
+  </dgm:styleLbl>
+  <dgm:styleLbl name="fgAcc4">
+    <dgm:fillClrLst meth="repeat">
+      <a:schemeClr val="lt1">
+        <a:alpha val="90000"/>
+      </a:schemeClr>
+    </dgm:fillClrLst>
+    <dgm:linClrLst meth="repeat">
+      <a:schemeClr val="accent1"/>
+    </dgm:linClrLst>
+    <dgm:effectClrLst/>
+    <dgm:txLinClrLst/>
+    <dgm:txFillClrLst meth="repeat">
+      <a:schemeClr val="dk1"/>
+    </dgm:txFillClrLst>
+    <dgm:txEffectClrLst/>
+  </dgm:styleLbl>
+  <dgm:styleLbl name="bgShp">
+    <dgm:fillClrLst meth="repeat">
+      <a:schemeClr val="accent1">
+        <a:tint val="40000"/>
+      </a:schemeClr>
+    </dgm:fillClrLst>
+    <dgm:linClrLst meth="repeat">
+      <a:schemeClr val="accent1"/>
+    </dgm:linClrLst>
+    <dgm:effectClrLst/>
+    <dgm:txLinClrLst/>
+    <dgm:txFillClrLst meth="repeat">
+      <a:schemeClr val="dk1"/>
+    </dgm:txFillClrLst>
+    <dgm:txEffectClrLst/>
+  </dgm:styleLbl>
+  <dgm:styleLbl name="dkBgShp">
+    <dgm:fillClrLst meth="repeat">
+      <a:schemeClr val="accent1">
+        <a:shade val="80000"/>
+      </a:schemeClr>
+    </dgm:fillClrLst>
+    <dgm:linClrLst meth="repeat">
+      <a:schemeClr val="accent1"/>
+    </dgm:linClrLst>
+    <dgm:effectClrLst/>
+    <dgm:txLinClrLst/>
+    <dgm:txFillClrLst meth="repeat">
+      <a:schemeClr val="lt1"/>
+    </dgm:txFillClrLst>
+    <dgm:txEffectClrLst/>
+  </dgm:styleLbl>
+  <dgm:styleLbl name="trBgShp">
+    <dgm:fillClrLst meth="repeat">
+      <a:schemeClr val="accent1">
+        <a:tint val="50000"/>
+        <a:alpha val="40000"/>
+      </a:schemeClr>
+    </dgm:fillClrLst>
+    <dgm:linClrLst meth="repeat">
+      <a:schemeClr val="accent1"/>
+    </dgm:linClrLst>
+    <dgm:effectClrLst/>
+    <dgm:txLinClrLst/>
+    <dgm:txFillClrLst meth="repeat">
+      <a:schemeClr val="lt1"/>
+    </dgm:txFillClrLst>
+    <dgm:txEffectClrLst/>
+  </dgm:styleLbl>
+  <dgm:styleLbl name="fgShp">
+    <dgm:fillClrLst meth="repeat">
+      <a:schemeClr val="accent1">
+        <a:tint val="60000"/>
+      </a:schemeClr>
+    </dgm:fillClrLst>
+    <dgm:linClrLst meth="repeat">
+      <a:schemeClr val="lt1"/>
+    </dgm:linClrLst>
+    <dgm:effectClrLst/>
+    <dgm:txLinClrLst/>
+    <dgm:txFillClrLst meth="repeat">
+      <a:schemeClr val="dk1"/>
+    </dgm:txFillClrLst>
+    <dgm:txEffectClrLst/>
+  </dgm:styleLbl>
+  <dgm:styleLbl name="revTx">
+    <dgm:fillClrLst meth="repeat">
+      <a:schemeClr val="lt1">
+        <a:alpha val="0"/>
+      </a:schemeClr>
+    </dgm:fillClrLst>
+    <dgm:linClrLst meth="repeat">
+      <a:schemeClr val="dk1">
+        <a:alpha val="0"/>
+      </a:schemeClr>
+    </dgm:linClrLst>
+    <dgm:effectClrLst/>
+    <dgm:txLinClrLst/>
+    <dgm:txFillClrLst meth="repeat">
+      <a:schemeClr val="tx1"/>
+    </dgm:txFillClrLst>
+    <dgm:txEffectClrLst/>
+  </dgm:styleLbl>
+</dgm:colorsDef>
+</file>
+
+<file path=ppt/diagrams/colors2.xml><?xml version="1.0" encoding="utf-8"?>
+<dgm:colorsDef xmlns:dgm="http://schemas.openxmlformats.org/drawingml/2006/diagram" xmlns:a="http://schemas.openxmlformats.org/drawingml/2006/main" uniqueId="urn:microsoft.com/office/officeart/2005/8/colors/accent1_1">
+  <dgm:title val=""/>
+  <dgm:desc val=""/>
+  <dgm:catLst>
+    <dgm:cat type="accent1" pri="11100"/>
+  </dgm:catLst>
+  <dgm:styleLbl name="node0">
+    <dgm:fillClrLst meth="repeat">
+      <a:schemeClr val="lt1"/>
+    </dgm:fillClrLst>
+    <dgm:linClrLst meth="repeat">
+      <a:schemeClr val="accent1">
+        <a:shade val="80000"/>
+      </a:schemeClr>
+    </dgm:linClrLst>
+    <dgm:effectClrLst/>
+    <dgm:txLinClrLst/>
+    <dgm:txFillClrLst meth="repeat">
+      <a:schemeClr val="dk1"/>
+    </dgm:txFillClrLst>
+    <dgm:txEffectClrLst/>
+  </dgm:styleLbl>
+  <dgm:styleLbl name="alignNode1">
+    <dgm:fillClrLst meth="repeat">
+      <a:schemeClr val="lt1"/>
+    </dgm:fillClrLst>
+    <dgm:linClrLst meth="repeat">
+      <a:schemeClr val="accent1">
+        <a:shade val="80000"/>
+      </a:schemeClr>
+    </dgm:linClrLst>
+    <dgm:effectClrLst/>
+    <dgm:txLinClrLst/>
+    <dgm:txFillClrLst meth="repeat">
+      <a:schemeClr val="dk1"/>
+    </dgm:txFillClrLst>
+    <dgm:txEffectClrLst/>
+  </dgm:styleLbl>
+  <dgm:styleLbl name="node1">
+    <dgm:fillClrLst meth="repeat">
+      <a:schemeClr val="lt1"/>
+    </dgm:fillClrLst>
+    <dgm:linClrLst meth="repeat">
+      <a:schemeClr val="accent1">
+        <a:shade val="80000"/>
+      </a:schemeClr>
+    </dgm:linClrLst>
+    <dgm:effectClrLst/>
+    <dgm:txLinClrLst/>
+    <dgm:txFillClrLst meth="repeat">
+      <a:schemeClr val="dk1"/>
+    </dgm:txFillClrLst>
+    <dgm:txEffectClrLst/>
+  </dgm:styleLbl>
+  <dgm:styleLbl name="lnNode1">
+    <dgm:fillClrLst meth="repeat">
+      <a:schemeClr val="lt1"/>
+    </dgm:fillClrLst>
+    <dgm:linClrLst meth="repeat">
+      <a:schemeClr val="accent1">
+        <a:shade val="80000"/>
+      </a:schemeClr>
+    </dgm:linClrLst>
+    <dgm:effectClrLst/>
+    <dgm:txLinClrLst/>
+    <dgm:txFillClrLst meth="repeat">
+      <a:schemeClr val="dk1"/>
+    </dgm:txFillClrLst>
+    <dgm:txEffectClrLst/>
+  </dgm:styleLbl>
+  <dgm:styleLbl name="vennNode1">
+    <dgm:fillClrLst meth="repeat">
+      <a:schemeClr val="lt1">
+        <a:alpha val="50000"/>
+      </a:schemeClr>
+    </dgm:fillClrLst>
+    <dgm:linClrLst meth="repeat">
+      <a:schemeClr val="accent1">
+        <a:shade val="80000"/>
+      </a:schemeClr>
+    </dgm:linClrLst>
+    <dgm:effectClrLst/>
+    <dgm:txLinClrLst/>
+    <dgm:txFillClrLst/>
+    <dgm:txEffectClrLst/>
+  </dgm:styleLbl>
+  <dgm:styleLbl name="node2">
+    <dgm:fillClrLst meth="repeat">
+      <a:schemeClr val="lt1"/>
+    </dgm:fillClrLst>
+    <dgm:linClrLst meth="repeat">
+      <a:schemeClr val="accent1">
+        <a:shade val="80000"/>
+      </a:schemeClr>
+    </dgm:linClrLst>
+    <dgm:effectClrLst/>
+    <dgm:txLinClrLst/>
+    <dgm:txFillClrLst meth="repeat">
+      <a:schemeClr val="dk1"/>
+    </dgm:txFillClrLst>
+    <dgm:txEffectClrLst/>
+  </dgm:styleLbl>
+  <dgm:styleLbl name="node3">
+    <dgm:fillClrLst meth="repeat">
+      <a:schemeClr val="lt1"/>
+    </dgm:fillClrLst>
+    <dgm:linClrLst meth="repeat">
+      <a:schemeClr val="accent1">
+        <a:shade val="80000"/>
+      </a:schemeClr>
+    </dgm:linClrLst>
+    <dgm:effectClrLst/>
+    <dgm:txLinClrLst/>
+    <dgm:txFillClrLst meth="repeat">
+      <a:schemeClr val="dk1"/>
+    </dgm:txFillClrLst>
+    <dgm:txEffectClrLst/>
+  </dgm:styleLbl>
+  <dgm:styleLbl name="node4">
+    <dgm:fillClrLst meth="repeat">
+      <a:schemeClr val="lt1"/>
+    </dgm:fillClrLst>
+    <dgm:linClrLst meth="repeat">
+      <a:schemeClr val="accent1">
+        <a:shade val="80000"/>
+      </a:schemeClr>
+    </dgm:linClrLst>
+    <dgm:effectClrLst/>
+    <dgm:txLinClrLst/>
+    <dgm:txFillClrLst meth="repeat">
+      <a:schemeClr val="dk1"/>
+    </dgm:txFillClrLst>
+    <dgm:txEffectClrLst/>
+  </dgm:styleLbl>
+  <dgm:styleLbl name="fgImgPlace1">
+    <dgm:fillClrLst meth="repeat">
+      <a:schemeClr val="accent1">
+        <a:tint val="40000"/>
+      </a:schemeClr>
+    </dgm:fillClrLst>
+    <dgm:linClrLst meth="repeat">
+      <a:schemeClr val="accent1">
+        <a:shade val="80000"/>
+      </a:schemeClr>
+    </dgm:linClrLst>
+    <dgm:effectClrLst/>
+    <dgm:txLinClrLst/>
+    <dgm:txFillClrLst meth="repeat">
+      <a:schemeClr val="lt1"/>
+    </dgm:txFillClrLst>
+    <dgm:txEffectClrLst/>
+  </dgm:styleLbl>
+  <dgm:styleLbl name="alignImgPlace1">
+    <dgm:fillClrLst meth="repeat">
+      <a:schemeClr val="accent1">
+        <a:tint val="40000"/>
+      </a:schemeClr>
+    </dgm:fillClrLst>
+    <dgm:linClrLst meth="repeat">
+      <a:schemeClr val="accent1">
+        <a:shade val="80000"/>
+      </a:schemeClr>
+    </dgm:linClrLst>
+    <dgm:effectClrLst/>
+    <dgm:txLinClrLst/>
+    <dgm:txFillClrLst meth="repeat">
+      <a:schemeClr val="lt1"/>
+    </dgm:txFillClrLst>
+    <dgm:txEffectClrLst/>
+  </dgm:styleLbl>
+  <dgm:styleLbl name="bgImgPlace1">
+    <dgm:fillClrLst meth="repeat">
+      <a:schemeClr val="accent1">
+        <a:tint val="40000"/>
+      </a:schemeClr>
+    </dgm:fillClrLst>
+    <dgm:linClrLst meth="repeat">
+      <a:schemeClr val="accent1">
+        <a:shade val="80000"/>
+      </a:schemeClr>
+    </dgm:linClrLst>
+    <dgm:effectClrLst/>
+    <dgm:txLinClrLst/>
+    <dgm:txFillClrLst meth="repeat">
+      <a:schemeClr val="lt1"/>
+    </dgm:txFillClrLst>
+    <dgm:txEffectClrLst/>
+  </dgm:styleLbl>
+  <dgm:styleLbl name="sibTrans2D1">
+    <dgm:fillClrLst meth="repeat">
+      <a:schemeClr val="accent1">
+        <a:tint val="60000"/>
+      </a:schemeClr>
+    </dgm:fillClrLst>
+    <dgm:linClrLst meth="repeat">
+      <a:schemeClr val="accent1">
+        <a:tint val="60000"/>
+      </a:schemeClr>
+    </dgm:linClrLst>
+    <dgm:effectClrLst/>
+    <dgm:txLinClrLst/>
+    <dgm:txFillClrLst meth="repeat">
+      <a:schemeClr val="dk1"/>
+    </dgm:txFillClrLst>
+    <dgm:txEffectClrLst/>
+  </dgm:styleLbl>
+  <dgm:styleLbl name="fgSibTrans2D1">
+    <dgm:fillClrLst meth="repeat">
+      <a:schemeClr val="accent1">
+        <a:tint val="60000"/>
+      </a:schemeClr>
+    </dgm:fillClrLst>
+    <dgm:linClrLst meth="repeat">
+      <a:schemeClr val="accent1">
+        <a:tint val="60000"/>
+      </a:schemeClr>
+    </dgm:linClrLst>
+    <dgm:effectClrLst/>
+    <dgm:txLinClrLst/>
+    <dgm:txFillClrLst meth="repeat">
+      <a:schemeClr val="dk1"/>
+    </dgm:txFillClrLst>
+    <dgm:txEffectClrLst/>
+  </dgm:styleLbl>
+  <dgm:styleLbl name="bgSibTrans2D1">
+    <dgm:fillClrLst meth="repeat">
+      <a:schemeClr val="accent1">
+        <a:tint val="60000"/>
+      </a:schemeClr>
+    </dgm:fillClrLst>
+    <dgm:linClrLst meth="repeat">
+      <a:schemeClr val="accent1">
+        <a:tint val="60000"/>
+      </a:schemeClr>
+    </dgm:linClrLst>
+    <dgm:effectClrLst/>
+    <dgm:txLinClrLst/>
+    <dgm:txFillClrLst meth="repeat">
+      <a:schemeClr val="dk1"/>
+    </dgm:txFillClrLst>
+    <dgm:txEffectClrLst/>
+  </dgm:styleLbl>
+  <dgm:styleLbl name="sibTrans1D1">
+    <dgm:fillClrLst meth="repeat">
+      <a:schemeClr val="accent1"/>
+    </dgm:fillClrLst>
+    <dgm:linClrLst meth="repeat">
+      <a:schemeClr val="accent1"/>
+    </dgm:linClrLst>
+    <dgm:effectClrLst/>
+    <dgm:txLinClrLst/>
+    <dgm:txFillClrLst meth="repeat">
+      <a:schemeClr val="tx1"/>
+    </dgm:txFillClrLst>
+    <dgm:txEffectClrLst/>
+  </dgm:styleLbl>
+  <dgm:styleLbl name="callout">
+    <dgm:fillClrLst meth="repeat">
+      <a:schemeClr val="accent1"/>
+    </dgm:fillClrLst>
+    <dgm:linClrLst meth="repeat">
+      <a:schemeClr val="accent1"/>
+    </dgm:linClrLst>
+    <dgm:effectClrLst/>
+    <dgm:txLinClrLst/>
+    <dgm:txFillClrLst meth="repeat">
+      <a:schemeClr val="tx1"/>
+    </dgm:txFillClrLst>
+    <dgm:txEffectClrLst/>
+  </dgm:styleLbl>
+  <dgm:styleLbl name="asst0">
+    <dgm:fillClrLst meth="repeat">
+      <a:schemeClr val="lt1"/>
+    </dgm:fillClrLst>
+    <dgm:linClrLst meth="repeat">
+      <a:schemeClr val="accent1">
+        <a:shade val="80000"/>
+      </a:schemeClr>
+    </dgm:linClrLst>
+    <dgm:effectClrLst/>
+    <dgm:txLinClrLst/>
+    <dgm:txFillClrLst meth="repeat">
+      <a:schemeClr val="dk1"/>
+    </dgm:txFillClrLst>
+    <dgm:txEffectClrLst/>
+  </dgm:styleLbl>
+  <dgm:styleLbl name="asst1">
+    <dgm:fillClrLst meth="repeat">
+      <a:schemeClr val="lt1"/>
+    </dgm:fillClrLst>
+    <dgm:linClrLst meth="repeat">
+      <a:schemeClr val="accent1">
+        <a:shade val="80000"/>
+      </a:schemeClr>
+    </dgm:linClrLst>
+    <dgm:effectClrLst/>
+    <dgm:txLinClrLst/>
+    <dgm:txFillClrLst meth="repeat">
+      <a:schemeClr val="dk1"/>
+    </dgm:txFillClrLst>
+    <dgm:txEffectClrLst/>
+  </dgm:styleLbl>
+  <dgm:styleLbl name="asst2">
+    <dgm:fillClrLst meth="repeat">
+      <a:schemeClr val="lt1"/>
+    </dgm:fillClrLst>
+    <dgm:linClrLst meth="repeat">
+      <a:schemeClr val="accent1">
+        <a:shade val="80000"/>
+      </a:schemeClr>
+    </dgm:linClrLst>
+    <dgm:effectClrLst/>
+    <dgm:txLinClrLst/>
+    <dgm:txFillClrLst meth="repeat">
+      <a:schemeClr val="dk1"/>
+    </dgm:txFillClrLst>
+    <dgm:txEffectClrLst/>
+  </dgm:styleLbl>
+  <dgm:styleLbl name="asst3">
+    <dgm:fillClrLst meth="repeat">
+      <a:schemeClr val="lt1"/>
+    </dgm:fillClrLst>
+    <dgm:linClrLst meth="repeat">
+      <a:schemeClr val="accent1">
+        <a:shade val="80000"/>
+      </a:schemeClr>
+    </dgm:linClrLst>
+    <dgm:effectClrLst/>
+    <dgm:txLinClrLst/>
+    <dgm:txFillClrLst meth="repeat">
+      <a:schemeClr val="dk1"/>
+    </dgm:txFillClrLst>
+    <dgm:txEffectClrLst/>
+  </dgm:styleLbl>
+  <dgm:styleLbl name="asst4">
+    <dgm:fillClrLst meth="repeat">
+      <a:schemeClr val="lt1"/>
+    </dgm:fillClrLst>
+    <dgm:linClrLst meth="repeat">
+      <a:schemeClr val="accent1">
+        <a:shade val="80000"/>
+      </a:schemeClr>
+    </dgm:linClrLst>
+    <dgm:effectClrLst/>
+    <dgm:txLinClrLst/>
+    <dgm:txFillClrLst meth="repeat">
+      <a:schemeClr val="dk1"/>
+    </dgm:txFillClrLst>
+    <dgm:txEffectClrLst/>
+  </dgm:styleLbl>
+  <dgm:styleLbl name="parChTrans2D1">
+    <dgm:fillClrLst meth="repeat">
+      <a:schemeClr val="accent1">
+        <a:tint val="60000"/>
+      </a:schemeClr>
+    </dgm:fillClrLst>
+    <dgm:linClrLst meth="repeat">
+      <a:schemeClr val="accent1">
+        <a:tint val="60000"/>
+      </a:schemeClr>
+    </dgm:linClrLst>
+    <dgm:effectClrLst/>
+    <dgm:txLinClrLst/>
+    <dgm:txFillClrLst/>
+    <dgm:txEffectClrLst/>
+  </dgm:styleLbl>
+  <dgm:styleLbl name="parChTrans2D2">
+    <dgm:fillClrLst meth="repeat">
+      <a:schemeClr val="accent1"/>
+    </dgm:fillClrLst>
+    <dgm:linClrLst meth="repeat">
+      <a:schemeClr val="accent1"/>
+    </dgm:linClrLst>
+    <dgm:effectClrLst/>
+    <dgm:txLinClrLst/>
+    <dgm:txFillClrLst/>
+    <dgm:txEffectClrLst/>
+  </dgm:styleLbl>
+  <dgm:styleLbl name="parChTrans2D3">
+    <dgm:fillClrLst meth="repeat">
+      <a:schemeClr val="accent1"/>
+    </dgm:fillClrLst>
+    <dgm:linClrLst meth="repeat">
+      <a:schemeClr val="accent1"/>
+    </dgm:linClrLst>
+    <dgm:effectClrLst/>
+    <dgm:txLinClrLst/>
+    <dgm:txFillClrLst/>
+    <dgm:txEffectClrLst/>
+  </dgm:styleLbl>
+  <dgm:styleLbl name="parChTrans2D4">
+    <dgm:fillClrLst meth="repeat">
+      <a:schemeClr val="accent1"/>
+    </dgm:fillClrLst>
+    <dgm:linClrLst meth="repeat">
+      <a:schemeClr val="accent1"/>
+    </dgm:linClrLst>
+    <dgm:effectClrLst/>
+    <dgm:txLinClrLst/>
+    <dgm:txFillClrLst meth="repeat">
+      <a:schemeClr val="lt1"/>
+    </dgm:txFillClrLst>
+    <dgm:txEffectClrLst/>
+  </dgm:styleLbl>
+  <dgm:styleLbl name="parChTrans1D1">
+    <dgm:fillClrLst meth="repeat">
+      <a:schemeClr val="accent1"/>
+    </dgm:fillClrLst>
+    <dgm:linClrLst meth="repeat">
+      <a:schemeClr val="accent1">
+        <a:shade val="60000"/>
+      </a:schemeClr>
+    </dgm:linClrLst>
+    <dgm:effectClrLst/>
+    <dgm:txLinClrLst/>
+    <dgm:txFillClrLst meth="repeat">
+      <a:schemeClr val="tx1"/>
+    </dgm:txFillClrLst>
+    <dgm:txEffectClrLst/>
+  </dgm:styleLbl>
+  <dgm:styleLbl name="parChTrans1D2">
+    <dgm:fillClrLst meth="repeat">
+      <a:schemeClr val="accent1"/>
+    </dgm:fillClrLst>
+    <dgm:linClrLst meth="repeat">
+      <a:schemeClr val="accent1">
+        <a:shade val="60000"/>
+      </a:schemeClr>
+    </dgm:linClrLst>
+    <dgm:effectClrLst/>
+    <dgm:txLinClrLst/>
+    <dgm:txFillClrLst meth="repeat">
+      <a:schemeClr val="tx1"/>
+    </dgm:txFillClrLst>
+    <dgm:txEffectClrLst/>
+  </dgm:styleLbl>
+  <dgm:styleLbl name="parChTrans1D3">
+    <dgm:fillClrLst meth="repeat">
+      <a:schemeClr val="accent1"/>
+    </dgm:fillClrLst>
+    <dgm:linClrLst meth="repeat">
+      <a:schemeClr val="accent1">
+        <a:shade val="80000"/>
+      </a:schemeClr>
+    </dgm:linClrLst>
+    <dgm:effectClrLst/>
+    <dgm:txLinClrLst/>
+    <dgm:txFillClrLst meth="repeat">
+      <a:schemeClr val="tx1"/>
+    </dgm:txFillClrLst>
+    <dgm:txEffectClrLst/>
+  </dgm:styleLbl>
+  <dgm:styleLbl name="parChTrans1D4">
+    <dgm:fillClrLst meth="repeat">
+      <a:schemeClr val="accent1"/>
+    </dgm:fillClrLst>
+    <dgm:linClrLst meth="repeat">
+      <a:schemeClr val="accent1">
+        <a:shade val="80000"/>
+      </a:schemeClr>
+    </dgm:linClrLst>
+    <dgm:effectClrLst/>
+    <dgm:txLinClrLst/>
+    <dgm:txFillClrLst meth="repeat">
+      <a:schemeClr val="tx1"/>
+    </dgm:txFillClrLst>
+    <dgm:txEffectClrLst/>
+  </dgm:styleLbl>
+  <dgm:styleLbl name="fgAcc1">
+    <dgm:fillClrLst meth="repeat">
+      <a:schemeClr val="accent1">
+        <a:alpha val="90000"/>
+        <a:tint val="40000"/>
+      </a:schemeClr>
+    </dgm:fillClrLst>
+    <dgm:linClrLst meth="repeat">
+      <a:schemeClr val="accent1"/>
+    </dgm:linClrLst>
+    <dgm:effectClrLst/>
+    <dgm:txLinClrLst/>
+    <dgm:txFillClrLst meth="repeat">
+      <a:schemeClr val="dk1"/>
+    </dgm:txFillClrLst>
+    <dgm:txEffectClrLst/>
+  </dgm:styleLbl>
+  <dgm:styleLbl name="conFgAcc1">
+    <dgm:fillClrLst meth="repeat">
+      <a:schemeClr val="accent1">
+        <a:alpha val="90000"/>
+        <a:tint val="40000"/>
+      </a:schemeClr>
+    </dgm:fillClrLst>
+    <dgm:linClrLst meth="repeat">
+      <a:schemeClr val="accent1"/>
+    </dgm:linClrLst>
+    <dgm:effectClrLst/>
+    <dgm:txLinClrLst/>
+    <dgm:txFillClrLst meth="repeat">
+      <a:schemeClr val="dk1"/>
+    </dgm:txFillClrLst>
+    <dgm:txEffectClrLst/>
+  </dgm:styleLbl>
+  <dgm:styleLbl name="alignAcc1">
+    <dgm:fillClrLst meth="repeat">
+      <a:schemeClr val="accent1">
+        <a:alpha val="90000"/>
+        <a:tint val="40000"/>
+      </a:schemeClr>
+    </dgm:fillClrLst>
+    <dgm:linClrLst meth="repeat">
+      <a:schemeClr val="accent1"/>
+    </dgm:linClrLst>
+    <dgm:effectClrLst/>
+    <dgm:txLinClrLst/>
+    <dgm:txFillClrLst meth="repeat">
+      <a:schemeClr val="dk1"/>
+    </dgm:txFillClrLst>
+    <dgm:txEffectClrLst/>
+  </dgm:styleLbl>
+  <dgm:styleLbl name="trAlignAcc1">
+    <dgm:fillClrLst meth="repeat">
+      <a:schemeClr val="accent1">
+        <a:alpha val="40000"/>
+        <a:tint val="40000"/>
+      </a:schemeClr>
+    </dgm:fillClrLst>
+    <dgm:linClrLst meth="repeat">
+      <a:schemeClr val="accent1"/>
+    </dgm:linClrLst>
+    <dgm:effectClrLst/>
+    <dgm:txLinClrLst/>
+    <dgm:txFillClrLst meth="repeat">
+      <a:schemeClr val="dk1"/>
+    </dgm:txFillClrLst>
+    <dgm:txEffectClrLst/>
+  </dgm:styleLbl>
+  <dgm:styleLbl name="bgAcc1">
+    <dgm:fillClrLst meth="repeat">
+      <a:schemeClr val="accent1">
+        <a:alpha val="90000"/>
+        <a:tint val="40000"/>
+      </a:schemeClr>
+    </dgm:fillClrLst>
+    <dgm:linClrLst meth="repeat">
+      <a:schemeClr val="accent1"/>
+    </dgm:linClrLst>
+    <dgm:effectClrLst/>
+    <dgm:txLinClrLst/>
+    <dgm:txFillClrLst meth="repeat">
+      <a:schemeClr val="dk1"/>
+    </dgm:txFillClrLst>
+    <dgm:txEffectClrLst/>
+  </dgm:styleLbl>
+  <dgm:styleLbl name="solidFgAcc1">
+    <dgm:fillClrLst meth="repeat">
+      <a:schemeClr val="lt1"/>
+    </dgm:fillClrLst>
+    <dgm:linClrLst meth="repeat">
+      <a:schemeClr val="accent1"/>
+    </dgm:linClrLst>
+    <dgm:effectClrLst/>
+    <dgm:txLinClrLst/>
+    <dgm:txFillClrLst meth="repeat">
+      <a:schemeClr val="dk1"/>
+    </dgm:txFillClrLst>
+    <dgm:txEffectClrLst/>
+  </dgm:styleLbl>
+  <dgm:styleLbl name="solidAlignAcc1">
+    <dgm:fillClrLst meth="repeat">
+      <a:schemeClr val="lt1"/>
+    </dgm:fillClrLst>
+    <dgm:linClrLst meth="repeat">
+      <a:schemeClr val="accent1"/>
+    </dgm:linClrLst>
+    <dgm:effectClrLst/>
+    <dgm:txLinClrLst/>
+    <dgm:txFillClrLst meth="repeat">
+      <a:schemeClr val="dk1"/>
+    </dgm:txFillClrLst>
+    <dgm:txEffectClrLst/>
+  </dgm:styleLbl>
+  <dgm:styleLbl name="solidBgAcc1">
+    <dgm:fillClrLst meth="repeat">
+      <a:schemeClr val="lt1"/>
+    </dgm:fillClrLst>
+    <dgm:linClrLst meth="repeat">
+      <a:schemeClr val="accent1"/>
+    </dgm:linClrLst>
+    <dgm:effectClrLst/>
+    <dgm:txLinClrLst/>
+    <dgm:txFillClrLst meth="repeat">
+      <a:schemeClr val="dk1"/>
+    </dgm:txFillClrLst>
+    <dgm:txEffectClrLst/>
+  </dgm:styleLbl>
+  <dgm:styleLbl name="fgAccFollowNode1">
+    <dgm:fillClrLst meth="repeat">
+      <a:schemeClr val="lt1">
+        <a:alpha val="90000"/>
+        <a:tint val="40000"/>
+      </a:schemeClr>
+    </dgm:fillClrLst>
+    <dgm:linClrLst meth="repeat">
+      <a:schemeClr val="accent1">
+        <a:alpha val="90000"/>
+      </a:schemeClr>
+    </dgm:linClrLst>
+    <dgm:effectClrLst/>
+    <dgm:txLinClrLst/>
+    <dgm:txFillClrLst meth="repeat">
+      <a:schemeClr val="dk1"/>
+    </dgm:txFillClrLst>
+    <dgm:txEffectClrLst/>
+  </dgm:styleLbl>
+  <dgm:styleLbl name="alignAccFollowNode1">
+    <dgm:fillClrLst meth="repeat">
+      <a:schemeClr val="lt1">
+        <a:alpha val="90000"/>
+        <a:tint val="40000"/>
+      </a:schemeClr>
+    </dgm:fillClrLst>
+    <dgm:linClrLst meth="repeat">
+      <a:schemeClr val="accent1">
+        <a:alpha val="90000"/>
+      </a:schemeClr>
+    </dgm:linClrLst>
+    <dgm:effectClrLst/>
+    <dgm:txLinClrLst/>
+    <dgm:txFillClrLst meth="repeat">
+      <a:schemeClr val="dk1"/>
+    </dgm:txFillClrLst>
+    <dgm:txEffectClrLst/>
+  </dgm:styleLbl>
+  <dgm:styleLbl name="bgAccFollowNode1">
+    <dgm:fillClrLst meth="repeat">
+      <a:schemeClr val="lt1">
+        <a:alpha val="90000"/>
+        <a:tint val="40000"/>
+      </a:schemeClr>
+    </dgm:fillClrLst>
+    <dgm:linClrLst meth="repeat">
+      <a:schemeClr val="accent1">
+        <a:alpha val="90000"/>
+      </a:schemeClr>
+    </dgm:linClrLst>
+    <dgm:effectClrLst/>
+    <dgm:txLinClrLst/>
+    <dgm:txFillClrLst meth="repeat">
+      <a:schemeClr val="dk1"/>
+    </dgm:txFillClrLst>
+    <dgm:txEffectClrLst/>
+  </dgm:styleLbl>
+  <dgm:styleLbl name="fgAcc0">
+    <dgm:fillClrLst meth="repeat">
+      <a:schemeClr val="accent1">
+        <a:alpha val="90000"/>
+        <a:tint val="40000"/>
+      </a:schemeClr>
+    </dgm:fillClrLst>
+    <dgm:linClrLst meth="repeat">
+      <a:schemeClr val="accent1"/>
+    </dgm:linClrLst>
+    <dgm:effectClrLst/>
+    <dgm:txLinClrLst/>
+    <dgm:txFillClrLst meth="repeat">
+      <a:schemeClr val="dk1"/>
+    </dgm:txFillClrLst>
+    <dgm:txEffectClrLst/>
+  </dgm:styleLbl>
+  <dgm:styleLbl name="fgAcc2">
+    <dgm:fillClrLst meth="repeat">
+      <a:schemeClr val="accent1">
+        <a:alpha val="90000"/>
+        <a:tint val="40000"/>
+      </a:schemeClr>
+    </dgm:fillClrLst>
+    <dgm:linClrLst meth="repeat">
+      <a:schemeClr val="accent1"/>
+    </dgm:linClrLst>
+    <dgm:effectClrLst/>
+    <dgm:txLinClrLst/>
+    <dgm:txFillClrLst meth="repeat">
+      <a:schemeClr val="dk1"/>
+    </dgm:txFillClrLst>
+    <dgm:txEffectClrLst/>
+  </dgm:styleLbl>
+  <dgm:styleLbl name="fgAcc3">
+    <dgm:fillClrLst meth="repeat">
+      <a:schemeClr val="accent1">
+        <a:alpha val="90000"/>
+        <a:tint val="40000"/>
+      </a:schemeClr>
+    </dgm:fillClrLst>
+    <dgm:linClrLst meth="repeat">
+      <a:schemeClr val="accent1"/>
+    </dgm:linClrLst>
+    <dgm:effectClrLst/>
+    <dgm:txLinClrLst/>
+    <dgm:txFillClrLst meth="repeat">
+      <a:schemeClr val="dk1"/>
+    </dgm:txFillClrLst>
+    <dgm:txEffectClrLst/>
+  </dgm:styleLbl>
+  <dgm:styleLbl name="fgAcc4">
+    <dgm:fillClrLst meth="repeat">
+      <a:schemeClr val="accent1">
+        <a:alpha val="90000"/>
+        <a:tint val="40000"/>
+      </a:schemeClr>
+    </dgm:fillClrLst>
+    <dgm:linClrLst meth="repeat">
+      <a:schemeClr val="accent1"/>
+    </dgm:linClrLst>
+    <dgm:effectClrLst/>
+    <dgm:txLinClrLst/>
+    <dgm:txFillClrLst meth="repeat">
+      <a:schemeClr val="dk1"/>
+    </dgm:txFillClrLst>
+    <dgm:txEffectClrLst/>
+  </dgm:styleLbl>
+  <dgm:styleLbl name="bgShp">
+    <dgm:fillClrLst meth="repeat">
+      <a:schemeClr val="accent1">
+        <a:tint val="40000"/>
+      </a:schemeClr>
+    </dgm:fillClrLst>
+    <dgm:linClrLst meth="repeat">
+      <a:schemeClr val="accent1"/>
+    </dgm:linClrLst>
+    <dgm:effectClrLst/>
+    <dgm:txLinClrLst/>
+    <dgm:txFillClrLst meth="repeat">
+      <a:schemeClr val="dk1"/>
+    </dgm:txFillClrLst>
+    <dgm:txEffectClrLst/>
+  </dgm:styleLbl>
+  <dgm:styleLbl name="dkBgShp">
+    <dgm:fillClrLst meth="repeat">
+      <a:schemeClr val="accent1">
+        <a:shade val="80000"/>
+      </a:schemeClr>
+    </dgm:fillClrLst>
+    <dgm:linClrLst meth="repeat">
+      <a:schemeClr val="accent1"/>
+    </dgm:linClrLst>
+    <dgm:effectClrLst/>
+    <dgm:txLinClrLst/>
+    <dgm:txFillClrLst meth="repeat">
+      <a:schemeClr val="lt1"/>
+    </dgm:txFillClrLst>
+    <dgm:txEffectClrLst/>
+  </dgm:styleLbl>
+  <dgm:styleLbl name="trBgShp">
+    <dgm:fillClrLst meth="repeat">
+      <a:schemeClr val="accent1">
+        <a:tint val="50000"/>
+        <a:alpha val="40000"/>
+      </a:schemeClr>
+    </dgm:fillClrLst>
+    <dgm:linClrLst meth="repeat">
+      <a:schemeClr val="accent1"/>
+    </dgm:linClrLst>
+    <dgm:effectClrLst/>
+    <dgm:txLinClrLst/>
+    <dgm:txFillClrLst meth="repeat">
+      <a:schemeClr val="lt1"/>
+    </dgm:txFillClrLst>
+    <dgm:txEffectClrLst/>
+  </dgm:styleLbl>
+  <dgm:styleLbl name="fgShp">
+    <dgm:fillClrLst meth="repeat">
+      <a:schemeClr val="accent1">
+        <a:tint val="60000"/>
+      </a:schemeClr>
+    </dgm:fillClrLst>
+    <dgm:linClrLst meth="repeat">
+      <a:schemeClr val="lt1"/>
+    </dgm:linClrLst>
+    <dgm:effectClrLst/>
+    <dgm:txLinClrLst/>
+    <dgm:txFillClrLst meth="repeat">
+      <a:schemeClr val="dk1"/>
+    </dgm:txFillClrLst>
+    <dgm:txEffectClrLst/>
+  </dgm:styleLbl>
+  <dgm:styleLbl name="revTx">
+    <dgm:fillClrLst meth="repeat">
+      <a:schemeClr val="lt1">
+        <a:alpha val="0"/>
+      </a:schemeClr>
+    </dgm:fillClrLst>
+    <dgm:linClrLst meth="repeat">
+      <a:schemeClr val="dk1">
+        <a:alpha val="0"/>
+      </a:schemeClr>
+    </dgm:linClrLst>
+    <dgm:effectClrLst/>
+    <dgm:txLinClrLst/>
+    <dgm:txFillClrLst meth="repeat">
+      <a:schemeClr val="tx1"/>
+    </dgm:txFillClrLst>
+    <dgm:txEffectClrLst/>
+  </dgm:styleLbl>
+</dgm:colorsDef>
+</file>
+
+<file path=ppt/diagrams/data1.xml><?xml version="1.0" encoding="utf-8"?>
+<dgm:dataModel xmlns:dgm="http://schemas.openxmlformats.org/drawingml/2006/diagram" xmlns:a="http://schemas.openxmlformats.org/drawingml/2006/main">
+  <dgm:ptLst>
+    <dgm:pt modelId="{EC2D76B9-B828-4F9D-B505-3EA4F7647C5F}" type="doc">
+      <dgm:prSet loTypeId="urn:microsoft.com/office/officeart/2018/2/layout/IconVerticalSolidList" loCatId="icon" qsTypeId="urn:microsoft.com/office/officeart/2005/8/quickstyle/simple1" qsCatId="simple" csTypeId="urn:microsoft.com/office/officeart/2005/8/colors/accent1_2" csCatId="accent1" phldr="1"/>
+      <dgm:spPr/>
+      <dgm:t>
+        <a:bodyPr/>
+        <a:lstStyle/>
+        <a:p>
+          <a:endParaRPr lang="en-US"/>
+        </a:p>
+      </dgm:t>
+    </dgm:pt>
+    <dgm:pt modelId="{B71429AB-020B-4D93-8BC3-022510772ABF}">
+      <dgm:prSet custT="1"/>
+      <dgm:spPr/>
+      <dgm:t>
+        <a:bodyPr/>
+        <a:lstStyle/>
+        <a:p>
+          <a:pPr>
+            <a:lnSpc>
+              <a:spcPct val="100000"/>
+            </a:lnSpc>
+          </a:pPr>
+          <a:r>
+            <a:rPr lang="it-IT" sz="1400" dirty="0">
+              <a:latin typeface="Calibri" panose="020F0502020204030204" pitchFamily="34" charset="0"/>
+              <a:ea typeface="Calibri" panose="020F0502020204030204" pitchFamily="34" charset="0"/>
+              <a:cs typeface="Calibri" panose="020F0502020204030204" pitchFamily="34" charset="0"/>
+            </a:rPr>
+            <a:t>La dashboard rappresenta il centro di controllo operativo permette di visualizzare i dati in tempo reale provenienti dall'</a:t>
+          </a:r>
+          <a:r>
+            <a:rPr lang="it-IT" sz="1400" b="1" dirty="0">
+              <a:latin typeface="Calibri" panose="020F0502020204030204" pitchFamily="34" charset="0"/>
+              <a:ea typeface="Calibri" panose="020F0502020204030204" pitchFamily="34" charset="0"/>
+              <a:cs typeface="Calibri" panose="020F0502020204030204" pitchFamily="34" charset="0"/>
+            </a:rPr>
+            <a:t>ESP32</a:t>
+          </a:r>
+          <a:r>
+            <a:rPr lang="it-IT" sz="1400" dirty="0">
+              <a:latin typeface="Calibri" panose="020F0502020204030204" pitchFamily="34" charset="0"/>
+              <a:ea typeface="Calibri" panose="020F0502020204030204" pitchFamily="34" charset="0"/>
+              <a:cs typeface="Calibri" panose="020F0502020204030204" pitchFamily="34" charset="0"/>
+            </a:rPr>
+            <a:t> tramite l’utilizzo del protocollo </a:t>
+          </a:r>
+          <a:r>
+            <a:rPr lang="it-IT" sz="1400" b="1" dirty="0">
+              <a:latin typeface="Calibri" panose="020F0502020204030204" pitchFamily="34" charset="0"/>
+              <a:ea typeface="Calibri" panose="020F0502020204030204" pitchFamily="34" charset="0"/>
+              <a:cs typeface="Calibri" panose="020F0502020204030204" pitchFamily="34" charset="0"/>
+            </a:rPr>
+            <a:t>MQTT</a:t>
+          </a:r>
+          <a:r>
+            <a:rPr lang="it-IT" sz="1400" dirty="0">
+              <a:latin typeface="Calibri" panose="020F0502020204030204" pitchFamily="34" charset="0"/>
+              <a:ea typeface="Calibri" panose="020F0502020204030204" pitchFamily="34" charset="0"/>
+              <a:cs typeface="Calibri" panose="020F0502020204030204" pitchFamily="34" charset="0"/>
+            </a:rPr>
+            <a:t>.</a:t>
+          </a:r>
+          <a:endParaRPr lang="en-US" sz="1400" dirty="0">
+            <a:latin typeface="Calibri" panose="020F0502020204030204" pitchFamily="34" charset="0"/>
+            <a:ea typeface="Calibri" panose="020F0502020204030204" pitchFamily="34" charset="0"/>
+            <a:cs typeface="Calibri" panose="020F0502020204030204" pitchFamily="34" charset="0"/>
+          </a:endParaRPr>
+        </a:p>
+      </dgm:t>
+    </dgm:pt>
+    <dgm:pt modelId="{02451ACC-59F1-430F-9A69-9B9D4CEFD897}" type="parTrans" cxnId="{0C6D256E-165A-4536-8CED-3F1CB23D7CF4}">
+      <dgm:prSet/>
+      <dgm:spPr/>
+      <dgm:t>
+        <a:bodyPr/>
+        <a:lstStyle/>
+        <a:p>
+          <a:endParaRPr lang="en-US"/>
+        </a:p>
+      </dgm:t>
+    </dgm:pt>
+    <dgm:pt modelId="{A82EBE13-A8D0-4008-9F89-8561D19B5513}" type="sibTrans" cxnId="{0C6D256E-165A-4536-8CED-3F1CB23D7CF4}">
+      <dgm:prSet/>
+      <dgm:spPr/>
+      <dgm:t>
+        <a:bodyPr/>
+        <a:lstStyle/>
+        <a:p>
+          <a:endParaRPr lang="en-US"/>
+        </a:p>
+      </dgm:t>
+    </dgm:pt>
+    <dgm:pt modelId="{18524617-342B-4DA5-9D2D-3B2903D595D3}">
+      <dgm:prSet custT="1"/>
+      <dgm:spPr/>
+      <dgm:t>
+        <a:bodyPr/>
+        <a:lstStyle/>
+        <a:p>
+          <a:pPr>
+            <a:lnSpc>
+              <a:spcPct val="100000"/>
+            </a:lnSpc>
+          </a:pPr>
+          <a:r>
+            <a:rPr lang="it-IT" sz="1400" dirty="0">
+              <a:latin typeface="Calibri" panose="020F0502020204030204" pitchFamily="34" charset="0"/>
+              <a:ea typeface="Calibri" panose="020F0502020204030204" pitchFamily="34" charset="0"/>
+              <a:cs typeface="Calibri" panose="020F0502020204030204" pitchFamily="34" charset="0"/>
+            </a:rPr>
+            <a:t>Visualizzazione immediata della temperatura e dell’umidità dell'aria, dell’umidità del suolo, dell’esposizione alla luce e del livello del serbatoio.</a:t>
+          </a:r>
+          <a:endParaRPr lang="en-US" sz="1400" dirty="0">
+            <a:latin typeface="Calibri" panose="020F0502020204030204" pitchFamily="34" charset="0"/>
+            <a:ea typeface="Calibri" panose="020F0502020204030204" pitchFamily="34" charset="0"/>
+            <a:cs typeface="Calibri" panose="020F0502020204030204" pitchFamily="34" charset="0"/>
+          </a:endParaRPr>
+        </a:p>
+      </dgm:t>
+    </dgm:pt>
+    <dgm:pt modelId="{A7AAE6B4-6A46-4822-B52E-5DFF6A7C153E}" type="parTrans" cxnId="{02FDB45A-26E2-43AE-88DE-8A68B229EB73}">
+      <dgm:prSet/>
+      <dgm:spPr/>
+      <dgm:t>
+        <a:bodyPr/>
+        <a:lstStyle/>
+        <a:p>
+          <a:endParaRPr lang="en-US"/>
+        </a:p>
+      </dgm:t>
+    </dgm:pt>
+    <dgm:pt modelId="{B6CB6A7B-3E3F-4F8F-9FB7-5B35A10D3072}" type="sibTrans" cxnId="{02FDB45A-26E2-43AE-88DE-8A68B229EB73}">
+      <dgm:prSet/>
+      <dgm:spPr/>
+      <dgm:t>
+        <a:bodyPr/>
+        <a:lstStyle/>
+        <a:p>
+          <a:endParaRPr lang="en-US"/>
+        </a:p>
+      </dgm:t>
+    </dgm:pt>
+    <dgm:pt modelId="{B0896ECF-2032-434E-A56A-EFBF6B8AC174}" type="pres">
+      <dgm:prSet presAssocID="{EC2D76B9-B828-4F9D-B505-3EA4F7647C5F}" presName="root" presStyleCnt="0">
+        <dgm:presLayoutVars>
+          <dgm:dir/>
+          <dgm:resizeHandles val="exact"/>
+        </dgm:presLayoutVars>
+      </dgm:prSet>
+      <dgm:spPr/>
+    </dgm:pt>
+    <dgm:pt modelId="{84495A40-AF00-4442-A359-EA98E43F832A}" type="pres">
+      <dgm:prSet presAssocID="{B71429AB-020B-4D93-8BC3-022510772ABF}" presName="compNode" presStyleCnt="0"/>
+      <dgm:spPr/>
+    </dgm:pt>
+    <dgm:pt modelId="{F4AB82AC-4794-4860-9A48-0C1639583FFE}" type="pres">
+      <dgm:prSet presAssocID="{B71429AB-020B-4D93-8BC3-022510772ABF}" presName="bgRect" presStyleLbl="bgShp" presStyleIdx="0" presStyleCnt="2"/>
+      <dgm:spPr>
+        <a:solidFill>
+          <a:srgbClr val="E1CDCC"/>
+        </a:solidFill>
+      </dgm:spPr>
+    </dgm:pt>
+    <dgm:pt modelId="{E7FBC0D2-F432-4C2A-A20E-C9C73726BE2D}" type="pres">
+      <dgm:prSet presAssocID="{B71429AB-020B-4D93-8BC3-022510772ABF}" presName="iconRect" presStyleLbl="node1" presStyleIdx="0" presStyleCnt="2"/>
+      <dgm:spPr>
+        <a:blipFill>
+          <a:blip xmlns:r="http://schemas.openxmlformats.org/officeDocument/2006/relationships" r:embed="rId1">
+            <a:extLst>
+              <a:ext uri="{28A0092B-C50C-407E-A947-70E740481C1C}">
+                <a14:useLocalDpi xmlns:a14="http://schemas.microsoft.com/office/drawing/2010/main" val="0"/>
+              </a:ext>
+              <a:ext uri="{96DAC541-7B7A-43D3-8B79-37D633B846F1}">
+                <asvg:svgBlip xmlns:asvg="http://schemas.microsoft.com/office/drawing/2016/SVG/main" r:embed="rId2"/>
+              </a:ext>
+            </a:extLst>
+          </a:blip>
+          <a:stretch>
+            <a:fillRect/>
+          </a:stretch>
+        </a:blipFill>
+      </dgm:spPr>
+      <dgm:extLst>
+        <a:ext uri="{E40237B7-FDA0-4F09-8148-C483321AD2D9}">
+          <dgm14:cNvPr xmlns:dgm14="http://schemas.microsoft.com/office/drawing/2010/diagram" id="0" name="" descr="Database"/>
+        </a:ext>
+      </dgm:extLst>
+    </dgm:pt>
+    <dgm:pt modelId="{598CC71B-BD0D-4DD2-974E-31D728EF7EAB}" type="pres">
+      <dgm:prSet presAssocID="{B71429AB-020B-4D93-8BC3-022510772ABF}" presName="spaceRect" presStyleCnt="0"/>
+      <dgm:spPr/>
+    </dgm:pt>
+    <dgm:pt modelId="{14603F7D-B82A-4C2F-9228-69C1939DA55B}" type="pres">
+      <dgm:prSet presAssocID="{B71429AB-020B-4D93-8BC3-022510772ABF}" presName="parTx" presStyleLbl="revTx" presStyleIdx="0" presStyleCnt="2">
+        <dgm:presLayoutVars>
+          <dgm:chMax val="0"/>
+          <dgm:chPref val="0"/>
+        </dgm:presLayoutVars>
+      </dgm:prSet>
+      <dgm:spPr/>
+    </dgm:pt>
+    <dgm:pt modelId="{57ED3216-9AC4-4170-9327-4D77C966D474}" type="pres">
+      <dgm:prSet presAssocID="{A82EBE13-A8D0-4008-9F89-8561D19B5513}" presName="sibTrans" presStyleCnt="0"/>
+      <dgm:spPr/>
+    </dgm:pt>
+    <dgm:pt modelId="{AA0DECA3-D2E7-49B0-84E7-D14E941277E9}" type="pres">
+      <dgm:prSet presAssocID="{18524617-342B-4DA5-9D2D-3B2903D595D3}" presName="compNode" presStyleCnt="0"/>
+      <dgm:spPr/>
+    </dgm:pt>
+    <dgm:pt modelId="{FFE23B07-7334-4075-9E54-421901344132}" type="pres">
+      <dgm:prSet presAssocID="{18524617-342B-4DA5-9D2D-3B2903D595D3}" presName="bgRect" presStyleLbl="bgShp" presStyleIdx="1" presStyleCnt="2"/>
+      <dgm:spPr/>
+    </dgm:pt>
+    <dgm:pt modelId="{A7E4C96C-DE24-4072-B764-E2A9EF3452A9}" type="pres">
+      <dgm:prSet presAssocID="{18524617-342B-4DA5-9D2D-3B2903D595D3}" presName="iconRect" presStyleLbl="node1" presStyleIdx="1" presStyleCnt="2"/>
+      <dgm:spPr>
+        <a:blipFill>
+          <a:blip xmlns:r="http://schemas.openxmlformats.org/officeDocument/2006/relationships" r:embed="rId3">
+            <a:extLst>
+              <a:ext uri="{28A0092B-C50C-407E-A947-70E740481C1C}">
+                <a14:useLocalDpi xmlns:a14="http://schemas.microsoft.com/office/drawing/2010/main" val="0"/>
+              </a:ext>
+              <a:ext uri="{96DAC541-7B7A-43D3-8B79-37D633B846F1}">
+                <asvg:svgBlip xmlns:asvg="http://schemas.microsoft.com/office/drawing/2016/SVG/main" r:embed="rId4"/>
+              </a:ext>
+            </a:extLst>
+          </a:blip>
+          <a:stretch>
+            <a:fillRect/>
+          </a:stretch>
+        </a:blipFill>
+      </dgm:spPr>
+      <dgm:extLst>
+        <a:ext uri="{E40237B7-FDA0-4F09-8148-C483321AD2D9}">
+          <dgm14:cNvPr xmlns:dgm14="http://schemas.microsoft.com/office/drawing/2010/diagram" id="0" name="" descr="Rainy scene"/>
+        </a:ext>
+      </dgm:extLst>
+    </dgm:pt>
+    <dgm:pt modelId="{FB33DC54-058B-49AE-8717-0041415F3FE3}" type="pres">
+      <dgm:prSet presAssocID="{18524617-342B-4DA5-9D2D-3B2903D595D3}" presName="spaceRect" presStyleCnt="0"/>
+      <dgm:spPr/>
+    </dgm:pt>
+    <dgm:pt modelId="{44A3B483-E48B-451B-8931-5A5511B5C345}" type="pres">
+      <dgm:prSet presAssocID="{18524617-342B-4DA5-9D2D-3B2903D595D3}" presName="parTx" presStyleLbl="revTx" presStyleIdx="1" presStyleCnt="2">
+        <dgm:presLayoutVars>
+          <dgm:chMax val="0"/>
+          <dgm:chPref val="0"/>
+        </dgm:presLayoutVars>
+      </dgm:prSet>
+      <dgm:spPr/>
+    </dgm:pt>
+  </dgm:ptLst>
+  <dgm:cxnLst>
+    <dgm:cxn modelId="{0C6D256E-165A-4536-8CED-3F1CB23D7CF4}" srcId="{EC2D76B9-B828-4F9D-B505-3EA4F7647C5F}" destId="{B71429AB-020B-4D93-8BC3-022510772ABF}" srcOrd="0" destOrd="0" parTransId="{02451ACC-59F1-430F-9A69-9B9D4CEFD897}" sibTransId="{A82EBE13-A8D0-4008-9F89-8561D19B5513}"/>
+    <dgm:cxn modelId="{02FDB45A-26E2-43AE-88DE-8A68B229EB73}" srcId="{EC2D76B9-B828-4F9D-B505-3EA4F7647C5F}" destId="{18524617-342B-4DA5-9D2D-3B2903D595D3}" srcOrd="1" destOrd="0" parTransId="{A7AAE6B4-6A46-4822-B52E-5DFF6A7C153E}" sibTransId="{B6CB6A7B-3E3F-4F8F-9FB7-5B35A10D3072}"/>
+    <dgm:cxn modelId="{C70517A6-EE38-4C57-B4A2-7E0CCB3FBABE}" type="presOf" srcId="{EC2D76B9-B828-4F9D-B505-3EA4F7647C5F}" destId="{B0896ECF-2032-434E-A56A-EFBF6B8AC174}" srcOrd="0" destOrd="0" presId="urn:microsoft.com/office/officeart/2018/2/layout/IconVerticalSolidList"/>
+    <dgm:cxn modelId="{25D8CBAE-45A0-4953-8564-1CA71FAB72F4}" type="presOf" srcId="{18524617-342B-4DA5-9D2D-3B2903D595D3}" destId="{44A3B483-E48B-451B-8931-5A5511B5C345}" srcOrd="0" destOrd="0" presId="urn:microsoft.com/office/officeart/2018/2/layout/IconVerticalSolidList"/>
+    <dgm:cxn modelId="{FB53FBB6-160D-4D14-AAF3-02707A3142FF}" type="presOf" srcId="{B71429AB-020B-4D93-8BC3-022510772ABF}" destId="{14603F7D-B82A-4C2F-9228-69C1939DA55B}" srcOrd="0" destOrd="0" presId="urn:microsoft.com/office/officeart/2018/2/layout/IconVerticalSolidList"/>
+    <dgm:cxn modelId="{D9CF4914-73F0-4C5F-8917-7083115A0F72}" type="presParOf" srcId="{B0896ECF-2032-434E-A56A-EFBF6B8AC174}" destId="{84495A40-AF00-4442-A359-EA98E43F832A}" srcOrd="0" destOrd="0" presId="urn:microsoft.com/office/officeart/2018/2/layout/IconVerticalSolidList"/>
+    <dgm:cxn modelId="{3FF2392A-0455-448C-8127-EBD1006888D3}" type="presParOf" srcId="{84495A40-AF00-4442-A359-EA98E43F832A}" destId="{F4AB82AC-4794-4860-9A48-0C1639583FFE}" srcOrd="0" destOrd="0" presId="urn:microsoft.com/office/officeart/2018/2/layout/IconVerticalSolidList"/>
+    <dgm:cxn modelId="{D21E5FEF-1B2B-4017-9B76-0FE6E558B360}" type="presParOf" srcId="{84495A40-AF00-4442-A359-EA98E43F832A}" destId="{E7FBC0D2-F432-4C2A-A20E-C9C73726BE2D}" srcOrd="1" destOrd="0" presId="urn:microsoft.com/office/officeart/2018/2/layout/IconVerticalSolidList"/>
+    <dgm:cxn modelId="{493D833C-E5FB-48BB-9A7C-F2662456F46E}" type="presParOf" srcId="{84495A40-AF00-4442-A359-EA98E43F832A}" destId="{598CC71B-BD0D-4DD2-974E-31D728EF7EAB}" srcOrd="2" destOrd="0" presId="urn:microsoft.com/office/officeart/2018/2/layout/IconVerticalSolidList"/>
+    <dgm:cxn modelId="{67C03471-70DB-446B-A0B5-19A0A9364784}" type="presParOf" srcId="{84495A40-AF00-4442-A359-EA98E43F832A}" destId="{14603F7D-B82A-4C2F-9228-69C1939DA55B}" srcOrd="3" destOrd="0" presId="urn:microsoft.com/office/officeart/2018/2/layout/IconVerticalSolidList"/>
+    <dgm:cxn modelId="{EDFE722C-8F9B-46D7-A4A8-66D789F1B2BB}" type="presParOf" srcId="{B0896ECF-2032-434E-A56A-EFBF6B8AC174}" destId="{57ED3216-9AC4-4170-9327-4D77C966D474}" srcOrd="1" destOrd="0" presId="urn:microsoft.com/office/officeart/2018/2/layout/IconVerticalSolidList"/>
+    <dgm:cxn modelId="{C01D9D4C-87A5-4262-92BC-F95B3EA2A8C6}" type="presParOf" srcId="{B0896ECF-2032-434E-A56A-EFBF6B8AC174}" destId="{AA0DECA3-D2E7-49B0-84E7-D14E941277E9}" srcOrd="2" destOrd="0" presId="urn:microsoft.com/office/officeart/2018/2/layout/IconVerticalSolidList"/>
+    <dgm:cxn modelId="{DA943B9B-3A7C-43D0-A64F-3CDC45CE01A4}" type="presParOf" srcId="{AA0DECA3-D2E7-49B0-84E7-D14E941277E9}" destId="{FFE23B07-7334-4075-9E54-421901344132}" srcOrd="0" destOrd="0" presId="urn:microsoft.com/office/officeart/2018/2/layout/IconVerticalSolidList"/>
+    <dgm:cxn modelId="{8C42B91D-3BB3-44BD-8498-584FFCA1E9A4}" type="presParOf" srcId="{AA0DECA3-D2E7-49B0-84E7-D14E941277E9}" destId="{A7E4C96C-DE24-4072-B764-E2A9EF3452A9}" srcOrd="1" destOrd="0" presId="urn:microsoft.com/office/officeart/2018/2/layout/IconVerticalSolidList"/>
+    <dgm:cxn modelId="{967A4F3C-4A88-4182-AD03-CBC756771EE3}" type="presParOf" srcId="{AA0DECA3-D2E7-49B0-84E7-D14E941277E9}" destId="{FB33DC54-058B-49AE-8717-0041415F3FE3}" srcOrd="2" destOrd="0" presId="urn:microsoft.com/office/officeart/2018/2/layout/IconVerticalSolidList"/>
+    <dgm:cxn modelId="{77C1292A-DE62-4028-904C-F78107C59995}" type="presParOf" srcId="{AA0DECA3-D2E7-49B0-84E7-D14E941277E9}" destId="{44A3B483-E48B-451B-8931-5A5511B5C345}" srcOrd="3" destOrd="0" presId="urn:microsoft.com/office/officeart/2018/2/layout/IconVerticalSolidList"/>
+  </dgm:cxnLst>
+  <dgm:bg/>
+  <dgm:whole/>
+  <dgm:extLst>
+    <a:ext uri="http://schemas.microsoft.com/office/drawing/2008/diagram">
+      <dsp:dataModelExt xmlns:dsp="http://schemas.microsoft.com/office/drawing/2008/diagram" relId="rId7" minVer="http://schemas.openxmlformats.org/drawingml/2006/diagram"/>
+    </a:ext>
+  </dgm:extLst>
+</dgm:dataModel>
+</file>
+
+<file path=ppt/diagrams/data2.xml><?xml version="1.0" encoding="utf-8"?>
+<dgm:dataModel xmlns:dgm="http://schemas.openxmlformats.org/drawingml/2006/diagram" xmlns:a="http://schemas.openxmlformats.org/drawingml/2006/main">
+  <dgm:ptLst>
+    <dgm:pt modelId="{1B344D79-EA94-4099-B4FC-9066F397CA51}" type="doc">
+      <dgm:prSet loTypeId="urn:microsoft.com/office/officeart/2005/8/layout/vList4" loCatId="list" qsTypeId="urn:microsoft.com/office/officeart/2005/8/quickstyle/simple1" qsCatId="simple" csTypeId="urn:microsoft.com/office/officeart/2005/8/colors/accent1_1" csCatId="accent1" phldr="1"/>
+      <dgm:spPr/>
+      <dgm:t>
+        <a:bodyPr/>
+        <a:lstStyle/>
+        <a:p>
+          <a:endParaRPr lang="en-US"/>
+        </a:p>
+      </dgm:t>
+    </dgm:pt>
+    <dgm:pt modelId="{D5D30706-8AE3-4EF8-A8B1-B3784632ABD1}">
+      <dgm:prSet custT="1"/>
+      <dgm:spPr>
+        <a:solidFill>
+          <a:srgbClr val="E1CDCC"/>
+        </a:solidFill>
+        <a:ln>
+          <a:solidFill>
+            <a:schemeClr val="bg1">
+              <a:lumMod val="95000"/>
+            </a:schemeClr>
+          </a:solidFill>
+        </a:ln>
+      </dgm:spPr>
+      <dgm:t>
+        <a:bodyPr/>
+        <a:lstStyle/>
+        <a:p>
+          <a:r>
+            <a:rPr lang="it-IT" sz="1600" b="1" dirty="0">
+              <a:latin typeface="Calibri" panose="020F0502020204030204" pitchFamily="34" charset="0"/>
+              <a:ea typeface="Calibri" panose="020F0502020204030204" pitchFamily="34" charset="0"/>
+              <a:cs typeface="Calibri" panose="020F0502020204030204" pitchFamily="34" charset="0"/>
+            </a:rPr>
+            <a:t>Monitorare i grafici;</a:t>
+          </a:r>
+          <a:r>
+            <a:rPr lang="it-IT" sz="1600" dirty="0">
+              <a:latin typeface="Calibri" panose="020F0502020204030204" pitchFamily="34" charset="0"/>
+              <a:ea typeface="Calibri" panose="020F0502020204030204" pitchFamily="34" charset="0"/>
+              <a:cs typeface="Calibri" panose="020F0502020204030204" pitchFamily="34" charset="0"/>
+            </a:rPr>
+            <a:t> diagrammi dedicati ad ogni grandezza fisica misurata</a:t>
+          </a:r>
+          <a:endParaRPr lang="en-US" sz="1600" dirty="0">
+            <a:latin typeface="Calibri" panose="020F0502020204030204" pitchFamily="34" charset="0"/>
+            <a:ea typeface="Calibri" panose="020F0502020204030204" pitchFamily="34" charset="0"/>
+            <a:cs typeface="Calibri" panose="020F0502020204030204" pitchFamily="34" charset="0"/>
+          </a:endParaRPr>
+        </a:p>
+      </dgm:t>
+    </dgm:pt>
+    <dgm:pt modelId="{D4AD657A-A2D0-46DE-AB33-D5AEE640A197}" type="parTrans" cxnId="{89848F65-D4E9-4286-818F-7040E9EBF4D9}">
+      <dgm:prSet/>
+      <dgm:spPr/>
+      <dgm:t>
+        <a:bodyPr/>
+        <a:lstStyle/>
+        <a:p>
+          <a:endParaRPr lang="en-US"/>
+        </a:p>
+      </dgm:t>
+    </dgm:pt>
+    <dgm:pt modelId="{B7C34C44-017B-462C-BA34-DC6B01E8BFA8}" type="sibTrans" cxnId="{89848F65-D4E9-4286-818F-7040E9EBF4D9}">
+      <dgm:prSet/>
+      <dgm:spPr/>
+      <dgm:t>
+        <a:bodyPr/>
+        <a:lstStyle/>
+        <a:p>
+          <a:endParaRPr lang="en-US"/>
+        </a:p>
+      </dgm:t>
+    </dgm:pt>
+    <dgm:pt modelId="{0D499B8D-B798-427A-B711-EE567BEA0F11}">
+      <dgm:prSet custT="1"/>
+      <dgm:spPr>
+        <a:solidFill>
+          <a:srgbClr val="E1CDCC"/>
+        </a:solidFill>
+        <a:ln>
+          <a:solidFill>
+            <a:schemeClr val="bg1">
+              <a:lumMod val="95000"/>
+            </a:schemeClr>
+          </a:solidFill>
+        </a:ln>
+      </dgm:spPr>
+      <dgm:t>
+        <a:bodyPr/>
+        <a:lstStyle/>
+        <a:p>
+          <a:r>
+            <a:rPr lang="it-IT" sz="1600" b="1" dirty="0">
+              <a:latin typeface="Calibri" panose="020F0502020204030204" pitchFamily="34" charset="0"/>
+              <a:ea typeface="Calibri" panose="020F0502020204030204" pitchFamily="34" charset="0"/>
+              <a:cs typeface="Calibri" panose="020F0502020204030204" pitchFamily="34" charset="0"/>
+            </a:rPr>
+            <a:t>Gestire il serbatoio;</a:t>
+          </a:r>
+          <a:r>
+            <a:rPr lang="it-IT" sz="1600" dirty="0">
+              <a:latin typeface="Calibri" panose="020F0502020204030204" pitchFamily="34" charset="0"/>
+              <a:ea typeface="Calibri" panose="020F0502020204030204" pitchFamily="34" charset="0"/>
+              <a:cs typeface="Calibri" panose="020F0502020204030204" pitchFamily="34" charset="0"/>
+            </a:rPr>
+            <a:t> prevedere quando bisogna riempire il serbatoio, attivare manualmente la pompa o impostare una soglia d’umidità per l’irrigazione automatica</a:t>
+          </a:r>
+          <a:endParaRPr lang="en-US" sz="1600" dirty="0">
+            <a:latin typeface="Calibri" panose="020F0502020204030204" pitchFamily="34" charset="0"/>
+            <a:ea typeface="Calibri" panose="020F0502020204030204" pitchFamily="34" charset="0"/>
+            <a:cs typeface="Calibri" panose="020F0502020204030204" pitchFamily="34" charset="0"/>
+          </a:endParaRPr>
+        </a:p>
+      </dgm:t>
+    </dgm:pt>
+    <dgm:pt modelId="{D2FBF2D6-5C28-4797-AA10-87F1230C6DFD}" type="parTrans" cxnId="{C2E01813-A603-4464-8067-BDB326802D5E}">
+      <dgm:prSet/>
+      <dgm:spPr/>
+      <dgm:t>
+        <a:bodyPr/>
+        <a:lstStyle/>
+        <a:p>
+          <a:endParaRPr lang="en-US"/>
+        </a:p>
+      </dgm:t>
+    </dgm:pt>
+    <dgm:pt modelId="{938B47FC-9702-45FA-B8B2-1AF7A269E222}" type="sibTrans" cxnId="{C2E01813-A603-4464-8067-BDB326802D5E}">
+      <dgm:prSet/>
+      <dgm:spPr/>
+      <dgm:t>
+        <a:bodyPr/>
+        <a:lstStyle/>
+        <a:p>
+          <a:endParaRPr lang="en-US"/>
+        </a:p>
+      </dgm:t>
+    </dgm:pt>
+    <dgm:pt modelId="{76441A8B-1598-4966-8CE3-ACAC4BA06192}">
+      <dgm:prSet custT="1"/>
+      <dgm:spPr>
+        <a:solidFill>
+          <a:srgbClr val="E1CDCC"/>
+        </a:solidFill>
+        <a:ln>
+          <a:solidFill>
+            <a:schemeClr val="bg1">
+              <a:lumMod val="95000"/>
+            </a:schemeClr>
+          </a:solidFill>
+        </a:ln>
+      </dgm:spPr>
+      <dgm:t>
+        <a:bodyPr/>
+        <a:lstStyle/>
+        <a:p>
+          <a:r>
+            <a:rPr lang="it-IT" sz="1600" b="1" dirty="0">
+              <a:latin typeface="Calibri" panose="020F0502020204030204" pitchFamily="34" charset="0"/>
+              <a:ea typeface="Calibri" panose="020F0502020204030204" pitchFamily="34" charset="0"/>
+              <a:cs typeface="Calibri" panose="020F0502020204030204" pitchFamily="34" charset="0"/>
+            </a:rPr>
+            <a:t>Monitorare i log;</a:t>
+          </a:r>
+          <a:r>
+            <a:rPr lang="it-IT" sz="1600" dirty="0">
+              <a:latin typeface="Calibri" panose="020F0502020204030204" pitchFamily="34" charset="0"/>
+              <a:ea typeface="Calibri" panose="020F0502020204030204" pitchFamily="34" charset="0"/>
+              <a:cs typeface="Calibri" panose="020F0502020204030204" pitchFamily="34" charset="0"/>
+            </a:rPr>
+            <a:t> registro per tracciare eventi particolare (attivazione pompa o livello d’acqua nel serbatoio)</a:t>
+          </a:r>
+          <a:endParaRPr lang="en-US" sz="1600" dirty="0">
+            <a:latin typeface="Calibri" panose="020F0502020204030204" pitchFamily="34" charset="0"/>
+            <a:ea typeface="Calibri" panose="020F0502020204030204" pitchFamily="34" charset="0"/>
+            <a:cs typeface="Calibri" panose="020F0502020204030204" pitchFamily="34" charset="0"/>
+          </a:endParaRPr>
+        </a:p>
+      </dgm:t>
+    </dgm:pt>
+    <dgm:pt modelId="{AB50407C-BDCC-4448-BE5D-AD52F8E71068}" type="parTrans" cxnId="{79494437-1029-4C45-B283-0543DFD9A255}">
+      <dgm:prSet/>
+      <dgm:spPr/>
+      <dgm:t>
+        <a:bodyPr/>
+        <a:lstStyle/>
+        <a:p>
+          <a:endParaRPr lang="en-US"/>
+        </a:p>
+      </dgm:t>
+    </dgm:pt>
+    <dgm:pt modelId="{324D7EED-7619-4D36-B78A-A8219DC08978}" type="sibTrans" cxnId="{79494437-1029-4C45-B283-0543DFD9A255}">
+      <dgm:prSet/>
+      <dgm:spPr/>
+      <dgm:t>
+        <a:bodyPr/>
+        <a:lstStyle/>
+        <a:p>
+          <a:endParaRPr lang="en-US"/>
+        </a:p>
+      </dgm:t>
+    </dgm:pt>
+    <dgm:pt modelId="{C772160D-63C8-4B73-AF31-66F4338EB14A}">
+      <dgm:prSet custT="1"/>
+      <dgm:spPr>
+        <a:solidFill>
+          <a:srgbClr val="E1CDCC"/>
+        </a:solidFill>
+        <a:ln>
+          <a:solidFill>
+            <a:schemeClr val="bg1"/>
+          </a:solidFill>
+        </a:ln>
+      </dgm:spPr>
+      <dgm:t>
+        <a:bodyPr/>
+        <a:lstStyle/>
+        <a:p>
+          <a:r>
+            <a:rPr lang="it-IT" sz="1600" b="1" dirty="0">
+              <a:latin typeface="Calibri" panose="020F0502020204030204" pitchFamily="34" charset="0"/>
+              <a:ea typeface="Calibri" panose="020F0502020204030204" pitchFamily="34" charset="0"/>
+              <a:cs typeface="Calibri" panose="020F0502020204030204" pitchFamily="34" charset="0"/>
+            </a:rPr>
+            <a:t>Compensare la scarsa luce naturale (simulazione);</a:t>
+          </a:r>
+          <a:r>
+            <a:rPr lang="it-IT" sz="1600" dirty="0">
+              <a:latin typeface="Calibri" panose="020F0502020204030204" pitchFamily="34" charset="0"/>
+              <a:ea typeface="Calibri" panose="020F0502020204030204" pitchFamily="34" charset="0"/>
+              <a:cs typeface="Calibri" panose="020F0502020204030204" pitchFamily="34" charset="0"/>
+            </a:rPr>
+            <a:t> slider per regolare l'intensità dei LED tramite PWM</a:t>
+          </a:r>
+          <a:endParaRPr lang="en-US" sz="1600" dirty="0">
+            <a:latin typeface="Calibri" panose="020F0502020204030204" pitchFamily="34" charset="0"/>
+            <a:ea typeface="Calibri" panose="020F0502020204030204" pitchFamily="34" charset="0"/>
+            <a:cs typeface="Calibri" panose="020F0502020204030204" pitchFamily="34" charset="0"/>
+          </a:endParaRPr>
+        </a:p>
+      </dgm:t>
+    </dgm:pt>
+    <dgm:pt modelId="{136ED2BE-4538-439D-B25E-043E0968B996}" type="parTrans" cxnId="{C360BBA2-97E9-4DC3-B577-2404580A0C56}">
+      <dgm:prSet/>
+      <dgm:spPr/>
+      <dgm:t>
+        <a:bodyPr/>
+        <a:lstStyle/>
+        <a:p>
+          <a:endParaRPr lang="en-US"/>
+        </a:p>
+      </dgm:t>
+    </dgm:pt>
+    <dgm:pt modelId="{E4C8BEE7-3D4F-4DA3-B65A-010299D14482}" type="sibTrans" cxnId="{C360BBA2-97E9-4DC3-B577-2404580A0C56}">
+      <dgm:prSet/>
+      <dgm:spPr/>
+      <dgm:t>
+        <a:bodyPr/>
+        <a:lstStyle/>
+        <a:p>
+          <a:endParaRPr lang="en-US"/>
+        </a:p>
+      </dgm:t>
+    </dgm:pt>
+    <dgm:pt modelId="{57EAEFA3-9A78-4563-8883-8A99CCEA555B}" type="pres">
+      <dgm:prSet presAssocID="{1B344D79-EA94-4099-B4FC-9066F397CA51}" presName="linear" presStyleCnt="0">
+        <dgm:presLayoutVars>
+          <dgm:dir/>
+          <dgm:resizeHandles val="exact"/>
+        </dgm:presLayoutVars>
+      </dgm:prSet>
+      <dgm:spPr/>
+    </dgm:pt>
+    <dgm:pt modelId="{BD39AA4C-3DAD-4BEE-A902-1327E92A479A}" type="pres">
+      <dgm:prSet presAssocID="{D5D30706-8AE3-4EF8-A8B1-B3784632ABD1}" presName="comp" presStyleCnt="0"/>
+      <dgm:spPr/>
+    </dgm:pt>
+    <dgm:pt modelId="{D1F8A8DA-E6B3-44B7-BCF9-740032E19EA4}" type="pres">
+      <dgm:prSet presAssocID="{D5D30706-8AE3-4EF8-A8B1-B3784632ABD1}" presName="box" presStyleLbl="node1" presStyleIdx="0" presStyleCnt="4"/>
+      <dgm:spPr/>
+    </dgm:pt>
+    <dgm:pt modelId="{3DE139AE-A735-4405-BBB3-A56ABF7F9E4D}" type="pres">
+      <dgm:prSet presAssocID="{D5D30706-8AE3-4EF8-A8B1-B3784632ABD1}" presName="img" presStyleLbl="fgImgPlace1" presStyleIdx="0" presStyleCnt="4">
+        <dgm:style>
+          <a:lnRef idx="1">
+            <a:schemeClr val="accent1"/>
+          </a:lnRef>
+          <a:fillRef idx="2">
+            <a:schemeClr val="accent1"/>
+          </a:fillRef>
+          <a:effectRef idx="1">
+            <a:schemeClr val="accent1"/>
+          </a:effectRef>
+          <a:fontRef idx="minor">
+            <a:schemeClr val="dk1"/>
+          </a:fontRef>
+        </dgm:style>
+      </dgm:prSet>
+      <dgm:spPr>
+        <a:blipFill>
+          <a:blip xmlns:r="http://schemas.openxmlformats.org/officeDocument/2006/relationships" r:embed="rId1">
+            <a:extLst>
+              <a:ext uri="{96DAC541-7B7A-43D3-8B79-37D633B846F1}">
+                <asvg:svgBlip xmlns:asvg="http://schemas.microsoft.com/office/drawing/2016/SVG/main" r:embed="rId2"/>
+              </a:ext>
+            </a:extLst>
+          </a:blip>
+          <a:srcRect/>
+          <a:stretch>
+            <a:fillRect t="-15000" b="-15000"/>
+          </a:stretch>
+        </a:blipFill>
+        <a:ln>
+          <a:solidFill>
+            <a:schemeClr val="bg1"/>
+          </a:solidFill>
+        </a:ln>
+      </dgm:spPr>
+      <dgm:extLst>
+        <a:ext uri="{E40237B7-FDA0-4F09-8148-C483321AD2D9}">
+          <dgm14:cNvPr xmlns:dgm14="http://schemas.microsoft.com/office/drawing/2010/diagram" id="0" name="" descr="Grafico periodico con riempimento a tinta unita"/>
+        </a:ext>
+      </dgm:extLst>
+    </dgm:pt>
+    <dgm:pt modelId="{023F78EA-78B1-4863-81A5-A06CBD71EF85}" type="pres">
+      <dgm:prSet presAssocID="{D5D30706-8AE3-4EF8-A8B1-B3784632ABD1}" presName="text" presStyleLbl="node1" presStyleIdx="0" presStyleCnt="4">
+        <dgm:presLayoutVars>
+          <dgm:bulletEnabled val="1"/>
+        </dgm:presLayoutVars>
+      </dgm:prSet>
+      <dgm:spPr/>
+    </dgm:pt>
+    <dgm:pt modelId="{442DF137-6A96-4CE8-BBD9-F1E0508E050B}" type="pres">
+      <dgm:prSet presAssocID="{B7C34C44-017B-462C-BA34-DC6B01E8BFA8}" presName="spacer" presStyleCnt="0"/>
+      <dgm:spPr/>
+    </dgm:pt>
+    <dgm:pt modelId="{DEA770DB-DE78-4EF4-8F9D-95C7C927D77E}" type="pres">
+      <dgm:prSet presAssocID="{0D499B8D-B798-427A-B711-EE567BEA0F11}" presName="comp" presStyleCnt="0"/>
+      <dgm:spPr/>
+    </dgm:pt>
+    <dgm:pt modelId="{238F3088-DBE3-4D78-B47D-C210D72A52C4}" type="pres">
+      <dgm:prSet presAssocID="{0D499B8D-B798-427A-B711-EE567BEA0F11}" presName="box" presStyleLbl="node1" presStyleIdx="1" presStyleCnt="4"/>
+      <dgm:spPr/>
+    </dgm:pt>
+    <dgm:pt modelId="{24D61AD3-4618-4A23-90EF-37F94C4F0D3F}" type="pres">
+      <dgm:prSet presAssocID="{0D499B8D-B798-427A-B711-EE567BEA0F11}" presName="img" presStyleLbl="fgImgPlace1" presStyleIdx="1" presStyleCnt="4"/>
+      <dgm:spPr>
+        <a:blipFill>
+          <a:blip xmlns:r="http://schemas.openxmlformats.org/officeDocument/2006/relationships" r:embed="rId3">
+            <a:extLst>
+              <a:ext uri="{96DAC541-7B7A-43D3-8B79-37D633B846F1}">
+                <asvg:svgBlip xmlns:asvg="http://schemas.microsoft.com/office/drawing/2016/SVG/main" r:embed="rId4"/>
+              </a:ext>
+            </a:extLst>
+          </a:blip>
+          <a:srcRect/>
+          <a:stretch>
+            <a:fillRect t="-15000" b="-15000"/>
+          </a:stretch>
+        </a:blipFill>
+        <a:ln>
+          <a:solidFill>
+            <a:schemeClr val="bg1"/>
+          </a:solidFill>
+        </a:ln>
+      </dgm:spPr>
+      <dgm:extLst>
+        <a:ext uri="{E40237B7-FDA0-4F09-8148-C483321AD2D9}">
+          <dgm14:cNvPr xmlns:dgm14="http://schemas.microsoft.com/office/drawing/2010/diagram" id="0" name="" descr="Acqua con riempimento a tinta unita"/>
+        </a:ext>
+      </dgm:extLst>
+    </dgm:pt>
+    <dgm:pt modelId="{931B137E-84F2-43D7-B975-0127ED11C318}" type="pres">
+      <dgm:prSet presAssocID="{0D499B8D-B798-427A-B711-EE567BEA0F11}" presName="text" presStyleLbl="node1" presStyleIdx="1" presStyleCnt="4">
+        <dgm:presLayoutVars>
+          <dgm:bulletEnabled val="1"/>
+        </dgm:presLayoutVars>
+      </dgm:prSet>
+      <dgm:spPr/>
+    </dgm:pt>
+    <dgm:pt modelId="{DFFC18AA-C7C8-4C18-9AC5-0A7A46532549}" type="pres">
+      <dgm:prSet presAssocID="{938B47FC-9702-45FA-B8B2-1AF7A269E222}" presName="spacer" presStyleCnt="0"/>
+      <dgm:spPr/>
+    </dgm:pt>
+    <dgm:pt modelId="{84F2353F-3423-4563-B47A-7C387C386805}" type="pres">
+      <dgm:prSet presAssocID="{76441A8B-1598-4966-8CE3-ACAC4BA06192}" presName="comp" presStyleCnt="0"/>
+      <dgm:spPr/>
+    </dgm:pt>
+    <dgm:pt modelId="{9CABC94D-2B6F-433D-8B97-0156500069BB}" type="pres">
+      <dgm:prSet presAssocID="{76441A8B-1598-4966-8CE3-ACAC4BA06192}" presName="box" presStyleLbl="node1" presStyleIdx="2" presStyleCnt="4"/>
+      <dgm:spPr/>
+    </dgm:pt>
+    <dgm:pt modelId="{2854F6A4-3AF4-499F-876F-4225964D6DF8}" type="pres">
+      <dgm:prSet presAssocID="{76441A8B-1598-4966-8CE3-ACAC4BA06192}" presName="img" presStyleLbl="fgImgPlace1" presStyleIdx="2" presStyleCnt="4"/>
+      <dgm:spPr>
+        <a:blipFill>
+          <a:blip xmlns:r="http://schemas.openxmlformats.org/officeDocument/2006/relationships" r:embed="rId5">
+            <a:extLst>
+              <a:ext uri="{96DAC541-7B7A-43D3-8B79-37D633B846F1}">
+                <asvg:svgBlip xmlns:asvg="http://schemas.microsoft.com/office/drawing/2016/SVG/main" r:embed="rId6"/>
+              </a:ext>
+            </a:extLst>
+          </a:blip>
+          <a:srcRect/>
+          <a:stretch>
+            <a:fillRect t="-15000" b="-15000"/>
+          </a:stretch>
+        </a:blipFill>
+        <a:ln>
+          <a:solidFill>
+            <a:schemeClr val="bg1"/>
+          </a:solidFill>
+        </a:ln>
+      </dgm:spPr>
+      <dgm:extLst>
+        <a:ext uri="{E40237B7-FDA0-4F09-8148-C483321AD2D9}">
+          <dgm14:cNvPr xmlns:dgm14="http://schemas.microsoft.com/office/drawing/2010/diagram" id="0" name="" descr="Singolo ingranaggio con riempimento a tinta unita"/>
+        </a:ext>
+      </dgm:extLst>
+    </dgm:pt>
+    <dgm:pt modelId="{685ABD1D-F6E1-4245-9A1E-357944743B77}" type="pres">
+      <dgm:prSet presAssocID="{76441A8B-1598-4966-8CE3-ACAC4BA06192}" presName="text" presStyleLbl="node1" presStyleIdx="2" presStyleCnt="4">
+        <dgm:presLayoutVars>
+          <dgm:bulletEnabled val="1"/>
+        </dgm:presLayoutVars>
+      </dgm:prSet>
+      <dgm:spPr/>
+    </dgm:pt>
+    <dgm:pt modelId="{7DCFFD7E-69D2-42EC-8F3D-3ABE09A180B1}" type="pres">
+      <dgm:prSet presAssocID="{324D7EED-7619-4D36-B78A-A8219DC08978}" presName="spacer" presStyleCnt="0"/>
+      <dgm:spPr/>
+    </dgm:pt>
+    <dgm:pt modelId="{036BEE34-EC30-4A68-9BC2-F1CB941C2A54}" type="pres">
+      <dgm:prSet presAssocID="{C772160D-63C8-4B73-AF31-66F4338EB14A}" presName="comp" presStyleCnt="0"/>
+      <dgm:spPr/>
+    </dgm:pt>
+    <dgm:pt modelId="{E79D8460-3363-4BD9-A81B-7C866D2274F0}" type="pres">
+      <dgm:prSet presAssocID="{C772160D-63C8-4B73-AF31-66F4338EB14A}" presName="box" presStyleLbl="node1" presStyleIdx="3" presStyleCnt="4"/>
+      <dgm:spPr/>
+    </dgm:pt>
+    <dgm:pt modelId="{30AFAC39-CB23-4D07-8DCF-8A0D67CF9D09}" type="pres">
+      <dgm:prSet presAssocID="{C772160D-63C8-4B73-AF31-66F4338EB14A}" presName="img" presStyleLbl="fgImgPlace1" presStyleIdx="3" presStyleCnt="4"/>
+      <dgm:spPr>
+        <a:blipFill>
+          <a:blip xmlns:r="http://schemas.openxmlformats.org/officeDocument/2006/relationships" r:embed="rId7">
+            <a:extLst>
+              <a:ext uri="{96DAC541-7B7A-43D3-8B79-37D633B846F1}">
+                <asvg:svgBlip xmlns:asvg="http://schemas.microsoft.com/office/drawing/2016/SVG/main" r:embed="rId8"/>
+              </a:ext>
+            </a:extLst>
+          </a:blip>
+          <a:srcRect/>
+          <a:stretch>
+            <a:fillRect t="-15000" b="-15000"/>
+          </a:stretch>
+        </a:blipFill>
+        <a:ln>
+          <a:solidFill>
+            <a:schemeClr val="bg1"/>
+          </a:solidFill>
+        </a:ln>
+      </dgm:spPr>
+      <dgm:extLst>
+        <a:ext uri="{E40237B7-FDA0-4F09-8148-C483321AD2D9}">
+          <dgm14:cNvPr xmlns:dgm14="http://schemas.microsoft.com/office/drawing/2010/diagram" id="0" name="" descr="Luci accese con riempimento a tinta unita"/>
+        </a:ext>
+      </dgm:extLst>
+    </dgm:pt>
+    <dgm:pt modelId="{8ECB5674-D25C-4C8D-93BF-45FD7A2FFE0F}" type="pres">
+      <dgm:prSet presAssocID="{C772160D-63C8-4B73-AF31-66F4338EB14A}" presName="text" presStyleLbl="node1" presStyleIdx="3" presStyleCnt="4">
+        <dgm:presLayoutVars>
+          <dgm:bulletEnabled val="1"/>
+        </dgm:presLayoutVars>
+      </dgm:prSet>
+      <dgm:spPr/>
+    </dgm:pt>
+  </dgm:ptLst>
+  <dgm:cxnLst>
+    <dgm:cxn modelId="{C2E01813-A603-4464-8067-BDB326802D5E}" srcId="{1B344D79-EA94-4099-B4FC-9066F397CA51}" destId="{0D499B8D-B798-427A-B711-EE567BEA0F11}" srcOrd="1" destOrd="0" parTransId="{D2FBF2D6-5C28-4797-AA10-87F1230C6DFD}" sibTransId="{938B47FC-9702-45FA-B8B2-1AF7A269E222}"/>
+    <dgm:cxn modelId="{79494437-1029-4C45-B283-0543DFD9A255}" srcId="{1B344D79-EA94-4099-B4FC-9066F397CA51}" destId="{76441A8B-1598-4966-8CE3-ACAC4BA06192}" srcOrd="2" destOrd="0" parTransId="{AB50407C-BDCC-4448-BE5D-AD52F8E71068}" sibTransId="{324D7EED-7619-4D36-B78A-A8219DC08978}"/>
+    <dgm:cxn modelId="{A993AA3D-C25C-4174-8DEA-89601FB2C5B5}" type="presOf" srcId="{0D499B8D-B798-427A-B711-EE567BEA0F11}" destId="{238F3088-DBE3-4D78-B47D-C210D72A52C4}" srcOrd="0" destOrd="0" presId="urn:microsoft.com/office/officeart/2005/8/layout/vList4"/>
+    <dgm:cxn modelId="{F096BD63-1221-4EC2-8FD6-9B8FAD89CFFD}" type="presOf" srcId="{C772160D-63C8-4B73-AF31-66F4338EB14A}" destId="{E79D8460-3363-4BD9-A81B-7C866D2274F0}" srcOrd="0" destOrd="0" presId="urn:microsoft.com/office/officeart/2005/8/layout/vList4"/>
+    <dgm:cxn modelId="{89848F65-D4E9-4286-818F-7040E9EBF4D9}" srcId="{1B344D79-EA94-4099-B4FC-9066F397CA51}" destId="{D5D30706-8AE3-4EF8-A8B1-B3784632ABD1}" srcOrd="0" destOrd="0" parTransId="{D4AD657A-A2D0-46DE-AB33-D5AEE640A197}" sibTransId="{B7C34C44-017B-462C-BA34-DC6B01E8BFA8}"/>
+    <dgm:cxn modelId="{79360B67-3F55-401A-84B4-F5E46E873576}" type="presOf" srcId="{1B344D79-EA94-4099-B4FC-9066F397CA51}" destId="{57EAEFA3-9A78-4563-8883-8A99CCEA555B}" srcOrd="0" destOrd="0" presId="urn:microsoft.com/office/officeart/2005/8/layout/vList4"/>
+    <dgm:cxn modelId="{E69EE047-C31A-458D-9AC4-F7CB47B3DD7D}" type="presOf" srcId="{76441A8B-1598-4966-8CE3-ACAC4BA06192}" destId="{685ABD1D-F6E1-4245-9A1E-357944743B77}" srcOrd="1" destOrd="0" presId="urn:microsoft.com/office/officeart/2005/8/layout/vList4"/>
+    <dgm:cxn modelId="{73C01683-4DD7-4006-8002-FF70171E3540}" type="presOf" srcId="{C772160D-63C8-4B73-AF31-66F4338EB14A}" destId="{8ECB5674-D25C-4C8D-93BF-45FD7A2FFE0F}" srcOrd="1" destOrd="0" presId="urn:microsoft.com/office/officeart/2005/8/layout/vList4"/>
+    <dgm:cxn modelId="{E8F95287-C6F1-48E0-B1FA-5F436FABD35C}" type="presOf" srcId="{76441A8B-1598-4966-8CE3-ACAC4BA06192}" destId="{9CABC94D-2B6F-433D-8B97-0156500069BB}" srcOrd="0" destOrd="0" presId="urn:microsoft.com/office/officeart/2005/8/layout/vList4"/>
+    <dgm:cxn modelId="{C360BBA2-97E9-4DC3-B577-2404580A0C56}" srcId="{1B344D79-EA94-4099-B4FC-9066F397CA51}" destId="{C772160D-63C8-4B73-AF31-66F4338EB14A}" srcOrd="3" destOrd="0" parTransId="{136ED2BE-4538-439D-B25E-043E0968B996}" sibTransId="{E4C8BEE7-3D4F-4DA3-B65A-010299D14482}"/>
+    <dgm:cxn modelId="{4A4F00A8-F9C9-4AD3-A400-53558CA90EB5}" type="presOf" srcId="{D5D30706-8AE3-4EF8-A8B1-B3784632ABD1}" destId="{D1F8A8DA-E6B3-44B7-BCF9-740032E19EA4}" srcOrd="0" destOrd="0" presId="urn:microsoft.com/office/officeart/2005/8/layout/vList4"/>
+    <dgm:cxn modelId="{E48451BC-6E27-458E-94BE-1709359A5F6E}" type="presOf" srcId="{D5D30706-8AE3-4EF8-A8B1-B3784632ABD1}" destId="{023F78EA-78B1-4863-81A5-A06CBD71EF85}" srcOrd="1" destOrd="0" presId="urn:microsoft.com/office/officeart/2005/8/layout/vList4"/>
+    <dgm:cxn modelId="{E2F8AAEF-03F3-456A-B89F-75EFAA899215}" type="presOf" srcId="{0D499B8D-B798-427A-B711-EE567BEA0F11}" destId="{931B137E-84F2-43D7-B975-0127ED11C318}" srcOrd="1" destOrd="0" presId="urn:microsoft.com/office/officeart/2005/8/layout/vList4"/>
+    <dgm:cxn modelId="{7D1B36B6-85FB-4A52-BC72-5D3B35A48CBE}" type="presParOf" srcId="{57EAEFA3-9A78-4563-8883-8A99CCEA555B}" destId="{BD39AA4C-3DAD-4BEE-A902-1327E92A479A}" srcOrd="0" destOrd="0" presId="urn:microsoft.com/office/officeart/2005/8/layout/vList4"/>
+    <dgm:cxn modelId="{5AFB457E-59CD-4111-9A7C-022B7C52E928}" type="presParOf" srcId="{BD39AA4C-3DAD-4BEE-A902-1327E92A479A}" destId="{D1F8A8DA-E6B3-44B7-BCF9-740032E19EA4}" srcOrd="0" destOrd="0" presId="urn:microsoft.com/office/officeart/2005/8/layout/vList4"/>
+    <dgm:cxn modelId="{13074915-CE78-45D4-A1D1-98AC4AB5C1A8}" type="presParOf" srcId="{BD39AA4C-3DAD-4BEE-A902-1327E92A479A}" destId="{3DE139AE-A735-4405-BBB3-A56ABF7F9E4D}" srcOrd="1" destOrd="0" presId="urn:microsoft.com/office/officeart/2005/8/layout/vList4"/>
+    <dgm:cxn modelId="{17709B0F-98C9-4736-8A0C-517EDDCE09B6}" type="presParOf" srcId="{BD39AA4C-3DAD-4BEE-A902-1327E92A479A}" destId="{023F78EA-78B1-4863-81A5-A06CBD71EF85}" srcOrd="2" destOrd="0" presId="urn:microsoft.com/office/officeart/2005/8/layout/vList4"/>
+    <dgm:cxn modelId="{D6C113E7-C689-4320-AFD0-5467DBEC602B}" type="presParOf" srcId="{57EAEFA3-9A78-4563-8883-8A99CCEA555B}" destId="{442DF137-6A96-4CE8-BBD9-F1E0508E050B}" srcOrd="1" destOrd="0" presId="urn:microsoft.com/office/officeart/2005/8/layout/vList4"/>
+    <dgm:cxn modelId="{4136D2EB-A2DE-4872-955C-7F608E8218C5}" type="presParOf" srcId="{57EAEFA3-9A78-4563-8883-8A99CCEA555B}" destId="{DEA770DB-DE78-4EF4-8F9D-95C7C927D77E}" srcOrd="2" destOrd="0" presId="urn:microsoft.com/office/officeart/2005/8/layout/vList4"/>
+    <dgm:cxn modelId="{D64BD1E6-83CD-4FDA-B304-E09BAA32557B}" type="presParOf" srcId="{DEA770DB-DE78-4EF4-8F9D-95C7C927D77E}" destId="{238F3088-DBE3-4D78-B47D-C210D72A52C4}" srcOrd="0" destOrd="0" presId="urn:microsoft.com/office/officeart/2005/8/layout/vList4"/>
+    <dgm:cxn modelId="{2DDBAB2C-CF05-4C40-BF87-ED44330BADA8}" type="presParOf" srcId="{DEA770DB-DE78-4EF4-8F9D-95C7C927D77E}" destId="{24D61AD3-4618-4A23-90EF-37F94C4F0D3F}" srcOrd="1" destOrd="0" presId="urn:microsoft.com/office/officeart/2005/8/layout/vList4"/>
+    <dgm:cxn modelId="{AF9995F7-4791-4F8F-A657-A7259199788F}" type="presParOf" srcId="{DEA770DB-DE78-4EF4-8F9D-95C7C927D77E}" destId="{931B137E-84F2-43D7-B975-0127ED11C318}" srcOrd="2" destOrd="0" presId="urn:microsoft.com/office/officeart/2005/8/layout/vList4"/>
+    <dgm:cxn modelId="{E1BE6974-A766-4A02-A998-0DC2BAEC71A0}" type="presParOf" srcId="{57EAEFA3-9A78-4563-8883-8A99CCEA555B}" destId="{DFFC18AA-C7C8-4C18-9AC5-0A7A46532549}" srcOrd="3" destOrd="0" presId="urn:microsoft.com/office/officeart/2005/8/layout/vList4"/>
+    <dgm:cxn modelId="{6AEE0263-3C3A-45F4-9462-4AF491458862}" type="presParOf" srcId="{57EAEFA3-9A78-4563-8883-8A99CCEA555B}" destId="{84F2353F-3423-4563-B47A-7C387C386805}" srcOrd="4" destOrd="0" presId="urn:microsoft.com/office/officeart/2005/8/layout/vList4"/>
+    <dgm:cxn modelId="{6C31225C-94CC-4FCF-AE39-0627202197EC}" type="presParOf" srcId="{84F2353F-3423-4563-B47A-7C387C386805}" destId="{9CABC94D-2B6F-433D-8B97-0156500069BB}" srcOrd="0" destOrd="0" presId="urn:microsoft.com/office/officeart/2005/8/layout/vList4"/>
+    <dgm:cxn modelId="{7FC8B494-6165-4DC6-BB92-4DC7E6B9F2DE}" type="presParOf" srcId="{84F2353F-3423-4563-B47A-7C387C386805}" destId="{2854F6A4-3AF4-499F-876F-4225964D6DF8}" srcOrd="1" destOrd="0" presId="urn:microsoft.com/office/officeart/2005/8/layout/vList4"/>
+    <dgm:cxn modelId="{FEE65B55-9E0A-4C4C-AF9B-647585654913}" type="presParOf" srcId="{84F2353F-3423-4563-B47A-7C387C386805}" destId="{685ABD1D-F6E1-4245-9A1E-357944743B77}" srcOrd="2" destOrd="0" presId="urn:microsoft.com/office/officeart/2005/8/layout/vList4"/>
+    <dgm:cxn modelId="{E7E67507-B8FB-4D6F-AF42-8DF037FD4B88}" type="presParOf" srcId="{57EAEFA3-9A78-4563-8883-8A99CCEA555B}" destId="{7DCFFD7E-69D2-42EC-8F3D-3ABE09A180B1}" srcOrd="5" destOrd="0" presId="urn:microsoft.com/office/officeart/2005/8/layout/vList4"/>
+    <dgm:cxn modelId="{DE7A9A2B-3DF1-400C-93C8-ABA7DEF52B4A}" type="presParOf" srcId="{57EAEFA3-9A78-4563-8883-8A99CCEA555B}" destId="{036BEE34-EC30-4A68-9BC2-F1CB941C2A54}" srcOrd="6" destOrd="0" presId="urn:microsoft.com/office/officeart/2005/8/layout/vList4"/>
+    <dgm:cxn modelId="{F3FCDD2B-7BEC-4EAD-B71D-B478C8C5ECCA}" type="presParOf" srcId="{036BEE34-EC30-4A68-9BC2-F1CB941C2A54}" destId="{E79D8460-3363-4BD9-A81B-7C866D2274F0}" srcOrd="0" destOrd="0" presId="urn:microsoft.com/office/officeart/2005/8/layout/vList4"/>
+    <dgm:cxn modelId="{DAFAF09D-FC18-4D9E-99DF-89516092AFD2}" type="presParOf" srcId="{036BEE34-EC30-4A68-9BC2-F1CB941C2A54}" destId="{30AFAC39-CB23-4D07-8DCF-8A0D67CF9D09}" srcOrd="1" destOrd="0" presId="urn:microsoft.com/office/officeart/2005/8/layout/vList4"/>
+    <dgm:cxn modelId="{6987C9A8-18BB-4CCB-8FA5-A96D949AC3B1}" type="presParOf" srcId="{036BEE34-EC30-4A68-9BC2-F1CB941C2A54}" destId="{8ECB5674-D25C-4C8D-93BF-45FD7A2FFE0F}" srcOrd="2" destOrd="0" presId="urn:microsoft.com/office/officeart/2005/8/layout/vList4"/>
+  </dgm:cxnLst>
+  <dgm:bg/>
+  <dgm:whole/>
+  <dgm:extLst>
+    <a:ext uri="http://schemas.microsoft.com/office/drawing/2008/diagram">
+      <dsp:dataModelExt xmlns:dsp="http://schemas.microsoft.com/office/drawing/2008/diagram" relId="rId6" minVer="http://schemas.openxmlformats.org/drawingml/2006/diagram"/>
+    </a:ext>
+  </dgm:extLst>
+</dgm:dataModel>
+</file>
+
+<file path=ppt/diagrams/drawing1.xml><?xml version="1.0" encoding="utf-8"?>
+<dsp:drawing xmlns:dgm="http://schemas.openxmlformats.org/drawingml/2006/diagram" xmlns:dsp="http://schemas.microsoft.com/office/drawing/2008/diagram" xmlns:a="http://schemas.openxmlformats.org/drawingml/2006/main">
+  <dsp:spTree>
+    <dsp:nvGrpSpPr>
+      <dsp:cNvPr id="0" name=""/>
+      <dsp:cNvGrpSpPr/>
+    </dsp:nvGrpSpPr>
+    <dsp:grpSpPr/>
+    <dsp:sp modelId="{F4AB82AC-4794-4860-9A48-0C1639583FFE}">
+      <dsp:nvSpPr>
+        <dsp:cNvPr id="0" name=""/>
+        <dsp:cNvSpPr/>
+      </dsp:nvSpPr>
+      <dsp:spPr>
+        <a:xfrm>
+          <a:off x="0" y="692785"/>
+          <a:ext cx="4423629" cy="1399709"/>
+        </a:xfrm>
+        <a:prstGeom prst="roundRect">
+          <a:avLst>
+            <a:gd name="adj" fmla="val 10000"/>
+          </a:avLst>
+        </a:prstGeom>
+        <a:solidFill>
+          <a:srgbClr val="E1CDCC"/>
+        </a:solidFill>
+        <a:ln>
+          <a:noFill/>
+        </a:ln>
+        <a:effectLst/>
+      </dsp:spPr>
+      <dsp:style>
+        <a:lnRef idx="0">
+          <a:scrgbClr r="0" g="0" b="0"/>
+        </a:lnRef>
+        <a:fillRef idx="1">
+          <a:scrgbClr r="0" g="0" b="0"/>
+        </a:fillRef>
+        <a:effectRef idx="0">
+          <a:scrgbClr r="0" g="0" b="0"/>
+        </a:effectRef>
+        <a:fontRef idx="minor"/>
+      </dsp:style>
+    </dsp:sp>
+    <dsp:sp modelId="{E7FBC0D2-F432-4C2A-A20E-C9C73726BE2D}">
+      <dsp:nvSpPr>
+        <dsp:cNvPr id="0" name=""/>
+        <dsp:cNvSpPr/>
+      </dsp:nvSpPr>
+      <dsp:spPr>
+        <a:xfrm>
+          <a:off x="423412" y="1007720"/>
+          <a:ext cx="769840" cy="769840"/>
+        </a:xfrm>
+        <a:prstGeom prst="rect">
+          <a:avLst/>
+        </a:prstGeom>
+        <a:blipFill>
+          <a:blip xmlns:r="http://schemas.openxmlformats.org/officeDocument/2006/relationships" r:embed="rId1">
+            <a:extLst>
+              <a:ext uri="{28A0092B-C50C-407E-A947-70E740481C1C}">
+                <a14:useLocalDpi xmlns:a14="http://schemas.microsoft.com/office/drawing/2010/main" val="0"/>
+              </a:ext>
+              <a:ext uri="{96DAC541-7B7A-43D3-8B79-37D633B846F1}">
+                <asvg:svgBlip xmlns:asvg="http://schemas.microsoft.com/office/drawing/2016/SVG/main" r:embed="rId2"/>
+              </a:ext>
+            </a:extLst>
+          </a:blip>
+          <a:stretch>
+            <a:fillRect/>
+          </a:stretch>
+        </a:blipFill>
+        <a:ln w="15875" cap="rnd" cmpd="sng" algn="ctr">
+          <a:solidFill>
+            <a:schemeClr val="lt1">
+              <a:hueOff val="0"/>
+              <a:satOff val="0"/>
+              <a:lumOff val="0"/>
+              <a:alphaOff val="0"/>
+            </a:schemeClr>
+          </a:solidFill>
+          <a:prstDash val="solid"/>
+        </a:ln>
+        <a:effectLst/>
+      </dsp:spPr>
+      <dsp:style>
+        <a:lnRef idx="2">
+          <a:scrgbClr r="0" g="0" b="0"/>
+        </a:lnRef>
+        <a:fillRef idx="1">
+          <a:scrgbClr r="0" g="0" b="0"/>
+        </a:fillRef>
+        <a:effectRef idx="0">
+          <a:scrgbClr r="0" g="0" b="0"/>
+        </a:effectRef>
+        <a:fontRef idx="minor">
+          <a:schemeClr val="lt1"/>
+        </a:fontRef>
+      </dsp:style>
+    </dsp:sp>
+    <dsp:sp modelId="{14603F7D-B82A-4C2F-9228-69C1939DA55B}">
+      <dsp:nvSpPr>
+        <dsp:cNvPr id="0" name=""/>
+        <dsp:cNvSpPr/>
+      </dsp:nvSpPr>
+      <dsp:spPr>
+        <a:xfrm>
+          <a:off x="1616664" y="692785"/>
+          <a:ext cx="2806964" cy="1399709"/>
+        </a:xfrm>
+        <a:prstGeom prst="rect">
+          <a:avLst/>
+        </a:prstGeom>
+        <a:noFill/>
+        <a:ln>
+          <a:noFill/>
+        </a:ln>
+        <a:effectLst/>
+      </dsp:spPr>
+      <dsp:style>
+        <a:lnRef idx="0">
+          <a:scrgbClr r="0" g="0" b="0"/>
+        </a:lnRef>
+        <a:fillRef idx="0">
+          <a:scrgbClr r="0" g="0" b="0"/>
+        </a:fillRef>
+        <a:effectRef idx="0">
+          <a:scrgbClr r="0" g="0" b="0"/>
+        </a:effectRef>
+        <a:fontRef idx="minor"/>
+      </dsp:style>
+      <dsp:txBody>
+        <a:bodyPr spcFirstLastPara="0" vert="horz" wrap="square" lIns="148136" tIns="148136" rIns="148136" bIns="148136" numCol="1" spcCol="1270" anchor="ctr" anchorCtr="0">
+          <a:noAutofit/>
+        </a:bodyPr>
+        <a:lstStyle/>
+        <a:p>
+          <a:pPr marL="0" lvl="0" indent="0" algn="l" defTabSz="622300">
+            <a:lnSpc>
+              <a:spcPct val="100000"/>
+            </a:lnSpc>
+            <a:spcBef>
+              <a:spcPct val="0"/>
+            </a:spcBef>
+            <a:spcAft>
+              <a:spcPct val="35000"/>
+            </a:spcAft>
+            <a:buNone/>
+          </a:pPr>
+          <a:r>
+            <a:rPr lang="it-IT" sz="1400" kern="1200" dirty="0">
+              <a:latin typeface="Calibri" panose="020F0502020204030204" pitchFamily="34" charset="0"/>
+              <a:ea typeface="Calibri" panose="020F0502020204030204" pitchFamily="34" charset="0"/>
+              <a:cs typeface="Calibri" panose="020F0502020204030204" pitchFamily="34" charset="0"/>
+            </a:rPr>
+            <a:t>La dashboard rappresenta il centro di controllo operativo permette di visualizzare i dati in tempo reale provenienti dall'</a:t>
+          </a:r>
+          <a:r>
+            <a:rPr lang="it-IT" sz="1400" b="1" kern="1200" dirty="0">
+              <a:latin typeface="Calibri" panose="020F0502020204030204" pitchFamily="34" charset="0"/>
+              <a:ea typeface="Calibri" panose="020F0502020204030204" pitchFamily="34" charset="0"/>
+              <a:cs typeface="Calibri" panose="020F0502020204030204" pitchFamily="34" charset="0"/>
+            </a:rPr>
+            <a:t>ESP32</a:t>
+          </a:r>
+          <a:r>
+            <a:rPr lang="it-IT" sz="1400" kern="1200" dirty="0">
+              <a:latin typeface="Calibri" panose="020F0502020204030204" pitchFamily="34" charset="0"/>
+              <a:ea typeface="Calibri" panose="020F0502020204030204" pitchFamily="34" charset="0"/>
+              <a:cs typeface="Calibri" panose="020F0502020204030204" pitchFamily="34" charset="0"/>
+            </a:rPr>
+            <a:t> tramite l’utilizzo del protocollo </a:t>
+          </a:r>
+          <a:r>
+            <a:rPr lang="it-IT" sz="1400" b="1" kern="1200" dirty="0">
+              <a:latin typeface="Calibri" panose="020F0502020204030204" pitchFamily="34" charset="0"/>
+              <a:ea typeface="Calibri" panose="020F0502020204030204" pitchFamily="34" charset="0"/>
+              <a:cs typeface="Calibri" panose="020F0502020204030204" pitchFamily="34" charset="0"/>
+            </a:rPr>
+            <a:t>MQTT</a:t>
+          </a:r>
+          <a:r>
+            <a:rPr lang="it-IT" sz="1400" kern="1200" dirty="0">
+              <a:latin typeface="Calibri" panose="020F0502020204030204" pitchFamily="34" charset="0"/>
+              <a:ea typeface="Calibri" panose="020F0502020204030204" pitchFamily="34" charset="0"/>
+              <a:cs typeface="Calibri" panose="020F0502020204030204" pitchFamily="34" charset="0"/>
+            </a:rPr>
+            <a:t>.</a:t>
+          </a:r>
+          <a:endParaRPr lang="en-US" sz="1400" kern="1200" dirty="0">
+            <a:latin typeface="Calibri" panose="020F0502020204030204" pitchFamily="34" charset="0"/>
+            <a:ea typeface="Calibri" panose="020F0502020204030204" pitchFamily="34" charset="0"/>
+            <a:cs typeface="Calibri" panose="020F0502020204030204" pitchFamily="34" charset="0"/>
+          </a:endParaRPr>
+        </a:p>
+      </dsp:txBody>
+      <dsp:txXfrm>
+        <a:off x="1616664" y="692785"/>
+        <a:ext cx="2806964" cy="1399709"/>
+      </dsp:txXfrm>
+    </dsp:sp>
+    <dsp:sp modelId="{FFE23B07-7334-4075-9E54-421901344132}">
+      <dsp:nvSpPr>
+        <dsp:cNvPr id="0" name=""/>
+        <dsp:cNvSpPr/>
+      </dsp:nvSpPr>
+      <dsp:spPr>
+        <a:xfrm>
+          <a:off x="0" y="2431819"/>
+          <a:ext cx="4423629" cy="1399709"/>
+        </a:xfrm>
+        <a:prstGeom prst="roundRect">
+          <a:avLst>
+            <a:gd name="adj" fmla="val 10000"/>
+          </a:avLst>
+        </a:prstGeom>
+        <a:solidFill>
+          <a:schemeClr val="accent1">
+            <a:tint val="40000"/>
+            <a:hueOff val="0"/>
+            <a:satOff val="0"/>
+            <a:lumOff val="0"/>
+            <a:alphaOff val="0"/>
+          </a:schemeClr>
+        </a:solidFill>
+        <a:ln>
+          <a:noFill/>
+        </a:ln>
+        <a:effectLst/>
+      </dsp:spPr>
+      <dsp:style>
+        <a:lnRef idx="0">
+          <a:scrgbClr r="0" g="0" b="0"/>
+        </a:lnRef>
+        <a:fillRef idx="1">
+          <a:scrgbClr r="0" g="0" b="0"/>
+        </a:fillRef>
+        <a:effectRef idx="0">
+          <a:scrgbClr r="0" g="0" b="0"/>
+        </a:effectRef>
+        <a:fontRef idx="minor"/>
+      </dsp:style>
+    </dsp:sp>
+    <dsp:sp modelId="{A7E4C96C-DE24-4072-B764-E2A9EF3452A9}">
+      <dsp:nvSpPr>
+        <dsp:cNvPr id="0" name=""/>
+        <dsp:cNvSpPr/>
+      </dsp:nvSpPr>
+      <dsp:spPr>
+        <a:xfrm>
+          <a:off x="423412" y="2746754"/>
+          <a:ext cx="769840" cy="769840"/>
+        </a:xfrm>
+        <a:prstGeom prst="rect">
+          <a:avLst/>
+        </a:prstGeom>
+        <a:blipFill>
+          <a:blip xmlns:r="http://schemas.openxmlformats.org/officeDocument/2006/relationships" r:embed="rId3">
+            <a:extLst>
+              <a:ext uri="{28A0092B-C50C-407E-A947-70E740481C1C}">
+                <a14:useLocalDpi xmlns:a14="http://schemas.microsoft.com/office/drawing/2010/main" val="0"/>
+              </a:ext>
+              <a:ext uri="{96DAC541-7B7A-43D3-8B79-37D633B846F1}">
+                <asvg:svgBlip xmlns:asvg="http://schemas.microsoft.com/office/drawing/2016/SVG/main" r:embed="rId4"/>
+              </a:ext>
+            </a:extLst>
+          </a:blip>
+          <a:stretch>
+            <a:fillRect/>
+          </a:stretch>
+        </a:blipFill>
+        <a:ln w="15875" cap="rnd" cmpd="sng" algn="ctr">
+          <a:solidFill>
+            <a:schemeClr val="lt1">
+              <a:hueOff val="0"/>
+              <a:satOff val="0"/>
+              <a:lumOff val="0"/>
+              <a:alphaOff val="0"/>
+            </a:schemeClr>
+          </a:solidFill>
+          <a:prstDash val="solid"/>
+        </a:ln>
+        <a:effectLst/>
+      </dsp:spPr>
+      <dsp:style>
+        <a:lnRef idx="2">
+          <a:scrgbClr r="0" g="0" b="0"/>
+        </a:lnRef>
+        <a:fillRef idx="1">
+          <a:scrgbClr r="0" g="0" b="0"/>
+        </a:fillRef>
+        <a:effectRef idx="0">
+          <a:scrgbClr r="0" g="0" b="0"/>
+        </a:effectRef>
+        <a:fontRef idx="minor">
+          <a:schemeClr val="lt1"/>
+        </a:fontRef>
+      </dsp:style>
+    </dsp:sp>
+    <dsp:sp modelId="{44A3B483-E48B-451B-8931-5A5511B5C345}">
+      <dsp:nvSpPr>
+        <dsp:cNvPr id="0" name=""/>
+        <dsp:cNvSpPr/>
+      </dsp:nvSpPr>
+      <dsp:spPr>
+        <a:xfrm>
+          <a:off x="1616664" y="2431819"/>
+          <a:ext cx="2806964" cy="1399709"/>
+        </a:xfrm>
+        <a:prstGeom prst="rect">
+          <a:avLst/>
+        </a:prstGeom>
+        <a:noFill/>
+        <a:ln>
+          <a:noFill/>
+        </a:ln>
+        <a:effectLst/>
+      </dsp:spPr>
+      <dsp:style>
+        <a:lnRef idx="0">
+          <a:scrgbClr r="0" g="0" b="0"/>
+        </a:lnRef>
+        <a:fillRef idx="0">
+          <a:scrgbClr r="0" g="0" b="0"/>
+        </a:fillRef>
+        <a:effectRef idx="0">
+          <a:scrgbClr r="0" g="0" b="0"/>
+        </a:effectRef>
+        <a:fontRef idx="minor"/>
+      </dsp:style>
+      <dsp:txBody>
+        <a:bodyPr spcFirstLastPara="0" vert="horz" wrap="square" lIns="148136" tIns="148136" rIns="148136" bIns="148136" numCol="1" spcCol="1270" anchor="ctr" anchorCtr="0">
+          <a:noAutofit/>
+        </a:bodyPr>
+        <a:lstStyle/>
+        <a:p>
+          <a:pPr marL="0" lvl="0" indent="0" algn="l" defTabSz="622300">
+            <a:lnSpc>
+              <a:spcPct val="100000"/>
+            </a:lnSpc>
+            <a:spcBef>
+              <a:spcPct val="0"/>
+            </a:spcBef>
+            <a:spcAft>
+              <a:spcPct val="35000"/>
+            </a:spcAft>
+            <a:buNone/>
+          </a:pPr>
+          <a:r>
+            <a:rPr lang="it-IT" sz="1400" kern="1200" dirty="0">
+              <a:latin typeface="Calibri" panose="020F0502020204030204" pitchFamily="34" charset="0"/>
+              <a:ea typeface="Calibri" panose="020F0502020204030204" pitchFamily="34" charset="0"/>
+              <a:cs typeface="Calibri" panose="020F0502020204030204" pitchFamily="34" charset="0"/>
+            </a:rPr>
+            <a:t>Visualizzazione immediata della temperatura e dell’umidità dell'aria, dell’umidità del suolo, dell’esposizione alla luce e del livello del serbatoio.</a:t>
+          </a:r>
+          <a:endParaRPr lang="en-US" sz="1400" kern="1200" dirty="0">
+            <a:latin typeface="Calibri" panose="020F0502020204030204" pitchFamily="34" charset="0"/>
+            <a:ea typeface="Calibri" panose="020F0502020204030204" pitchFamily="34" charset="0"/>
+            <a:cs typeface="Calibri" panose="020F0502020204030204" pitchFamily="34" charset="0"/>
+          </a:endParaRPr>
+        </a:p>
+      </dsp:txBody>
+      <dsp:txXfrm>
+        <a:off x="1616664" y="2431819"/>
+        <a:ext cx="2806964" cy="1399709"/>
+      </dsp:txXfrm>
+    </dsp:sp>
+  </dsp:spTree>
+</dsp:drawing>
+</file>
+
+<file path=ppt/diagrams/drawing2.xml><?xml version="1.0" encoding="utf-8"?>
+<dsp:drawing xmlns:dgm="http://schemas.openxmlformats.org/drawingml/2006/diagram" xmlns:dsp="http://schemas.microsoft.com/office/drawing/2008/diagram" xmlns:a="http://schemas.openxmlformats.org/drawingml/2006/main">
+  <dsp:spTree>
+    <dsp:nvGrpSpPr>
+      <dsp:cNvPr id="0" name=""/>
+      <dsp:cNvGrpSpPr/>
+    </dsp:nvGrpSpPr>
+    <dsp:grpSpPr/>
+    <dsp:sp modelId="{D1F8A8DA-E6B3-44B7-BCF9-740032E19EA4}">
+      <dsp:nvSpPr>
+        <dsp:cNvPr id="0" name=""/>
+        <dsp:cNvSpPr/>
+      </dsp:nvSpPr>
+      <dsp:spPr>
+        <a:xfrm>
+          <a:off x="0" y="0"/>
+          <a:ext cx="5178272" cy="992677"/>
+        </a:xfrm>
+        <a:prstGeom prst="roundRect">
+          <a:avLst>
+            <a:gd name="adj" fmla="val 10000"/>
+          </a:avLst>
+        </a:prstGeom>
+        <a:solidFill>
+          <a:srgbClr val="E1CDCC"/>
+        </a:solidFill>
+        <a:ln w="15875" cap="rnd" cmpd="sng" algn="ctr">
+          <a:solidFill>
+            <a:schemeClr val="bg1">
+              <a:lumMod val="95000"/>
+            </a:schemeClr>
+          </a:solidFill>
+          <a:prstDash val="solid"/>
+        </a:ln>
+        <a:effectLst/>
+      </dsp:spPr>
+      <dsp:style>
+        <a:lnRef idx="2">
+          <a:scrgbClr r="0" g="0" b="0"/>
+        </a:lnRef>
+        <a:fillRef idx="1">
+          <a:scrgbClr r="0" g="0" b="0"/>
+        </a:fillRef>
+        <a:effectRef idx="0">
+          <a:scrgbClr r="0" g="0" b="0"/>
+        </a:effectRef>
+        <a:fontRef idx="minor">
+          <a:schemeClr val="lt1"/>
+        </a:fontRef>
+      </dsp:style>
+      <dsp:txBody>
+        <a:bodyPr spcFirstLastPara="0" vert="horz" wrap="square" lIns="60960" tIns="60960" rIns="60960" bIns="60960" numCol="1" spcCol="1270" anchor="ctr" anchorCtr="0">
+          <a:noAutofit/>
+        </a:bodyPr>
+        <a:lstStyle/>
+        <a:p>
+          <a:pPr marL="0" lvl="0" indent="0" algn="l" defTabSz="711200">
+            <a:lnSpc>
+              <a:spcPct val="90000"/>
+            </a:lnSpc>
+            <a:spcBef>
+              <a:spcPct val="0"/>
+            </a:spcBef>
+            <a:spcAft>
+              <a:spcPct val="35000"/>
+            </a:spcAft>
+            <a:buNone/>
+          </a:pPr>
+          <a:r>
+            <a:rPr lang="it-IT" sz="1600" b="1" kern="1200" dirty="0">
+              <a:latin typeface="Calibri" panose="020F0502020204030204" pitchFamily="34" charset="0"/>
+              <a:ea typeface="Calibri" panose="020F0502020204030204" pitchFamily="34" charset="0"/>
+              <a:cs typeface="Calibri" panose="020F0502020204030204" pitchFamily="34" charset="0"/>
+            </a:rPr>
+            <a:t>Monitorare i grafici;</a:t>
+          </a:r>
+          <a:r>
+            <a:rPr lang="it-IT" sz="1600" kern="1200" dirty="0">
+              <a:latin typeface="Calibri" panose="020F0502020204030204" pitchFamily="34" charset="0"/>
+              <a:ea typeface="Calibri" panose="020F0502020204030204" pitchFamily="34" charset="0"/>
+              <a:cs typeface="Calibri" panose="020F0502020204030204" pitchFamily="34" charset="0"/>
+            </a:rPr>
+            <a:t> diagrammi dedicati ad ogni grandezza fisica misurata</a:t>
+          </a:r>
+          <a:endParaRPr lang="en-US" sz="1600" kern="1200" dirty="0">
+            <a:latin typeface="Calibri" panose="020F0502020204030204" pitchFamily="34" charset="0"/>
+            <a:ea typeface="Calibri" panose="020F0502020204030204" pitchFamily="34" charset="0"/>
+            <a:cs typeface="Calibri" panose="020F0502020204030204" pitchFamily="34" charset="0"/>
+          </a:endParaRPr>
+        </a:p>
+      </dsp:txBody>
+      <dsp:txXfrm>
+        <a:off x="1134922" y="0"/>
+        <a:ext cx="4043349" cy="992677"/>
+      </dsp:txXfrm>
+    </dsp:sp>
+    <dsp:sp modelId="{3DE139AE-A735-4405-BBB3-A56ABF7F9E4D}">
+      <dsp:nvSpPr>
+        <dsp:cNvPr id="0" name=""/>
+        <dsp:cNvSpPr/>
+      </dsp:nvSpPr>
+      <dsp:spPr>
+        <a:xfrm>
+          <a:off x="99267" y="99267"/>
+          <a:ext cx="1035654" cy="794142"/>
+        </a:xfrm>
+        <a:prstGeom prst="roundRect">
+          <a:avLst>
+            <a:gd name="adj" fmla="val 10000"/>
+          </a:avLst>
+        </a:prstGeom>
+        <a:blipFill>
+          <a:blip xmlns:r="http://schemas.openxmlformats.org/officeDocument/2006/relationships" r:embed="rId1">
+            <a:extLst>
+              <a:ext uri="{96DAC541-7B7A-43D3-8B79-37D633B846F1}">
+                <asvg:svgBlip xmlns:asvg="http://schemas.microsoft.com/office/drawing/2016/SVG/main" r:embed="rId2"/>
+              </a:ext>
+            </a:extLst>
+          </a:blip>
+          <a:srcRect/>
+          <a:stretch>
+            <a:fillRect t="-15000" b="-15000"/>
+          </a:stretch>
+        </a:blipFill>
+        <a:ln w="9525" cap="rnd" cmpd="sng" algn="ctr">
+          <a:solidFill>
+            <a:schemeClr val="bg1"/>
+          </a:solidFill>
+          <a:prstDash val="solid"/>
+        </a:ln>
+        <a:effectLst/>
+      </dsp:spPr>
+      <dsp:style>
+        <a:lnRef idx="1">
+          <a:schemeClr val="accent1"/>
+        </a:lnRef>
+        <a:fillRef idx="2">
+          <a:schemeClr val="accent1"/>
+        </a:fillRef>
+        <a:effectRef idx="1">
+          <a:schemeClr val="accent1"/>
+        </a:effectRef>
+        <a:fontRef idx="minor">
+          <a:schemeClr val="dk1"/>
+        </a:fontRef>
+      </dsp:style>
+    </dsp:sp>
+    <dsp:sp modelId="{238F3088-DBE3-4D78-B47D-C210D72A52C4}">
+      <dsp:nvSpPr>
+        <dsp:cNvPr id="0" name=""/>
+        <dsp:cNvSpPr/>
+      </dsp:nvSpPr>
+      <dsp:spPr>
+        <a:xfrm>
+          <a:off x="0" y="1091945"/>
+          <a:ext cx="5178272" cy="992677"/>
+        </a:xfrm>
+        <a:prstGeom prst="roundRect">
+          <a:avLst>
+            <a:gd name="adj" fmla="val 10000"/>
+          </a:avLst>
+        </a:prstGeom>
+        <a:solidFill>
+          <a:srgbClr val="E1CDCC"/>
+        </a:solidFill>
+        <a:ln w="15875" cap="rnd" cmpd="sng" algn="ctr">
+          <a:solidFill>
+            <a:schemeClr val="bg1">
+              <a:lumMod val="95000"/>
+            </a:schemeClr>
+          </a:solidFill>
+          <a:prstDash val="solid"/>
+        </a:ln>
+        <a:effectLst/>
+      </dsp:spPr>
+      <dsp:style>
+        <a:lnRef idx="2">
+          <a:scrgbClr r="0" g="0" b="0"/>
+        </a:lnRef>
+        <a:fillRef idx="1">
+          <a:scrgbClr r="0" g="0" b="0"/>
+        </a:fillRef>
+        <a:effectRef idx="0">
+          <a:scrgbClr r="0" g="0" b="0"/>
+        </a:effectRef>
+        <a:fontRef idx="minor">
+          <a:schemeClr val="lt1"/>
+        </a:fontRef>
+      </dsp:style>
+      <dsp:txBody>
+        <a:bodyPr spcFirstLastPara="0" vert="horz" wrap="square" lIns="60960" tIns="60960" rIns="60960" bIns="60960" numCol="1" spcCol="1270" anchor="ctr" anchorCtr="0">
+          <a:noAutofit/>
+        </a:bodyPr>
+        <a:lstStyle/>
+        <a:p>
+          <a:pPr marL="0" lvl="0" indent="0" algn="l" defTabSz="711200">
+            <a:lnSpc>
+              <a:spcPct val="90000"/>
+            </a:lnSpc>
+            <a:spcBef>
+              <a:spcPct val="0"/>
+            </a:spcBef>
+            <a:spcAft>
+              <a:spcPct val="35000"/>
+            </a:spcAft>
+            <a:buNone/>
+          </a:pPr>
+          <a:r>
+            <a:rPr lang="it-IT" sz="1600" b="1" kern="1200" dirty="0">
+              <a:latin typeface="Calibri" panose="020F0502020204030204" pitchFamily="34" charset="0"/>
+              <a:ea typeface="Calibri" panose="020F0502020204030204" pitchFamily="34" charset="0"/>
+              <a:cs typeface="Calibri" panose="020F0502020204030204" pitchFamily="34" charset="0"/>
+            </a:rPr>
+            <a:t>Gestire il serbatoio;</a:t>
+          </a:r>
+          <a:r>
+            <a:rPr lang="it-IT" sz="1600" kern="1200" dirty="0">
+              <a:latin typeface="Calibri" panose="020F0502020204030204" pitchFamily="34" charset="0"/>
+              <a:ea typeface="Calibri" panose="020F0502020204030204" pitchFamily="34" charset="0"/>
+              <a:cs typeface="Calibri" panose="020F0502020204030204" pitchFamily="34" charset="0"/>
+            </a:rPr>
+            <a:t> prevedere quando bisogna riempire il serbatoio, attivare manualmente la pompa o impostare una soglia d’umidità per l’irrigazione automatica</a:t>
+          </a:r>
+          <a:endParaRPr lang="en-US" sz="1600" kern="1200" dirty="0">
+            <a:latin typeface="Calibri" panose="020F0502020204030204" pitchFamily="34" charset="0"/>
+            <a:ea typeface="Calibri" panose="020F0502020204030204" pitchFamily="34" charset="0"/>
+            <a:cs typeface="Calibri" panose="020F0502020204030204" pitchFamily="34" charset="0"/>
+          </a:endParaRPr>
+        </a:p>
+      </dsp:txBody>
+      <dsp:txXfrm>
+        <a:off x="1134922" y="1091945"/>
+        <a:ext cx="4043349" cy="992677"/>
+      </dsp:txXfrm>
+    </dsp:sp>
+    <dsp:sp modelId="{24D61AD3-4618-4A23-90EF-37F94C4F0D3F}">
+      <dsp:nvSpPr>
+        <dsp:cNvPr id="0" name=""/>
+        <dsp:cNvSpPr/>
+      </dsp:nvSpPr>
+      <dsp:spPr>
+        <a:xfrm>
+          <a:off x="99267" y="1191213"/>
+          <a:ext cx="1035654" cy="794142"/>
+        </a:xfrm>
+        <a:prstGeom prst="roundRect">
+          <a:avLst>
+            <a:gd name="adj" fmla="val 10000"/>
+          </a:avLst>
+        </a:prstGeom>
+        <a:blipFill>
+          <a:blip xmlns:r="http://schemas.openxmlformats.org/officeDocument/2006/relationships" r:embed="rId3">
+            <a:extLst>
+              <a:ext uri="{96DAC541-7B7A-43D3-8B79-37D633B846F1}">
+                <asvg:svgBlip xmlns:asvg="http://schemas.microsoft.com/office/drawing/2016/SVG/main" r:embed="rId4"/>
+              </a:ext>
+            </a:extLst>
+          </a:blip>
+          <a:srcRect/>
+          <a:stretch>
+            <a:fillRect t="-15000" b="-15000"/>
+          </a:stretch>
+        </a:blipFill>
+        <a:ln w="15875" cap="rnd" cmpd="sng" algn="ctr">
+          <a:solidFill>
+            <a:schemeClr val="bg1"/>
+          </a:solidFill>
+          <a:prstDash val="solid"/>
+        </a:ln>
+        <a:effectLst/>
+      </dsp:spPr>
+      <dsp:style>
+        <a:lnRef idx="2">
+          <a:scrgbClr r="0" g="0" b="0"/>
+        </a:lnRef>
+        <a:fillRef idx="1">
+          <a:scrgbClr r="0" g="0" b="0"/>
+        </a:fillRef>
+        <a:effectRef idx="0">
+          <a:scrgbClr r="0" g="0" b="0"/>
+        </a:effectRef>
+        <a:fontRef idx="minor"/>
+      </dsp:style>
+    </dsp:sp>
+    <dsp:sp modelId="{9CABC94D-2B6F-433D-8B97-0156500069BB}">
+      <dsp:nvSpPr>
+        <dsp:cNvPr id="0" name=""/>
+        <dsp:cNvSpPr/>
+      </dsp:nvSpPr>
+      <dsp:spPr>
+        <a:xfrm>
+          <a:off x="0" y="2183891"/>
+          <a:ext cx="5178272" cy="992677"/>
+        </a:xfrm>
+        <a:prstGeom prst="roundRect">
+          <a:avLst>
+            <a:gd name="adj" fmla="val 10000"/>
+          </a:avLst>
+        </a:prstGeom>
+        <a:solidFill>
+          <a:srgbClr val="E1CDCC"/>
+        </a:solidFill>
+        <a:ln w="15875" cap="rnd" cmpd="sng" algn="ctr">
+          <a:solidFill>
+            <a:schemeClr val="bg1">
+              <a:lumMod val="95000"/>
+            </a:schemeClr>
+          </a:solidFill>
+          <a:prstDash val="solid"/>
+        </a:ln>
+        <a:effectLst/>
+      </dsp:spPr>
+      <dsp:style>
+        <a:lnRef idx="2">
+          <a:scrgbClr r="0" g="0" b="0"/>
+        </a:lnRef>
+        <a:fillRef idx="1">
+          <a:scrgbClr r="0" g="0" b="0"/>
+        </a:fillRef>
+        <a:effectRef idx="0">
+          <a:scrgbClr r="0" g="0" b="0"/>
+        </a:effectRef>
+        <a:fontRef idx="minor">
+          <a:schemeClr val="lt1"/>
+        </a:fontRef>
+      </dsp:style>
+      <dsp:txBody>
+        <a:bodyPr spcFirstLastPara="0" vert="horz" wrap="square" lIns="60960" tIns="60960" rIns="60960" bIns="60960" numCol="1" spcCol="1270" anchor="ctr" anchorCtr="0">
+          <a:noAutofit/>
+        </a:bodyPr>
+        <a:lstStyle/>
+        <a:p>
+          <a:pPr marL="0" lvl="0" indent="0" algn="l" defTabSz="711200">
+            <a:lnSpc>
+              <a:spcPct val="90000"/>
+            </a:lnSpc>
+            <a:spcBef>
+              <a:spcPct val="0"/>
+            </a:spcBef>
+            <a:spcAft>
+              <a:spcPct val="35000"/>
+            </a:spcAft>
+            <a:buNone/>
+          </a:pPr>
+          <a:r>
+            <a:rPr lang="it-IT" sz="1600" b="1" kern="1200" dirty="0">
+              <a:latin typeface="Calibri" panose="020F0502020204030204" pitchFamily="34" charset="0"/>
+              <a:ea typeface="Calibri" panose="020F0502020204030204" pitchFamily="34" charset="0"/>
+              <a:cs typeface="Calibri" panose="020F0502020204030204" pitchFamily="34" charset="0"/>
+            </a:rPr>
+            <a:t>Monitorare i log;</a:t>
+          </a:r>
+          <a:r>
+            <a:rPr lang="it-IT" sz="1600" kern="1200" dirty="0">
+              <a:latin typeface="Calibri" panose="020F0502020204030204" pitchFamily="34" charset="0"/>
+              <a:ea typeface="Calibri" panose="020F0502020204030204" pitchFamily="34" charset="0"/>
+              <a:cs typeface="Calibri" panose="020F0502020204030204" pitchFamily="34" charset="0"/>
+            </a:rPr>
+            <a:t> registro per tracciare eventi particolare (attivazione pompa o livello d’acqua nel serbatoio)</a:t>
+          </a:r>
+          <a:endParaRPr lang="en-US" sz="1600" kern="1200" dirty="0">
+            <a:latin typeface="Calibri" panose="020F0502020204030204" pitchFamily="34" charset="0"/>
+            <a:ea typeface="Calibri" panose="020F0502020204030204" pitchFamily="34" charset="0"/>
+            <a:cs typeface="Calibri" panose="020F0502020204030204" pitchFamily="34" charset="0"/>
+          </a:endParaRPr>
+        </a:p>
+      </dsp:txBody>
+      <dsp:txXfrm>
+        <a:off x="1134922" y="2183891"/>
+        <a:ext cx="4043349" cy="992677"/>
+      </dsp:txXfrm>
+    </dsp:sp>
+    <dsp:sp modelId="{2854F6A4-3AF4-499F-876F-4225964D6DF8}">
+      <dsp:nvSpPr>
+        <dsp:cNvPr id="0" name=""/>
+        <dsp:cNvSpPr/>
+      </dsp:nvSpPr>
+      <dsp:spPr>
+        <a:xfrm>
+          <a:off x="99267" y="2283158"/>
+          <a:ext cx="1035654" cy="794142"/>
+        </a:xfrm>
+        <a:prstGeom prst="roundRect">
+          <a:avLst>
+            <a:gd name="adj" fmla="val 10000"/>
+          </a:avLst>
+        </a:prstGeom>
+        <a:blipFill>
+          <a:blip xmlns:r="http://schemas.openxmlformats.org/officeDocument/2006/relationships" r:embed="rId5">
+            <a:extLst>
+              <a:ext uri="{96DAC541-7B7A-43D3-8B79-37D633B846F1}">
+                <asvg:svgBlip xmlns:asvg="http://schemas.microsoft.com/office/drawing/2016/SVG/main" r:embed="rId6"/>
+              </a:ext>
+            </a:extLst>
+          </a:blip>
+          <a:srcRect/>
+          <a:stretch>
+            <a:fillRect t="-15000" b="-15000"/>
+          </a:stretch>
+        </a:blipFill>
+        <a:ln w="15875" cap="rnd" cmpd="sng" algn="ctr">
+          <a:solidFill>
+            <a:schemeClr val="bg1"/>
+          </a:solidFill>
+          <a:prstDash val="solid"/>
+        </a:ln>
+        <a:effectLst/>
+      </dsp:spPr>
+      <dsp:style>
+        <a:lnRef idx="2">
+          <a:scrgbClr r="0" g="0" b="0"/>
+        </a:lnRef>
+        <a:fillRef idx="1">
+          <a:scrgbClr r="0" g="0" b="0"/>
+        </a:fillRef>
+        <a:effectRef idx="0">
+          <a:scrgbClr r="0" g="0" b="0"/>
+        </a:effectRef>
+        <a:fontRef idx="minor"/>
+      </dsp:style>
+    </dsp:sp>
+    <dsp:sp modelId="{E79D8460-3363-4BD9-A81B-7C866D2274F0}">
+      <dsp:nvSpPr>
+        <dsp:cNvPr id="0" name=""/>
+        <dsp:cNvSpPr/>
+      </dsp:nvSpPr>
+      <dsp:spPr>
+        <a:xfrm>
+          <a:off x="0" y="3275836"/>
+          <a:ext cx="5178272" cy="992677"/>
+        </a:xfrm>
+        <a:prstGeom prst="roundRect">
+          <a:avLst>
+            <a:gd name="adj" fmla="val 10000"/>
+          </a:avLst>
+        </a:prstGeom>
+        <a:solidFill>
+          <a:srgbClr val="E1CDCC"/>
+        </a:solidFill>
+        <a:ln w="15875" cap="rnd" cmpd="sng" algn="ctr">
+          <a:solidFill>
+            <a:schemeClr val="bg1"/>
+          </a:solidFill>
+          <a:prstDash val="solid"/>
+        </a:ln>
+        <a:effectLst/>
+      </dsp:spPr>
+      <dsp:style>
+        <a:lnRef idx="2">
+          <a:scrgbClr r="0" g="0" b="0"/>
+        </a:lnRef>
+        <a:fillRef idx="1">
+          <a:scrgbClr r="0" g="0" b="0"/>
+        </a:fillRef>
+        <a:effectRef idx="0">
+          <a:scrgbClr r="0" g="0" b="0"/>
+        </a:effectRef>
+        <a:fontRef idx="minor">
+          <a:schemeClr val="lt1"/>
+        </a:fontRef>
+      </dsp:style>
+      <dsp:txBody>
+        <a:bodyPr spcFirstLastPara="0" vert="horz" wrap="square" lIns="60960" tIns="60960" rIns="60960" bIns="60960" numCol="1" spcCol="1270" anchor="ctr" anchorCtr="0">
+          <a:noAutofit/>
+        </a:bodyPr>
+        <a:lstStyle/>
+        <a:p>
+          <a:pPr marL="0" lvl="0" indent="0" algn="l" defTabSz="711200">
+            <a:lnSpc>
+              <a:spcPct val="90000"/>
+            </a:lnSpc>
+            <a:spcBef>
+              <a:spcPct val="0"/>
+            </a:spcBef>
+            <a:spcAft>
+              <a:spcPct val="35000"/>
+            </a:spcAft>
+            <a:buNone/>
+          </a:pPr>
+          <a:r>
+            <a:rPr lang="it-IT" sz="1600" b="1" kern="1200" dirty="0">
+              <a:latin typeface="Calibri" panose="020F0502020204030204" pitchFamily="34" charset="0"/>
+              <a:ea typeface="Calibri" panose="020F0502020204030204" pitchFamily="34" charset="0"/>
+              <a:cs typeface="Calibri" panose="020F0502020204030204" pitchFamily="34" charset="0"/>
+            </a:rPr>
+            <a:t>Compensare la scarsa luce naturale (simulazione);</a:t>
+          </a:r>
+          <a:r>
+            <a:rPr lang="it-IT" sz="1600" kern="1200" dirty="0">
+              <a:latin typeface="Calibri" panose="020F0502020204030204" pitchFamily="34" charset="0"/>
+              <a:ea typeface="Calibri" panose="020F0502020204030204" pitchFamily="34" charset="0"/>
+              <a:cs typeface="Calibri" panose="020F0502020204030204" pitchFamily="34" charset="0"/>
+            </a:rPr>
+            <a:t> slider per regolare l'intensità dei LED tramite PWM</a:t>
+          </a:r>
+          <a:endParaRPr lang="en-US" sz="1600" kern="1200" dirty="0">
+            <a:latin typeface="Calibri" panose="020F0502020204030204" pitchFamily="34" charset="0"/>
+            <a:ea typeface="Calibri" panose="020F0502020204030204" pitchFamily="34" charset="0"/>
+            <a:cs typeface="Calibri" panose="020F0502020204030204" pitchFamily="34" charset="0"/>
+          </a:endParaRPr>
+        </a:p>
+      </dsp:txBody>
+      <dsp:txXfrm>
+        <a:off x="1134922" y="3275836"/>
+        <a:ext cx="4043349" cy="992677"/>
+      </dsp:txXfrm>
+    </dsp:sp>
+    <dsp:sp modelId="{30AFAC39-CB23-4D07-8DCF-8A0D67CF9D09}">
+      <dsp:nvSpPr>
+        <dsp:cNvPr id="0" name=""/>
+        <dsp:cNvSpPr/>
+      </dsp:nvSpPr>
+      <dsp:spPr>
+        <a:xfrm>
+          <a:off x="99267" y="3375104"/>
+          <a:ext cx="1035654" cy="794142"/>
+        </a:xfrm>
+        <a:prstGeom prst="roundRect">
+          <a:avLst>
+            <a:gd name="adj" fmla="val 10000"/>
+          </a:avLst>
+        </a:prstGeom>
+        <a:blipFill>
+          <a:blip xmlns:r="http://schemas.openxmlformats.org/officeDocument/2006/relationships" r:embed="rId7">
+            <a:extLst>
+              <a:ext uri="{96DAC541-7B7A-43D3-8B79-37D633B846F1}">
+                <asvg:svgBlip xmlns:asvg="http://schemas.microsoft.com/office/drawing/2016/SVG/main" r:embed="rId8"/>
+              </a:ext>
+            </a:extLst>
+          </a:blip>
+          <a:srcRect/>
+          <a:stretch>
+            <a:fillRect t="-15000" b="-15000"/>
+          </a:stretch>
+        </a:blipFill>
+        <a:ln w="15875" cap="rnd" cmpd="sng" algn="ctr">
+          <a:solidFill>
+            <a:schemeClr val="bg1"/>
+          </a:solidFill>
+          <a:prstDash val="solid"/>
+        </a:ln>
+        <a:effectLst/>
+      </dsp:spPr>
+      <dsp:style>
+        <a:lnRef idx="2">
+          <a:scrgbClr r="0" g="0" b="0"/>
+        </a:lnRef>
+        <a:fillRef idx="1">
+          <a:scrgbClr r="0" g="0" b="0"/>
+        </a:fillRef>
+        <a:effectRef idx="0">
+          <a:scrgbClr r="0" g="0" b="0"/>
+        </a:effectRef>
+        <a:fontRef idx="minor"/>
+      </dsp:style>
+    </dsp:sp>
+  </dsp:spTree>
+</dsp:drawing>
+</file>
+
+<file path=ppt/diagrams/layout1.xml><?xml version="1.0" encoding="utf-8"?>
+<dgm:layoutDef xmlns:dgm="http://schemas.openxmlformats.org/drawingml/2006/diagram" xmlns:a="http://schemas.openxmlformats.org/drawingml/2006/main" uniqueId="urn:microsoft.com/office/officeart/2018/2/layout/IconVerticalSolidList">
+  <dgm:title val="Icon Vertical Solid List"/>
+  <dgm:desc val="Use to show a series of visuals from top to bottom with Level 1 or Level 1 and Level 2 text grouped in a shape. Works best with icons or small pictures with lengthier descriptions."/>
+  <dgm:catLst>
+    <dgm:cat type="icon" pri="500"/>
+  </dgm:catLst>
+  <dgm:sampData useDef="1">
+    <dgm:dataModel>
+      <dgm:ptLst/>
+      <dgm:bg/>
+      <dgm:whole/>
+    </dgm:dataModel>
+  </dgm:sampData>
+  <dgm:styleData useDef="1">
+    <dgm:dataModel>
+      <dgm:ptLst/>
+      <dgm:bg/>
+      <dgm:whole/>
+    </dgm:dataModel>
+  </dgm:styleData>
+  <dgm:clrData useDef="1">
+    <dgm:dataModel>
+      <dgm:ptLst/>
+      <dgm:bg/>
+      <dgm:whole/>
+    </dgm:dataModel>
+  </dgm:clrData>
+  <dgm:layoutNode name="root">
+    <dgm:varLst>
+      <dgm:dir/>
+      <dgm:resizeHandles val="exact"/>
+    </dgm:varLst>
+    <dgm:choose name="Name0">
+      <dgm:if name="Name1" axis="self" func="var" arg="dir" op="equ" val="norm">
+        <dgm:alg type="lin">
+          <dgm:param type="linDir" val="fromT"/>
+          <dgm:param type="nodeHorzAlign" val="l"/>
+        </dgm:alg>
+      </dgm:if>
+      <dgm:else name="Name2">
+        <dgm:alg type="lin">
+          <dgm:param type="linDir" val="fromT"/>
+          <dgm:param type="nodeHorzAlign" val="r"/>
+        </dgm:alg>
+      </dgm:else>
+    </dgm:choose>
+    <dgm:shape xmlns:r="http://schemas.openxmlformats.org/officeDocument/2006/relationships" r:blip="">
+      <dgm:adjLst/>
+    </dgm:shape>
+    <dgm:presOf/>
+    <dgm:choose name="Name3">
+      <dgm:if name="Name4" axis="ch" ptType="node" func="cnt" op="lte" val="3">
+        <dgm:constrLst>
+          <dgm:constr type="h" for="ch" forName="compNode" refType="h" fact="0.3"/>
+          <dgm:constr type="w" for="ch" forName="compNode" refType="w"/>
+          <dgm:constr type="h" for="ch" forName="sibTrans" refType="h" refFor="ch" refForName="compNode" fact="0.25"/>
+          <dgm:constr type="primFontSz" for="des" forName="parTx" val="25"/>
+          <dgm:constr type="primFontSz" for="des" forName="desTx" refType="primFontSz" refFor="des" refForName="parTx" op="lte" fact="0.75"/>
+          <dgm:constr type="h" for="des" forName="compNode" op="equ"/>
+          <dgm:constr type="h" for="des" forName="bgRect" op="equ"/>
+          <dgm:constr type="h" for="des" forName="iconRect" op="equ"/>
+          <dgm:constr type="w" for="des" forName="iconRect" op="equ"/>
+          <dgm:constr type="h" for="des" forName="spaceRect" op="equ"/>
+          <dgm:constr type="h" for="des" forName="parTx" op="equ"/>
+          <dgm:constr type="h" for="des" forName="desTx" op="equ"/>
+        </dgm:constrLst>
+      </dgm:if>
+      <dgm:if name="Name5" axis="ch" ptType="node" func="cnt" op="lte" val="4">
+        <dgm:constrLst>
+          <dgm:constr type="h" for="ch" forName="compNode" refType="h" fact="0.3"/>
+          <dgm:constr type="w" for="ch" forName="compNode" refType="w"/>
+          <dgm:constr type="h" for="ch" forName="sibTrans" refType="h" refFor="ch" refForName="compNode" fact="0.25"/>
+          <dgm:constr type="primFontSz" for="des" forName="parTx" val="22"/>
+          <dgm:constr type="primFontSz" for="des" forName="desTx" refType="primFontSz" refFor="des" refForName="parTx" op="lte" fact="0.75"/>
+          <dgm:constr type="h" for="des" forName="compNode" op="equ"/>
+          <dgm:constr type="h" for="des" forName="bgRect" op="equ"/>
+          <dgm:constr type="h" for="des" forName="iconRect" op="equ"/>
+          <dgm:constr type="w" for="des" forName="iconRect" op="equ"/>
+          <dgm:constr type="h" for="des" forName="spaceRect" op="equ"/>
+          <dgm:constr type="h" for="des" forName="parTx" op="equ"/>
+          <dgm:constr type="h" for="des" forName="desTx" op="equ"/>
+        </dgm:constrLst>
+      </dgm:if>
+      <dgm:if name="Name6" axis="ch" ptType="node" func="cnt" op="lte" val="6">
+        <dgm:constrLst>
+          <dgm:constr type="h" for="ch" forName="compNode" refType="h" fact="0.3"/>
+          <dgm:constr type="w" for="ch" forName="compNode" refType="w"/>
+          <dgm:constr type="h" for="ch" forName="sibTrans" refType="h" refFor="ch" refForName="compNode" fact="0.25"/>
+          <dgm:constr type="primFontSz" for="des" forName="parTx" val="19"/>
+          <dgm:constr type="primFontSz" for="des" forName="desTx" refType="primFontSz" refFor="des" refForName="parTx" op="lte" fact="0.75"/>
+          <dgm:constr type="h" for="des" forName="compNode" op="equ"/>
+          <dgm:constr type="h" for="des" forName="bgRect" op="equ"/>
+          <dgm:constr type="h" for="des" forName="iconRect" op="equ"/>
+          <dgm:constr type="w" for="des" forName="iconRect" op="equ"/>
+          <dgm:constr type="h" for="des" forName="spaceRect" op="equ"/>
+          <dgm:constr type="h" for="des" forName="parTx" op="equ"/>
+          <dgm:constr type="h" for="des" forName="desTx" op="equ"/>
+        </dgm:constrLst>
+      </dgm:if>
+      <dgm:else name="Name7">
+        <dgm:constrLst>
+          <dgm:constr type="h" for="ch" forName="compNode" refType="h" fact="0.3"/>
+          <dgm:constr type="w" for="ch" forName="compNode" refType="w"/>
+          <dgm:constr type="h" for="ch" forName="sibTrans" refType="h" refFor="ch" refForName="compNode" fact="0.25"/>
+          <dgm:constr type="primFontSz" for="des" forName="parTx" val="16"/>
+          <dgm:constr type="primFontSz" for="des" forName="desTx" refType="primFontSz" refFor="des" refForName="parTx" op="lte" fact="0.75"/>
+          <dgm:constr type="h" for="des" forName="compNode" op="equ"/>
+          <dgm:constr type="h" for="des" forName="bgRect" op="equ"/>
+          <dgm:constr type="h" for="des" forName="iconRect" op="equ"/>
+          <dgm:constr type="w" for="des" forName="iconRect" op="equ"/>
+          <dgm:constr type="h" for="des" forName="spaceRect" op="equ"/>
+          <dgm:constr type="h" for="des" forName="parTx" op="equ"/>
+          <dgm:constr type="h" for="des" forName="desTx" op="equ"/>
+        </dgm:constrLst>
+      </dgm:else>
+    </dgm:choose>
+    <dgm:ruleLst>
+      <dgm:rule type="h" for="ch" forName="compNode" val="0" fact="NaN" max="NaN"/>
+    </dgm:ruleLst>
+    <dgm:forEach name="Name8" axis="ch" ptType="node">
+      <dgm:layoutNode name="compNode">
+        <dgm:alg type="composite"/>
+        <dgm:shape xmlns:r="http://schemas.openxmlformats.org/officeDocument/2006/relationships" r:blip="">
+          <dgm:adjLst/>
+        </dgm:shape>
+        <dgm:presOf axis="self"/>
+        <dgm:choose name="Name9">
+          <dgm:if name="Name10" axis="ch" ptType="node" func="cnt" op="gte" val="1">
+            <dgm:constrLst>
+              <dgm:constr type="w" for="ch" forName="bgRect" refType="w"/>
+              <dgm:constr type="h" for="ch" forName="bgRect" refType="h"/>
+              <dgm:constr type="l" for="ch" forName="bgRect"/>
+              <dgm:constr type="t" for="ch" forName="bgRect"/>
+              <dgm:constr type="h" for="ch" forName="iconRect" refType="h" fact="0.55"/>
+              <dgm:constr type="w" for="ch" forName="iconRect" refType="h" refFor="ch" refForName="iconRect"/>
+              <dgm:constr type="l" for="ch" forName="iconRect" refType="h" refFor="ch" refForName="iconRect" fact="0.55"/>
+              <dgm:constr type="ctrY" for="ch" forName="iconRect" refType="ctrY" refFor="ch" refForName="bgRect"/>
+              <dgm:constr type="w" for="ch" forName="spaceRect" refType="l" refFor="ch" refForName="iconRect"/>
+              <dgm:constr type="h" for="ch" forName="spaceRect" refType="h"/>
+              <dgm:constr type="l" for="ch" forName="spaceRect" refType="r" refFor="ch" refForName="iconRect"/>
+              <dgm:constr type="t" for="ch" forName="spaceRect"/>
+              <dgm:constr type="w" for="ch" forName="parTx" refType="w" fact="0.45"/>
+              <dgm:constr type="h" for="ch" forName="parTx" refType="h"/>
+              <dgm:constr type="l" for="ch" forName="parTx" refType="r" refFor="ch" refForName="spaceRect"/>
+              <dgm:constr type="t" for="ch" forName="parTx"/>
+              <dgm:constr type="h" for="ch" forName="desTx" refType="h"/>
+              <dgm:constr type="l" for="ch" forName="desTx" refType="r" refFor="ch" refForName="parTx"/>
+              <dgm:constr type="t" for="ch" forName="desTx"/>
+            </dgm:constrLst>
+          </dgm:if>
+          <dgm:else name="Name11">
+            <dgm:constrLst>
+              <dgm:constr type="w" for="ch" forName="bgRect" refType="w"/>
+              <dgm:constr type="h" for="ch" forName="bgRect" refType="h"/>
+              <dgm:constr type="l" for="ch" forName="bgRect"/>
+              <dgm:constr type="t" for="ch" forName="bgRect"/>
+              <dgm:constr type="h" for="ch" forName="iconRect" refType="h" fact="0.55"/>
+              <dgm:constr type="w" for="ch" forName="iconRect" refType="h" refFor="ch" refForName="iconRect"/>
+              <dgm:constr type="l" for="ch" forName="iconRect" refType="h" refFor="ch" refForName="iconRect" fact="0.55"/>
+              <dgm:constr type="ctrY" for="ch" forName="iconRect" refType="ctrY" refFor="ch" refForName="bgRect"/>
+              <dgm:constr type="w" for="ch" forName="spaceRect" refType="l" refFor="ch" refForName="iconRect"/>
+              <dgm:constr type="h" for="ch" forName="spaceRect" refType="h"/>
+              <dgm:constr type="l" for="ch" forName="spaceRect" refType="r" refFor="ch" refForName="iconRect"/>
+              <dgm:constr type="t" for="ch" forName="spaceRect"/>
+              <dgm:constr type="h" for="ch" forName="parTx" refType="h"/>
+              <dgm:constr type="l" for="ch" forName="parTx" refType="r" refFor="ch" refForName="spaceRect"/>
+              <dgm:constr type="t" for="ch" forName="parTx"/>
+            </dgm:constrLst>
+          </dgm:else>
+        </dgm:choose>
+        <dgm:ruleLst>
+          <dgm:rule type="h" val="INF" fact="NaN" max="NaN"/>
+        </dgm:ruleLst>
+        <dgm:layoutNode name="bgRect" styleLbl="bgShp">
+          <dgm:alg type="sp"/>
+          <dgm:shape xmlns:r="http://schemas.openxmlformats.org/officeDocument/2006/relationships" type="roundRect" r:blip="">
+            <dgm:adjLst>
+              <dgm:adj idx="1" val="0.1"/>
+            </dgm:adjLst>
+          </dgm:shape>
+          <dgm:presOf/>
+          <dgm:constrLst/>
+          <dgm:ruleLst/>
+        </dgm:layoutNode>
+        <dgm:layoutNode name="iconRect" styleLbl="node1">
+          <dgm:alg type="sp"/>
+          <dgm:shape xmlns:r="http://schemas.openxmlformats.org/officeDocument/2006/relationships" type="rect" r:blip="" blipPhldr="1">
+            <dgm:adjLst/>
+          </dgm:shape>
+          <dgm:presOf/>
+          <dgm:constrLst/>
+          <dgm:ruleLst/>
+        </dgm:layoutNode>
+        <dgm:layoutNode name="spaceRect">
+          <dgm:alg type="sp"/>
+          <dgm:shape xmlns:r="http://schemas.openxmlformats.org/officeDocument/2006/relationships" r:blip="">
+            <dgm:adjLst/>
+          </dgm:shape>
+          <dgm:presOf/>
+          <dgm:constrLst/>
+          <dgm:ruleLst/>
+        </dgm:layoutNode>
+        <dgm:layoutNode name="parTx" styleLbl="revTx">
+          <dgm:varLst>
+            <dgm:chMax val="0"/>
+            <dgm:chPref val="0"/>
+          </dgm:varLst>
+          <dgm:alg type="tx">
+            <dgm:param type="txAnchorVert" val="mid"/>
+            <dgm:param type="parTxLTRAlign" val="l"/>
+            <dgm:param type="shpTxLTRAlignCh" val="l"/>
+            <dgm:param type="parTxRTLAlign" val="r"/>
+            <dgm:param type="shpTxRTLAlignCh" val="r"/>
+          </dgm:alg>
+          <dgm:shape xmlns:r="http://schemas.openxmlformats.org/officeDocument/2006/relationships" type="rect" r:blip="">
+            <dgm:adjLst/>
+          </dgm:shape>
+          <dgm:presOf axis="self" ptType="node"/>
+          <dgm:constrLst>
+            <dgm:constr type="lMarg" refType="h" fact="0.3"/>
+            <dgm:constr type="rMarg" refType="h" fact="0.3"/>
+            <dgm:constr type="tMarg" refType="h" fact="0.3"/>
+            <dgm:constr type="bMarg" refType="h" fact="0.3"/>
+          </dgm:constrLst>
+          <dgm:ruleLst>
+            <dgm:rule type="primFontSz" val="14" fact="NaN" max="NaN"/>
+            <dgm:rule type="h" val="INF" fact="NaN" max="NaN"/>
+          </dgm:ruleLst>
+        </dgm:layoutNode>
+        <dgm:choose name="Name12">
+          <dgm:if name="Name13" axis="ch" ptType="node" func="cnt" op="gte" val="1">
+            <dgm:layoutNode name="desTx" styleLbl="revTx">
+              <dgm:varLst/>
+              <dgm:alg type="tx">
+                <dgm:param type="txAnchorVertCh" val="mid"/>
+                <dgm:param type="parTxLTRAlign" val="l"/>
+                <dgm:param type="shpTxLTRAlignCh" val="l"/>
+                <dgm:param type="parTxRTLAlign" val="r"/>
+                <dgm:param type="shpTxRTLAlignCh" val="r"/>
+                <dgm:param type="stBulletLvl" val="0"/>
+              </dgm:alg>
+              <dgm:shape xmlns:r="http://schemas.openxmlformats.org/officeDocument/2006/relationships" type="rect" r:blip="">
+                <dgm:adjLst/>
+              </dgm:shape>
+              <dgm:presOf axis="des" ptType="node"/>
+              <dgm:constrLst>
+                <dgm:constr type="primFontSz" val="18"/>
+                <dgm:constr type="secFontSz" refType="primFontSz"/>
+                <dgm:constr type="lMarg" refType="h" fact="0.3"/>
+                <dgm:constr type="rMarg" refType="h" fact="0.3"/>
+                <dgm:constr type="tMarg" refType="h" fact="0.3"/>
+                <dgm:constr type="bMarg" refType="h" fact="0.3"/>
+              </dgm:constrLst>
+              <dgm:ruleLst>
+                <dgm:rule type="primFontSz" val="11" fact="NaN" max="NaN"/>
+              </dgm:ruleLst>
+            </dgm:layoutNode>
+          </dgm:if>
+          <dgm:else name="Name14"/>
+        </dgm:choose>
+      </dgm:layoutNode>
+      <dgm:forEach name="Name15" axis="followSib" ptType="sibTrans" cnt="1">
+        <dgm:layoutNode name="sibTrans">
+          <dgm:alg type="sp"/>
+          <dgm:shape xmlns:r="http://schemas.openxmlformats.org/officeDocument/2006/relationships" r:blip="">
+            <dgm:adjLst/>
+          </dgm:shape>
+          <dgm:presOf axis="self"/>
+          <dgm:constrLst/>
+          <dgm:ruleLst/>
+        </dgm:layoutNode>
+      </dgm:forEach>
+    </dgm:forEach>
+  </dgm:layoutNode>
+  <dgm:extLst>
+    <a:ext uri="{68A01E43-0DF5-4B5B-8FA6-DAF915123BFB}">
+      <dgm1612:lstStyle xmlns:dgm1612="http://schemas.microsoft.com/office/drawing/2016/12/diagram">
+        <a:lvl1pPr>
+          <a:lnSpc>
+            <a:spcPct val="100000"/>
+          </a:lnSpc>
+        </a:lvl1pPr>
+        <a:lvl2pPr>
+          <a:lnSpc>
+            <a:spcPct val="100000"/>
+          </a:lnSpc>
+        </a:lvl2pPr>
+      </dgm1612:lstStyle>
+    </a:ext>
+  </dgm:extLst>
+</dgm:layoutDef>
+</file>
+
+<file path=ppt/diagrams/layout2.xml><?xml version="1.0" encoding="utf-8"?>
+<dgm:layoutDef xmlns:dgm="http://schemas.openxmlformats.org/drawingml/2006/diagram" xmlns:a="http://schemas.openxmlformats.org/drawingml/2006/main" uniqueId="urn:microsoft.com/office/officeart/2005/8/layout/vList4">
+  <dgm:title val=""/>
+  <dgm:desc val=""/>
+  <dgm:catLst>
+    <dgm:cat type="list" pri="13000"/>
+    <dgm:cat type="picture" pri="26000"/>
+    <dgm:cat type="pictureconvert" pri="26000"/>
+  </dgm:catLst>
+  <dgm:sampData>
+    <dgm:dataModel>
+      <dgm:ptLst>
+        <dgm:pt modelId="0" type="doc"/>
+        <dgm:pt modelId="1">
+          <dgm:prSet phldr="1"/>
+        </dgm:pt>
+        <dgm:pt modelId="11">
+          <dgm:prSet phldr="1"/>
+        </dgm:pt>
+        <dgm:pt modelId="12">
+          <dgm:prSet phldr="1"/>
+        </dgm:pt>
+        <dgm:pt modelId="2">
+          <dgm:prSet phldr="1"/>
+        </dgm:pt>
+        <dgm:pt modelId="21">
+          <dgm:prSet phldr="1"/>
+        </dgm:pt>
+        <dgm:pt modelId="22">
+          <dgm:prSet phldr="1"/>
+        </dgm:pt>
+        <dgm:pt modelId="3">
+          <dgm:prSet phldr="1"/>
+        </dgm:pt>
+        <dgm:pt modelId="31">
+          <dgm:prSet phldr="1"/>
+        </dgm:pt>
+        <dgm:pt modelId="32">
+          <dgm:prSet phldr="1"/>
+        </dgm:pt>
+      </dgm:ptLst>
+      <dgm:cxnLst>
+        <dgm:cxn modelId="4" srcId="0" destId="1" srcOrd="0" destOrd="0"/>
+        <dgm:cxn modelId="5" srcId="0" destId="2" srcOrd="1" destOrd="0"/>
+        <dgm:cxn modelId="13" srcId="1" destId="11" srcOrd="0" destOrd="0"/>
+        <dgm:cxn modelId="14" srcId="1" destId="12" srcOrd="0" destOrd="0"/>
+        <dgm:cxn modelId="23" srcId="2" destId="21" srcOrd="0" destOrd="0"/>
+        <dgm:cxn modelId="24" srcId="2" destId="22" srcOrd="0" destOrd="0"/>
+        <dgm:cxn modelId="33" srcId="3" destId="31" srcOrd="0" destOrd="0"/>
+        <dgm:cxn modelId="34" srcId="3" destId="32" srcOrd="0" destOrd="0"/>
+      </dgm:cxnLst>
+      <dgm:bg/>
+      <dgm:whole/>
+    </dgm:dataModel>
+  </dgm:sampData>
+  <dgm:styleData>
+    <dgm:dataModel>
+      <dgm:ptLst>
+        <dgm:pt modelId="0" type="doc"/>
+        <dgm:pt modelId="1"/>
+        <dgm:pt modelId="2"/>
+      </dgm:ptLst>
+      <dgm:cxnLst>
+        <dgm:cxn modelId="3" srcId="0" destId="1" srcOrd="0" destOrd="0"/>
+        <dgm:cxn modelId="4" srcId="0" destId="2" srcOrd="1" destOrd="0"/>
+      </dgm:cxnLst>
+      <dgm:bg/>
+      <dgm:whole/>
+    </dgm:dataModel>
+  </dgm:styleData>
+  <dgm:clrData>
+    <dgm:dataModel>
+      <dgm:ptLst>
+        <dgm:pt modelId="0" type="doc"/>
+        <dgm:pt modelId="1"/>
+        <dgm:pt modelId="2"/>
+        <dgm:pt modelId="3"/>
+        <dgm:pt modelId="4"/>
+      </dgm:ptLst>
+      <dgm:cxnLst>
+        <dgm:cxn modelId="5" srcId="0" destId="1" srcOrd="0" destOrd="0"/>
+        <dgm:cxn modelId="6" srcId="0" destId="2" srcOrd="1" destOrd="0"/>
+        <dgm:cxn modelId="7" srcId="0" destId="3" srcOrd="2" destOrd="0"/>
+        <dgm:cxn modelId="8" srcId="0" destId="4" srcOrd="3" destOrd="0"/>
+      </dgm:cxnLst>
+      <dgm:bg/>
+      <dgm:whole/>
+    </dgm:dataModel>
+  </dgm:clrData>
+  <dgm:layoutNode name="linear">
+    <dgm:varLst>
+      <dgm:dir/>
+      <dgm:resizeHandles val="exact"/>
+    </dgm:varLst>
+    <dgm:alg type="lin">
+      <dgm:param type="linDir" val="fromT"/>
+      <dgm:param type="vertAlign" val="t"/>
+    </dgm:alg>
+    <dgm:shape xmlns:r="http://schemas.openxmlformats.org/officeDocument/2006/relationships" r:blip="">
+      <dgm:adjLst/>
+    </dgm:shape>
+    <dgm:presOf/>
+    <dgm:constrLst>
+      <dgm:constr type="w" for="ch" forName="comp" refType="w"/>
+      <dgm:constr type="h" for="ch" forName="comp" refType="h"/>
+      <dgm:constr type="h" for="ch" forName="spacer" refType="h" refFor="ch" refForName="comp" op="equ" fact="0.1"/>
+      <dgm:constr type="primFontSz" for="des" forName="text" op="equ" val="65"/>
+    </dgm:constrLst>
+    <dgm:ruleLst/>
+    <dgm:forEach name="Name0" axis="ch" ptType="node">
+      <dgm:layoutNode name="comp" styleLbl="node1">
+        <dgm:alg type="composite"/>
+        <dgm:shape xmlns:r="http://schemas.openxmlformats.org/officeDocument/2006/relationships" r:blip="">
+          <dgm:adjLst/>
+        </dgm:shape>
+        <dgm:presOf/>
+        <dgm:choose name="Name1">
+          <dgm:if name="Name2" func="var" arg="dir" op="equ" val="norm">
+            <dgm:constrLst>
+              <dgm:constr type="h" for="ch" forName="box" refType="h"/>
+              <dgm:constr type="w" for="ch" forName="box" refType="w"/>
+              <dgm:constr type="w" for="ch" forName="img" refType="w" refFor="ch" refForName="box" fact="0.2"/>
+              <dgm:constr type="h" for="ch" forName="img" refType="h" refFor="ch" refForName="box" fact="0.8"/>
+              <dgm:constr type="t" for="ch" forName="img" refType="h" refFor="ch" refForName="box" fact="0.1"/>
+              <dgm:constr type="l" for="ch" forName="img" refType="h" refFor="ch" refForName="box" fact="0.1"/>
+              <dgm:constr type="h" for="ch" forName="text" refType="h"/>
+              <dgm:constr type="l" for="ch" forName="text" refType="r" refFor="ch" refForName="img"/>
+              <dgm:constr type="r" for="ch" forName="text" refType="w"/>
+            </dgm:constrLst>
+          </dgm:if>
+          <dgm:else name="Name3">
+            <dgm:constrLst>
+              <dgm:constr type="h" for="ch" forName="box" refType="h"/>
+              <dgm:constr type="w" for="ch" forName="box" refType="w"/>
+              <dgm:constr type="w" for="ch" forName="img" refType="w" refFor="ch" refForName="box" fact="0.2"/>
+              <dgm:constr type="h" for="ch" forName="img" refType="h" refFor="ch" refForName="box" fact="0.8"/>
+              <dgm:constr type="t" for="ch" forName="img" refType="h" refFor="ch" refForName="box" fact="0.1"/>
+              <dgm:constr type="r" for="ch" forName="img" refType="w" refFor="ch" refForName="box"/>
+              <dgm:constr type="rOff" for="ch" forName="img" refType="h" refFor="ch" refForName="box" fact="-0.1"/>
+              <dgm:constr type="h" for="ch" forName="text" refType="h"/>
+              <dgm:constr type="r" for="ch" forName="text" refType="l" refFor="ch" refForName="img"/>
+              <dgm:constr type="l" for="ch" forName="text"/>
+            </dgm:constrLst>
+          </dgm:else>
+        </dgm:choose>
+        <dgm:ruleLst/>
+        <dgm:layoutNode name="box" styleLbl="node1">
+          <dgm:alg type="sp"/>
+          <dgm:shape xmlns:r="http://schemas.openxmlformats.org/officeDocument/2006/relationships" type="roundRect" r:blip="">
+            <dgm:adjLst>
+              <dgm:adj idx="1" val="0.1"/>
+            </dgm:adjLst>
+          </dgm:shape>
+          <dgm:presOf axis="desOrSelf" ptType="node"/>
+          <dgm:constrLst/>
+          <dgm:ruleLst/>
+        </dgm:layoutNode>
+        <dgm:layoutNode name="img" styleLbl="fgImgPlace1">
+          <dgm:alg type="sp"/>
+          <dgm:shape xmlns:r="http://schemas.openxmlformats.org/officeDocument/2006/relationships" type="roundRect" r:blip="" blipPhldr="1">
+            <dgm:adjLst>
+              <dgm:adj idx="1" val="0.1"/>
+            </dgm:adjLst>
+          </dgm:shape>
+          <dgm:presOf/>
+          <dgm:constrLst/>
+          <dgm:ruleLst/>
+        </dgm:layoutNode>
+        <dgm:layoutNode name="text">
+          <dgm:varLst>
+            <dgm:bulletEnabled val="1"/>
+          </dgm:varLst>
+          <dgm:alg type="tx">
+            <dgm:param type="parTxLTRAlign" val="l"/>
+            <dgm:param type="parTxRTLAlign" val="r"/>
+          </dgm:alg>
+          <dgm:shape xmlns:r="http://schemas.openxmlformats.org/officeDocument/2006/relationships" type="rect" r:blip="" hideGeom="1">
+            <dgm:adjLst/>
+          </dgm:shape>
+          <dgm:presOf axis="desOrSelf" ptType="node"/>
+          <dgm:constrLst>
+            <dgm:constr type="tMarg" refType="primFontSz" fact="0.3"/>
+            <dgm:constr type="bMarg" refType="primFontSz" fact="0.3"/>
+            <dgm:constr type="lMarg" refType="primFontSz" fact="0.3"/>
+            <dgm:constr type="rMarg" refType="primFontSz" fact="0.3"/>
+          </dgm:constrLst>
+          <dgm:ruleLst>
+            <dgm:rule type="primFontSz" val="5" fact="NaN" max="NaN"/>
+          </dgm:ruleLst>
+        </dgm:layoutNode>
+      </dgm:layoutNode>
+      <dgm:forEach name="Name4" axis="followSib" ptType="sibTrans" cnt="1">
+        <dgm:layoutNode name="spacer">
+          <dgm:alg type="sp"/>
+          <dgm:shape xmlns:r="http://schemas.openxmlformats.org/officeDocument/2006/relationships" r:blip="">
+            <dgm:adjLst/>
+          </dgm:shape>
+          <dgm:presOf axis="self"/>
+          <dgm:constrLst/>
+          <dgm:ruleLst/>
+        </dgm:layoutNode>
+      </dgm:forEach>
+    </dgm:forEach>
+  </dgm:layoutNode>
+</dgm:layoutDef>
+</file>
+
+<file path=ppt/diagrams/quickStyle1.xml><?xml version="1.0" encoding="utf-8"?>
+<dgm:styleDef xmlns:dgm="http://schemas.openxmlformats.org/drawingml/2006/diagram" xmlns:a="http://schemas.openxmlformats.org/drawingml/2006/main" uniqueId="urn:microsoft.com/office/officeart/2005/8/quickstyle/simple1">
+  <dgm:title val=""/>
+  <dgm:desc val=""/>
+  <dgm:catLst>
+    <dgm:cat type="simple" pri="10100"/>
+  </dgm:catLst>
+  <dgm:scene3d>
+    <a:camera prst="orthographicFront"/>
+    <a:lightRig rig="threePt" dir="t"/>
+  </dgm:scene3d>
+  <dgm:styleLbl name="node0">
+    <dgm:scene3d>
+      <a:camera prst="orthographicFront"/>
+      <a:lightRig rig="threePt" dir="t"/>
+    </dgm:scene3d>
+    <dgm:sp3d/>
+    <dgm:txPr/>
+    <dgm:style>
+      <a:lnRef idx="2">
+        <a:scrgbClr r="0" g="0" b="0"/>
+      </a:lnRef>
+      <a:fillRef idx="1">
+        <a:scrgbClr r="0" g="0" b="0"/>
+      </a:fillRef>
+      <a:effectRef idx="0">
+        <a:scrgbClr r="0" g="0" b="0"/>
+      </a:effectRef>
+      <a:fontRef idx="minor">
+        <a:schemeClr val="lt1"/>
+      </a:fontRef>
+    </dgm:style>
+  </dgm:styleLbl>
+  <dgm:styleLbl name="lnNode1">
+    <dgm:scene3d>
+      <a:camera prst="orthographicFront"/>
+      <a:lightRig rig="threePt" dir="t"/>
+    </dgm:scene3d>
+    <dgm:sp3d/>
+    <dgm:txPr/>
+    <dgm:style>
+      <a:lnRef idx="2">
+        <a:scrgbClr r="0" g="0" b="0"/>
+      </a:lnRef>
+      <a:fillRef idx="1">
+        <a:scrgbClr r="0" g="0" b="0"/>
+      </a:fillRef>
+      <a:effectRef idx="0">
+        <a:scrgbClr r="0" g="0" b="0"/>
+      </a:effectRef>
+      <a:fontRef idx="minor">
+        <a:schemeClr val="lt1"/>
+      </a:fontRef>
+    </dgm:style>
+  </dgm:styleLbl>
+  <dgm:styleLbl name="vennNode1">
+    <dgm:scene3d>
+      <a:camera prst="orthographicFront"/>
+      <a:lightRig rig="threePt" dir="t"/>
+    </dgm:scene3d>
+    <dgm:sp3d/>
+    <dgm:txPr/>
+    <dgm:style>
+      <a:lnRef idx="2">
+        <a:scrgbClr r="0" g="0" b="0"/>
+      </a:lnRef>
+      <a:fillRef idx="1">
+        <a:scrgbClr r="0" g="0" b="0"/>
+      </a:fillRef>
+      <a:effectRef idx="0">
+        <a:scrgbClr r="0" g="0" b="0"/>
+      </a:effectRef>
+      <a:fontRef idx="minor">
+        <a:schemeClr val="tx1"/>
+      </a:fontRef>
+    </dgm:style>
+  </dgm:styleLbl>
+  <dgm:styleLbl name="alignNode1">
+    <dgm:scene3d>
+      <a:camera prst="orthographicFront"/>
+      <a:lightRig rig="threePt" dir="t"/>
+    </dgm:scene3d>
+    <dgm:sp3d/>
+    <dgm:txPr/>
+    <dgm:style>
+      <a:lnRef idx="2">
+        <a:scrgbClr r="0" g="0" b="0"/>
+      </a:lnRef>
+      <a:fillRef idx="1">
+        <a:scrgbClr r="0" g="0" b="0"/>
+      </a:fillRef>
+      <a:effectRef idx="0">
+        <a:scrgbClr r="0" g="0" b="0"/>
+      </a:effectRef>
+      <a:fontRef idx="minor">
+        <a:schemeClr val="lt1"/>
+      </a:fontRef>
+    </dgm:style>
+  </dgm:styleLbl>
+  <dgm:styleLbl name="node1">
+    <dgm:scene3d>
+      <a:camera prst="orthographicFront"/>
+      <a:lightRig rig="threePt" dir="t"/>
+    </dgm:scene3d>
+    <dgm:sp3d/>
+    <dgm:txPr/>
+    <dgm:style>
+      <a:lnRef idx="2">
+        <a:scrgbClr r="0" g="0" b="0"/>
+      </a:lnRef>
+      <a:fillRef idx="1">
+        <a:scrgbClr r="0" g="0" b="0"/>
+      </a:fillRef>
+      <a:effectRef idx="0">
+        <a:scrgbClr r="0" g="0" b="0"/>
+      </a:effectRef>
+      <a:fontRef idx="minor">
+        <a:schemeClr val="lt1"/>
+      </a:fontRef>
+    </dgm:style>
+  </dgm:styleLbl>
+  <dgm:styleLbl name="node2">
+    <dgm:scene3d>
+      <a:camera prst="orthographicFront"/>
+      <a:lightRig rig="threePt" dir="t"/>
+    </dgm:scene3d>
+    <dgm:sp3d/>
+    <dgm:txPr/>
+    <dgm:style>
+      <a:lnRef idx="2">
+        <a:scrgbClr r="0" g="0" b="0"/>
+      </a:lnRef>
+      <a:fillRef idx="1">
+        <a:scrgbClr r="0" g="0" b="0"/>
+      </a:fillRef>
+      <a:effectRef idx="0">
+        <a:scrgbClr r="0" g="0" b="0"/>
+      </a:effectRef>
+      <a:fontRef idx="minor">
+        <a:schemeClr val="lt1"/>
+      </a:fontRef>
+    </dgm:style>
+  </dgm:styleLbl>
+  <dgm:styleLbl name="node3">
+    <dgm:scene3d>
+      <a:camera prst="orthographicFront"/>
+      <a:lightRig rig="threePt" dir="t"/>
+    </dgm:scene3d>
+    <dgm:sp3d/>
+    <dgm:txPr/>
+    <dgm:style>
+      <a:lnRef idx="2">
+        <a:scrgbClr r="0" g="0" b="0"/>
+      </a:lnRef>
+      <a:fillRef idx="1">
+        <a:scrgbClr r="0" g="0" b="0"/>
+      </a:fillRef>
+      <a:effectRef idx="0">
+        <a:scrgbClr r="0" g="0" b="0"/>
+      </a:effectRef>
+      <a:fontRef idx="minor">
+        <a:schemeClr val="lt1"/>
+      </a:fontRef>
+    </dgm:style>
+  </dgm:styleLbl>
+  <dgm:styleLbl name="node4">
+    <dgm:scene3d>
+      <a:camera prst="orthographicFront"/>
+      <a:lightRig rig="threePt" dir="t"/>
+    </dgm:scene3d>
+    <dgm:sp3d/>
+    <dgm:txPr/>
+    <dgm:style>
+      <a:lnRef idx="2">
+        <a:scrgbClr r="0" g="0" b="0"/>
+      </a:lnRef>
+      <a:fillRef idx="1">
+        <a:scrgbClr r="0" g="0" b="0"/>
+      </a:fillRef>
+      <a:effectRef idx="0">
+        <a:scrgbClr r="0" g="0" b="0"/>
+      </a:effectRef>
+      <a:fontRef idx="minor">
+        <a:schemeClr val="lt1"/>
+      </a:fontRef>
+    </dgm:style>
+  </dgm:styleLbl>
+  <dgm:styleLbl name="fgImgPlace1">
+    <dgm:scene3d>
+      <a:camera prst="orthographicFront"/>
+      <a:lightRig rig="threePt" dir="t"/>
+    </dgm:scene3d>
+    <dgm:sp3d/>
+    <dgm:txPr/>
+    <dgm:style>
+      <a:lnRef idx="2">
+        <a:scrgbClr r="0" g="0" b="0"/>
+      </a:lnRef>
+      <a:fillRef idx="1">
+        <a:scrgbClr r="0" g="0" b="0"/>
+      </a:fillRef>
+      <a:effectRef idx="0">
+        <a:scrgbClr r="0" g="0" b="0"/>
+      </a:effectRef>
+      <a:fontRef idx="minor"/>
+    </dgm:style>
+  </dgm:styleLbl>
+  <dgm:styleLbl name="alignImgPlace1">
+    <dgm:scene3d>
+      <a:camera prst="orthographicFront"/>
+      <a:lightRig rig="threePt" dir="t"/>
+    </dgm:scene3d>
+    <dgm:sp3d/>
+    <dgm:txPr/>
+    <dgm:style>
+      <a:lnRef idx="2">
+        <a:scrgbClr r="0" g="0" b="0"/>
+      </a:lnRef>
+      <a:fillRef idx="1">
+        <a:scrgbClr r="0" g="0" b="0"/>
+      </a:fillRef>
+      <a:effectRef idx="0">
+        <a:scrgbClr r="0" g="0" b="0"/>
+      </a:effectRef>
+      <a:fontRef idx="minor"/>
+    </dgm:style>
+  </dgm:styleLbl>
+  <dgm:styleLbl name="bgImgPlace1">
+    <dgm:scene3d>
+      <a:camera prst="orthographicFront"/>
+      <a:lightRig rig="threePt" dir="t"/>
+    </dgm:scene3d>
+    <dgm:sp3d/>
+    <dgm:txPr/>
+    <dgm:style>
+      <a:lnRef idx="2">
+        <a:scrgbClr r="0" g="0" b="0"/>
+      </a:lnRef>
+      <a:fillRef idx="1">
+        <a:scrgbClr r="0" g="0" b="0"/>
+      </a:fillRef>
+      <a:effectRef idx="0">
+        <a:scrgbClr r="0" g="0" b="0"/>
+      </a:effectRef>
+      <a:fontRef idx="minor"/>
+    </dgm:style>
+  </dgm:styleLbl>
+  <dgm:styleLbl name="sibTrans2D1">
+    <dgm:scene3d>
+      <a:camera prst="orthographicFront"/>
+      <a:lightRig rig="threePt" dir="t"/>
+    </dgm:scene3d>
+    <dgm:sp3d/>
+    <dgm:txPr/>
+    <dgm:style>
+      <a:lnRef idx="0">
+        <a:scrgbClr r="0" g="0" b="0"/>
+      </a:lnRef>
+      <a:fillRef idx="1">
+        <a:scrgbClr r="0" g="0" b="0"/>
+      </a:fillRef>
+      <a:effectRef idx="0">
+        <a:scrgbClr r="0" g="0" b="0"/>
+      </a:effectRef>
+      <a:fontRef idx="minor">
+        <a:schemeClr val="lt1"/>
+      </a:fontRef>
+    </dgm:style>
+  </dgm:styleLbl>
+  <dgm:styleLbl name="fgSibTrans2D1">
+    <dgm:scene3d>
+      <a:camera prst="orthographicFront"/>
+      <a:lightRig rig="threePt" dir="t"/>
+    </dgm:scene3d>
+    <dgm:sp3d/>
+    <dgm:txPr/>
+    <dgm:style>
+      <a:lnRef idx="0">
+        <a:scrgbClr r="0" g="0" b="0"/>
+      </a:lnRef>
+      <a:fillRef idx="1">
+        <a:scrgbClr r="0" g="0" b="0"/>
+      </a:fillRef>
+      <a:effectRef idx="0">
+        <a:scrgbClr r="0" g="0" b="0"/>
+      </a:effectRef>
+      <a:fontRef idx="minor">
+        <a:schemeClr val="lt1"/>
+      </a:fontRef>
+    </dgm:style>
+  </dgm:styleLbl>
+  <dgm:styleLbl name="bgSibTrans2D1">
+    <dgm:scene3d>
+      <a:camera prst="orthographicFront"/>
+      <a:lightRig rig="threePt" dir="t"/>
+    </dgm:scene3d>
+    <dgm:sp3d/>
+    <dgm:txPr/>
+    <dgm:style>
+      <a:lnRef idx="0">
+        <a:scrgbClr r="0" g="0" b="0"/>
+      </a:lnRef>
+      <a:fillRef idx="1">
+        <a:scrgbClr r="0" g="0" b="0"/>
+      </a:fillRef>
+      <a:effectRef idx="0">
+        <a:scrgbClr r="0" g="0" b="0"/>
+      </a:effectRef>
+      <a:fontRef idx="minor">
+        <a:schemeClr val="lt1"/>
+      </a:fontRef>
+    </dgm:style>
+  </dgm:styleLbl>
+  <dgm:styleLbl name="sibTrans1D1">
+    <dgm:scene3d>
+      <a:camera prst="orthographicFront"/>
+      <a:lightRig rig="threePt" dir="t"/>
+    </dgm:scene3d>
+    <dgm:sp3d/>
+    <dgm:txPr/>
+    <dgm:style>
+      <a:lnRef idx="1">
+        <a:scrgbClr r="0" g="0" b="0"/>
+      </a:lnRef>
+      <a:fillRef idx="0">
+        <a:scrgbClr r="0" g="0" b="0"/>
+      </a:fillRef>
+      <a:effectRef idx="0">
+        <a:scrgbClr r="0" g="0" b="0"/>
+      </a:effectRef>
+      <a:fontRef idx="minor"/>
+    </dgm:style>
+  </dgm:styleLbl>
+  <dgm:styleLbl name="callout">
+    <dgm:scene3d>
+      <a:camera prst="orthographicFront"/>
+      <a:lightRig rig="threePt" dir="t"/>
+    </dgm:scene3d>
+    <dgm:sp3d/>
+    <dgm:txPr/>
+    <dgm:style>
+      <a:lnRef idx="2">
+        <a:scrgbClr r="0" g="0" b="0"/>
+      </a:lnRef>
+      <a:fillRef idx="1">
+        <a:scrgbClr r="0" g="0" b="0"/>
+      </a:fillRef>
+      <a:effectRef idx="0">
+        <a:scrgbClr r="0" g="0" b="0"/>
+      </a:effectRef>
+      <a:fontRef idx="minor"/>
+    </dgm:style>
+  </dgm:styleLbl>
+  <dgm:styleLbl name="asst0">
+    <dgm:scene3d>
+      <a:camera prst="orthographicFront"/>
+      <a:lightRig rig="threePt" dir="t"/>
+    </dgm:scene3d>
+    <dgm:sp3d/>
+    <dgm:txPr/>
+    <dgm:style>
+      <a:lnRef idx="2">
+        <a:scrgbClr r="0" g="0" b="0"/>
+      </a:lnRef>
+      <a:fillRef idx="1">
+        <a:scrgbClr r="0" g="0" b="0"/>
+      </a:fillRef>
+      <a:effectRef idx="0">
+        <a:scrgbClr r="0" g="0" b="0"/>
+      </a:effectRef>
+      <a:fontRef idx="minor">
+        <a:schemeClr val="lt1"/>
+      </a:fontRef>
+    </dgm:style>
+  </dgm:styleLbl>
+  <dgm:styleLbl name="asst1">
+    <dgm:scene3d>
+      <a:camera prst="orthographicFront"/>
+      <a:lightRig rig="threePt" dir="t"/>
+    </dgm:scene3d>
+    <dgm:sp3d/>
+    <dgm:txPr/>
+    <dgm:style>
+      <a:lnRef idx="2">
+        <a:scrgbClr r="0" g="0" b="0"/>
+      </a:lnRef>
+      <a:fillRef idx="1">
+        <a:scrgbClr r="0" g="0" b="0"/>
+      </a:fillRef>
+      <a:effectRef idx="0">
+        <a:scrgbClr r="0" g="0" b="0"/>
+      </a:effectRef>
+      <a:fontRef idx="minor">
+        <a:schemeClr val="lt1"/>
+      </a:fontRef>
+    </dgm:style>
+  </dgm:styleLbl>
+  <dgm:styleLbl name="asst2">
+    <dgm:scene3d>
+      <a:camera prst="orthographicFront"/>
+      <a:lightRig rig="threePt" dir="t"/>
+    </dgm:scene3d>
+    <dgm:sp3d/>
+    <dgm:txPr/>
+    <dgm:style>
+      <a:lnRef idx="2">
+        <a:scrgbClr r="0" g="0" b="0"/>
+      </a:lnRef>
+      <a:fillRef idx="1">
+        <a:scrgbClr r="0" g="0" b="0"/>
+      </a:fillRef>
+      <a:effectRef idx="0">
+        <a:scrgbClr r="0" g="0" b="0"/>
+      </a:effectRef>
+      <a:fontRef idx="minor">
+        <a:schemeClr val="lt1"/>
+      </a:fontRef>
+    </dgm:style>
+  </dgm:styleLbl>
+  <dgm:styleLbl name="asst3">
+    <dgm:scene3d>
+      <a:camera prst="orthographicFront"/>
+      <a:lightRig rig="threePt" dir="t"/>
+    </dgm:scene3d>
+    <dgm:sp3d/>
+    <dgm:txPr/>
+    <dgm:style>
+      <a:lnRef idx="2">
+        <a:scrgbClr r="0" g="0" b="0"/>
+      </a:lnRef>
+      <a:fillRef idx="1">
+        <a:scrgbClr r="0" g="0" b="0"/>
+      </a:fillRef>
+      <a:effectRef idx="0">
+        <a:scrgbClr r="0" g="0" b="0"/>
+      </a:effectRef>
+      <a:fontRef idx="minor">
+        <a:schemeClr val="lt1"/>
+      </a:fontRef>
+    </dgm:style>
+  </dgm:styleLbl>
+  <dgm:styleLbl name="asst4">
+    <dgm:scene3d>
+      <a:camera prst="orthographicFront"/>
+      <a:lightRig rig="threePt" dir="t"/>
+    </dgm:scene3d>
+    <dgm:sp3d/>
+    <dgm:txPr/>
+    <dgm:style>
+      <a:lnRef idx="2">
+        <a:scrgbClr r="0" g="0" b="0"/>
+      </a:lnRef>
+      <a:fillRef idx="1">
+        <a:scrgbClr r="0" g="0" b="0"/>
+      </a:fillRef>
+      <a:effectRef idx="0">
+        <a:scrgbClr r="0" g="0" b="0"/>
+      </a:effectRef>
+      <a:fontRef idx="minor">
+        <a:schemeClr val="lt1"/>
+      </a:fontRef>
+    </dgm:style>
+  </dgm:styleLbl>
+  <dgm:styleLbl name="parChTrans2D1">
+    <dgm:scene3d>
+      <a:camera prst="orthographicFront"/>
+      <a:lightRig rig="threePt" dir="t"/>
+    </dgm:scene3d>
+    <dgm:sp3d/>
+    <dgm:txPr/>
+    <dgm:style>
+      <a:lnRef idx="2">
+        <a:scrgbClr r="0" g="0" b="0"/>
+      </a:lnRef>
+      <a:fillRef idx="1">
+        <a:scrgbClr r="0" g="0" b="0"/>
+      </a:fillRef>
+      <a:effectRef idx="0">
+        <a:scrgbClr r="0" g="0" b="0"/>
+      </a:effectRef>
+      <a:fontRef idx="minor">
+        <a:schemeClr val="lt1"/>
+      </a:fontRef>
+    </dgm:style>
+  </dgm:styleLbl>
+  <dgm:styleLbl name="parChTrans2D2">
+    <dgm:scene3d>
+      <a:camera prst="orthographicFront"/>
+      <a:lightRig rig="threePt" dir="t"/>
+    </dgm:scene3d>
+    <dgm:sp3d/>
+    <dgm:txPr/>
+    <dgm:style>
+      <a:lnRef idx="2">
+        <a:scrgbClr r="0" g="0" b="0"/>
+      </a:lnRef>
+      <a:fillRef idx="1">
+        <a:scrgbClr r="0" g="0" b="0"/>
+      </a:fillRef>
+      <a:effectRef idx="0">
+        <a:scrgbClr r="0" g="0" b="0"/>
+      </a:effectRef>
+      <a:fontRef idx="minor">
+        <a:schemeClr val="lt1"/>
+      </a:fontRef>
+    </dgm:style>
+  </dgm:styleLbl>
+  <dgm:styleLbl name="parChTrans2D3">
+    <dgm:scene3d>
+      <a:camera prst="orthographicFront"/>
+      <a:lightRig rig="threePt" dir="t"/>
+    </dgm:scene3d>
+    <dgm:sp3d/>
+    <dgm:txPr/>
+    <dgm:style>
+      <a:lnRef idx="2">
+        <a:scrgbClr r="0" g="0" b="0"/>
+      </a:lnRef>
+      <a:fillRef idx="1">
+        <a:scrgbClr r="0" g="0" b="0"/>
+      </a:fillRef>
+      <a:effectRef idx="0">
+        <a:scrgbClr r="0" g="0" b="0"/>
+      </a:effectRef>
+      <a:fontRef idx="minor">
+        <a:schemeClr val="lt1"/>
+      </a:fontRef>
+    </dgm:style>
+  </dgm:styleLbl>
+  <dgm:styleLbl name="parChTrans2D4">
+    <dgm:scene3d>
+      <a:camera prst="orthographicFront"/>
+      <a:lightRig rig="threePt" dir="t"/>
+    </dgm:scene3d>
+    <dgm:sp3d/>
+    <dgm:txPr/>
+    <dgm:style>
+      <a:lnRef idx="2">
+        <a:scrgbClr r="0" g="0" b="0"/>
+      </a:lnRef>
+      <a:fillRef idx="1">
+        <a:scrgbClr r="0" g="0" b="0"/>
+      </a:fillRef>
+      <a:effectRef idx="0">
+        <a:scrgbClr r="0" g="0" b="0"/>
+      </a:effectRef>
+      <a:fontRef idx="minor">
+        <a:schemeClr val="lt1"/>
+      </a:fontRef>
+    </dgm:style>
+  </dgm:styleLbl>
+  <dgm:styleLbl name="parChTrans1D1">
+    <dgm:scene3d>
+      <a:camera prst="orthographicFront"/>
+      <a:lightRig rig="threePt" dir="t"/>
+    </dgm:scene3d>
+    <dgm:sp3d/>
+    <dgm:txPr/>
+    <dgm:style>
+      <a:lnRef idx="2">
+        <a:scrgbClr r="0" g="0" b="0"/>
+      </a:lnRef>
+      <a:fillRef idx="0">
+        <a:scrgbClr r="0" g="0" b="0"/>
+      </a:fillRef>
+      <a:effectRef idx="0">
+        <a:scrgbClr r="0" g="0" b="0"/>
+      </a:effectRef>
+      <a:fontRef idx="minor"/>
+    </dgm:style>
+  </dgm:styleLbl>
+  <dgm:styleLbl name="parChTrans1D2">
+    <dgm:scene3d>
+      <a:camera prst="orthographicFront"/>
+      <a:lightRig rig="threePt" dir="t"/>
+    </dgm:scene3d>
+    <dgm:sp3d/>
+    <dgm:txPr/>
+    <dgm:style>
+      <a:lnRef idx="2">
+        <a:scrgbClr r="0" g="0" b="0"/>
+      </a:lnRef>
+      <a:fillRef idx="0">
+        <a:scrgbClr r="0" g="0" b="0"/>
+      </a:fillRef>
+      <a:effectRef idx="0">
+        <a:scrgbClr r="0" g="0" b="0"/>
+      </a:effectRef>
+      <a:fontRef idx="minor"/>
+    </dgm:style>
+  </dgm:styleLbl>
+  <dgm:styleLbl name="parChTrans1D3">
+    <dgm:scene3d>
+      <a:camera prst="orthographicFront"/>
+      <a:lightRig rig="threePt" dir="t"/>
+    </dgm:scene3d>
+    <dgm:sp3d/>
+    <dgm:txPr/>
+    <dgm:style>
+      <a:lnRef idx="2">
+        <a:scrgbClr r="0" g="0" b="0"/>
+      </a:lnRef>
+      <a:fillRef idx="0">
+        <a:scrgbClr r="0" g="0" b="0"/>
+      </a:fillRef>
+      <a:effectRef idx="0">
+        <a:scrgbClr r="0" g="0" b="0"/>
+      </a:effectRef>
+      <a:fontRef idx="minor"/>
+    </dgm:style>
+  </dgm:styleLbl>
+  <dgm:styleLbl name="parChTrans1D4">
+    <dgm:scene3d>
+      <a:camera prst="orthographicFront"/>
+      <a:lightRig rig="threePt" dir="t"/>
+    </dgm:scene3d>
+    <dgm:sp3d/>
+    <dgm:txPr/>
+    <dgm:style>
+      <a:lnRef idx="2">
+        <a:scrgbClr r="0" g="0" b="0"/>
+      </a:lnRef>
+      <a:fillRef idx="0">
+        <a:scrgbClr r="0" g="0" b="0"/>
+      </a:fillRef>
+      <a:effectRef idx="0">
+        <a:scrgbClr r="0" g="0" b="0"/>
+      </a:effectRef>
+      <a:fontRef idx="minor"/>
+    </dgm:style>
+  </dgm:styleLbl>
+  <dgm:styleLbl name="fgAcc1">
+    <dgm:scene3d>
+      <a:camera prst="orthographicFront"/>
+      <a:lightRig rig="threePt" dir="t"/>
+    </dgm:scene3d>
+    <dgm:sp3d/>
+    <dgm:txPr/>
+    <dgm:style>
+      <a:lnRef idx="2">
+        <a:scrgbClr r="0" g="0" b="0"/>
+      </a:lnRef>
+      <a:fillRef idx="1">
+        <a:scrgbClr r="0" g="0" b="0"/>
+      </a:fillRef>
+      <a:effectRef idx="0">
+        <a:scrgbClr r="0" g="0" b="0"/>
+      </a:effectRef>
+      <a:fontRef idx="minor"/>
+    </dgm:style>
+  </dgm:styleLbl>
+  <dgm:styleLbl name="conFgAcc1">
+    <dgm:scene3d>
+      <a:camera prst="orthographicFront"/>
+      <a:lightRig rig="threePt" dir="t"/>
+    </dgm:scene3d>
+    <dgm:sp3d/>
+    <dgm:txPr/>
+    <dgm:style>
+      <a:lnRef idx="2">
+        <a:scrgbClr r="0" g="0" b="0"/>
+      </a:lnRef>
+      <a:fillRef idx="1">
+        <a:scrgbClr r="0" g="0" b="0"/>
+      </a:fillRef>
+      <a:effectRef idx="0">
+        <a:scrgbClr r="0" g="0" b="0"/>
+      </a:effectRef>
+      <a:fontRef idx="minor"/>
+    </dgm:style>
+  </dgm:styleLbl>
+  <dgm:styleLbl name="alignAcc1">
+    <dgm:scene3d>
+      <a:camera prst="orthographicFront"/>
+      <a:lightRig rig="threePt" dir="t"/>
+    </dgm:scene3d>
+    <dgm:sp3d/>
+    <dgm:txPr/>
+    <dgm:style>
+      <a:lnRef idx="2">
+        <a:scrgbClr r="0" g="0" b="0"/>
+      </a:lnRef>
+      <a:fillRef idx="1">
+        <a:scrgbClr r="0" g="0" b="0"/>
+      </a:fillRef>
+      <a:effectRef idx="0">
+        <a:scrgbClr r="0" g="0" b="0"/>
+      </a:effectRef>
+      <a:fontRef idx="minor"/>
+    </dgm:style>
+  </dgm:styleLbl>
+  <dgm:styleLbl name="trAlignAcc1">
+    <dgm:scene3d>
+      <a:camera prst="orthographicFront"/>
+      <a:lightRig rig="threePt" dir="t"/>
+    </dgm:scene3d>
+    <dgm:sp3d/>
+    <dgm:txPr/>
+    <dgm:style>
+      <a:lnRef idx="1">
+        <a:scrgbClr r="0" g="0" b="0"/>
+      </a:lnRef>
+      <a:fillRef idx="1">
+        <a:scrgbClr r="0" g="0" b="0"/>
+      </a:fillRef>
+      <a:effectRef idx="0">
+        <a:scrgbClr r="0" g="0" b="0"/>
+      </a:effectRef>
+      <a:fontRef idx="minor"/>
+    </dgm:style>
+  </dgm:styleLbl>
+  <dgm:styleLbl name="bgAcc1">
+    <dgm:scene3d>
+      <a:camera prst="orthographicFront"/>
+      <a:lightRig rig="threePt" dir="t"/>
+    </dgm:scene3d>
+    <dgm:sp3d/>
+    <dgm:txPr/>
+    <dgm:style>
+      <a:lnRef idx="2">
+        <a:scrgbClr r="0" g="0" b="0"/>
+      </a:lnRef>
+      <a:fillRef idx="1">
+        <a:scrgbClr r="0" g="0" b="0"/>
+      </a:fillRef>
+      <a:effectRef idx="0">
+        <a:scrgbClr r="0" g="0" b="0"/>
+      </a:effectRef>
+      <a:fontRef idx="minor"/>
+    </dgm:style>
+  </dgm:styleLbl>
+  <dgm:styleLbl name="solidFgAcc1">
+    <dgm:scene3d>
+      <a:camera prst="orthographicFront"/>
+      <a:lightRig rig="threePt" dir="t"/>
+    </dgm:scene3d>
+    <dgm:sp3d/>
+    <dgm:txPr/>
+    <dgm:style>
+      <a:lnRef idx="2">
+        <a:scrgbClr r="0" g="0" b="0"/>
+      </a:lnRef>
+      <a:fillRef idx="1">
+        <a:scrgbClr r="0" g="0" b="0"/>
+      </a:fillRef>
+      <a:effectRef idx="0">
+        <a:scrgbClr r="0" g="0" b="0"/>
+      </a:effectRef>
+      <a:fontRef idx="minor"/>
+    </dgm:style>
+  </dgm:styleLbl>
+  <dgm:styleLbl name="solidAlignAcc1">
+    <dgm:scene3d>
+      <a:camera prst="orthographicFront"/>
+      <a:lightRig rig="threePt" dir="t"/>
+    </dgm:scene3d>
+    <dgm:sp3d/>
+    <dgm:txPr/>
+    <dgm:style>
+      <a:lnRef idx="2">
+        <a:scrgbClr r="0" g="0" b="0"/>
+      </a:lnRef>
+      <a:fillRef idx="1">
+        <a:scrgbClr r="0" g="0" b="0"/>
+      </a:fillRef>
+      <a:effectRef idx="0">
+        <a:scrgbClr r="0" g="0" b="0"/>
+      </a:effectRef>
+      <a:fontRef idx="minor"/>
+    </dgm:style>
+  </dgm:styleLbl>
+  <dgm:styleLbl name="solidBgAcc1">
+    <dgm:scene3d>
+      <a:camera prst="orthographicFront"/>
+      <a:lightRig rig="threePt" dir="t"/>
+    </dgm:scene3d>
+    <dgm:sp3d/>
+    <dgm:txPr/>
+    <dgm:style>
+      <a:lnRef idx="2">
+        <a:scrgbClr r="0" g="0" b="0"/>
+      </a:lnRef>
+      <a:fillRef idx="1">
+        <a:scrgbClr r="0" g="0" b="0"/>
+      </a:fillRef>
+      <a:effectRef idx="0">
+        <a:scrgbClr r="0" g="0" b="0"/>
+      </a:effectRef>
+      <a:fontRef idx="minor"/>
+    </dgm:style>
+  </dgm:styleLbl>
+  <dgm:styleLbl name="fgAccFollowNode1">
+    <dgm:scene3d>
+      <a:camera prst="orthographicFront"/>
+      <a:lightRig rig="threePt" dir="t"/>
+    </dgm:scene3d>
+    <dgm:sp3d/>
+    <dgm:txPr/>
+    <dgm:style>
+      <a:lnRef idx="2">
+        <a:scrgbClr r="0" g="0" b="0"/>
+      </a:lnRef>
+      <a:fillRef idx="1">
+        <a:scrgbClr r="0" g="0" b="0"/>
+      </a:fillRef>
+      <a:effectRef idx="0">
+        <a:scrgbClr r="0" g="0" b="0"/>
+      </a:effectRef>
+      <a:fontRef idx="minor"/>
+    </dgm:style>
+  </dgm:styleLbl>
+  <dgm:styleLbl name="alignAccFollowNode1">
+    <dgm:scene3d>
+      <a:camera prst="orthographicFront"/>
+      <a:lightRig rig="threePt" dir="t"/>
+    </dgm:scene3d>
+    <dgm:sp3d/>
+    <dgm:txPr/>
+    <dgm:style>
+      <a:lnRef idx="2">
+        <a:scrgbClr r="0" g="0" b="0"/>
+      </a:lnRef>
+      <a:fillRef idx="1">
+        <a:scrgbClr r="0" g="0" b="0"/>
+      </a:fillRef>
+      <a:effectRef idx="0">
+        <a:scrgbClr r="0" g="0" b="0"/>
+      </a:effectRef>
+      <a:fontRef idx="minor"/>
+    </dgm:style>
+  </dgm:styleLbl>
+  <dgm:styleLbl name="bgAccFollowNode1">
+    <dgm:scene3d>
+      <a:camera prst="orthographicFront"/>
+      <a:lightRig rig="threePt" dir="t"/>
+    </dgm:scene3d>
+    <dgm:sp3d/>
+    <dgm:txPr/>
+    <dgm:style>
+      <a:lnRef idx="2">
+        <a:scrgbClr r="0" g="0" b="0"/>
+      </a:lnRef>
+      <a:fillRef idx="1">
+        <a:scrgbClr r="0" g="0" b="0"/>
+      </a:fillRef>
+      <a:effectRef idx="0">
+        <a:scrgbClr r="0" g="0" b="0"/>
+      </a:effectRef>
+      <a:fontRef idx="minor"/>
+    </dgm:style>
+  </dgm:styleLbl>
+  <dgm:styleLbl name="fgAcc0">
+    <dgm:scene3d>
+      <a:camera prst="orthographicFront"/>
+      <a:lightRig rig="threePt" dir="t"/>
+    </dgm:scene3d>
+    <dgm:sp3d/>
+    <dgm:txPr/>
+    <dgm:style>
+      <a:lnRef idx="2">
+        <a:scrgbClr r="0" g="0" b="0"/>
+      </a:lnRef>
+      <a:fillRef idx="1">
+        <a:scrgbClr r="0" g="0" b="0"/>
+      </a:fillRef>
+      <a:effectRef idx="0">
+        <a:scrgbClr r="0" g="0" b="0"/>
+      </a:effectRef>
+      <a:fontRef idx="minor"/>
+    </dgm:style>
+  </dgm:styleLbl>
+  <dgm:styleLbl name="fgAcc2">
+    <dgm:scene3d>
+      <a:camera prst="orthographicFront"/>
+      <a:lightRig rig="threePt" dir="t"/>
+    </dgm:scene3d>
+    <dgm:sp3d/>
+    <dgm:txPr/>
+    <dgm:style>
+      <a:lnRef idx="2">
+        <a:scrgbClr r="0" g="0" b="0"/>
+      </a:lnRef>
+      <a:fillRef idx="1">
+        <a:scrgbClr r="0" g="0" b="0"/>
+      </a:fillRef>
+      <a:effectRef idx="0">
+        <a:scrgbClr r="0" g="0" b="0"/>
+      </a:effectRef>
+      <a:fontRef idx="minor"/>
+    </dgm:style>
+  </dgm:styleLbl>
+  <dgm:styleLbl name="fgAcc3">
+    <dgm:scene3d>
+      <a:camera prst="orthographicFront"/>
+      <a:lightRig rig="threePt" dir="t"/>
+    </dgm:scene3d>
+    <dgm:sp3d/>
+    <dgm:txPr/>
+    <dgm:style>
+      <a:lnRef idx="2">
+        <a:scrgbClr r="0" g="0" b="0"/>
+      </a:lnRef>
+      <a:fillRef idx="1">
+        <a:scrgbClr r="0" g="0" b="0"/>
+      </a:fillRef>
+      <a:effectRef idx="0">
+        <a:scrgbClr r="0" g="0" b="0"/>
+      </a:effectRef>
+      <a:fontRef idx="minor"/>
+    </dgm:style>
+  </dgm:styleLbl>
+  <dgm:styleLbl name="fgAcc4">
+    <dgm:scene3d>
+      <a:camera prst="orthographicFront"/>
+      <a:lightRig rig="threePt" dir="t"/>
+    </dgm:scene3d>
+    <dgm:sp3d/>
+    <dgm:txPr/>
+    <dgm:style>
+      <a:lnRef idx="2">
+        <a:scrgbClr r="0" g="0" b="0"/>
+      </a:lnRef>
+      <a:fillRef idx="1">
+        <a:scrgbClr r="0" g="0" b="0"/>
+      </a:fillRef>
+      <a:effectRef idx="0">
+        <a:scrgbClr r="0" g="0" b="0"/>
+      </a:effectRef>
+      <a:fontRef idx="minor"/>
+    </dgm:style>
+  </dgm:styleLbl>
+  <dgm:styleLbl name="bgShp">
+    <dgm:scene3d>
+      <a:camera prst="orthographicFront"/>
+      <a:lightRig rig="threePt" dir="t"/>
+    </dgm:scene3d>
+    <dgm:sp3d/>
+    <dgm:txPr/>
+    <dgm:style>
+      <a:lnRef idx="0">
+        <a:scrgbClr r="0" g="0" b="0"/>
+      </a:lnRef>
+      <a:fillRef idx="1">
+        <a:scrgbClr r="0" g="0" b="0"/>
+      </a:fillRef>
+      <a:effectRef idx="0">
+        <a:scrgbClr r="0" g="0" b="0"/>
+      </a:effectRef>
+      <a:fontRef idx="minor"/>
+    </dgm:style>
+  </dgm:styleLbl>
+  <dgm:styleLbl name="dkBgShp">
+    <dgm:scene3d>
+      <a:camera prst="orthographicFront"/>
+      <a:lightRig rig="threePt" dir="t"/>
+    </dgm:scene3d>
+    <dgm:sp3d/>
+    <dgm:txPr/>
+    <dgm:style>
+      <a:lnRef idx="0">
+        <a:scrgbClr r="0" g="0" b="0"/>
+      </a:lnRef>
+      <a:fillRef idx="1">
+        <a:scrgbClr r="0" g="0" b="0"/>
+      </a:fillRef>
+      <a:effectRef idx="0">
+        <a:scrgbClr r="0" g="0" b="0"/>
+      </a:effectRef>
+      <a:fontRef idx="minor"/>
+    </dgm:style>
+  </dgm:styleLbl>
+  <dgm:styleLbl name="trBgShp">
+    <dgm:scene3d>
+      <a:camera prst="orthographicFront"/>
+      <a:lightRig rig="threePt" dir="t"/>
+    </dgm:scene3d>
+    <dgm:sp3d/>
+    <dgm:txPr/>
+    <dgm:style>
+      <a:lnRef idx="0">
+        <a:scrgbClr r="0" g="0" b="0"/>
+      </a:lnRef>
+      <a:fillRef idx="1">
+        <a:scrgbClr r="0" g="0" b="0"/>
+      </a:fillRef>
+      <a:effectRef idx="0">
+        <a:scrgbClr r="0" g="0" b="0"/>
+      </a:effectRef>
+      <a:fontRef idx="minor"/>
+    </dgm:style>
+  </dgm:styleLbl>
+  <dgm:styleLbl name="fgShp">
+    <dgm:scene3d>
+      <a:camera prst="orthographicFront"/>
+      <a:lightRig rig="threePt" dir="t"/>
+    </dgm:scene3d>
+    <dgm:sp3d/>
+    <dgm:txPr/>
+    <dgm:style>
+      <a:lnRef idx="2">
+        <a:scrgbClr r="0" g="0" b="0"/>
+      </a:lnRef>
+      <a:fillRef idx="1">
+        <a:scrgbClr r="0" g="0" b="0"/>
+      </a:fillRef>
+      <a:effectRef idx="0">
+        <a:scrgbClr r="0" g="0" b="0"/>
+      </a:effectRef>
+      <a:fontRef idx="minor"/>
+    </dgm:style>
+  </dgm:styleLbl>
+  <dgm:styleLbl name="revTx">
+    <dgm:scene3d>
+      <a:camera prst="orthographicFront"/>
+      <a:lightRig rig="threePt" dir="t"/>
+    </dgm:scene3d>
+    <dgm:sp3d/>
+    <dgm:txPr/>
+    <dgm:style>
+      <a:lnRef idx="0">
+        <a:scrgbClr r="0" g="0" b="0"/>
+      </a:lnRef>
+      <a:fillRef idx="0">
+        <a:scrgbClr r="0" g="0" b="0"/>
+      </a:fillRef>
+      <a:effectRef idx="0">
+        <a:scrgbClr r="0" g="0" b="0"/>
+      </a:effectRef>
+      <a:fontRef idx="minor"/>
+    </dgm:style>
+  </dgm:styleLbl>
+</dgm:styleDef>
+</file>
+
+<file path=ppt/diagrams/quickStyle2.xml><?xml version="1.0" encoding="utf-8"?>
+<dgm:styleDef xmlns:dgm="http://schemas.openxmlformats.org/drawingml/2006/diagram" xmlns:a="http://schemas.openxmlformats.org/drawingml/2006/main" uniqueId="urn:microsoft.com/office/officeart/2005/8/quickstyle/simple1">
+  <dgm:title val=""/>
+  <dgm:desc val=""/>
+  <dgm:catLst>
+    <dgm:cat type="simple" pri="10100"/>
+  </dgm:catLst>
+  <dgm:scene3d>
+    <a:camera prst="orthographicFront"/>
+    <a:lightRig rig="threePt" dir="t"/>
+  </dgm:scene3d>
+  <dgm:styleLbl name="node0">
+    <dgm:scene3d>
+      <a:camera prst="orthographicFront"/>
+      <a:lightRig rig="threePt" dir="t"/>
+    </dgm:scene3d>
+    <dgm:sp3d/>
+    <dgm:txPr/>
+    <dgm:style>
+      <a:lnRef idx="2">
+        <a:scrgbClr r="0" g="0" b="0"/>
+      </a:lnRef>
+      <a:fillRef idx="1">
+        <a:scrgbClr r="0" g="0" b="0"/>
+      </a:fillRef>
+      <a:effectRef idx="0">
+        <a:scrgbClr r="0" g="0" b="0"/>
+      </a:effectRef>
+      <a:fontRef idx="minor">
+        <a:schemeClr val="lt1"/>
+      </a:fontRef>
+    </dgm:style>
+  </dgm:styleLbl>
+  <dgm:styleLbl name="lnNode1">
+    <dgm:scene3d>
+      <a:camera prst="orthographicFront"/>
+      <a:lightRig rig="threePt" dir="t"/>
+    </dgm:scene3d>
+    <dgm:sp3d/>
+    <dgm:txPr/>
+    <dgm:style>
+      <a:lnRef idx="2">
+        <a:scrgbClr r="0" g="0" b="0"/>
+      </a:lnRef>
+      <a:fillRef idx="1">
+        <a:scrgbClr r="0" g="0" b="0"/>
+      </a:fillRef>
+      <a:effectRef idx="0">
+        <a:scrgbClr r="0" g="0" b="0"/>
+      </a:effectRef>
+      <a:fontRef idx="minor">
+        <a:schemeClr val="lt1"/>
+      </a:fontRef>
+    </dgm:style>
+  </dgm:styleLbl>
+  <dgm:styleLbl name="vennNode1">
+    <dgm:scene3d>
+      <a:camera prst="orthographicFront"/>
+      <a:lightRig rig="threePt" dir="t"/>
+    </dgm:scene3d>
+    <dgm:sp3d/>
+    <dgm:txPr/>
+    <dgm:style>
+      <a:lnRef idx="2">
+        <a:scrgbClr r="0" g="0" b="0"/>
+      </a:lnRef>
+      <a:fillRef idx="1">
+        <a:scrgbClr r="0" g="0" b="0"/>
+      </a:fillRef>
+      <a:effectRef idx="0">
+        <a:scrgbClr r="0" g="0" b="0"/>
+      </a:effectRef>
+      <a:fontRef idx="minor">
+        <a:schemeClr val="tx1"/>
+      </a:fontRef>
+    </dgm:style>
+  </dgm:styleLbl>
+  <dgm:styleLbl name="alignNode1">
+    <dgm:scene3d>
+      <a:camera prst="orthographicFront"/>
+      <a:lightRig rig="threePt" dir="t"/>
+    </dgm:scene3d>
+    <dgm:sp3d/>
+    <dgm:txPr/>
+    <dgm:style>
+      <a:lnRef idx="2">
+        <a:scrgbClr r="0" g="0" b="0"/>
+      </a:lnRef>
+      <a:fillRef idx="1">
+        <a:scrgbClr r="0" g="0" b="0"/>
+      </a:fillRef>
+      <a:effectRef idx="0">
+        <a:scrgbClr r="0" g="0" b="0"/>
+      </a:effectRef>
+      <a:fontRef idx="minor">
+        <a:schemeClr val="lt1"/>
+      </a:fontRef>
+    </dgm:style>
+  </dgm:styleLbl>
+  <dgm:styleLbl name="node1">
+    <dgm:scene3d>
+      <a:camera prst="orthographicFront"/>
+      <a:lightRig rig="threePt" dir="t"/>
+    </dgm:scene3d>
+    <dgm:sp3d/>
+    <dgm:txPr/>
+    <dgm:style>
+      <a:lnRef idx="2">
+        <a:scrgbClr r="0" g="0" b="0"/>
+      </a:lnRef>
+      <a:fillRef idx="1">
+        <a:scrgbClr r="0" g="0" b="0"/>
+      </a:fillRef>
+      <a:effectRef idx="0">
+        <a:scrgbClr r="0" g="0" b="0"/>
+      </a:effectRef>
+      <a:fontRef idx="minor">
+        <a:schemeClr val="lt1"/>
+      </a:fontRef>
+    </dgm:style>
+  </dgm:styleLbl>
+  <dgm:styleLbl name="node2">
+    <dgm:scene3d>
+      <a:camera prst="orthographicFront"/>
+      <a:lightRig rig="threePt" dir="t"/>
+    </dgm:scene3d>
+    <dgm:sp3d/>
+    <dgm:txPr/>
+    <dgm:style>
+      <a:lnRef idx="2">
+        <a:scrgbClr r="0" g="0" b="0"/>
+      </a:lnRef>
+      <a:fillRef idx="1">
+        <a:scrgbClr r="0" g="0" b="0"/>
+      </a:fillRef>
+      <a:effectRef idx="0">
+        <a:scrgbClr r="0" g="0" b="0"/>
+      </a:effectRef>
+      <a:fontRef idx="minor">
+        <a:schemeClr val="lt1"/>
+      </a:fontRef>
+    </dgm:style>
+  </dgm:styleLbl>
+  <dgm:styleLbl name="node3">
+    <dgm:scene3d>
+      <a:camera prst="orthographicFront"/>
+      <a:lightRig rig="threePt" dir="t"/>
+    </dgm:scene3d>
+    <dgm:sp3d/>
+    <dgm:txPr/>
+    <dgm:style>
+      <a:lnRef idx="2">
+        <a:scrgbClr r="0" g="0" b="0"/>
+      </a:lnRef>
+      <a:fillRef idx="1">
+        <a:scrgbClr r="0" g="0" b="0"/>
+      </a:fillRef>
+      <a:effectRef idx="0">
+        <a:scrgbClr r="0" g="0" b="0"/>
+      </a:effectRef>
+      <a:fontRef idx="minor">
+        <a:schemeClr val="lt1"/>
+      </a:fontRef>
+    </dgm:style>
+  </dgm:styleLbl>
+  <dgm:styleLbl name="node4">
+    <dgm:scene3d>
+      <a:camera prst="orthographicFront"/>
+      <a:lightRig rig="threePt" dir="t"/>
+    </dgm:scene3d>
+    <dgm:sp3d/>
+    <dgm:txPr/>
+    <dgm:style>
+      <a:lnRef idx="2">
+        <a:scrgbClr r="0" g="0" b="0"/>
+      </a:lnRef>
+      <a:fillRef idx="1">
+        <a:scrgbClr r="0" g="0" b="0"/>
+      </a:fillRef>
+      <a:effectRef idx="0">
+        <a:scrgbClr r="0" g="0" b="0"/>
+      </a:effectRef>
+      <a:fontRef idx="minor">
+        <a:schemeClr val="lt1"/>
+      </a:fontRef>
+    </dgm:style>
+  </dgm:styleLbl>
+  <dgm:styleLbl name="fgImgPlace1">
+    <dgm:scene3d>
+      <a:camera prst="orthographicFront"/>
+      <a:lightRig rig="threePt" dir="t"/>
+    </dgm:scene3d>
+    <dgm:sp3d/>
+    <dgm:txPr/>
+    <dgm:style>
+      <a:lnRef idx="2">
+        <a:scrgbClr r="0" g="0" b="0"/>
+      </a:lnRef>
+      <a:fillRef idx="1">
+        <a:scrgbClr r="0" g="0" b="0"/>
+      </a:fillRef>
+      <a:effectRef idx="0">
+        <a:scrgbClr r="0" g="0" b="0"/>
+      </a:effectRef>
+      <a:fontRef idx="minor"/>
+    </dgm:style>
+  </dgm:styleLbl>
+  <dgm:styleLbl name="alignImgPlace1">
+    <dgm:scene3d>
+      <a:camera prst="orthographicFront"/>
+      <a:lightRig rig="threePt" dir="t"/>
+    </dgm:scene3d>
+    <dgm:sp3d/>
+    <dgm:txPr/>
+    <dgm:style>
+      <a:lnRef idx="2">
+        <a:scrgbClr r="0" g="0" b="0"/>
+      </a:lnRef>
+      <a:fillRef idx="1">
+        <a:scrgbClr r="0" g="0" b="0"/>
+      </a:fillRef>
+      <a:effectRef idx="0">
+        <a:scrgbClr r="0" g="0" b="0"/>
+      </a:effectRef>
+      <a:fontRef idx="minor"/>
+    </dgm:style>
+  </dgm:styleLbl>
+  <dgm:styleLbl name="bgImgPlace1">
+    <dgm:scene3d>
+      <a:camera prst="orthographicFront"/>
+      <a:lightRig rig="threePt" dir="t"/>
+    </dgm:scene3d>
+    <dgm:sp3d/>
+    <dgm:txPr/>
+    <dgm:style>
+      <a:lnRef idx="2">
+        <a:scrgbClr r="0" g="0" b="0"/>
+      </a:lnRef>
+      <a:fillRef idx="1">
+        <a:scrgbClr r="0" g="0" b="0"/>
+      </a:fillRef>
+      <a:effectRef idx="0">
+        <a:scrgbClr r="0" g="0" b="0"/>
+      </a:effectRef>
+      <a:fontRef idx="minor"/>
+    </dgm:style>
+  </dgm:styleLbl>
+  <dgm:styleLbl name="sibTrans2D1">
+    <dgm:scene3d>
+      <a:camera prst="orthographicFront"/>
+      <a:lightRig rig="threePt" dir="t"/>
+    </dgm:scene3d>
+    <dgm:sp3d/>
+    <dgm:txPr/>
+    <dgm:style>
+      <a:lnRef idx="0">
+        <a:scrgbClr r="0" g="0" b="0"/>
+      </a:lnRef>
+      <a:fillRef idx="1">
+        <a:scrgbClr r="0" g="0" b="0"/>
+      </a:fillRef>
+      <a:effectRef idx="0">
+        <a:scrgbClr r="0" g="0" b="0"/>
+      </a:effectRef>
+      <a:fontRef idx="minor">
+        <a:schemeClr val="lt1"/>
+      </a:fontRef>
+    </dgm:style>
+  </dgm:styleLbl>
+  <dgm:styleLbl name="fgSibTrans2D1">
+    <dgm:scene3d>
+      <a:camera prst="orthographicFront"/>
+      <a:lightRig rig="threePt" dir="t"/>
+    </dgm:scene3d>
+    <dgm:sp3d/>
+    <dgm:txPr/>
+    <dgm:style>
+      <a:lnRef idx="0">
+        <a:scrgbClr r="0" g="0" b="0"/>
+      </a:lnRef>
+      <a:fillRef idx="1">
+        <a:scrgbClr r="0" g="0" b="0"/>
+      </a:fillRef>
+      <a:effectRef idx="0">
+        <a:scrgbClr r="0" g="0" b="0"/>
+      </a:effectRef>
+      <a:fontRef idx="minor">
+        <a:schemeClr val="lt1"/>
+      </a:fontRef>
+    </dgm:style>
+  </dgm:styleLbl>
+  <dgm:styleLbl name="bgSibTrans2D1">
+    <dgm:scene3d>
+      <a:camera prst="orthographicFront"/>
+      <a:lightRig rig="threePt" dir="t"/>
+    </dgm:scene3d>
+    <dgm:sp3d/>
+    <dgm:txPr/>
+    <dgm:style>
+      <a:lnRef idx="0">
+        <a:scrgbClr r="0" g="0" b="0"/>
+      </a:lnRef>
+      <a:fillRef idx="1">
+        <a:scrgbClr r="0" g="0" b="0"/>
+      </a:fillRef>
+      <a:effectRef idx="0">
+        <a:scrgbClr r="0" g="0" b="0"/>
+      </a:effectRef>
+      <a:fontRef idx="minor">
+        <a:schemeClr val="lt1"/>
+      </a:fontRef>
+    </dgm:style>
+  </dgm:styleLbl>
+  <dgm:styleLbl name="sibTrans1D1">
+    <dgm:scene3d>
+      <a:camera prst="orthographicFront"/>
+      <a:lightRig rig="threePt" dir="t"/>
+    </dgm:scene3d>
+    <dgm:sp3d/>
+    <dgm:txPr/>
+    <dgm:style>
+      <a:lnRef idx="1">
+        <a:scrgbClr r="0" g="0" b="0"/>
+      </a:lnRef>
+      <a:fillRef idx="0">
+        <a:scrgbClr r="0" g="0" b="0"/>
+      </a:fillRef>
+      <a:effectRef idx="0">
+        <a:scrgbClr r="0" g="0" b="0"/>
+      </a:effectRef>
+      <a:fontRef idx="minor"/>
+    </dgm:style>
+  </dgm:styleLbl>
+  <dgm:styleLbl name="callout">
+    <dgm:scene3d>
+      <a:camera prst="orthographicFront"/>
+      <a:lightRig rig="threePt" dir="t"/>
+    </dgm:scene3d>
+    <dgm:sp3d/>
+    <dgm:txPr/>
+    <dgm:style>
+      <a:lnRef idx="2">
+        <a:scrgbClr r="0" g="0" b="0"/>
+      </a:lnRef>
+      <a:fillRef idx="1">
+        <a:scrgbClr r="0" g="0" b="0"/>
+      </a:fillRef>
+      <a:effectRef idx="0">
+        <a:scrgbClr r="0" g="0" b="0"/>
+      </a:effectRef>
+      <a:fontRef idx="minor"/>
+    </dgm:style>
+  </dgm:styleLbl>
+  <dgm:styleLbl name="asst0">
+    <dgm:scene3d>
+      <a:camera prst="orthographicFront"/>
+      <a:lightRig rig="threePt" dir="t"/>
+    </dgm:scene3d>
+    <dgm:sp3d/>
+    <dgm:txPr/>
+    <dgm:style>
+      <a:lnRef idx="2">
+        <a:scrgbClr r="0" g="0" b="0"/>
+      </a:lnRef>
+      <a:fillRef idx="1">
+        <a:scrgbClr r="0" g="0" b="0"/>
+      </a:fillRef>
+      <a:effectRef idx="0">
+        <a:scrgbClr r="0" g="0" b="0"/>
+      </a:effectRef>
+      <a:fontRef idx="minor">
+        <a:schemeClr val="lt1"/>
+      </a:fontRef>
+    </dgm:style>
+  </dgm:styleLbl>
+  <dgm:styleLbl name="asst1">
+    <dgm:scene3d>
+      <a:camera prst="orthographicFront"/>
+      <a:lightRig rig="threePt" dir="t"/>
+    </dgm:scene3d>
+    <dgm:sp3d/>
+    <dgm:txPr/>
+    <dgm:style>
+      <a:lnRef idx="2">
+        <a:scrgbClr r="0" g="0" b="0"/>
+      </a:lnRef>
+      <a:fillRef idx="1">
+        <a:scrgbClr r="0" g="0" b="0"/>
+      </a:fillRef>
+      <a:effectRef idx="0">
+        <a:scrgbClr r="0" g="0" b="0"/>
+      </a:effectRef>
+      <a:fontRef idx="minor">
+        <a:schemeClr val="lt1"/>
+      </a:fontRef>
+    </dgm:style>
+  </dgm:styleLbl>
+  <dgm:styleLbl name="asst2">
+    <dgm:scene3d>
+      <a:camera prst="orthographicFront"/>
+      <a:lightRig rig="threePt" dir="t"/>
+    </dgm:scene3d>
+    <dgm:sp3d/>
+    <dgm:txPr/>
+    <dgm:style>
+      <a:lnRef idx="2">
+        <a:scrgbClr r="0" g="0" b="0"/>
+      </a:lnRef>
+      <a:fillRef idx="1">
+        <a:scrgbClr r="0" g="0" b="0"/>
+      </a:fillRef>
+      <a:effectRef idx="0">
+        <a:scrgbClr r="0" g="0" b="0"/>
+      </a:effectRef>
+      <a:fontRef idx="minor">
+        <a:schemeClr val="lt1"/>
+      </a:fontRef>
+    </dgm:style>
+  </dgm:styleLbl>
+  <dgm:styleLbl name="asst3">
+    <dgm:scene3d>
+      <a:camera prst="orthographicFront"/>
+      <a:lightRig rig="threePt" dir="t"/>
+    </dgm:scene3d>
+    <dgm:sp3d/>
+    <dgm:txPr/>
+    <dgm:style>
+      <a:lnRef idx="2">
+        <a:scrgbClr r="0" g="0" b="0"/>
+      </a:lnRef>
+      <a:fillRef idx="1">
+        <a:scrgbClr r="0" g="0" b="0"/>
+      </a:fillRef>
+      <a:effectRef idx="0">
+        <a:scrgbClr r="0" g="0" b="0"/>
+      </a:effectRef>
+      <a:fontRef idx="minor">
+        <a:schemeClr val="lt1"/>
+      </a:fontRef>
+    </dgm:style>
+  </dgm:styleLbl>
+  <dgm:styleLbl name="asst4">
+    <dgm:scene3d>
+      <a:camera prst="orthographicFront"/>
+      <a:lightRig rig="threePt" dir="t"/>
+    </dgm:scene3d>
+    <dgm:sp3d/>
+    <dgm:txPr/>
+    <dgm:style>
+      <a:lnRef idx="2">
+        <a:scrgbClr r="0" g="0" b="0"/>
+      </a:lnRef>
+      <a:fillRef idx="1">
+        <a:scrgbClr r="0" g="0" b="0"/>
+      </a:fillRef>
+      <a:effectRef idx="0">
+        <a:scrgbClr r="0" g="0" b="0"/>
+      </a:effectRef>
+      <a:fontRef idx="minor">
+        <a:schemeClr val="lt1"/>
+      </a:fontRef>
+    </dgm:style>
+  </dgm:styleLbl>
+  <dgm:styleLbl name="parChTrans2D1">
+    <dgm:scene3d>
+      <a:camera prst="orthographicFront"/>
+      <a:lightRig rig="threePt" dir="t"/>
+    </dgm:scene3d>
+    <dgm:sp3d/>
+    <dgm:txPr/>
+    <dgm:style>
+      <a:lnRef idx="2">
+        <a:scrgbClr r="0" g="0" b="0"/>
+      </a:lnRef>
+      <a:fillRef idx="1">
+        <a:scrgbClr r="0" g="0" b="0"/>
+      </a:fillRef>
+      <a:effectRef idx="0">
+        <a:scrgbClr r="0" g="0" b="0"/>
+      </a:effectRef>
+      <a:fontRef idx="minor">
+        <a:schemeClr val="lt1"/>
+      </a:fontRef>
+    </dgm:style>
+  </dgm:styleLbl>
+  <dgm:styleLbl name="parChTrans2D2">
+    <dgm:scene3d>
+      <a:camera prst="orthographicFront"/>
+      <a:lightRig rig="threePt" dir="t"/>
+    </dgm:scene3d>
+    <dgm:sp3d/>
+    <dgm:txPr/>
+    <dgm:style>
+      <a:lnRef idx="2">
+        <a:scrgbClr r="0" g="0" b="0"/>
+      </a:lnRef>
+      <a:fillRef idx="1">
+        <a:scrgbClr r="0" g="0" b="0"/>
+      </a:fillRef>
+      <a:effectRef idx="0">
+        <a:scrgbClr r="0" g="0" b="0"/>
+      </a:effectRef>
+      <a:fontRef idx="minor">
+        <a:schemeClr val="lt1"/>
+      </a:fontRef>
+    </dgm:style>
+  </dgm:styleLbl>
+  <dgm:styleLbl name="parChTrans2D3">
+    <dgm:scene3d>
+      <a:camera prst="orthographicFront"/>
+      <a:lightRig rig="threePt" dir="t"/>
+    </dgm:scene3d>
+    <dgm:sp3d/>
+    <dgm:txPr/>
+    <dgm:style>
+      <a:lnRef idx="2">
+        <a:scrgbClr r="0" g="0" b="0"/>
+      </a:lnRef>
+      <a:fillRef idx="1">
+        <a:scrgbClr r="0" g="0" b="0"/>
+      </a:fillRef>
+      <a:effectRef idx="0">
+        <a:scrgbClr r="0" g="0" b="0"/>
+      </a:effectRef>
+      <a:fontRef idx="minor">
+        <a:schemeClr val="lt1"/>
+      </a:fontRef>
+    </dgm:style>
+  </dgm:styleLbl>
+  <dgm:styleLbl name="parChTrans2D4">
+    <dgm:scene3d>
+      <a:camera prst="orthographicFront"/>
+      <a:lightRig rig="threePt" dir="t"/>
+    </dgm:scene3d>
+    <dgm:sp3d/>
+    <dgm:txPr/>
+    <dgm:style>
+      <a:lnRef idx="2">
+        <a:scrgbClr r="0" g="0" b="0"/>
+      </a:lnRef>
+      <a:fillRef idx="1">
+        <a:scrgbClr r="0" g="0" b="0"/>
+      </a:fillRef>
+      <a:effectRef idx="0">
+        <a:scrgbClr r="0" g="0" b="0"/>
+      </a:effectRef>
+      <a:fontRef idx="minor">
+        <a:schemeClr val="lt1"/>
+      </a:fontRef>
+    </dgm:style>
+  </dgm:styleLbl>
+  <dgm:styleLbl name="parChTrans1D1">
+    <dgm:scene3d>
+      <a:camera prst="orthographicFront"/>
+      <a:lightRig rig="threePt" dir="t"/>
+    </dgm:scene3d>
+    <dgm:sp3d/>
+    <dgm:txPr/>
+    <dgm:style>
+      <a:lnRef idx="2">
+        <a:scrgbClr r="0" g="0" b="0"/>
+      </a:lnRef>
+      <a:fillRef idx="0">
+        <a:scrgbClr r="0" g="0" b="0"/>
+      </a:fillRef>
+      <a:effectRef idx="0">
+        <a:scrgbClr r="0" g="0" b="0"/>
+      </a:effectRef>
+      <a:fontRef idx="minor"/>
+    </dgm:style>
+  </dgm:styleLbl>
+  <dgm:styleLbl name="parChTrans1D2">
+    <dgm:scene3d>
+      <a:camera prst="orthographicFront"/>
+      <a:lightRig rig="threePt" dir="t"/>
+    </dgm:scene3d>
+    <dgm:sp3d/>
+    <dgm:txPr/>
+    <dgm:style>
+      <a:lnRef idx="2">
+        <a:scrgbClr r="0" g="0" b="0"/>
+      </a:lnRef>
+      <a:fillRef idx="0">
+        <a:scrgbClr r="0" g="0" b="0"/>
+      </a:fillRef>
+      <a:effectRef idx="0">
+        <a:scrgbClr r="0" g="0" b="0"/>
+      </a:effectRef>
+      <a:fontRef idx="minor"/>
+    </dgm:style>
+  </dgm:styleLbl>
+  <dgm:styleLbl name="parChTrans1D3">
+    <dgm:scene3d>
+      <a:camera prst="orthographicFront"/>
+      <a:lightRig rig="threePt" dir="t"/>
+    </dgm:scene3d>
+    <dgm:sp3d/>
+    <dgm:txPr/>
+    <dgm:style>
+      <a:lnRef idx="2">
+        <a:scrgbClr r="0" g="0" b="0"/>
+      </a:lnRef>
+      <a:fillRef idx="0">
+        <a:scrgbClr r="0" g="0" b="0"/>
+      </a:fillRef>
+      <a:effectRef idx="0">
+        <a:scrgbClr r="0" g="0" b="0"/>
+      </a:effectRef>
+      <a:fontRef idx="minor"/>
+    </dgm:style>
+  </dgm:styleLbl>
+  <dgm:styleLbl name="parChTrans1D4">
+    <dgm:scene3d>
+      <a:camera prst="orthographicFront"/>
+      <a:lightRig rig="threePt" dir="t"/>
+    </dgm:scene3d>
+    <dgm:sp3d/>
+    <dgm:txPr/>
+    <dgm:style>
+      <a:lnRef idx="2">
+        <a:scrgbClr r="0" g="0" b="0"/>
+      </a:lnRef>
+      <a:fillRef idx="0">
+        <a:scrgbClr r="0" g="0" b="0"/>
+      </a:fillRef>
+      <a:effectRef idx="0">
+        <a:scrgbClr r="0" g="0" b="0"/>
+      </a:effectRef>
+      <a:fontRef idx="minor"/>
+    </dgm:style>
+  </dgm:styleLbl>
+  <dgm:styleLbl name="fgAcc1">
+    <dgm:scene3d>
+      <a:camera prst="orthographicFront"/>
+      <a:lightRig rig="threePt" dir="t"/>
+    </dgm:scene3d>
+    <dgm:sp3d/>
+    <dgm:txPr/>
+    <dgm:style>
+      <a:lnRef idx="2">
+        <a:scrgbClr r="0" g="0" b="0"/>
+      </a:lnRef>
+      <a:fillRef idx="1">
+        <a:scrgbClr r="0" g="0" b="0"/>
+      </a:fillRef>
+      <a:effectRef idx="0">
+        <a:scrgbClr r="0" g="0" b="0"/>
+      </a:effectRef>
+      <a:fontRef idx="minor"/>
+    </dgm:style>
+  </dgm:styleLbl>
+  <dgm:styleLbl name="conFgAcc1">
+    <dgm:scene3d>
+      <a:camera prst="orthographicFront"/>
+      <a:lightRig rig="threePt" dir="t"/>
+    </dgm:scene3d>
+    <dgm:sp3d/>
+    <dgm:txPr/>
+    <dgm:style>
+      <a:lnRef idx="2">
+        <a:scrgbClr r="0" g="0" b="0"/>
+      </a:lnRef>
+      <a:fillRef idx="1">
+        <a:scrgbClr r="0" g="0" b="0"/>
+      </a:fillRef>
+      <a:effectRef idx="0">
+        <a:scrgbClr r="0" g="0" b="0"/>
+      </a:effectRef>
+      <a:fontRef idx="minor"/>
+    </dgm:style>
+  </dgm:styleLbl>
+  <dgm:styleLbl name="alignAcc1">
+    <dgm:scene3d>
+      <a:camera prst="orthographicFront"/>
+      <a:lightRig rig="threePt" dir="t"/>
+    </dgm:scene3d>
+    <dgm:sp3d/>
+    <dgm:txPr/>
+    <dgm:style>
+      <a:lnRef idx="2">
+        <a:scrgbClr r="0" g="0" b="0"/>
+      </a:lnRef>
+      <a:fillRef idx="1">
+        <a:scrgbClr r="0" g="0" b="0"/>
+      </a:fillRef>
+      <a:effectRef idx="0">
+        <a:scrgbClr r="0" g="0" b="0"/>
+      </a:effectRef>
+      <a:fontRef idx="minor"/>
+    </dgm:style>
+  </dgm:styleLbl>
+  <dgm:styleLbl name="trAlignAcc1">
+    <dgm:scene3d>
+      <a:camera prst="orthographicFront"/>
+      <a:lightRig rig="threePt" dir="t"/>
+    </dgm:scene3d>
+    <dgm:sp3d/>
+    <dgm:txPr/>
+    <dgm:style>
+      <a:lnRef idx="1">
+        <a:scrgbClr r="0" g="0" b="0"/>
+      </a:lnRef>
+      <a:fillRef idx="1">
+        <a:scrgbClr r="0" g="0" b="0"/>
+      </a:fillRef>
+      <a:effectRef idx="0">
+        <a:scrgbClr r="0" g="0" b="0"/>
+      </a:effectRef>
+      <a:fontRef idx="minor"/>
+    </dgm:style>
+  </dgm:styleLbl>
+  <dgm:styleLbl name="bgAcc1">
+    <dgm:scene3d>
+      <a:camera prst="orthographicFront"/>
+      <a:lightRig rig="threePt" dir="t"/>
+    </dgm:scene3d>
+    <dgm:sp3d/>
+    <dgm:txPr/>
+    <dgm:style>
+      <a:lnRef idx="2">
+        <a:scrgbClr r="0" g="0" b="0"/>
+      </a:lnRef>
+      <a:fillRef idx="1">
+        <a:scrgbClr r="0" g="0" b="0"/>
+      </a:fillRef>
+      <a:effectRef idx="0">
+        <a:scrgbClr r="0" g="0" b="0"/>
+      </a:effectRef>
+      <a:fontRef idx="minor"/>
+    </dgm:style>
+  </dgm:styleLbl>
+  <dgm:styleLbl name="solidFgAcc1">
+    <dgm:scene3d>
+      <a:camera prst="orthographicFront"/>
+      <a:lightRig rig="threePt" dir="t"/>
+    </dgm:scene3d>
+    <dgm:sp3d/>
+    <dgm:txPr/>
+    <dgm:style>
+      <a:lnRef idx="2">
+        <a:scrgbClr r="0" g="0" b="0"/>
+      </a:lnRef>
+      <a:fillRef idx="1">
+        <a:scrgbClr r="0" g="0" b="0"/>
+      </a:fillRef>
+      <a:effectRef idx="0">
+        <a:scrgbClr r="0" g="0" b="0"/>
+      </a:effectRef>
+      <a:fontRef idx="minor"/>
+    </dgm:style>
+  </dgm:styleLbl>
+  <dgm:styleLbl name="solidAlignAcc1">
+    <dgm:scene3d>
+      <a:camera prst="orthographicFront"/>
+      <a:lightRig rig="threePt" dir="t"/>
+    </dgm:scene3d>
+    <dgm:sp3d/>
+    <dgm:txPr/>
+    <dgm:style>
+      <a:lnRef idx="2">
+        <a:scrgbClr r="0" g="0" b="0"/>
+      </a:lnRef>
+      <a:fillRef idx="1">
+        <a:scrgbClr r="0" g="0" b="0"/>
+      </a:fillRef>
+      <a:effectRef idx="0">
+        <a:scrgbClr r="0" g="0" b="0"/>
+      </a:effectRef>
+      <a:fontRef idx="minor"/>
+    </dgm:style>
+  </dgm:styleLbl>
+  <dgm:styleLbl name="solidBgAcc1">
+    <dgm:scene3d>
+      <a:camera prst="orthographicFront"/>
+      <a:lightRig rig="threePt" dir="t"/>
+    </dgm:scene3d>
+    <dgm:sp3d/>
+    <dgm:txPr/>
+    <dgm:style>
+      <a:lnRef idx="2">
+        <a:scrgbClr r="0" g="0" b="0"/>
+      </a:lnRef>
+      <a:fillRef idx="1">
+        <a:scrgbClr r="0" g="0" b="0"/>
+      </a:fillRef>
+      <a:effectRef idx="0">
+        <a:scrgbClr r="0" g="0" b="0"/>
+      </a:effectRef>
+      <a:fontRef idx="minor"/>
+    </dgm:style>
+  </dgm:styleLbl>
+  <dgm:styleLbl name="fgAccFollowNode1">
+    <dgm:scene3d>
+      <a:camera prst="orthographicFront"/>
+      <a:lightRig rig="threePt" dir="t"/>
+    </dgm:scene3d>
+    <dgm:sp3d/>
+    <dgm:txPr/>
+    <dgm:style>
+      <a:lnRef idx="2">
+        <a:scrgbClr r="0" g="0" b="0"/>
+      </a:lnRef>
+      <a:fillRef idx="1">
+        <a:scrgbClr r="0" g="0" b="0"/>
+      </a:fillRef>
+      <a:effectRef idx="0">
+        <a:scrgbClr r="0" g="0" b="0"/>
+      </a:effectRef>
+      <a:fontRef idx="minor"/>
+    </dgm:style>
+  </dgm:styleLbl>
+  <dgm:styleLbl name="alignAccFollowNode1">
+    <dgm:scene3d>
+      <a:camera prst="orthographicFront"/>
+      <a:lightRig rig="threePt" dir="t"/>
+    </dgm:scene3d>
+    <dgm:sp3d/>
+    <dgm:txPr/>
+    <dgm:style>
+      <a:lnRef idx="2">
+        <a:scrgbClr r="0" g="0" b="0"/>
+      </a:lnRef>
+      <a:fillRef idx="1">
+        <a:scrgbClr r="0" g="0" b="0"/>
+      </a:fillRef>
+      <a:effectRef idx="0">
+        <a:scrgbClr r="0" g="0" b="0"/>
+      </a:effectRef>
+      <a:fontRef idx="minor"/>
+    </dgm:style>
+  </dgm:styleLbl>
+  <dgm:styleLbl name="bgAccFollowNode1">
+    <dgm:scene3d>
+      <a:camera prst="orthographicFront"/>
+      <a:lightRig rig="threePt" dir="t"/>
+    </dgm:scene3d>
+    <dgm:sp3d/>
+    <dgm:txPr/>
+    <dgm:style>
+      <a:lnRef idx="2">
+        <a:scrgbClr r="0" g="0" b="0"/>
+      </a:lnRef>
+      <a:fillRef idx="1">
+        <a:scrgbClr r="0" g="0" b="0"/>
+      </a:fillRef>
+      <a:effectRef idx="0">
+        <a:scrgbClr r="0" g="0" b="0"/>
+      </a:effectRef>
+      <a:fontRef idx="minor"/>
+    </dgm:style>
+  </dgm:styleLbl>
+  <dgm:styleLbl name="fgAcc0">
+    <dgm:scene3d>
+      <a:camera prst="orthographicFront"/>
+      <a:lightRig rig="threePt" dir="t"/>
+    </dgm:scene3d>
+    <dgm:sp3d/>
+    <dgm:txPr/>
+    <dgm:style>
+      <a:lnRef idx="2">
+        <a:scrgbClr r="0" g="0" b="0"/>
+      </a:lnRef>
+      <a:fillRef idx="1">
+        <a:scrgbClr r="0" g="0" b="0"/>
+      </a:fillRef>
+      <a:effectRef idx="0">
+        <a:scrgbClr r="0" g="0" b="0"/>
+      </a:effectRef>
+      <a:fontRef idx="minor"/>
+    </dgm:style>
+  </dgm:styleLbl>
+  <dgm:styleLbl name="fgAcc2">
+    <dgm:scene3d>
+      <a:camera prst="orthographicFront"/>
+      <a:lightRig rig="threePt" dir="t"/>
+    </dgm:scene3d>
+    <dgm:sp3d/>
+    <dgm:txPr/>
+    <dgm:style>
+      <a:lnRef idx="2">
+        <a:scrgbClr r="0" g="0" b="0"/>
+      </a:lnRef>
+      <a:fillRef idx="1">
+        <a:scrgbClr r="0" g="0" b="0"/>
+      </a:fillRef>
+      <a:effectRef idx="0">
+        <a:scrgbClr r="0" g="0" b="0"/>
+      </a:effectRef>
+      <a:fontRef idx="minor"/>
+    </dgm:style>
+  </dgm:styleLbl>
+  <dgm:styleLbl name="fgAcc3">
+    <dgm:scene3d>
+      <a:camera prst="orthographicFront"/>
+      <a:lightRig rig="threePt" dir="t"/>
+    </dgm:scene3d>
+    <dgm:sp3d/>
+    <dgm:txPr/>
+    <dgm:style>
+      <a:lnRef idx="2">
+        <a:scrgbClr r="0" g="0" b="0"/>
+      </a:lnRef>
+      <a:fillRef idx="1">
+        <a:scrgbClr r="0" g="0" b="0"/>
+      </a:fillRef>
+      <a:effectRef idx="0">
+        <a:scrgbClr r="0" g="0" b="0"/>
+      </a:effectRef>
+      <a:fontRef idx="minor"/>
+    </dgm:style>
+  </dgm:styleLbl>
+  <dgm:styleLbl name="fgAcc4">
+    <dgm:scene3d>
+      <a:camera prst="orthographicFront"/>
+      <a:lightRig rig="threePt" dir="t"/>
+    </dgm:scene3d>
+    <dgm:sp3d/>
+    <dgm:txPr/>
+    <dgm:style>
+      <a:lnRef idx="2">
+        <a:scrgbClr r="0" g="0" b="0"/>
+      </a:lnRef>
+      <a:fillRef idx="1">
+        <a:scrgbClr r="0" g="0" b="0"/>
+      </a:fillRef>
+      <a:effectRef idx="0">
+        <a:scrgbClr r="0" g="0" b="0"/>
+      </a:effectRef>
+      <a:fontRef idx="minor"/>
+    </dgm:style>
+  </dgm:styleLbl>
+  <dgm:styleLbl name="bgShp">
+    <dgm:scene3d>
+      <a:camera prst="orthographicFront"/>
+      <a:lightRig rig="threePt" dir="t"/>
+    </dgm:scene3d>
+    <dgm:sp3d/>
+    <dgm:txPr/>
+    <dgm:style>
+      <a:lnRef idx="0">
+        <a:scrgbClr r="0" g="0" b="0"/>
+      </a:lnRef>
+      <a:fillRef idx="1">
+        <a:scrgbClr r="0" g="0" b="0"/>
+      </a:fillRef>
+      <a:effectRef idx="0">
+        <a:scrgbClr r="0" g="0" b="0"/>
+      </a:effectRef>
+      <a:fontRef idx="minor"/>
+    </dgm:style>
+  </dgm:styleLbl>
+  <dgm:styleLbl name="dkBgShp">
+    <dgm:scene3d>
+      <a:camera prst="orthographicFront"/>
+      <a:lightRig rig="threePt" dir="t"/>
+    </dgm:scene3d>
+    <dgm:sp3d/>
+    <dgm:txPr/>
+    <dgm:style>
+      <a:lnRef idx="0">
+        <a:scrgbClr r="0" g="0" b="0"/>
+      </a:lnRef>
+      <a:fillRef idx="1">
+        <a:scrgbClr r="0" g="0" b="0"/>
+      </a:fillRef>
+      <a:effectRef idx="0">
+        <a:scrgbClr r="0" g="0" b="0"/>
+      </a:effectRef>
+      <a:fontRef idx="minor"/>
+    </dgm:style>
+  </dgm:styleLbl>
+  <dgm:styleLbl name="trBgShp">
+    <dgm:scene3d>
+      <a:camera prst="orthographicFront"/>
+      <a:lightRig rig="threePt" dir="t"/>
+    </dgm:scene3d>
+    <dgm:sp3d/>
+    <dgm:txPr/>
+    <dgm:style>
+      <a:lnRef idx="0">
+        <a:scrgbClr r="0" g="0" b="0"/>
+      </a:lnRef>
+      <a:fillRef idx="1">
+        <a:scrgbClr r="0" g="0" b="0"/>
+      </a:fillRef>
+      <a:effectRef idx="0">
+        <a:scrgbClr r="0" g="0" b="0"/>
+      </a:effectRef>
+      <a:fontRef idx="minor"/>
+    </dgm:style>
+  </dgm:styleLbl>
+  <dgm:styleLbl name="fgShp">
+    <dgm:scene3d>
+      <a:camera prst="orthographicFront"/>
+      <a:lightRig rig="threePt" dir="t"/>
+    </dgm:scene3d>
+    <dgm:sp3d/>
+    <dgm:txPr/>
+    <dgm:style>
+      <a:lnRef idx="2">
+        <a:scrgbClr r="0" g="0" b="0"/>
+      </a:lnRef>
+      <a:fillRef idx="1">
+        <a:scrgbClr r="0" g="0" b="0"/>
+      </a:fillRef>
+      <a:effectRef idx="0">
+        <a:scrgbClr r="0" g="0" b="0"/>
+      </a:effectRef>
+      <a:fontRef idx="minor"/>
+    </dgm:style>
+  </dgm:styleLbl>
+  <dgm:styleLbl name="revTx">
+    <dgm:scene3d>
+      <a:camera prst="orthographicFront"/>
+      <a:lightRig rig="threePt" dir="t"/>
+    </dgm:scene3d>
+    <dgm:sp3d/>
+    <dgm:txPr/>
+    <dgm:style>
+      <a:lnRef idx="0">
+        <a:scrgbClr r="0" g="0" b="0"/>
+      </a:lnRef>
+      <a:fillRef idx="0">
+        <a:scrgbClr r="0" g="0" b="0"/>
+      </a:fillRef>
+      <a:effectRef idx="0">
+        <a:scrgbClr r="0" g="0" b="0"/>
+      </a:effectRef>
+      <a:fontRef idx="minor"/>
+    </dgm:style>
+  </dgm:styleLbl>
+</dgm:styleDef>
+</file>
+
 <file path=ppt/slideLayouts/slideLayout1.xml><?xml version="1.0" encoding="utf-8"?>
 <p:sldLayout xmlns:a="http://schemas.openxmlformats.org/drawingml/2006/main" xmlns:r="http://schemas.openxmlformats.org/officeDocument/2006/relationships" xmlns:p="http://schemas.openxmlformats.org/presentationml/2006/main" type="title" preserve="1">
   <p:cSld name="Diapositiva titolo">
@@ -162,7 +6262,7 @@
           </a:lstStyle>
           <a:p>
             <a:r>
-              <a:rPr lang="it-IT" smtClean="0"/>
+              <a:rPr lang="it-IT"/>
               <a:t>Fare clic per modificare lo stile del titolo</a:t>
             </a:r>
             <a:endParaRPr lang="en-US" dirty="0"/>
@@ -282,7 +6382,7 @@
           </a:lstStyle>
           <a:p>
             <a:r>
-              <a:rPr lang="it-IT" smtClean="0"/>
+              <a:rPr lang="it-IT"/>
               <a:t>Fare clic per modificare lo stile del sottotitolo dello schema</a:t>
             </a:r>
             <a:endParaRPr lang="en-US" dirty="0"/>
@@ -306,7 +6406,7 @@
           <a:p>
             <a:fld id="{9B8746E3-48A3-4D71-8E7E-F2042DC1B749}" type="datetimeFigureOut">
               <a:rPr lang="it-IT" smtClean="0"/>
-              <a:t>27/01/2026</a:t>
+              <a:t>28/01/2026</a:t>
             </a:fld>
             <a:endParaRPr lang="it-IT"/>
           </a:p>
@@ -412,6 +6512,13 @@
             <a:noFill/>
           </a:ln>
         </p:spPr>
+        <p:txBody>
+          <a:bodyPr/>
+          <a:lstStyle/>
+          <a:p>
+            <a:endParaRPr lang="it-IT"/>
+          </a:p>
+        </p:txBody>
       </p:sp>
       <p:sp>
         <p:nvSpPr>
@@ -498,7 +6605,7 @@
           </a:lstStyle>
           <a:p>
             <a:r>
-              <a:rPr lang="it-IT" smtClean="0"/>
+              <a:rPr lang="it-IT"/>
               <a:t>Fare clic per modificare lo stile del titolo</a:t>
             </a:r>
             <a:endParaRPr lang="en-US" dirty="0"/>
@@ -621,7 +6728,7 @@
           <a:p>
             <a:pPr lvl="0"/>
             <a:r>
-              <a:rPr lang="it-IT" smtClean="0"/>
+              <a:rPr lang="it-IT"/>
               <a:t>Fare clic per modificare stili del testo dello schema</a:t>
             </a:r>
           </a:p>
@@ -644,7 +6751,7 @@
           <a:p>
             <a:fld id="{9B8746E3-48A3-4D71-8E7E-F2042DC1B749}" type="datetimeFigureOut">
               <a:rPr lang="it-IT" smtClean="0"/>
-              <a:t>27/01/2026</a:t>
+              <a:t>28/01/2026</a:t>
             </a:fld>
             <a:endParaRPr lang="it-IT"/>
           </a:p>
@@ -836,7 +6943,7 @@
           </a:lstStyle>
           <a:p>
             <a:r>
-              <a:rPr lang="it-IT" smtClean="0"/>
+              <a:rPr lang="it-IT"/>
               <a:t>Fare clic per modificare lo stile del titolo</a:t>
             </a:r>
             <a:endParaRPr lang="en-US" dirty="0"/>
@@ -900,7 +7007,7 @@
           <a:p>
             <a:pPr lvl="0"/>
             <a:r>
-              <a:rPr lang="it-IT" smtClean="0"/>
+              <a:rPr lang="it-IT"/>
               <a:t>Fare clic per modificare stili del testo dello schema</a:t>
             </a:r>
           </a:p>
@@ -1022,7 +7129,7 @@
           <a:p>
             <a:pPr lvl="0"/>
             <a:r>
-              <a:rPr lang="it-IT" smtClean="0"/>
+              <a:rPr lang="it-IT"/>
               <a:t>Fare clic per modificare stili del testo dello schema</a:t>
             </a:r>
           </a:p>
@@ -1045,7 +7152,7 @@
           <a:p>
             <a:fld id="{9B8746E3-48A3-4D71-8E7E-F2042DC1B749}" type="datetimeFigureOut">
               <a:rPr lang="it-IT" smtClean="0"/>
-              <a:t>27/01/2026</a:t>
+              <a:t>28/01/2026</a:t>
             </a:fld>
             <a:endParaRPr lang="it-IT"/>
           </a:p>
@@ -1313,7 +7420,7 @@
           </a:lstStyle>
           <a:p>
             <a:r>
-              <a:rPr lang="it-IT" smtClean="0"/>
+              <a:rPr lang="it-IT"/>
               <a:t>Fare clic per modificare lo stile del titolo</a:t>
             </a:r>
             <a:endParaRPr lang="en-US" dirty="0"/>
@@ -1358,7 +7465,7 @@
               <a:buNone/>
             </a:pPr>
             <a:r>
-              <a:rPr lang="it-IT" smtClean="0"/>
+              <a:rPr lang="it-IT"/>
               <a:t>Fare clic per modificare stili del testo dello schema</a:t>
             </a:r>
           </a:p>
@@ -1381,7 +7488,7 @@
           <a:p>
             <a:fld id="{9B8746E3-48A3-4D71-8E7E-F2042DC1B749}" type="datetimeFigureOut">
               <a:rPr lang="it-IT" smtClean="0"/>
-              <a:t>27/01/2026</a:t>
+              <a:t>28/01/2026</a:t>
             </a:fld>
             <a:endParaRPr lang="it-IT"/>
           </a:p>
@@ -1573,7 +7680,7 @@
           </a:lstStyle>
           <a:p>
             <a:r>
-              <a:rPr lang="it-IT" smtClean="0"/>
+              <a:rPr lang="it-IT"/>
               <a:t>Fare clic per modificare lo stile del titolo</a:t>
             </a:r>
             <a:endParaRPr lang="en-US" dirty="0"/>
@@ -1634,7 +7741,7 @@
           <a:p>
             <a:pPr lvl="0"/>
             <a:r>
-              <a:rPr lang="it-IT" smtClean="0"/>
+              <a:rPr lang="it-IT"/>
               <a:t>Fare clic per modificare stili del testo dello schema</a:t>
             </a:r>
           </a:p>
@@ -1678,7 +7785,7 @@
               <a:buNone/>
             </a:pPr>
             <a:r>
-              <a:rPr lang="it-IT" smtClean="0"/>
+              <a:rPr lang="it-IT"/>
               <a:t>Fare clic per modificare stili del testo dello schema</a:t>
             </a:r>
           </a:p>
@@ -1701,7 +7808,7 @@
           <a:p>
             <a:fld id="{9B8746E3-48A3-4D71-8E7E-F2042DC1B749}" type="datetimeFigureOut">
               <a:rPr lang="it-IT" smtClean="0"/>
-              <a:t>27/01/2026</a:t>
+              <a:t>28/01/2026</a:t>
             </a:fld>
             <a:endParaRPr lang="it-IT"/>
           </a:p>
@@ -1969,7 +8076,7 @@
           </a:lstStyle>
           <a:p>
             <a:r>
-              <a:rPr lang="it-IT" smtClean="0"/>
+              <a:rPr lang="it-IT"/>
               <a:t>Fare clic per modificare lo stile del titolo</a:t>
             </a:r>
             <a:endParaRPr lang="en-US" dirty="0"/>
@@ -2030,7 +8137,7 @@
           <a:p>
             <a:pPr lvl="0"/>
             <a:r>
-              <a:rPr lang="it-IT" smtClean="0"/>
+              <a:rPr lang="it-IT"/>
               <a:t>Fare clic per modificare stili del testo dello schema</a:t>
             </a:r>
           </a:p>
@@ -2074,7 +8181,7 @@
               <a:buNone/>
             </a:pPr>
             <a:r>
-              <a:rPr lang="it-IT" smtClean="0"/>
+              <a:rPr lang="it-IT"/>
               <a:t>Fare clic per modificare stili del testo dello schema</a:t>
             </a:r>
           </a:p>
@@ -2097,7 +8204,7 @@
           <a:p>
             <a:fld id="{9B8746E3-48A3-4D71-8E7E-F2042DC1B749}" type="datetimeFigureOut">
               <a:rPr lang="it-IT" smtClean="0"/>
-              <a:t>27/01/2026</a:t>
+              <a:t>28/01/2026</a:t>
             </a:fld>
             <a:endParaRPr lang="it-IT"/>
           </a:p>
@@ -2278,7 +8385,7 @@
           <a:lstStyle/>
           <a:p>
             <a:r>
-              <a:rPr lang="it-IT" smtClean="0"/>
+              <a:rPr lang="it-IT"/>
               <a:t>Fare clic per modificare lo stile del titolo</a:t>
             </a:r>
             <a:endParaRPr lang="en-US" dirty="0"/>
@@ -2302,35 +8409,35 @@
           <a:p>
             <a:pPr lvl="0"/>
             <a:r>
-              <a:rPr lang="it-IT" smtClean="0"/>
+              <a:rPr lang="it-IT"/>
               <a:t>Fare clic per modificare stili del testo dello schema</a:t>
             </a:r>
           </a:p>
           <a:p>
             <a:pPr lvl="1"/>
             <a:r>
-              <a:rPr lang="it-IT" smtClean="0"/>
+              <a:rPr lang="it-IT"/>
               <a:t>Secondo livello</a:t>
             </a:r>
           </a:p>
           <a:p>
             <a:pPr lvl="2"/>
             <a:r>
-              <a:rPr lang="it-IT" smtClean="0"/>
+              <a:rPr lang="it-IT"/>
               <a:t>Terzo livello</a:t>
             </a:r>
           </a:p>
           <a:p>
             <a:pPr lvl="3"/>
             <a:r>
-              <a:rPr lang="it-IT" smtClean="0"/>
+              <a:rPr lang="it-IT"/>
               <a:t>Quarto livello</a:t>
             </a:r>
           </a:p>
           <a:p>
             <a:pPr lvl="4"/>
             <a:r>
-              <a:rPr lang="it-IT" smtClean="0"/>
+              <a:rPr lang="it-IT"/>
               <a:t>Quinto livello</a:t>
             </a:r>
             <a:endParaRPr lang="en-US" dirty="0"/>
@@ -2354,7 +8461,7 @@
           <a:p>
             <a:fld id="{9B8746E3-48A3-4D71-8E7E-F2042DC1B749}" type="datetimeFigureOut">
               <a:rPr lang="it-IT" smtClean="0"/>
-              <a:t>27/01/2026</a:t>
+              <a:t>28/01/2026</a:t>
             </a:fld>
             <a:endParaRPr lang="it-IT"/>
           </a:p>
@@ -2535,7 +8642,7 @@
           <a:lstStyle/>
           <a:p>
             <a:r>
-              <a:rPr lang="it-IT" smtClean="0"/>
+              <a:rPr lang="it-IT"/>
               <a:t>Fare clic per modificare lo stile del titolo</a:t>
             </a:r>
             <a:endParaRPr lang="en-US" dirty="0"/>
@@ -2564,35 +8671,35 @@
           <a:p>
             <a:pPr lvl="0"/>
             <a:r>
-              <a:rPr lang="it-IT" smtClean="0"/>
+              <a:rPr lang="it-IT"/>
               <a:t>Fare clic per modificare stili del testo dello schema</a:t>
             </a:r>
           </a:p>
           <a:p>
             <a:pPr lvl="1"/>
             <a:r>
-              <a:rPr lang="it-IT" smtClean="0"/>
+              <a:rPr lang="it-IT"/>
               <a:t>Secondo livello</a:t>
             </a:r>
           </a:p>
           <a:p>
             <a:pPr lvl="2"/>
             <a:r>
-              <a:rPr lang="it-IT" smtClean="0"/>
+              <a:rPr lang="it-IT"/>
               <a:t>Terzo livello</a:t>
             </a:r>
           </a:p>
           <a:p>
             <a:pPr lvl="3"/>
             <a:r>
-              <a:rPr lang="it-IT" smtClean="0"/>
+              <a:rPr lang="it-IT"/>
               <a:t>Quarto livello</a:t>
             </a:r>
           </a:p>
           <a:p>
             <a:pPr lvl="4"/>
             <a:r>
-              <a:rPr lang="it-IT" smtClean="0"/>
+              <a:rPr lang="it-IT"/>
               <a:t>Quinto livello</a:t>
             </a:r>
             <a:endParaRPr lang="en-US" dirty="0"/>
@@ -2616,7 +8723,7 @@
           <a:p>
             <a:fld id="{9B8746E3-48A3-4D71-8E7E-F2042DC1B749}" type="datetimeFigureOut">
               <a:rPr lang="it-IT" smtClean="0"/>
-              <a:t>27/01/2026</a:t>
+              <a:t>28/01/2026</a:t>
             </a:fld>
             <a:endParaRPr lang="it-IT"/>
           </a:p>
@@ -2797,7 +8904,7 @@
           <a:lstStyle/>
           <a:p>
             <a:r>
-              <a:rPr lang="it-IT" smtClean="0"/>
+              <a:rPr lang="it-IT"/>
               <a:t>Fare clic per modificare lo stile del titolo</a:t>
             </a:r>
             <a:endParaRPr lang="en-US" dirty="0"/>
@@ -2826,35 +8933,35 @@
           <a:p>
             <a:pPr lvl="0"/>
             <a:r>
-              <a:rPr lang="it-IT" smtClean="0"/>
+              <a:rPr lang="it-IT"/>
               <a:t>Fare clic per modificare stili del testo dello schema</a:t>
             </a:r>
           </a:p>
           <a:p>
             <a:pPr lvl="1"/>
             <a:r>
-              <a:rPr lang="it-IT" smtClean="0"/>
+              <a:rPr lang="it-IT"/>
               <a:t>Secondo livello</a:t>
             </a:r>
           </a:p>
           <a:p>
             <a:pPr lvl="2"/>
             <a:r>
-              <a:rPr lang="it-IT" smtClean="0"/>
+              <a:rPr lang="it-IT"/>
               <a:t>Terzo livello</a:t>
             </a:r>
           </a:p>
           <a:p>
             <a:pPr lvl="3"/>
             <a:r>
-              <a:rPr lang="it-IT" smtClean="0"/>
+              <a:rPr lang="it-IT"/>
               <a:t>Quarto livello</a:t>
             </a:r>
           </a:p>
           <a:p>
             <a:pPr lvl="4"/>
             <a:r>
-              <a:rPr lang="it-IT" smtClean="0"/>
+              <a:rPr lang="it-IT"/>
               <a:t>Quinto livello</a:t>
             </a:r>
             <a:endParaRPr lang="en-US" dirty="0"/>
@@ -2878,7 +8985,7 @@
           <a:p>
             <a:fld id="{9B8746E3-48A3-4D71-8E7E-F2042DC1B749}" type="datetimeFigureOut">
               <a:rPr lang="it-IT" smtClean="0"/>
-              <a:t>27/01/2026</a:t>
+              <a:t>28/01/2026</a:t>
             </a:fld>
             <a:endParaRPr lang="it-IT"/>
           </a:p>
@@ -3063,7 +9170,7 @@
           </a:lstStyle>
           <a:p>
             <a:r>
-              <a:rPr lang="it-IT" smtClean="0"/>
+              <a:rPr lang="it-IT"/>
               <a:t>Fare clic per modificare lo stile del titolo</a:t>
             </a:r>
             <a:endParaRPr lang="en-US" dirty="0"/>
@@ -3184,7 +9291,7 @@
           <a:p>
             <a:pPr lvl="0"/>
             <a:r>
-              <a:rPr lang="it-IT" smtClean="0"/>
+              <a:rPr lang="it-IT"/>
               <a:t>Fare clic per modificare stili del testo dello schema</a:t>
             </a:r>
           </a:p>
@@ -3207,7 +9314,7 @@
           <a:p>
             <a:fld id="{9B8746E3-48A3-4D71-8E7E-F2042DC1B749}" type="datetimeFigureOut">
               <a:rPr lang="it-IT" smtClean="0"/>
-              <a:t>27/01/2026</a:t>
+              <a:t>28/01/2026</a:t>
             </a:fld>
             <a:endParaRPr lang="it-IT"/>
           </a:p>
@@ -3388,7 +9495,7 @@
           <a:lstStyle/>
           <a:p>
             <a:r>
-              <a:rPr lang="it-IT" smtClean="0"/>
+              <a:rPr lang="it-IT"/>
               <a:t>Fare clic per modificare lo stile del titolo</a:t>
             </a:r>
             <a:endParaRPr lang="en-US" dirty="0"/>
@@ -3419,35 +9526,35 @@
           <a:p>
             <a:pPr lvl="0"/>
             <a:r>
-              <a:rPr lang="it-IT" smtClean="0"/>
+              <a:rPr lang="it-IT"/>
               <a:t>Fare clic per modificare stili del testo dello schema</a:t>
             </a:r>
           </a:p>
           <a:p>
             <a:pPr lvl="1"/>
             <a:r>
-              <a:rPr lang="it-IT" smtClean="0"/>
+              <a:rPr lang="it-IT"/>
               <a:t>Secondo livello</a:t>
             </a:r>
           </a:p>
           <a:p>
             <a:pPr lvl="2"/>
             <a:r>
-              <a:rPr lang="it-IT" smtClean="0"/>
+              <a:rPr lang="it-IT"/>
               <a:t>Terzo livello</a:t>
             </a:r>
           </a:p>
           <a:p>
             <a:pPr lvl="3"/>
             <a:r>
-              <a:rPr lang="it-IT" smtClean="0"/>
+              <a:rPr lang="it-IT"/>
               <a:t>Quarto livello</a:t>
             </a:r>
           </a:p>
           <a:p>
             <a:pPr lvl="4"/>
             <a:r>
-              <a:rPr lang="it-IT" smtClean="0"/>
+              <a:rPr lang="it-IT"/>
               <a:t>Quinto livello</a:t>
             </a:r>
             <a:endParaRPr lang="en-US" dirty="0"/>
@@ -3478,35 +9585,35 @@
           <a:p>
             <a:pPr lvl="0"/>
             <a:r>
-              <a:rPr lang="it-IT" smtClean="0"/>
+              <a:rPr lang="it-IT"/>
               <a:t>Fare clic per modificare stili del testo dello schema</a:t>
             </a:r>
           </a:p>
           <a:p>
             <a:pPr lvl="1"/>
             <a:r>
-              <a:rPr lang="it-IT" smtClean="0"/>
+              <a:rPr lang="it-IT"/>
               <a:t>Secondo livello</a:t>
             </a:r>
           </a:p>
           <a:p>
             <a:pPr lvl="2"/>
             <a:r>
-              <a:rPr lang="it-IT" smtClean="0"/>
+              <a:rPr lang="it-IT"/>
               <a:t>Terzo livello</a:t>
             </a:r>
           </a:p>
           <a:p>
             <a:pPr lvl="3"/>
             <a:r>
-              <a:rPr lang="it-IT" smtClean="0"/>
+              <a:rPr lang="it-IT"/>
               <a:t>Quarto livello</a:t>
             </a:r>
           </a:p>
           <a:p>
             <a:pPr lvl="4"/>
             <a:r>
-              <a:rPr lang="it-IT" smtClean="0"/>
+              <a:rPr lang="it-IT"/>
               <a:t>Quinto livello</a:t>
             </a:r>
             <a:endParaRPr lang="en-US" dirty="0"/>
@@ -3530,7 +9637,7 @@
           <a:p>
             <a:fld id="{9B8746E3-48A3-4D71-8E7E-F2042DC1B749}" type="datetimeFigureOut">
               <a:rPr lang="it-IT" smtClean="0"/>
-              <a:t>27/01/2026</a:t>
+              <a:t>28/01/2026</a:t>
             </a:fld>
             <a:endParaRPr lang="it-IT"/>
           </a:p>
@@ -3711,7 +9818,7 @@
           <a:lstStyle/>
           <a:p>
             <a:r>
-              <a:rPr lang="it-IT" smtClean="0"/>
+              <a:rPr lang="it-IT"/>
               <a:t>Fare clic per modificare lo stile del titolo</a:t>
             </a:r>
             <a:endParaRPr lang="en-US" dirty="0"/>
@@ -3779,7 +9886,7 @@
           <a:p>
             <a:pPr lvl="0"/>
             <a:r>
-              <a:rPr lang="it-IT" smtClean="0"/>
+              <a:rPr lang="it-IT"/>
               <a:t>Fare clic per modificare stili del testo dello schema</a:t>
             </a:r>
           </a:p>
@@ -3809,35 +9916,35 @@
           <a:p>
             <a:pPr lvl="0"/>
             <a:r>
-              <a:rPr lang="it-IT" smtClean="0"/>
+              <a:rPr lang="it-IT"/>
               <a:t>Fare clic per modificare stili del testo dello schema</a:t>
             </a:r>
           </a:p>
           <a:p>
             <a:pPr lvl="1"/>
             <a:r>
-              <a:rPr lang="it-IT" smtClean="0"/>
+              <a:rPr lang="it-IT"/>
               <a:t>Secondo livello</a:t>
             </a:r>
           </a:p>
           <a:p>
             <a:pPr lvl="2"/>
             <a:r>
-              <a:rPr lang="it-IT" smtClean="0"/>
+              <a:rPr lang="it-IT"/>
               <a:t>Terzo livello</a:t>
             </a:r>
           </a:p>
           <a:p>
             <a:pPr lvl="3"/>
             <a:r>
-              <a:rPr lang="it-IT" smtClean="0"/>
+              <a:rPr lang="it-IT"/>
               <a:t>Quarto livello</a:t>
             </a:r>
           </a:p>
           <a:p>
             <a:pPr lvl="4"/>
             <a:r>
-              <a:rPr lang="it-IT" smtClean="0"/>
+              <a:rPr lang="it-IT"/>
               <a:t>Quinto livello</a:t>
             </a:r>
             <a:endParaRPr lang="en-US" dirty="0"/>
@@ -3905,7 +10012,7 @@
           <a:p>
             <a:pPr lvl="0"/>
             <a:r>
-              <a:rPr lang="it-IT" smtClean="0"/>
+              <a:rPr lang="it-IT"/>
               <a:t>Fare clic per modificare stili del testo dello schema</a:t>
             </a:r>
           </a:p>
@@ -3935,35 +10042,35 @@
           <a:p>
             <a:pPr lvl="0"/>
             <a:r>
-              <a:rPr lang="it-IT" smtClean="0"/>
+              <a:rPr lang="it-IT"/>
               <a:t>Fare clic per modificare stili del testo dello schema</a:t>
             </a:r>
           </a:p>
           <a:p>
             <a:pPr lvl="1"/>
             <a:r>
-              <a:rPr lang="it-IT" smtClean="0"/>
+              <a:rPr lang="it-IT"/>
               <a:t>Secondo livello</a:t>
             </a:r>
           </a:p>
           <a:p>
             <a:pPr lvl="2"/>
             <a:r>
-              <a:rPr lang="it-IT" smtClean="0"/>
+              <a:rPr lang="it-IT"/>
               <a:t>Terzo livello</a:t>
             </a:r>
           </a:p>
           <a:p>
             <a:pPr lvl="3"/>
             <a:r>
-              <a:rPr lang="it-IT" smtClean="0"/>
+              <a:rPr lang="it-IT"/>
               <a:t>Quarto livello</a:t>
             </a:r>
           </a:p>
           <a:p>
             <a:pPr lvl="4"/>
             <a:r>
-              <a:rPr lang="it-IT" smtClean="0"/>
+              <a:rPr lang="it-IT"/>
               <a:t>Quinto livello</a:t>
             </a:r>
             <a:endParaRPr lang="en-US" dirty="0"/>
@@ -3987,7 +10094,7 @@
           <a:p>
             <a:fld id="{9B8746E3-48A3-4D71-8E7E-F2042DC1B749}" type="datetimeFigureOut">
               <a:rPr lang="it-IT" smtClean="0"/>
-              <a:t>27/01/2026</a:t>
+              <a:t>28/01/2026</a:t>
             </a:fld>
             <a:endParaRPr lang="it-IT"/>
           </a:p>
@@ -4168,7 +10275,7 @@
           <a:lstStyle/>
           <a:p>
             <a:r>
-              <a:rPr lang="it-IT" smtClean="0"/>
+              <a:rPr lang="it-IT"/>
               <a:t>Fare clic per modificare lo stile del titolo</a:t>
             </a:r>
             <a:endParaRPr lang="en-US" dirty="0"/>
@@ -4192,7 +10299,7 @@
           <a:p>
             <a:fld id="{9B8746E3-48A3-4D71-8E7E-F2042DC1B749}" type="datetimeFigureOut">
               <a:rPr lang="it-IT" smtClean="0"/>
-              <a:t>27/01/2026</a:t>
+              <a:t>28/01/2026</a:t>
             </a:fld>
             <a:endParaRPr lang="it-IT"/>
           </a:p>
@@ -4369,7 +10476,7 @@
           <a:p>
             <a:fld id="{9B8746E3-48A3-4D71-8E7E-F2042DC1B749}" type="datetimeFigureOut">
               <a:rPr lang="it-IT" smtClean="0"/>
-              <a:t>27/01/2026</a:t>
+              <a:t>28/01/2026</a:t>
             </a:fld>
             <a:endParaRPr lang="it-IT"/>
           </a:p>
@@ -4554,7 +10661,7 @@
           </a:lstStyle>
           <a:p>
             <a:r>
-              <a:rPr lang="it-IT" smtClean="0"/>
+              <a:rPr lang="it-IT"/>
               <a:t>Fare clic per modificare lo stile del titolo</a:t>
             </a:r>
             <a:endParaRPr lang="en-US" dirty="0"/>
@@ -4585,35 +10692,35 @@
           <a:p>
             <a:pPr lvl="0"/>
             <a:r>
-              <a:rPr lang="it-IT" smtClean="0"/>
+              <a:rPr lang="it-IT"/>
               <a:t>Fare clic per modificare stili del testo dello schema</a:t>
             </a:r>
           </a:p>
           <a:p>
             <a:pPr lvl="1"/>
             <a:r>
-              <a:rPr lang="it-IT" smtClean="0"/>
+              <a:rPr lang="it-IT"/>
               <a:t>Secondo livello</a:t>
             </a:r>
           </a:p>
           <a:p>
             <a:pPr lvl="2"/>
             <a:r>
-              <a:rPr lang="it-IT" smtClean="0"/>
+              <a:rPr lang="it-IT"/>
               <a:t>Terzo livello</a:t>
             </a:r>
           </a:p>
           <a:p>
             <a:pPr lvl="3"/>
             <a:r>
-              <a:rPr lang="it-IT" smtClean="0"/>
+              <a:rPr lang="it-IT"/>
               <a:t>Quarto livello</a:t>
             </a:r>
           </a:p>
           <a:p>
             <a:pPr lvl="4"/>
             <a:r>
-              <a:rPr lang="it-IT" smtClean="0"/>
+              <a:rPr lang="it-IT"/>
               <a:t>Quinto livello</a:t>
             </a:r>
             <a:endParaRPr lang="en-US" dirty="0"/>
@@ -4679,7 +10786,7 @@
           <a:p>
             <a:pPr lvl="0"/>
             <a:r>
-              <a:rPr lang="it-IT" smtClean="0"/>
+              <a:rPr lang="it-IT"/>
               <a:t>Fare clic per modificare stili del testo dello schema</a:t>
             </a:r>
           </a:p>
@@ -4702,7 +10809,7 @@
           <a:p>
             <a:fld id="{9B8746E3-48A3-4D71-8E7E-F2042DC1B749}" type="datetimeFigureOut">
               <a:rPr lang="it-IT" smtClean="0"/>
-              <a:t>27/01/2026</a:t>
+              <a:t>28/01/2026</a:t>
             </a:fld>
             <a:endParaRPr lang="it-IT"/>
           </a:p>
@@ -4889,7 +10996,7 @@
           </a:lstStyle>
           <a:p>
             <a:r>
-              <a:rPr lang="it-IT" smtClean="0"/>
+              <a:rPr lang="it-IT"/>
               <a:t>Fare clic per modificare lo stile del titolo</a:t>
             </a:r>
             <a:endParaRPr lang="en-US" dirty="0"/>
@@ -4956,7 +11063,7 @@
           </a:lstStyle>
           <a:p>
             <a:r>
-              <a:rPr lang="it-IT" smtClean="0"/>
+              <a:rPr lang="it-IT"/>
               <a:t>Fare clic sull'icona per inserire un'immagine</a:t>
             </a:r>
             <a:endParaRPr lang="en-US" dirty="0"/>
@@ -5024,7 +11131,7 @@
           <a:p>
             <a:pPr lvl="0"/>
             <a:r>
-              <a:rPr lang="it-IT" smtClean="0"/>
+              <a:rPr lang="it-IT"/>
               <a:t>Fare clic per modificare stili del testo dello schema</a:t>
             </a:r>
           </a:p>
@@ -5047,7 +11154,7 @@
           <a:p>
             <a:fld id="{9B8746E3-48A3-4D71-8E7E-F2042DC1B749}" type="datetimeFigureOut">
               <a:rPr lang="it-IT" smtClean="0"/>
-              <a:t>27/01/2026</a:t>
+              <a:t>28/01/2026</a:t>
             </a:fld>
             <a:endParaRPr lang="it-IT"/>
           </a:p>
@@ -5291,6 +11398,13 @@
               <a:noFill/>
             </a:ln>
           </p:spPr>
+          <p:txBody>
+            <a:bodyPr/>
+            <a:lstStyle/>
+            <a:p>
+              <a:endParaRPr lang="it-IT"/>
+            </a:p>
+          </p:txBody>
         </p:sp>
         <p:sp>
           <p:nvSpPr>
@@ -5357,6 +11471,13 @@
               <a:noFill/>
             </a:ln>
           </p:spPr>
+          <p:txBody>
+            <a:bodyPr/>
+            <a:lstStyle/>
+            <a:p>
+              <a:endParaRPr lang="it-IT"/>
+            </a:p>
+          </p:txBody>
         </p:sp>
         <p:sp>
           <p:nvSpPr>
@@ -5428,6 +11549,13 @@
               <a:noFill/>
             </a:ln>
           </p:spPr>
+          <p:txBody>
+            <a:bodyPr/>
+            <a:lstStyle/>
+            <a:p>
+              <a:endParaRPr lang="it-IT"/>
+            </a:p>
+          </p:txBody>
         </p:sp>
         <p:sp>
           <p:nvSpPr>
@@ -5479,6 +11607,13 @@
               <a:noFill/>
             </a:ln>
           </p:spPr>
+          <p:txBody>
+            <a:bodyPr/>
+            <a:lstStyle/>
+            <a:p>
+              <a:endParaRPr lang="it-IT"/>
+            </a:p>
+          </p:txBody>
         </p:sp>
         <p:sp>
           <p:nvSpPr>
@@ -5565,6 +11700,13 @@
               <a:noFill/>
             </a:ln>
           </p:spPr>
+          <p:txBody>
+            <a:bodyPr/>
+            <a:lstStyle/>
+            <a:p>
+              <a:endParaRPr lang="it-IT"/>
+            </a:p>
+          </p:txBody>
         </p:sp>
         <p:sp>
           <p:nvSpPr>
@@ -5646,6 +11788,13 @@
               <a:noFill/>
             </a:ln>
           </p:spPr>
+          <p:txBody>
+            <a:bodyPr/>
+            <a:lstStyle/>
+            <a:p>
+              <a:endParaRPr lang="it-IT"/>
+            </a:p>
+          </p:txBody>
         </p:sp>
         <p:sp>
           <p:nvSpPr>
@@ -5707,6 +11856,13 @@
               <a:noFill/>
             </a:ln>
           </p:spPr>
+          <p:txBody>
+            <a:bodyPr/>
+            <a:lstStyle/>
+            <a:p>
+              <a:endParaRPr lang="it-IT"/>
+            </a:p>
+          </p:txBody>
         </p:sp>
         <p:sp>
           <p:nvSpPr>
@@ -5788,6 +11944,13 @@
               <a:noFill/>
             </a:ln>
           </p:spPr>
+          <p:txBody>
+            <a:bodyPr/>
+            <a:lstStyle/>
+            <a:p>
+              <a:endParaRPr lang="it-IT"/>
+            </a:p>
+          </p:txBody>
         </p:sp>
         <p:sp>
           <p:nvSpPr>
@@ -5904,6 +12067,13 @@
               <a:noFill/>
             </a:ln>
           </p:spPr>
+          <p:txBody>
+            <a:bodyPr/>
+            <a:lstStyle/>
+            <a:p>
+              <a:endParaRPr lang="it-IT"/>
+            </a:p>
+          </p:txBody>
         </p:sp>
         <p:sp>
           <p:nvSpPr>
@@ -5955,6 +12125,13 @@
               <a:noFill/>
             </a:ln>
           </p:spPr>
+          <p:txBody>
+            <a:bodyPr/>
+            <a:lstStyle/>
+            <a:p>
+              <a:endParaRPr lang="it-IT"/>
+            </a:p>
+          </p:txBody>
         </p:sp>
         <p:sp>
           <p:nvSpPr>
@@ -6016,6 +12193,13 @@
               <a:noFill/>
             </a:ln>
           </p:spPr>
+          <p:txBody>
+            <a:bodyPr/>
+            <a:lstStyle/>
+            <a:p>
+              <a:endParaRPr lang="it-IT"/>
+            </a:p>
+          </p:txBody>
         </p:sp>
         <p:sp>
           <p:nvSpPr>
@@ -6087,6 +12271,13 @@
               <a:noFill/>
             </a:ln>
           </p:spPr>
+          <p:txBody>
+            <a:bodyPr/>
+            <a:lstStyle/>
+            <a:p>
+              <a:endParaRPr lang="it-IT"/>
+            </a:p>
+          </p:txBody>
         </p:sp>
       </p:grpSp>
       <p:grpSp>
@@ -6206,6 +12397,13 @@
               <a:noFill/>
             </a:ln>
           </p:spPr>
+          <p:txBody>
+            <a:bodyPr/>
+            <a:lstStyle/>
+            <a:p>
+              <a:endParaRPr lang="it-IT"/>
+            </a:p>
+          </p:txBody>
         </p:sp>
         <p:sp>
           <p:nvSpPr>
@@ -6275,6 +12473,13 @@
               <a:noFill/>
             </a:ln>
           </p:spPr>
+          <p:txBody>
+            <a:bodyPr/>
+            <a:lstStyle/>
+            <a:p>
+              <a:endParaRPr lang="it-IT"/>
+            </a:p>
+          </p:txBody>
         </p:sp>
         <p:sp>
           <p:nvSpPr>
@@ -6344,6 +12549,13 @@
               <a:noFill/>
             </a:ln>
           </p:spPr>
+          <p:txBody>
+            <a:bodyPr/>
+            <a:lstStyle/>
+            <a:p>
+              <a:endParaRPr lang="it-IT"/>
+            </a:p>
+          </p:txBody>
         </p:sp>
         <p:sp>
           <p:nvSpPr>
@@ -6428,6 +12640,13 @@
               <a:noFill/>
             </a:ln>
           </p:spPr>
+          <p:txBody>
+            <a:bodyPr/>
+            <a:lstStyle/>
+            <a:p>
+              <a:endParaRPr lang="it-IT"/>
+            </a:p>
+          </p:txBody>
         </p:sp>
         <p:sp>
           <p:nvSpPr>
@@ -6522,6 +12741,13 @@
               <a:noFill/>
             </a:ln>
           </p:spPr>
+          <p:txBody>
+            <a:bodyPr/>
+            <a:lstStyle/>
+            <a:p>
+              <a:endParaRPr lang="it-IT"/>
+            </a:p>
+          </p:txBody>
         </p:sp>
         <p:sp>
           <p:nvSpPr>
@@ -6571,6 +12797,13 @@
               <a:noFill/>
             </a:ln>
           </p:spPr>
+          <p:txBody>
+            <a:bodyPr/>
+            <a:lstStyle/>
+            <a:p>
+              <a:endParaRPr lang="it-IT"/>
+            </a:p>
+          </p:txBody>
         </p:sp>
         <p:sp>
           <p:nvSpPr>
@@ -6635,6 +12868,13 @@
               <a:noFill/>
             </a:ln>
           </p:spPr>
+          <p:txBody>
+            <a:bodyPr/>
+            <a:lstStyle/>
+            <a:p>
+              <a:endParaRPr lang="it-IT"/>
+            </a:p>
+          </p:txBody>
         </p:sp>
         <p:sp>
           <p:nvSpPr>
@@ -6744,6 +12984,13 @@
               <a:noFill/>
             </a:ln>
           </p:spPr>
+          <p:txBody>
+            <a:bodyPr/>
+            <a:lstStyle/>
+            <a:p>
+              <a:endParaRPr lang="it-IT"/>
+            </a:p>
+          </p:txBody>
         </p:sp>
         <p:sp>
           <p:nvSpPr>
@@ -6793,6 +13040,13 @@
               <a:noFill/>
             </a:ln>
           </p:spPr>
+          <p:txBody>
+            <a:bodyPr/>
+            <a:lstStyle/>
+            <a:p>
+              <a:endParaRPr lang="it-IT"/>
+            </a:p>
+          </p:txBody>
         </p:sp>
         <p:sp>
           <p:nvSpPr>
@@ -6862,6 +13116,13 @@
               <a:noFill/>
             </a:ln>
           </p:spPr>
+          <p:txBody>
+            <a:bodyPr/>
+            <a:lstStyle/>
+            <a:p>
+              <a:endParaRPr lang="it-IT"/>
+            </a:p>
+          </p:txBody>
         </p:sp>
         <p:sp>
           <p:nvSpPr>
@@ -6926,6 +13187,13 @@
               <a:noFill/>
             </a:ln>
           </p:spPr>
+          <p:txBody>
+            <a:bodyPr/>
+            <a:lstStyle/>
+            <a:p>
+              <a:endParaRPr lang="it-IT"/>
+            </a:p>
+          </p:txBody>
         </p:sp>
         <p:sp>
           <p:nvSpPr>
@@ -6995,6 +13263,13 @@
               <a:noFill/>
             </a:ln>
           </p:spPr>
+          <p:txBody>
+            <a:bodyPr/>
+            <a:lstStyle/>
+            <a:p>
+              <a:endParaRPr lang="it-IT"/>
+            </a:p>
+          </p:txBody>
         </p:sp>
       </p:grpSp>
       <p:sp>
@@ -7033,6 +13308,13 @@
             <a:schemeClr val="lt1"/>
           </a:fontRef>
         </p:style>
+        <p:txBody>
+          <a:bodyPr/>
+          <a:lstStyle/>
+          <a:p>
+            <a:endParaRPr lang="it-IT"/>
+          </a:p>
+        </p:txBody>
       </p:sp>
       <p:sp>
         <p:nvSpPr>
@@ -7060,7 +13342,7 @@
           <a:lstStyle/>
           <a:p>
             <a:r>
-              <a:rPr lang="it-IT" smtClean="0"/>
+              <a:rPr lang="it-IT"/>
               <a:t>Fare clic per modificare lo stile del titolo</a:t>
             </a:r>
             <a:endParaRPr lang="en-US" dirty="0"/>
@@ -7094,35 +13376,35 @@
           <a:p>
             <a:pPr lvl="0"/>
             <a:r>
-              <a:rPr lang="it-IT" smtClean="0"/>
+              <a:rPr lang="it-IT"/>
               <a:t>Fare clic per modificare stili del testo dello schema</a:t>
             </a:r>
           </a:p>
           <a:p>
             <a:pPr lvl="1"/>
             <a:r>
-              <a:rPr lang="it-IT" smtClean="0"/>
+              <a:rPr lang="it-IT"/>
               <a:t>Secondo livello</a:t>
             </a:r>
           </a:p>
           <a:p>
             <a:pPr lvl="2"/>
             <a:r>
-              <a:rPr lang="it-IT" smtClean="0"/>
+              <a:rPr lang="it-IT"/>
               <a:t>Terzo livello</a:t>
             </a:r>
           </a:p>
           <a:p>
             <a:pPr lvl="3"/>
             <a:r>
-              <a:rPr lang="it-IT" smtClean="0"/>
+              <a:rPr lang="it-IT"/>
               <a:t>Quarto livello</a:t>
             </a:r>
           </a:p>
           <a:p>
             <a:pPr lvl="4"/>
             <a:r>
-              <a:rPr lang="it-IT" smtClean="0"/>
+              <a:rPr lang="it-IT"/>
               <a:t>Quinto livello</a:t>
             </a:r>
             <a:endParaRPr lang="en-US" dirty="0"/>
@@ -7164,7 +13446,7 @@
           <a:p>
             <a:fld id="{9B8746E3-48A3-4D71-8E7E-F2042DC1B749}" type="datetimeFigureOut">
               <a:rPr lang="it-IT" smtClean="0"/>
-              <a:t>27/01/2026</a:t>
+              <a:t>28/01/2026</a:t>
             </a:fld>
             <a:endParaRPr lang="it-IT"/>
           </a:p>
@@ -7708,17 +13990,8 @@
               <a:rPr lang="it-IT" sz="6600" dirty="0">
                 <a:latin typeface="Arial Black" panose="020B0A04020102020204" pitchFamily="34" charset="0"/>
               </a:rPr>
-              <a:t>Smart </a:t>
+              <a:t>Smart Garden</a:t>
             </a:r>
-            <a:r>
-              <a:rPr lang="it-IT" sz="6600" dirty="0" smtClean="0">
-                <a:latin typeface="Arial Black" panose="020B0A04020102020204" pitchFamily="34" charset="0"/>
-              </a:rPr>
-              <a:t>Garden</a:t>
-            </a:r>
-            <a:endParaRPr lang="it-IT" sz="6600" dirty="0">
-              <a:latin typeface="Arial Black" panose="020B0A04020102020204" pitchFamily="34" charset="0"/>
-            </a:endParaRPr>
           </a:p>
         </p:txBody>
       </p:sp>
@@ -7740,14 +14013,11 @@
           <a:lstStyle/>
           <a:p>
             <a:r>
-              <a:rPr lang="it-IT" sz="2800" dirty="0" smtClean="0">
+              <a:rPr lang="it-IT" sz="2800" dirty="0">
                 <a:latin typeface="Arial Rounded MT Bold" panose="020F0704030504030204" pitchFamily="34" charset="0"/>
               </a:rPr>
               <a:t>Gruppo 12</a:t>
             </a:r>
-            <a:endParaRPr lang="it-IT" sz="2800" dirty="0">
-              <a:latin typeface="Arial Rounded MT Bold" panose="020F0704030504030204" pitchFamily="34" charset="0"/>
-            </a:endParaRPr>
           </a:p>
         </p:txBody>
       </p:sp>
@@ -7761,13 +14031,6 @@
   <p:clrMapOvr>
     <a:masterClrMapping/>
   </p:clrMapOvr>
-  <p:timing>
-    <p:tnLst>
-      <p:par>
-        <p:cTn id="1" dur="indefinite" restart="never" nodeType="tmRoot"/>
-      </p:par>
-    </p:tnLst>
-  </p:timing>
 </p:sld>
 </file>
 
@@ -7809,14 +14072,11 @@
           <a:lstStyle/>
           <a:p>
             <a:r>
-              <a:rPr lang="it-IT" dirty="0" smtClean="0">
+              <a:rPr lang="it-IT" dirty="0">
                 <a:latin typeface="Arial Black" panose="020B0A04020102020204" pitchFamily="34" charset="0"/>
               </a:rPr>
               <a:t>SENSORE UMIDITA’ DEL TERRENO </a:t>
             </a:r>
-            <a:endParaRPr lang="it-IT" dirty="0">
-              <a:latin typeface="Arial Black" panose="020B0A04020102020204" pitchFamily="34" charset="0"/>
-            </a:endParaRPr>
           </a:p>
         </p:txBody>
       </p:sp>
@@ -7879,13 +14139,7 @@
               <a:rPr lang="it-IT" sz="2000" dirty="0">
                 <a:latin typeface="Calibri" panose="020F0502020204030204" pitchFamily="34" charset="0"/>
               </a:rPr>
-              <a:t>Il sensore di umidità del terreno lavora insieme ad un Comparatore di tensione (quello blu</a:t>
-            </a:r>
-            <a:r>
-              <a:rPr lang="it-IT" sz="2000" dirty="0" smtClean="0">
-                <a:latin typeface="Calibri" panose="020F0502020204030204" pitchFamily="34" charset="0"/>
-              </a:rPr>
-              <a:t>).</a:t>
+              <a:t>Il sensore di umidità del terreno lavora insieme ad un Comparatore di tensione (quello blu).</a:t>
             </a:r>
           </a:p>
           <a:p>
@@ -7900,88 +14154,24 @@
                 <a:ea typeface="Calibri" panose="020F0502020204030204" pitchFamily="34" charset="0"/>
                 <a:cs typeface="Calibri" panose="020F0502020204030204" pitchFamily="34" charset="0"/>
               </a:rPr>
-              <a:t>La sonda a forma di forca, cioè il sensore, viene inserita nel </a:t>
+              <a:t>La sonda a forma di forca, cioè il sensore, viene inserita nel terreno e invia un segnale di resistenza variabile al Comparatore di Tensione il quale lo trasforma in una tensione compresa tra 0V e 3,3V.</a:t>
             </a:r>
-            <a:r>
-              <a:rPr lang="it-IT" sz="2000" dirty="0" smtClean="0">
-                <a:latin typeface="Calibri" panose="020F0502020204030204" pitchFamily="34" charset="0"/>
-                <a:ea typeface="Calibri" panose="020F0502020204030204" pitchFamily="34" charset="0"/>
-                <a:cs typeface="Calibri" panose="020F0502020204030204" pitchFamily="34" charset="0"/>
-              </a:rPr>
-              <a:t>terreno e </a:t>
-            </a:r>
+          </a:p>
+          <a:p>
+            <a:endParaRPr lang="it-IT" sz="2000" dirty="0">
+              <a:latin typeface="Calibri" panose="020F0502020204030204" pitchFamily="34" charset="0"/>
+              <a:ea typeface="Calibri" panose="020F0502020204030204" pitchFamily="34" charset="0"/>
+              <a:cs typeface="Calibri" panose="020F0502020204030204" pitchFamily="34" charset="0"/>
+            </a:endParaRPr>
+          </a:p>
+          <a:p>
             <a:r>
               <a:rPr lang="it-IT" sz="2000" dirty="0">
                 <a:latin typeface="Calibri" panose="020F0502020204030204" pitchFamily="34" charset="0"/>
                 <a:ea typeface="Calibri" panose="020F0502020204030204" pitchFamily="34" charset="0"/>
                 <a:cs typeface="Calibri" panose="020F0502020204030204" pitchFamily="34" charset="0"/>
               </a:rPr>
-              <a:t>invia </a:t>
-            </a:r>
-            <a:r>
-              <a:rPr lang="it-IT" sz="2000" dirty="0" smtClean="0">
-                <a:latin typeface="Calibri" panose="020F0502020204030204" pitchFamily="34" charset="0"/>
-                <a:ea typeface="Calibri" panose="020F0502020204030204" pitchFamily="34" charset="0"/>
-                <a:cs typeface="Calibri" panose="020F0502020204030204" pitchFamily="34" charset="0"/>
-              </a:rPr>
-              <a:t>un </a:t>
-            </a:r>
-            <a:r>
-              <a:rPr lang="it-IT" sz="2000" dirty="0">
-                <a:latin typeface="Calibri" panose="020F0502020204030204" pitchFamily="34" charset="0"/>
-                <a:ea typeface="Calibri" panose="020F0502020204030204" pitchFamily="34" charset="0"/>
-                <a:cs typeface="Calibri" panose="020F0502020204030204" pitchFamily="34" charset="0"/>
-              </a:rPr>
-              <a:t>segnale di resistenza variabile al Comparatore di </a:t>
-            </a:r>
-            <a:r>
-              <a:rPr lang="it-IT" sz="2000" dirty="0" smtClean="0">
-                <a:latin typeface="Calibri" panose="020F0502020204030204" pitchFamily="34" charset="0"/>
-                <a:ea typeface="Calibri" panose="020F0502020204030204" pitchFamily="34" charset="0"/>
-                <a:cs typeface="Calibri" panose="020F0502020204030204" pitchFamily="34" charset="0"/>
-              </a:rPr>
-              <a:t>Tensione</a:t>
-            </a:r>
-            <a:r>
-              <a:rPr lang="it-IT" sz="2000" dirty="0">
-                <a:latin typeface="Calibri" panose="020F0502020204030204" pitchFamily="34" charset="0"/>
-                <a:ea typeface="Calibri" panose="020F0502020204030204" pitchFamily="34" charset="0"/>
-                <a:cs typeface="Calibri" panose="020F0502020204030204" pitchFamily="34" charset="0"/>
-              </a:rPr>
-              <a:t> </a:t>
-            </a:r>
-            <a:r>
-              <a:rPr lang="it-IT" sz="2000" dirty="0" smtClean="0">
-                <a:latin typeface="Calibri" panose="020F0502020204030204" pitchFamily="34" charset="0"/>
-                <a:ea typeface="Calibri" panose="020F0502020204030204" pitchFamily="34" charset="0"/>
-                <a:cs typeface="Calibri" panose="020F0502020204030204" pitchFamily="34" charset="0"/>
-              </a:rPr>
-              <a:t>il quale lo trasforma in una tensione compresa tra 0V e 3,3V.</a:t>
-            </a:r>
-          </a:p>
-          <a:p>
-            <a:endParaRPr lang="it-IT" sz="2000" dirty="0">
-              <a:latin typeface="Calibri" panose="020F0502020204030204" pitchFamily="34" charset="0"/>
-              <a:ea typeface="Calibri" panose="020F0502020204030204" pitchFamily="34" charset="0"/>
-              <a:cs typeface="Calibri" panose="020F0502020204030204" pitchFamily="34" charset="0"/>
-            </a:endParaRPr>
-          </a:p>
-          <a:p>
-            <a:r>
-              <a:rPr lang="it-IT" sz="2000" dirty="0" smtClean="0">
-                <a:latin typeface="Calibri" panose="020F0502020204030204" pitchFamily="34" charset="0"/>
-                <a:ea typeface="Calibri" panose="020F0502020204030204" pitchFamily="34" charset="0"/>
-                <a:cs typeface="Calibri" panose="020F0502020204030204" pitchFamily="34" charset="0"/>
-              </a:rPr>
-              <a:t>Quindi all'ESP32 </a:t>
-            </a:r>
-            <a:r>
-              <a:rPr lang="it-IT" sz="2000" dirty="0">
-                <a:latin typeface="Calibri" panose="020F0502020204030204" pitchFamily="34" charset="0"/>
-                <a:ea typeface="Calibri" panose="020F0502020204030204" pitchFamily="34" charset="0"/>
-                <a:cs typeface="Calibri" panose="020F0502020204030204" pitchFamily="34" charset="0"/>
-              </a:rPr>
-              <a:t>arriva un </a:t>
+              <a:t>Quindi all'ESP32 arriva un </a:t>
             </a:r>
             <a:r>
               <a:rPr lang="it-IT" sz="2000" b="1" dirty="0">
@@ -8015,60 +14205,23 @@
           </a:p>
           <a:p>
             <a:r>
-              <a:rPr lang="it-IT" sz="2000" dirty="0" smtClean="0">
+              <a:rPr lang="it-IT" sz="2000" dirty="0">
                 <a:latin typeface="Calibri" panose="020F0502020204030204" pitchFamily="34" charset="0"/>
                 <a:ea typeface="Calibri" panose="020F0502020204030204" pitchFamily="34" charset="0"/>
                 <a:cs typeface="Calibri" panose="020F0502020204030204" pitchFamily="34" charset="0"/>
               </a:rPr>
-              <a:t>Dato che l’SP32 usa solo </a:t>
+              <a:t>Dato che l’SP32 usa solo il linguaggio digitale, colleghiamo il pin A0 del Comparatore ad un pin ADC dell‘Espe32.</a:t>
             </a:r>
+          </a:p>
+          <a:p>
             <a:r>
               <a:rPr lang="it-IT" sz="2000" dirty="0">
                 <a:latin typeface="Calibri" panose="020F0502020204030204" pitchFamily="34" charset="0"/>
                 <a:ea typeface="Calibri" panose="020F0502020204030204" pitchFamily="34" charset="0"/>
                 <a:cs typeface="Calibri" panose="020F0502020204030204" pitchFamily="34" charset="0"/>
               </a:rPr>
-              <a:t>il </a:t>
-            </a:r>
-            <a:r>
-              <a:rPr lang="it-IT" sz="2000" dirty="0" smtClean="0">
-                <a:latin typeface="Calibri" panose="020F0502020204030204" pitchFamily="34" charset="0"/>
-                <a:ea typeface="Calibri" panose="020F0502020204030204" pitchFamily="34" charset="0"/>
-                <a:cs typeface="Calibri" panose="020F0502020204030204" pitchFamily="34" charset="0"/>
-              </a:rPr>
-              <a:t>linguaggio digitale, colleghiamo il pin A0 del Comparatore </a:t>
-            </a:r>
-            <a:r>
-              <a:rPr lang="it-IT" sz="2000" dirty="0">
-                <a:latin typeface="Calibri" panose="020F0502020204030204" pitchFamily="34" charset="0"/>
-                <a:ea typeface="Calibri" panose="020F0502020204030204" pitchFamily="34" charset="0"/>
-                <a:cs typeface="Calibri" panose="020F0502020204030204" pitchFamily="34" charset="0"/>
-              </a:rPr>
-              <a:t>ad un pin ADC </a:t>
-            </a:r>
-            <a:r>
-              <a:rPr lang="it-IT" sz="2000" dirty="0" smtClean="0">
-                <a:latin typeface="Calibri" panose="020F0502020204030204" pitchFamily="34" charset="0"/>
-                <a:ea typeface="Calibri" panose="020F0502020204030204" pitchFamily="34" charset="0"/>
-                <a:cs typeface="Calibri" panose="020F0502020204030204" pitchFamily="34" charset="0"/>
-              </a:rPr>
-              <a:t>dell‘Espe32.</a:t>
-            </a:r>
-          </a:p>
-          <a:p>
-            <a:r>
-              <a:rPr lang="it-IT" sz="2000" dirty="0" smtClean="0">
-                <a:latin typeface="Calibri" panose="020F0502020204030204" pitchFamily="34" charset="0"/>
-                <a:ea typeface="Calibri" panose="020F0502020204030204" pitchFamily="34" charset="0"/>
-                <a:cs typeface="Calibri" panose="020F0502020204030204" pitchFamily="34" charset="0"/>
-              </a:rPr>
               <a:t>L’esp32 leggerà la tensione è la tradurrà in valori compresi tra 0 (massima umidità) e 4095(terreno secco)</a:t>
             </a:r>
-            <a:endParaRPr lang="it-IT" sz="2000" dirty="0">
-              <a:latin typeface="Calibri" panose="020F0502020204030204" pitchFamily="34" charset="0"/>
-              <a:ea typeface="Calibri" panose="020F0502020204030204" pitchFamily="34" charset="0"/>
-              <a:cs typeface="Calibri" panose="020F0502020204030204" pitchFamily="34" charset="0"/>
-            </a:endParaRPr>
           </a:p>
           <a:p>
             <a:endParaRPr lang="it-IT" sz="1400" dirty="0">
@@ -8087,13 +14240,6 @@
   <p:clrMapOvr>
     <a:masterClrMapping/>
   </p:clrMapOvr>
-  <p:timing>
-    <p:tnLst>
-      <p:par>
-        <p:cTn id="1" dur="indefinite" restart="never" nodeType="tmRoot"/>
-      </p:par>
-    </p:tnLst>
-  </p:timing>
 </p:sld>
 </file>
 
@@ -8137,25 +14283,22 @@
           <a:lstStyle/>
           <a:p>
             <a:r>
-              <a:rPr lang="it-IT" dirty="0" smtClean="0">
+              <a:rPr lang="it-IT" dirty="0">
                 <a:latin typeface="Arial Black" panose="020B0A04020102020204" pitchFamily="34" charset="0"/>
               </a:rPr>
               <a:t>SENSORE DELLA LUMINOSITA’</a:t>
             </a:r>
             <a:br>
-              <a:rPr lang="it-IT" dirty="0" smtClean="0">
+              <a:rPr lang="it-IT" dirty="0">
                 <a:latin typeface="Arial Black" panose="020B0A04020102020204" pitchFamily="34" charset="0"/>
               </a:rPr>
             </a:br>
             <a:r>
-              <a:rPr lang="it-IT" dirty="0" smtClean="0">
+              <a:rPr lang="it-IT" dirty="0">
                 <a:latin typeface="Arial Black" panose="020B0A04020102020204" pitchFamily="34" charset="0"/>
               </a:rPr>
               <a:t> </a:t>
             </a:r>
-            <a:endParaRPr lang="it-IT" dirty="0">
-              <a:latin typeface="Arial Black" panose="020B0A04020102020204" pitchFamily="34" charset="0"/>
-            </a:endParaRPr>
           </a:p>
         </p:txBody>
       </p:sp>
@@ -8205,7 +14348,7 @@
           <a:lstStyle/>
           <a:p>
             <a:r>
-              <a:rPr lang="it-IT" sz="2400" dirty="0" smtClean="0">
+              <a:rPr lang="it-IT" sz="2400" dirty="0">
                 <a:latin typeface="Calibri" panose="020F0502020204030204" pitchFamily="34" charset="0"/>
                 <a:ea typeface="Calibri" panose="020F0502020204030204" pitchFamily="34" charset="0"/>
                 <a:cs typeface="Calibri" panose="020F0502020204030204" pitchFamily="34" charset="0"/>
@@ -8213,7 +14356,7 @@
               <a:t>Il </a:t>
             </a:r>
             <a:r>
-              <a:rPr lang="it-IT" sz="2400" b="1" dirty="0" smtClean="0">
+              <a:rPr lang="it-IT" sz="2400" b="1" dirty="0">
                 <a:latin typeface="Calibri" panose="020F0502020204030204" pitchFamily="34" charset="0"/>
                 <a:ea typeface="Calibri" panose="020F0502020204030204" pitchFamily="34" charset="0"/>
                 <a:cs typeface="Calibri" panose="020F0502020204030204" pitchFamily="34" charset="0"/>
@@ -8221,7 +14364,7 @@
               <a:t>TSL2561</a:t>
             </a:r>
             <a:r>
-              <a:rPr lang="it-IT" sz="2400" dirty="0" smtClean="0">
+              <a:rPr lang="it-IT" sz="2400" dirty="0">
                 <a:latin typeface="Calibri" panose="020F0502020204030204" pitchFamily="34" charset="0"/>
                 <a:ea typeface="Calibri" panose="020F0502020204030204" pitchFamily="34" charset="0"/>
                 <a:cs typeface="Calibri" panose="020F0502020204030204" pitchFamily="34" charset="0"/>
@@ -8231,7 +14374,7 @@
           </a:p>
           <a:p>
             <a:r>
-              <a:rPr lang="it-IT" sz="2400" dirty="0" smtClean="0">
+              <a:rPr lang="it-IT" sz="2400" dirty="0">
                 <a:latin typeface="Calibri" panose="020F0502020204030204" pitchFamily="34" charset="0"/>
                 <a:ea typeface="Calibri" panose="020F0502020204030204" pitchFamily="34" charset="0"/>
                 <a:cs typeface="Calibri" panose="020F0502020204030204" pitchFamily="34" charset="0"/>
@@ -8239,7 +14382,7 @@
               <a:t>Ha 4  pin: </a:t>
             </a:r>
             <a:r>
-              <a:rPr lang="it-IT" sz="2400" b="1" dirty="0" smtClean="0">
+              <a:rPr lang="it-IT" sz="2400" b="1" dirty="0">
                 <a:latin typeface="Calibri" panose="020F0502020204030204" pitchFamily="34" charset="0"/>
                 <a:ea typeface="Calibri" panose="020F0502020204030204" pitchFamily="34" charset="0"/>
                 <a:cs typeface="Calibri" panose="020F0502020204030204" pitchFamily="34" charset="0"/>
@@ -8247,7 +14390,7 @@
               <a:t>VCC (3.3V</a:t>
             </a:r>
             <a:r>
-              <a:rPr lang="it-IT" sz="2400" dirty="0" smtClean="0">
+              <a:rPr lang="it-IT" sz="2400" dirty="0">
                 <a:latin typeface="Calibri" panose="020F0502020204030204" pitchFamily="34" charset="0"/>
                 <a:ea typeface="Calibri" panose="020F0502020204030204" pitchFamily="34" charset="0"/>
                 <a:cs typeface="Calibri" panose="020F0502020204030204" pitchFamily="34" charset="0"/>
@@ -8255,30 +14398,14 @@
               <a:t>), </a:t>
             </a:r>
             <a:r>
-              <a:rPr lang="it-IT" sz="2400" b="1" dirty="0" smtClean="0">
+              <a:rPr lang="it-IT" sz="2400" b="1" dirty="0">
                 <a:latin typeface="Calibri" panose="020F0502020204030204" pitchFamily="34" charset="0"/>
                 <a:ea typeface="Calibri" panose="020F0502020204030204" pitchFamily="34" charset="0"/>
                 <a:cs typeface="Calibri" panose="020F0502020204030204" pitchFamily="34" charset="0"/>
               </a:rPr>
-              <a:t>GND, SCL</a:t>
+              <a:t>GND, SCL, SDA.</a:t>
             </a:r>
-            <a:r>
-              <a:rPr lang="it-IT" sz="2400" b="1" dirty="0" smtClean="0">
-                <a:latin typeface="Calibri" panose="020F0502020204030204" pitchFamily="34" charset="0"/>
-                <a:ea typeface="Calibri" panose="020F0502020204030204" pitchFamily="34" charset="0"/>
-                <a:cs typeface="Calibri" panose="020F0502020204030204" pitchFamily="34" charset="0"/>
-              </a:rPr>
-              <a:t>, SDA</a:t>
-            </a:r>
-            <a:r>
-              <a:rPr lang="it-IT" sz="2400" b="1" dirty="0" smtClean="0">
-                <a:latin typeface="Calibri" panose="020F0502020204030204" pitchFamily="34" charset="0"/>
-                <a:ea typeface="Calibri" panose="020F0502020204030204" pitchFamily="34" charset="0"/>
-                <a:cs typeface="Calibri" panose="020F0502020204030204" pitchFamily="34" charset="0"/>
-              </a:rPr>
-              <a:t>.</a:t>
-            </a:r>
-            <a:endParaRPr lang="it-IT" sz="2400" dirty="0" smtClean="0">
+            <a:endParaRPr lang="it-IT" sz="2400" dirty="0">
               <a:latin typeface="Calibri" panose="020F0502020204030204" pitchFamily="34" charset="0"/>
               <a:ea typeface="Calibri" panose="020F0502020204030204" pitchFamily="34" charset="0"/>
               <a:cs typeface="Calibri" panose="020F0502020204030204" pitchFamily="34" charset="0"/>
@@ -8286,7 +14413,7 @@
           </a:p>
           <a:p>
             <a:r>
-              <a:rPr lang="it-IT" sz="2400" dirty="0" smtClean="0">
+              <a:rPr lang="it-IT" sz="2400" dirty="0">
                 <a:latin typeface="Calibri" panose="020F0502020204030204" pitchFamily="34" charset="0"/>
                 <a:ea typeface="Calibri" panose="020F0502020204030204" pitchFamily="34" charset="0"/>
                 <a:cs typeface="Calibri" panose="020F0502020204030204" pitchFamily="34" charset="0"/>
@@ -8296,7 +14423,7 @@
           </a:p>
           <a:p>
             <a:r>
-              <a:rPr lang="it-IT" sz="2400" dirty="0" smtClean="0">
+              <a:rPr lang="it-IT" sz="2400" dirty="0">
                 <a:latin typeface="Calibri" panose="020F0502020204030204" pitchFamily="34" charset="0"/>
                 <a:ea typeface="Calibri" panose="020F0502020204030204" pitchFamily="34" charset="0"/>
                 <a:cs typeface="Calibri" panose="020F0502020204030204" pitchFamily="34" charset="0"/>
@@ -8304,7 +14431,7 @@
               <a:t>Il TSL2561 comunica tramite il protocollo </a:t>
             </a:r>
             <a:r>
-              <a:rPr lang="it-IT" sz="2400" b="1" dirty="0" smtClean="0">
+              <a:rPr lang="it-IT" sz="2400" b="1" dirty="0">
                 <a:latin typeface="Calibri" panose="020F0502020204030204" pitchFamily="34" charset="0"/>
                 <a:ea typeface="Calibri" panose="020F0502020204030204" pitchFamily="34" charset="0"/>
                 <a:cs typeface="Calibri" panose="020F0502020204030204" pitchFamily="34" charset="0"/>
@@ -8312,7 +14439,7 @@
               <a:t>I2C</a:t>
             </a:r>
             <a:r>
-              <a:rPr lang="it-IT" sz="2400" dirty="0" smtClean="0">
+              <a:rPr lang="it-IT" sz="2400" dirty="0">
                 <a:latin typeface="Calibri" panose="020F0502020204030204" pitchFamily="34" charset="0"/>
                 <a:ea typeface="Calibri" panose="020F0502020204030204" pitchFamily="34" charset="0"/>
                 <a:cs typeface="Calibri" panose="020F0502020204030204" pitchFamily="34" charset="0"/>
@@ -8323,7 +14450,7 @@
           <a:p>
             <a:pPr fontAlgn="ctr"/>
             <a:r>
-              <a:rPr lang="it-IT" sz="2400" b="1" dirty="0" smtClean="0">
+              <a:rPr lang="it-IT" sz="2400" b="1" dirty="0">
                 <a:latin typeface="Calibri" panose="020F0502020204030204" pitchFamily="34" charset="0"/>
                 <a:ea typeface="Calibri" panose="020F0502020204030204" pitchFamily="34" charset="0"/>
                 <a:cs typeface="Calibri" panose="020F0502020204030204" pitchFamily="34" charset="0"/>
@@ -8331,7 +14458,7 @@
               <a:t>SCL (Serial Clock):</a:t>
             </a:r>
             <a:r>
-              <a:rPr lang="it-IT" sz="2400" dirty="0" smtClean="0">
+              <a:rPr lang="it-IT" sz="2400" dirty="0">
                 <a:latin typeface="Calibri" panose="020F0502020204030204" pitchFamily="34" charset="0"/>
                 <a:ea typeface="Calibri" panose="020F0502020204030204" pitchFamily="34" charset="0"/>
                 <a:cs typeface="Calibri" panose="020F0502020204030204" pitchFamily="34" charset="0"/>
@@ -8342,7 +14469,7 @@
           <a:p>
             <a:pPr fontAlgn="ctr"/>
             <a:r>
-              <a:rPr lang="it-IT" sz="2400" b="1" dirty="0" smtClean="0">
+              <a:rPr lang="it-IT" sz="2400" b="1" dirty="0">
                 <a:latin typeface="Calibri" panose="020F0502020204030204" pitchFamily="34" charset="0"/>
                 <a:ea typeface="Calibri" panose="020F0502020204030204" pitchFamily="34" charset="0"/>
                 <a:cs typeface="Calibri" panose="020F0502020204030204" pitchFamily="34" charset="0"/>
@@ -8350,7 +14477,7 @@
               <a:t>SDA (Serial Data):</a:t>
             </a:r>
             <a:r>
-              <a:rPr lang="it-IT" sz="2400" dirty="0" smtClean="0">
+              <a:rPr lang="it-IT" sz="2400" dirty="0">
                 <a:latin typeface="Calibri" panose="020F0502020204030204" pitchFamily="34" charset="0"/>
                 <a:ea typeface="Calibri" panose="020F0502020204030204" pitchFamily="34" charset="0"/>
                 <a:cs typeface="Calibri" panose="020F0502020204030204" pitchFamily="34" charset="0"/>
@@ -8358,7 +14485,7 @@
               <a:t> È il pin su cui viaggiano fisicamente i dati digitali della luminosità</a:t>
             </a:r>
             <a:r>
-              <a:rPr lang="it-IT" sz="2400" dirty="0" smtClean="0"/>
+              <a:rPr lang="it-IT" sz="2400" dirty="0"/>
               <a:t>.</a:t>
             </a:r>
           </a:p>
@@ -8377,13 +14504,6 @@
   <p:clrMapOvr>
     <a:masterClrMapping/>
   </p:clrMapOvr>
-  <p:timing>
-    <p:tnLst>
-      <p:par>
-        <p:cTn id="1" dur="indefinite" restart="never" nodeType="tmRoot"/>
-      </p:par>
-    </p:tnLst>
-  </p:timing>
 </p:sld>
 </file>
 
@@ -8426,14 +14546,11 @@
           <a:p>
             <a:pPr algn="ctr"/>
             <a:r>
-              <a:rPr lang="it-IT" dirty="0" smtClean="0">
+              <a:rPr lang="it-IT" dirty="0">
                 <a:latin typeface="Arial Black" panose="020B0A04020102020204" pitchFamily="34" charset="0"/>
               </a:rPr>
               <a:t>SENSORE AD ULTRASUONI</a:t>
             </a:r>
-            <a:endParaRPr lang="it-IT" dirty="0">
-              <a:latin typeface="Arial Black" panose="020B0A04020102020204" pitchFamily="34" charset="0"/>
-            </a:endParaRPr>
           </a:p>
         </p:txBody>
       </p:sp>
@@ -8493,31 +14610,13 @@
           <a:lstStyle/>
           <a:p>
             <a:r>
-              <a:rPr lang="it-IT" b="1" dirty="0" smtClean="0">
-                <a:solidFill>
-                  <a:srgbClr val="373737"/>
-                </a:solidFill>
-                <a:latin typeface="Helvetica Neue"/>
-              </a:rPr>
-              <a:t>Il Sensore </a:t>
-            </a:r>
-            <a:r>
               <a:rPr lang="it-IT" b="1" dirty="0">
                 <a:solidFill>
                   <a:srgbClr val="373737"/>
                 </a:solidFill>
                 <a:latin typeface="Helvetica Neue"/>
               </a:rPr>
-              <a:t>di distanza ad ultrasuoni HC </a:t>
-            </a:r>
-            <a:r>
-              <a:rPr lang="it-IT" b="1" dirty="0" smtClean="0">
-                <a:solidFill>
-                  <a:srgbClr val="373737"/>
-                </a:solidFill>
-                <a:latin typeface="Helvetica Neue"/>
-              </a:rPr>
-              <a:t>SR04</a:t>
+              <a:t>Il Sensore di distanza ad ultrasuoni HC SR04</a:t>
             </a:r>
           </a:p>
           <a:p>
@@ -8529,10 +14628,6 @@
                 <a:latin typeface="Helvetica Neue"/>
               </a:rPr>
               <a:t>Ha 4 pin:</a:t>
-            </a:r>
-            <a:r>
-              <a:rPr lang="it-IT" dirty="0"/>
-              <a:t/>
             </a:r>
             <a:br>
               <a:rPr lang="it-IT" dirty="0"/>
@@ -8551,13 +14646,6 @@
   <p:clrMapOvr>
     <a:masterClrMapping/>
   </p:clrMapOvr>
-  <p:timing>
-    <p:tnLst>
-      <p:par>
-        <p:cTn id="1" dur="indefinite" restart="never" nodeType="tmRoot"/>
-      </p:par>
-    </p:tnLst>
-  </p:timing>
 </p:sld>
 </file>
 
@@ -8600,16 +14688,15 @@
           <a:p>
             <a:pPr algn="ctr"/>
             <a:r>
-              <a:rPr lang="it-IT" dirty="0" smtClean="0">
+              <a:rPr lang="it-IT" dirty="0">
                 <a:latin typeface="Arial Black" panose="020B0A04020102020204" pitchFamily="34" charset="0"/>
               </a:rPr>
               <a:t>POMPA</a:t>
             </a:r>
             <a:r>
-              <a:rPr lang="it-IT" dirty="0" smtClean="0"/>
+              <a:rPr lang="it-IT" dirty="0"/>
               <a:t> </a:t>
             </a:r>
-            <a:endParaRPr lang="it-IT" dirty="0"/>
           </a:p>
         </p:txBody>
       </p:sp>
@@ -8623,13 +14710,6 @@
   <p:clrMapOvr>
     <a:masterClrMapping/>
   </p:clrMapOvr>
-  <p:timing>
-    <p:tnLst>
-      <p:par>
-        <p:cTn id="1" dur="indefinite" restart="never" nodeType="tmRoot"/>
-      </p:par>
-    </p:tnLst>
-  </p:timing>
 </p:sld>
 </file>
 
@@ -8652,7 +14732,7 @@
       </p:grpSpPr>
       <p:pic>
         <p:nvPicPr>
-          <p:cNvPr id="2" name="Immagine 1"/>
+          <p:cNvPr id="2" name="Immagine 1" descr="Immagine che contiene testo, schermata, Carattere, software&#10;&#10;Il contenuto generato dall'IA potrebbe non essere corretto."/>
           <p:cNvPicPr>
             <a:picLocks noChangeAspect="1"/>
           </p:cNvPicPr>
@@ -8666,8 +14746,8 @@
         </p:blipFill>
         <p:spPr>
           <a:xfrm>
-            <a:off x="1663303" y="1726966"/>
-            <a:ext cx="9719757" cy="3667069"/>
+            <a:off x="5272928" y="2857477"/>
+            <a:ext cx="6785145" cy="2559899"/>
           </a:xfrm>
           <a:prstGeom prst="rect">
             <a:avLst/>
@@ -8698,23 +14778,87 @@
           <a:p>
             <a:pPr algn="ctr"/>
             <a:r>
-              <a:rPr lang="it-IT" sz="3600" dirty="0" smtClean="0">
+              <a:rPr lang="it-IT" sz="3600" dirty="0">
                 <a:latin typeface="Arial Black" panose="020B0A04020102020204" pitchFamily="34" charset="0"/>
               </a:rPr>
-              <a:t>DASHBOARD</a:t>
+              <a:t>DASHBOARD NODERED</a:t>
             </a:r>
             <a:r>
-              <a:rPr lang="it-IT" dirty="0" smtClean="0">
+              <a:rPr lang="it-IT" dirty="0">
                 <a:latin typeface="Arial Rounded MT Bold" panose="020F0704030504030204" pitchFamily="34" charset="0"/>
               </a:rPr>
               <a:t> </a:t>
             </a:r>
-            <a:endParaRPr lang="it-IT" dirty="0">
-              <a:latin typeface="Arial Rounded MT Bold" panose="020F0704030504030204" pitchFamily="34" charset="0"/>
-            </a:endParaRPr>
           </a:p>
         </p:txBody>
       </p:sp>
+      <p:sp>
+        <p:nvSpPr>
+          <p:cNvPr id="5" name="CasellaDiTesto 4">
+            <a:extLst>
+              <a:ext uri="{FF2B5EF4-FFF2-40B4-BE49-F238E27FC236}">
+                <a16:creationId xmlns:a16="http://schemas.microsoft.com/office/drawing/2014/main" id="{47946589-557B-E82A-87DE-7D948966BE45}"/>
+              </a:ext>
+            </a:extLst>
+          </p:cNvPr>
+          <p:cNvSpPr txBox="1"/>
+          <p:nvPr/>
+        </p:nvSpPr>
+        <p:spPr>
+          <a:xfrm>
+            <a:off x="8080480" y="2444220"/>
+            <a:ext cx="1170039" cy="338554"/>
+          </a:xfrm>
+          <a:prstGeom prst="rect">
+            <a:avLst/>
+          </a:prstGeom>
+          <a:noFill/>
+        </p:spPr>
+        <p:txBody>
+          <a:bodyPr wrap="square" rtlCol="0">
+            <a:spAutoFit/>
+          </a:bodyPr>
+          <a:lstStyle/>
+          <a:p>
+            <a:r>
+              <a:rPr lang="it-IT" sz="1600" b="1" dirty="0">
+                <a:latin typeface="Calibri" panose="020F0502020204030204" pitchFamily="34" charset="0"/>
+                <a:ea typeface="Calibri" panose="020F0502020204030204" pitchFamily="34" charset="0"/>
+                <a:cs typeface="Calibri" panose="020F0502020204030204" pitchFamily="34" charset="0"/>
+              </a:rPr>
+              <a:t>Homepage</a:t>
+            </a:r>
+          </a:p>
+        </p:txBody>
+      </p:sp>
+      <p:graphicFrame>
+        <p:nvGraphicFramePr>
+          <p:cNvPr id="19" name="CasellaDiTesto 2">
+            <a:extLst>
+              <a:ext uri="{FF2B5EF4-FFF2-40B4-BE49-F238E27FC236}">
+                <a16:creationId xmlns:a16="http://schemas.microsoft.com/office/drawing/2014/main" id="{8545CBAD-9CAE-E4F0-3B49-F0580CEE8F4C}"/>
+              </a:ext>
+            </a:extLst>
+          </p:cNvPr>
+          <p:cNvGraphicFramePr/>
+          <p:nvPr>
+            <p:extLst>
+              <p:ext uri="{D42A27DB-BD31-4B8C-83A1-F6EECF244321}">
+                <p14:modId xmlns:p14="http://schemas.microsoft.com/office/powerpoint/2010/main" val="560932576"/>
+              </p:ext>
+            </p:extLst>
+          </p:nvPr>
+        </p:nvGraphicFramePr>
+        <p:xfrm>
+          <a:off x="599336" y="1704446"/>
+          <a:ext cx="4423629" cy="4524315"/>
+        </p:xfrm>
+        <a:graphic>
+          <a:graphicData uri="http://schemas.openxmlformats.org/drawingml/2006/diagram">
+            <dgm:relIds xmlns:dgm="http://schemas.openxmlformats.org/drawingml/2006/diagram" xmlns:r="http://schemas.openxmlformats.org/officeDocument/2006/relationships" r:dm="rId3" r:lo="rId4" r:qs="rId5" r:cs="rId6"/>
+          </a:graphicData>
+        </a:graphic>
+      </p:graphicFrame>
     </p:spTree>
     <p:extLst>
       <p:ext uri="{BB962C8B-B14F-4D97-AF65-F5344CB8AC3E}">
@@ -8729,6 +14873,282 @@
 </file>
 
 <file path=ppt/slides/slide7.xml><?xml version="1.0" encoding="utf-8"?>
+<p:sld xmlns:a="http://schemas.openxmlformats.org/drawingml/2006/main" xmlns:r="http://schemas.openxmlformats.org/officeDocument/2006/relationships" xmlns:p="http://schemas.openxmlformats.org/presentationml/2006/main">
+  <p:cSld>
+    <p:spTree>
+      <p:nvGrpSpPr>
+        <p:cNvPr id="1" name=""/>
+        <p:cNvGrpSpPr/>
+        <p:nvPr/>
+      </p:nvGrpSpPr>
+      <p:grpSpPr>
+        <a:xfrm>
+          <a:off x="0" y="0"/>
+          <a:ext cx="0" cy="0"/>
+          <a:chOff x="0" y="0"/>
+          <a:chExt cx="0" cy="0"/>
+        </a:xfrm>
+      </p:grpSpPr>
+      <p:sp>
+        <p:nvSpPr>
+          <p:cNvPr id="2" name="Titolo 1">
+            <a:extLst>
+              <a:ext uri="{FF2B5EF4-FFF2-40B4-BE49-F238E27FC236}">
+                <a16:creationId xmlns:a16="http://schemas.microsoft.com/office/drawing/2014/main" id="{D698D47D-F96A-6A1F-9DE3-CDA0EC782727}"/>
+              </a:ext>
+            </a:extLst>
+          </p:cNvPr>
+          <p:cNvSpPr>
+            <a:spLocks noGrp="1"/>
+          </p:cNvSpPr>
+          <p:nvPr>
+            <p:ph type="title"/>
+          </p:nvPr>
+        </p:nvSpPr>
+        <p:spPr/>
+        <p:txBody>
+          <a:bodyPr/>
+          <a:lstStyle/>
+          <a:p>
+            <a:pPr algn="ctr"/>
+            <a:r>
+              <a:rPr lang="it-IT" dirty="0">
+                <a:latin typeface="Arial Black" panose="020B0A04020102020204" pitchFamily="34" charset="0"/>
+              </a:rPr>
+              <a:t>DASHBOARD NODERED</a:t>
+            </a:r>
+            <a:r>
+              <a:rPr lang="it-IT" dirty="0">
+                <a:latin typeface="Arial Rounded MT Bold" panose="020F0704030504030204" pitchFamily="34" charset="0"/>
+              </a:rPr>
+              <a:t> </a:t>
+            </a:r>
+          </a:p>
+        </p:txBody>
+      </p:sp>
+      <p:graphicFrame>
+        <p:nvGraphicFramePr>
+          <p:cNvPr id="17" name="Segnaposto contenuto 2">
+            <a:extLst>
+              <a:ext uri="{FF2B5EF4-FFF2-40B4-BE49-F238E27FC236}">
+                <a16:creationId xmlns:a16="http://schemas.microsoft.com/office/drawing/2014/main" id="{9CD4AF44-FAAD-C5BC-DC3E-89F737A44F02}"/>
+              </a:ext>
+            </a:extLst>
+          </p:cNvPr>
+          <p:cNvGraphicFramePr>
+            <a:graphicFrameLocks noGrp="1"/>
+          </p:cNvGraphicFramePr>
+          <p:nvPr>
+            <p:ph idx="1"/>
+            <p:extLst>
+              <p:ext uri="{D42A27DB-BD31-4B8C-83A1-F6EECF244321}">
+                <p14:modId xmlns:p14="http://schemas.microsoft.com/office/powerpoint/2010/main" val="2575539721"/>
+              </p:ext>
+            </p:extLst>
+          </p:nvPr>
+        </p:nvGraphicFramePr>
+        <p:xfrm>
+          <a:off x="346833" y="1905000"/>
+          <a:ext cx="5178272" cy="4271017"/>
+        </p:xfrm>
+        <a:graphic>
+          <a:graphicData uri="http://schemas.openxmlformats.org/drawingml/2006/diagram">
+            <dgm:relIds xmlns:dgm="http://schemas.openxmlformats.org/drawingml/2006/diagram" xmlns:r="http://schemas.openxmlformats.org/officeDocument/2006/relationships" r:dm="rId2" r:lo="rId3" r:qs="rId4" r:cs="rId5"/>
+          </a:graphicData>
+        </a:graphic>
+      </p:graphicFrame>
+      <p:pic>
+        <p:nvPicPr>
+          <p:cNvPr id="5" name="Immagine 4" descr="Immagine che contiene testo, schermata, linea, Diagramma&#10;&#10;Il contenuto generato dall'IA potrebbe non essere corretto.">
+            <a:extLst>
+              <a:ext uri="{FF2B5EF4-FFF2-40B4-BE49-F238E27FC236}">
+                <a16:creationId xmlns:a16="http://schemas.microsoft.com/office/drawing/2014/main" id="{5CFE1567-211B-869E-3B24-6F06782C7CB9}"/>
+              </a:ext>
+            </a:extLst>
+          </p:cNvPr>
+          <p:cNvPicPr>
+            <a:picLocks noChangeAspect="1"/>
+          </p:cNvPicPr>
+          <p:nvPr/>
+        </p:nvPicPr>
+        <p:blipFill>
+          <a:blip r:embed="rId7"/>
+          <a:srcRect b="28129"/>
+          <a:stretch>
+            <a:fillRect/>
+          </a:stretch>
+        </p:blipFill>
+        <p:spPr>
+          <a:xfrm>
+            <a:off x="5614219" y="1702449"/>
+            <a:ext cx="6357408" cy="2067232"/>
+          </a:xfrm>
+          <a:prstGeom prst="rect">
+            <a:avLst/>
+          </a:prstGeom>
+        </p:spPr>
+      </p:pic>
+      <p:sp>
+        <p:nvSpPr>
+          <p:cNvPr id="6" name="CasellaDiTesto 5">
+            <a:extLst>
+              <a:ext uri="{FF2B5EF4-FFF2-40B4-BE49-F238E27FC236}">
+                <a16:creationId xmlns:a16="http://schemas.microsoft.com/office/drawing/2014/main" id="{2DE6080A-C80B-048D-6A4C-EEF45D72EB88}"/>
+              </a:ext>
+            </a:extLst>
+          </p:cNvPr>
+          <p:cNvSpPr txBox="1"/>
+          <p:nvPr/>
+        </p:nvSpPr>
+        <p:spPr>
+          <a:xfrm>
+            <a:off x="7761551" y="1363895"/>
+            <a:ext cx="2062743" cy="338554"/>
+          </a:xfrm>
+          <a:prstGeom prst="rect">
+            <a:avLst/>
+          </a:prstGeom>
+          <a:noFill/>
+        </p:spPr>
+        <p:txBody>
+          <a:bodyPr wrap="square" rtlCol="0">
+            <a:spAutoFit/>
+          </a:bodyPr>
+          <a:lstStyle/>
+          <a:p>
+            <a:r>
+              <a:rPr lang="it-IT" sz="1600" b="1" dirty="0">
+                <a:latin typeface="Calibri" panose="020F0502020204030204" pitchFamily="34" charset="0"/>
+                <a:ea typeface="Calibri" panose="020F0502020204030204" pitchFamily="34" charset="0"/>
+                <a:cs typeface="Calibri" panose="020F0502020204030204" pitchFamily="34" charset="0"/>
+              </a:rPr>
+              <a:t>Grafici in tempo reale</a:t>
+            </a:r>
+          </a:p>
+        </p:txBody>
+      </p:sp>
+      <p:pic>
+        <p:nvPicPr>
+          <p:cNvPr id="8" name="Immagine 7" descr="Immagine che contiene testo, diagramma, schermata, Carattere&#10;&#10;Il contenuto generato dall'IA potrebbe non essere corretto.">
+            <a:extLst>
+              <a:ext uri="{FF2B5EF4-FFF2-40B4-BE49-F238E27FC236}">
+                <a16:creationId xmlns:a16="http://schemas.microsoft.com/office/drawing/2014/main" id="{769B4775-9D0F-F198-FD16-28A74D26275B}"/>
+              </a:ext>
+            </a:extLst>
+          </p:cNvPr>
+          <p:cNvPicPr>
+            <a:picLocks noChangeAspect="1"/>
+          </p:cNvPicPr>
+          <p:nvPr/>
+        </p:nvPicPr>
+        <p:blipFill>
+          <a:blip r:embed="rId8"/>
+          <a:stretch>
+            <a:fillRect/>
+          </a:stretch>
+        </p:blipFill>
+        <p:spPr>
+          <a:xfrm>
+            <a:off x="5614219" y="4353710"/>
+            <a:ext cx="6446519" cy="1951300"/>
+          </a:xfrm>
+          <a:prstGeom prst="rect">
+            <a:avLst/>
+          </a:prstGeom>
+        </p:spPr>
+      </p:pic>
+      <p:sp>
+        <p:nvSpPr>
+          <p:cNvPr id="9" name="CasellaDiTesto 8">
+            <a:extLst>
+              <a:ext uri="{FF2B5EF4-FFF2-40B4-BE49-F238E27FC236}">
+                <a16:creationId xmlns:a16="http://schemas.microsoft.com/office/drawing/2014/main" id="{7B719936-DBD7-DCDE-5B56-CCDAF0F38294}"/>
+              </a:ext>
+            </a:extLst>
+          </p:cNvPr>
+          <p:cNvSpPr txBox="1"/>
+          <p:nvPr/>
+        </p:nvSpPr>
+        <p:spPr>
+          <a:xfrm>
+            <a:off x="7888354" y="4015156"/>
+            <a:ext cx="1809135" cy="338554"/>
+          </a:xfrm>
+          <a:prstGeom prst="rect">
+            <a:avLst/>
+          </a:prstGeom>
+          <a:noFill/>
+        </p:spPr>
+        <p:txBody>
+          <a:bodyPr wrap="square" rtlCol="0">
+            <a:spAutoFit/>
+          </a:bodyPr>
+          <a:lstStyle/>
+          <a:p>
+            <a:r>
+              <a:rPr lang="it-IT" sz="1600" b="1" dirty="0">
+                <a:latin typeface="Calibri" panose="020F0502020204030204" pitchFamily="34" charset="0"/>
+                <a:ea typeface="Calibri" panose="020F0502020204030204" pitchFamily="34" charset="0"/>
+                <a:cs typeface="Calibri" panose="020F0502020204030204" pitchFamily="34" charset="0"/>
+              </a:rPr>
+              <a:t>Gestione serbatoio</a:t>
+            </a:r>
+          </a:p>
+        </p:txBody>
+      </p:sp>
+      <p:sp>
+        <p:nvSpPr>
+          <p:cNvPr id="4" name="CasellaDiTesto 3">
+            <a:extLst>
+              <a:ext uri="{FF2B5EF4-FFF2-40B4-BE49-F238E27FC236}">
+                <a16:creationId xmlns:a16="http://schemas.microsoft.com/office/drawing/2014/main" id="{AD567897-D20E-CB8E-CE22-22110C3467BE}"/>
+              </a:ext>
+            </a:extLst>
+          </p:cNvPr>
+          <p:cNvSpPr txBox="1"/>
+          <p:nvPr/>
+        </p:nvSpPr>
+        <p:spPr>
+          <a:xfrm>
+            <a:off x="1209368" y="1504335"/>
+            <a:ext cx="2930013" cy="338554"/>
+          </a:xfrm>
+          <a:prstGeom prst="rect">
+            <a:avLst/>
+          </a:prstGeom>
+          <a:noFill/>
+        </p:spPr>
+        <p:txBody>
+          <a:bodyPr wrap="square" rtlCol="0">
+            <a:spAutoFit/>
+          </a:bodyPr>
+          <a:lstStyle/>
+          <a:p>
+            <a:r>
+              <a:rPr lang="it-IT" sz="1600" b="1" dirty="0">
+                <a:latin typeface="Calibri" panose="020F0502020204030204" pitchFamily="34" charset="0"/>
+                <a:ea typeface="Calibri" panose="020F0502020204030204" pitchFamily="34" charset="0"/>
+                <a:cs typeface="Calibri" panose="020F0502020204030204" pitchFamily="34" charset="0"/>
+              </a:rPr>
+              <a:t>Tramite la dashboard è possibile</a:t>
+            </a:r>
+          </a:p>
+        </p:txBody>
+      </p:sp>
+    </p:spTree>
+    <p:extLst>
+      <p:ext uri="{BB962C8B-B14F-4D97-AF65-F5344CB8AC3E}">
+        <p14:creationId xmlns:p14="http://schemas.microsoft.com/office/powerpoint/2010/main" val="4144213770"/>
+      </p:ext>
+    </p:extLst>
+  </p:cSld>
+  <p:clrMapOvr>
+    <a:masterClrMapping/>
+  </p:clrMapOvr>
+</p:sld>
+</file>
+
+<file path=ppt/slides/slide8.xml><?xml version="1.0" encoding="utf-8"?>
 <p:sld xmlns:a="http://schemas.openxmlformats.org/drawingml/2006/main" xmlns:r="http://schemas.openxmlformats.org/officeDocument/2006/relationships" xmlns:p="http://schemas.openxmlformats.org/presentationml/2006/main">
   <p:cSld>
     <p:spTree>
@@ -8768,7 +15188,7 @@
           <a:lstStyle/>
           <a:p>
             <a:r>
-              <a:rPr lang="it-IT" sz="2000" dirty="0" smtClean="0">
+              <a:rPr lang="it-IT" sz="2000" dirty="0">
                 <a:latin typeface="Arial Rounded MT Bold" panose="020F0704030504030204" pitchFamily="34" charset="0"/>
               </a:rPr>
               <a:t>Lisena Nicolò Massimo</a:t>
@@ -8776,7 +15196,7 @@
           </a:p>
           <a:p>
             <a:r>
-              <a:rPr lang="it-IT" sz="2000" dirty="0" smtClean="0">
+              <a:rPr lang="it-IT" sz="2000" dirty="0">
                 <a:latin typeface="Arial Rounded MT Bold" panose="020F0704030504030204" pitchFamily="34" charset="0"/>
               </a:rPr>
               <a:t>Mancini Sofia </a:t>
@@ -8784,29 +15204,51 @@
           </a:p>
           <a:p>
             <a:r>
-              <a:rPr lang="it-IT" sz="2000" dirty="0" smtClean="0">
+              <a:rPr lang="it-IT" sz="2000" dirty="0">
                 <a:latin typeface="Arial Rounded MT Bold" panose="020F0704030504030204" pitchFamily="34" charset="0"/>
               </a:rPr>
-              <a:t>Nicola </a:t>
+              <a:t>Picarella Nicola</a:t>
             </a:r>
-            <a:r>
-              <a:rPr lang="it-IT" sz="2000" dirty="0" err="1" smtClean="0">
-                <a:latin typeface="Arial Rounded MT Bold" panose="020F0704030504030204" pitchFamily="34" charset="0"/>
-              </a:rPr>
-              <a:t>Picarella</a:t>
-            </a:r>
-            <a:r>
-              <a:rPr lang="it-IT" sz="2000" dirty="0" smtClean="0">
-                <a:latin typeface="Arial Rounded MT Bold" panose="020F0704030504030204" pitchFamily="34" charset="0"/>
-              </a:rPr>
-              <a:t> </a:t>
-            </a:r>
-            <a:endParaRPr lang="it-IT" sz="2000" dirty="0">
-              <a:latin typeface="Arial Rounded MT Bold" panose="020F0704030504030204" pitchFamily="34" charset="0"/>
-            </a:endParaRPr>
           </a:p>
         </p:txBody>
       </p:sp>
+      <p:pic>
+        <p:nvPicPr>
+          <p:cNvPr id="3" name="Immagine 2" descr="Immagine che contiene testo, Carattere, logo, simbolo&#10;&#10;Il contenuto generato dall'IA potrebbe non essere corretto.">
+            <a:extLst>
+              <a:ext uri="{FF2B5EF4-FFF2-40B4-BE49-F238E27FC236}">
+                <a16:creationId xmlns:a16="http://schemas.microsoft.com/office/drawing/2014/main" id="{921A01DB-A3BC-3CD1-4DA3-A77BBF19909B}"/>
+              </a:ext>
+            </a:extLst>
+          </p:cNvPr>
+          <p:cNvPicPr>
+            <a:picLocks noChangeAspect="1"/>
+          </p:cNvPicPr>
+          <p:nvPr/>
+        </p:nvPicPr>
+        <p:blipFill>
+          <a:blip r:embed="rId2">
+            <a:extLst>
+              <a:ext uri="{28A0092B-C50C-407E-A947-70E740481C1C}">
+                <a14:useLocalDpi xmlns:a14="http://schemas.microsoft.com/office/drawing/2010/main" val="0"/>
+              </a:ext>
+            </a:extLst>
+          </a:blip>
+          <a:srcRect l="4981" t="6828" r="5038" b="9317"/>
+          <a:stretch>
+            <a:fillRect/>
+          </a:stretch>
+        </p:blipFill>
+        <p:spPr>
+          <a:xfrm>
+            <a:off x="1922206" y="1526458"/>
+            <a:ext cx="8347587" cy="3805084"/>
+          </a:xfrm>
+          <a:prstGeom prst="rect">
+            <a:avLst/>
+          </a:prstGeom>
+        </p:spPr>
+      </p:pic>
     </p:spTree>
     <p:extLst>
       <p:ext uri="{BB962C8B-B14F-4D97-AF65-F5344CB8AC3E}">

--- a/docs/Smart Garden.pptx
+++ b/docs/Smart Garden.pptx
@@ -9,7 +9,7 @@
     <p:sldId id="257" r:id="rId3"/>
     <p:sldId id="261" r:id="rId4"/>
     <p:sldId id="260" r:id="rId5"/>
-    <p:sldId id="258" r:id="rId6"/>
+    <p:sldId id="265" r:id="rId6"/>
     <p:sldId id="263" r:id="rId7"/>
     <p:sldId id="264" r:id="rId8"/>
     <p:sldId id="259" r:id="rId9"/>
@@ -122,236 +122,10 @@
 <file path=ppt/revisionInfo.xml><?xml version="1.0" encoding="utf-8"?>
 <p1510:revInfo xmlns:a="http://schemas.openxmlformats.org/drawingml/2006/main" xmlns:r="http://schemas.openxmlformats.org/officeDocument/2006/relationships" xmlns:p1510="http://schemas.microsoft.com/office/powerpoint/2015/10/main">
   <p1510:revLst>
+    <p1510:client id="{57C32130-FE90-4796-A918-C20BD1736453}" v="8" dt="2026-01-28T11:25:10.516"/>
     <p1510:client id="{FA22C7F2-C4DB-476C-A55E-363AA47E3EDA}" v="111" dt="2026-01-28T10:46:35.945"/>
   </p1510:revLst>
 </p1510:revInfo>
-</file>
-
-<file path=ppt/changesInfos/changesInfo1.xml><?xml version="1.0" encoding="utf-8"?>
-<pc:chgInfo xmlns:a="http://schemas.openxmlformats.org/drawingml/2006/main" xmlns:r="http://schemas.openxmlformats.org/officeDocument/2006/relationships" xmlns:ac="http://schemas.microsoft.com/office/drawing/2013/main/command" xmlns:pc="http://schemas.microsoft.com/office/powerpoint/2013/main/command">
-  <pc:docChgLst>
-    <pc:chgData name="NICOLO'MASSIMO LISENA" userId="f3d6d6cc-e1af-4921-83db-785f07c959d4" providerId="ADAL" clId="{52300CBB-EB40-437D-AC13-5F91FFBE4C5E}"/>
-    <pc:docChg chg="undo custSel addSld modSld">
-      <pc:chgData name="NICOLO'MASSIMO LISENA" userId="f3d6d6cc-e1af-4921-83db-785f07c959d4" providerId="ADAL" clId="{52300CBB-EB40-437D-AC13-5F91FFBE4C5E}" dt="2026-01-28T10:46:35.945" v="1383" actId="208"/>
-      <pc:docMkLst>
-        <pc:docMk/>
-      </pc:docMkLst>
-      <pc:sldChg chg="addSp modSp mod">
-        <pc:chgData name="NICOLO'MASSIMO LISENA" userId="f3d6d6cc-e1af-4921-83db-785f07c959d4" providerId="ADAL" clId="{52300CBB-EB40-437D-AC13-5F91FFBE4C5E}" dt="2026-01-28T10:15:40.046" v="1115" actId="1076"/>
-        <pc:sldMkLst>
-          <pc:docMk/>
-          <pc:sldMk cId="3738208350" sldId="259"/>
-        </pc:sldMkLst>
-        <pc:spChg chg="mod">
-          <ac:chgData name="NICOLO'MASSIMO LISENA" userId="f3d6d6cc-e1af-4921-83db-785f07c959d4" providerId="ADAL" clId="{52300CBB-EB40-437D-AC13-5F91FFBE4C5E}" dt="2026-01-28T10:15:25.577" v="1114" actId="20577"/>
-          <ac:spMkLst>
-            <pc:docMk/>
-            <pc:sldMk cId="3738208350" sldId="259"/>
-            <ac:spMk id="5" creationId="{00000000-0000-0000-0000-000000000000}"/>
-          </ac:spMkLst>
-        </pc:spChg>
-        <pc:picChg chg="add mod modCrop">
-          <ac:chgData name="NICOLO'MASSIMO LISENA" userId="f3d6d6cc-e1af-4921-83db-785f07c959d4" providerId="ADAL" clId="{52300CBB-EB40-437D-AC13-5F91FFBE4C5E}" dt="2026-01-28T10:15:40.046" v="1115" actId="1076"/>
-          <ac:picMkLst>
-            <pc:docMk/>
-            <pc:sldMk cId="3738208350" sldId="259"/>
-            <ac:picMk id="3" creationId="{921A01DB-A3BC-3CD1-4DA3-A77BBF19909B}"/>
-          </ac:picMkLst>
-        </pc:picChg>
-      </pc:sldChg>
-      <pc:sldChg chg="addSp delSp modSp mod">
-        <pc:chgData name="NICOLO'MASSIMO LISENA" userId="f3d6d6cc-e1af-4921-83db-785f07c959d4" providerId="ADAL" clId="{52300CBB-EB40-437D-AC13-5F91FFBE4C5E}" dt="2026-01-28T10:42:09.973" v="1378" actId="207"/>
-        <pc:sldMkLst>
-          <pc:docMk/>
-          <pc:sldMk cId="1946764872" sldId="263"/>
-        </pc:sldMkLst>
-        <pc:spChg chg="add del mod">
-          <ac:chgData name="NICOLO'MASSIMO LISENA" userId="f3d6d6cc-e1af-4921-83db-785f07c959d4" providerId="ADAL" clId="{52300CBB-EB40-437D-AC13-5F91FFBE4C5E}" dt="2026-01-28T10:17:14.888" v="1128" actId="26606"/>
-          <ac:spMkLst>
-            <pc:docMk/>
-            <pc:sldMk cId="1946764872" sldId="263"/>
-            <ac:spMk id="3" creationId="{6EA2B06F-6D9D-1792-D68B-A6FACC8B98FA}"/>
-          </ac:spMkLst>
-        </pc:spChg>
-        <pc:spChg chg="mod">
-          <ac:chgData name="NICOLO'MASSIMO LISENA" userId="f3d6d6cc-e1af-4921-83db-785f07c959d4" providerId="ADAL" clId="{52300CBB-EB40-437D-AC13-5F91FFBE4C5E}" dt="2026-01-28T09:36:00.394" v="12" actId="20577"/>
-          <ac:spMkLst>
-            <pc:docMk/>
-            <pc:sldMk cId="1946764872" sldId="263"/>
-            <ac:spMk id="4" creationId="{00000000-0000-0000-0000-000000000000}"/>
-          </ac:spMkLst>
-        </pc:spChg>
-        <pc:spChg chg="add mod">
-          <ac:chgData name="NICOLO'MASSIMO LISENA" userId="f3d6d6cc-e1af-4921-83db-785f07c959d4" providerId="ADAL" clId="{52300CBB-EB40-437D-AC13-5F91FFBE4C5E}" dt="2026-01-28T10:19:43.820" v="1138" actId="1076"/>
-          <ac:spMkLst>
-            <pc:docMk/>
-            <pc:sldMk cId="1946764872" sldId="263"/>
-            <ac:spMk id="5" creationId="{47946589-557B-E82A-87DE-7D948966BE45}"/>
-          </ac:spMkLst>
-        </pc:spChg>
-        <pc:graphicFrameChg chg="add del">
-          <ac:chgData name="NICOLO'MASSIMO LISENA" userId="f3d6d6cc-e1af-4921-83db-785f07c959d4" providerId="ADAL" clId="{52300CBB-EB40-437D-AC13-5F91FFBE4C5E}" dt="2026-01-28T10:16:50.116" v="1117" actId="26606"/>
-          <ac:graphicFrameMkLst>
-            <pc:docMk/>
-            <pc:sldMk cId="1946764872" sldId="263"/>
-            <ac:graphicFrameMk id="7" creationId="{F54D3D2E-43D5-C2CC-1E20-67427B24CF3B}"/>
-          </ac:graphicFrameMkLst>
-        </pc:graphicFrameChg>
-        <pc:graphicFrameChg chg="add del">
-          <ac:chgData name="NICOLO'MASSIMO LISENA" userId="f3d6d6cc-e1af-4921-83db-785f07c959d4" providerId="ADAL" clId="{52300CBB-EB40-437D-AC13-5F91FFBE4C5E}" dt="2026-01-28T10:16:57.187" v="1119" actId="26606"/>
-          <ac:graphicFrameMkLst>
-            <pc:docMk/>
-            <pc:sldMk cId="1946764872" sldId="263"/>
-            <ac:graphicFrameMk id="9" creationId="{66810FE2-464C-6718-7487-35B6BDABA90E}"/>
-          </ac:graphicFrameMkLst>
-        </pc:graphicFrameChg>
-        <pc:graphicFrameChg chg="add del">
-          <ac:chgData name="NICOLO'MASSIMO LISENA" userId="f3d6d6cc-e1af-4921-83db-785f07c959d4" providerId="ADAL" clId="{52300CBB-EB40-437D-AC13-5F91FFBE4C5E}" dt="2026-01-28T10:17:06.681" v="1121" actId="26606"/>
-          <ac:graphicFrameMkLst>
-            <pc:docMk/>
-            <pc:sldMk cId="1946764872" sldId="263"/>
-            <ac:graphicFrameMk id="11" creationId="{0DC1C469-0441-8052-4E31-65F97A28C696}"/>
-          </ac:graphicFrameMkLst>
-        </pc:graphicFrameChg>
-        <pc:graphicFrameChg chg="add del">
-          <ac:chgData name="NICOLO'MASSIMO LISENA" userId="f3d6d6cc-e1af-4921-83db-785f07c959d4" providerId="ADAL" clId="{52300CBB-EB40-437D-AC13-5F91FFBE4C5E}" dt="2026-01-28T10:17:09.967" v="1123" actId="26606"/>
-          <ac:graphicFrameMkLst>
-            <pc:docMk/>
-            <pc:sldMk cId="1946764872" sldId="263"/>
-            <ac:graphicFrameMk id="13" creationId="{8545CBAD-9CAE-E4F0-3B49-F0580CEE8F4C}"/>
-          </ac:graphicFrameMkLst>
-        </pc:graphicFrameChg>
-        <pc:graphicFrameChg chg="add del">
-          <ac:chgData name="NICOLO'MASSIMO LISENA" userId="f3d6d6cc-e1af-4921-83db-785f07c959d4" providerId="ADAL" clId="{52300CBB-EB40-437D-AC13-5F91FFBE4C5E}" dt="2026-01-28T10:17:12.222" v="1125" actId="26606"/>
-          <ac:graphicFrameMkLst>
-            <pc:docMk/>
-            <pc:sldMk cId="1946764872" sldId="263"/>
-            <ac:graphicFrameMk id="15" creationId="{66810FE2-464C-6718-7487-35B6BDABA90E}"/>
-          </ac:graphicFrameMkLst>
-        </pc:graphicFrameChg>
-        <pc:graphicFrameChg chg="add del">
-          <ac:chgData name="NICOLO'MASSIMO LISENA" userId="f3d6d6cc-e1af-4921-83db-785f07c959d4" providerId="ADAL" clId="{52300CBB-EB40-437D-AC13-5F91FFBE4C5E}" dt="2026-01-28T10:17:14.851" v="1127" actId="26606"/>
-          <ac:graphicFrameMkLst>
-            <pc:docMk/>
-            <pc:sldMk cId="1946764872" sldId="263"/>
-            <ac:graphicFrameMk id="17" creationId="{F54D3D2E-43D5-C2CC-1E20-67427B24CF3B}"/>
-          </ac:graphicFrameMkLst>
-        </pc:graphicFrameChg>
-        <pc:graphicFrameChg chg="add mod modGraphic">
-          <ac:chgData name="NICOLO'MASSIMO LISENA" userId="f3d6d6cc-e1af-4921-83db-785f07c959d4" providerId="ADAL" clId="{52300CBB-EB40-437D-AC13-5F91FFBE4C5E}" dt="2026-01-28T10:42:09.973" v="1378" actId="207"/>
-          <ac:graphicFrameMkLst>
-            <pc:docMk/>
-            <pc:sldMk cId="1946764872" sldId="263"/>
-            <ac:graphicFrameMk id="19" creationId="{8545CBAD-9CAE-E4F0-3B49-F0580CEE8F4C}"/>
-          </ac:graphicFrameMkLst>
-        </pc:graphicFrameChg>
-        <pc:picChg chg="mod">
-          <ac:chgData name="NICOLO'MASSIMO LISENA" userId="f3d6d6cc-e1af-4921-83db-785f07c959d4" providerId="ADAL" clId="{52300CBB-EB40-437D-AC13-5F91FFBE4C5E}" dt="2026-01-28T10:19:43.820" v="1138" actId="1076"/>
-          <ac:picMkLst>
-            <pc:docMk/>
-            <pc:sldMk cId="1946764872" sldId="263"/>
-            <ac:picMk id="2" creationId="{00000000-0000-0000-0000-000000000000}"/>
-          </ac:picMkLst>
-        </pc:picChg>
-      </pc:sldChg>
-      <pc:sldChg chg="addSp delSp modSp new mod">
-        <pc:chgData name="NICOLO'MASSIMO LISENA" userId="f3d6d6cc-e1af-4921-83db-785f07c959d4" providerId="ADAL" clId="{52300CBB-EB40-437D-AC13-5F91FFBE4C5E}" dt="2026-01-28T10:46:35.945" v="1383" actId="208"/>
-        <pc:sldMkLst>
-          <pc:docMk/>
-          <pc:sldMk cId="4144213770" sldId="264"/>
-        </pc:sldMkLst>
-        <pc:spChg chg="mod">
-          <ac:chgData name="NICOLO'MASSIMO LISENA" userId="f3d6d6cc-e1af-4921-83db-785f07c959d4" providerId="ADAL" clId="{52300CBB-EB40-437D-AC13-5F91FFBE4C5E}" dt="2026-01-28T09:48:35.054" v="240"/>
-          <ac:spMkLst>
-            <pc:docMk/>
-            <pc:sldMk cId="4144213770" sldId="264"/>
-            <ac:spMk id="2" creationId="{D698D47D-F96A-6A1F-9DE3-CDA0EC782727}"/>
-          </ac:spMkLst>
-        </pc:spChg>
-        <pc:spChg chg="add del mod">
-          <ac:chgData name="NICOLO'MASSIMO LISENA" userId="f3d6d6cc-e1af-4921-83db-785f07c959d4" providerId="ADAL" clId="{52300CBB-EB40-437D-AC13-5F91FFBE4C5E}" dt="2026-01-28T10:20:39.344" v="1150" actId="26606"/>
-          <ac:spMkLst>
-            <pc:docMk/>
-            <pc:sldMk cId="4144213770" sldId="264"/>
-            <ac:spMk id="3" creationId="{AE665F70-8338-E59B-AC9C-3642E026BE8C}"/>
-          </ac:spMkLst>
-        </pc:spChg>
-        <pc:spChg chg="add mod">
-          <ac:chgData name="NICOLO'MASSIMO LISENA" userId="f3d6d6cc-e1af-4921-83db-785f07c959d4" providerId="ADAL" clId="{52300CBB-EB40-437D-AC13-5F91FFBE4C5E}" dt="2026-01-28T10:26:01.082" v="1235" actId="113"/>
-          <ac:spMkLst>
-            <pc:docMk/>
-            <pc:sldMk cId="4144213770" sldId="264"/>
-            <ac:spMk id="4" creationId="{AD567897-D20E-CB8E-CE22-22110C3467BE}"/>
-          </ac:spMkLst>
-        </pc:spChg>
-        <pc:spChg chg="add mod">
-          <ac:chgData name="NICOLO'MASSIMO LISENA" userId="f3d6d6cc-e1af-4921-83db-785f07c959d4" providerId="ADAL" clId="{52300CBB-EB40-437D-AC13-5F91FFBE4C5E}" dt="2026-01-28T10:12:23.311" v="1058" actId="1076"/>
-          <ac:spMkLst>
-            <pc:docMk/>
-            <pc:sldMk cId="4144213770" sldId="264"/>
-            <ac:spMk id="6" creationId="{2DE6080A-C80B-048D-6A4C-EEF45D72EB88}"/>
-          </ac:spMkLst>
-        </pc:spChg>
-        <pc:spChg chg="add mod">
-          <ac:chgData name="NICOLO'MASSIMO LISENA" userId="f3d6d6cc-e1af-4921-83db-785f07c959d4" providerId="ADAL" clId="{52300CBB-EB40-437D-AC13-5F91FFBE4C5E}" dt="2026-01-28T10:13:14.469" v="1087" actId="1076"/>
-          <ac:spMkLst>
-            <pc:docMk/>
-            <pc:sldMk cId="4144213770" sldId="264"/>
-            <ac:spMk id="9" creationId="{7B719936-DBD7-DCDE-5B56-CCDAF0F38294}"/>
-          </ac:spMkLst>
-        </pc:spChg>
-        <pc:graphicFrameChg chg="add del">
-          <ac:chgData name="NICOLO'MASSIMO LISENA" userId="f3d6d6cc-e1af-4921-83db-785f07c959d4" providerId="ADAL" clId="{52300CBB-EB40-437D-AC13-5F91FFBE4C5E}" dt="2026-01-28T10:20:28.491" v="1145" actId="26606"/>
-          <ac:graphicFrameMkLst>
-            <pc:docMk/>
-            <pc:sldMk cId="4144213770" sldId="264"/>
-            <ac:graphicFrameMk id="11" creationId="{9CD4AF44-FAAD-C5BC-DC3E-89F737A44F02}"/>
-          </ac:graphicFrameMkLst>
-        </pc:graphicFrameChg>
-        <pc:graphicFrameChg chg="add del">
-          <ac:chgData name="NICOLO'MASSIMO LISENA" userId="f3d6d6cc-e1af-4921-83db-785f07c959d4" providerId="ADAL" clId="{52300CBB-EB40-437D-AC13-5F91FFBE4C5E}" dt="2026-01-28T10:20:32.174" v="1147" actId="26606"/>
-          <ac:graphicFrameMkLst>
-            <pc:docMk/>
-            <pc:sldMk cId="4144213770" sldId="264"/>
-            <ac:graphicFrameMk id="13" creationId="{B17CEFA7-9C93-F744-A345-8E0588B00A30}"/>
-          </ac:graphicFrameMkLst>
-        </pc:graphicFrameChg>
-        <pc:graphicFrameChg chg="add del">
-          <ac:chgData name="NICOLO'MASSIMO LISENA" userId="f3d6d6cc-e1af-4921-83db-785f07c959d4" providerId="ADAL" clId="{52300CBB-EB40-437D-AC13-5F91FFBE4C5E}" dt="2026-01-28T10:20:39.311" v="1149" actId="26606"/>
-          <ac:graphicFrameMkLst>
-            <pc:docMk/>
-            <pc:sldMk cId="4144213770" sldId="264"/>
-            <ac:graphicFrameMk id="15" creationId="{99BF891B-9F5B-2BA5-92C4-83C25A80E42E}"/>
-          </ac:graphicFrameMkLst>
-        </pc:graphicFrameChg>
-        <pc:graphicFrameChg chg="add mod modGraphic">
-          <ac:chgData name="NICOLO'MASSIMO LISENA" userId="f3d6d6cc-e1af-4921-83db-785f07c959d4" providerId="ADAL" clId="{52300CBB-EB40-437D-AC13-5F91FFBE4C5E}" dt="2026-01-28T10:46:35.945" v="1383" actId="208"/>
-          <ac:graphicFrameMkLst>
-            <pc:docMk/>
-            <pc:sldMk cId="4144213770" sldId="264"/>
-            <ac:graphicFrameMk id="17" creationId="{9CD4AF44-FAAD-C5BC-DC3E-89F737A44F02}"/>
-          </ac:graphicFrameMkLst>
-        </pc:graphicFrameChg>
-        <pc:picChg chg="add mod modCrop">
-          <ac:chgData name="NICOLO'MASSIMO LISENA" userId="f3d6d6cc-e1af-4921-83db-785f07c959d4" providerId="ADAL" clId="{52300CBB-EB40-437D-AC13-5F91FFBE4C5E}" dt="2026-01-28T10:12:23.311" v="1058" actId="1076"/>
-          <ac:picMkLst>
-            <pc:docMk/>
-            <pc:sldMk cId="4144213770" sldId="264"/>
-            <ac:picMk id="5" creationId="{5CFE1567-211B-869E-3B24-6F06782C7CB9}"/>
-          </ac:picMkLst>
-        </pc:picChg>
-        <pc:picChg chg="add mod">
-          <ac:chgData name="NICOLO'MASSIMO LISENA" userId="f3d6d6cc-e1af-4921-83db-785f07c959d4" providerId="ADAL" clId="{52300CBB-EB40-437D-AC13-5F91FFBE4C5E}" dt="2026-01-28T10:12:06.631" v="1056" actId="1076"/>
-          <ac:picMkLst>
-            <pc:docMk/>
-            <pc:sldMk cId="4144213770" sldId="264"/>
-            <ac:picMk id="8" creationId="{769B4775-9D0F-F198-FD16-28A74D26275B}"/>
-          </ac:picMkLst>
-        </pc:picChg>
-      </pc:sldChg>
-    </pc:docChg>
-  </pc:docChgLst>
-</pc:chgInfo>
 </file>
 
 <file path=ppt/diagrams/colors1.xml><?xml version="1.0" encoding="utf-8"?>
@@ -14597,14 +14371,14 @@
         <p:spPr>
           <a:xfrm>
             <a:off x="5305346" y="2007094"/>
-            <a:ext cx="5815236" cy="923330"/>
+            <a:ext cx="5815236" cy="4247317"/>
           </a:xfrm>
           <a:prstGeom prst="rect">
             <a:avLst/>
           </a:prstGeom>
         </p:spPr>
         <p:txBody>
-          <a:bodyPr wrap="square">
+          <a:bodyPr wrap="square" lIns="91440" tIns="45720" rIns="91440" bIns="45720" anchor="t">
             <a:spAutoFit/>
           </a:bodyPr>
           <a:lstStyle/>
@@ -14614,10 +14388,15 @@
                 <a:solidFill>
                   <a:srgbClr val="373737"/>
                 </a:solidFill>
-                <a:latin typeface="Helvetica Neue"/>
+                <a:ea typeface="+mn-lt"/>
+                <a:cs typeface="+mn-lt"/>
               </a:rPr>
-              <a:t>Il Sensore di distanza ad ultrasuoni HC SR04</a:t>
+              <a:t>Il Sensore di distanza ad ultrasuoni HCSR04</a:t>
             </a:r>
+            <a:endParaRPr lang="en-US" dirty="0">
+              <a:ea typeface="+mn-lt"/>
+              <a:cs typeface="+mn-lt"/>
+            </a:endParaRPr>
           </a:p>
           <a:p>
             <a:r>
@@ -14625,14 +14404,133 @@
                 <a:solidFill>
                   <a:srgbClr val="373737"/>
                 </a:solidFill>
-                <a:latin typeface="Helvetica Neue"/>
+                <a:ea typeface="+mn-lt"/>
+                <a:cs typeface="+mn-lt"/>
               </a:rPr>
-              <a:t>Ha 4 pin:</a:t>
+              <a:t>Ha 4 pin: </a:t>
+            </a:r>
+            <a:r>
+              <a:rPr lang="it-IT" b="1" dirty="0">
+                <a:solidFill>
+                  <a:srgbClr val="373737"/>
+                </a:solidFill>
+                <a:ea typeface="+mn-lt"/>
+                <a:cs typeface="+mn-lt"/>
+              </a:rPr>
+              <a:t>VCC(3.3V), TRIG, ECHO, GND</a:t>
+            </a:r>
+            <a:endParaRPr lang="it-IT" dirty="0">
+              <a:ea typeface="+mn-lt"/>
+              <a:cs typeface="+mn-lt"/>
+            </a:endParaRPr>
+          </a:p>
+          <a:p>
+            <a:endParaRPr lang="it-IT" dirty="0">
+              <a:latin typeface="Century Gothic"/>
+            </a:endParaRPr>
+          </a:p>
+          <a:p>
+            <a:r>
+              <a:rPr lang="it-IT" dirty="0">
+                <a:solidFill>
+                  <a:srgbClr val="000000"/>
+                </a:solidFill>
+                <a:latin typeface="Century Gothic"/>
+              </a:rPr>
+              <a:t>La comunicazione con questo sensore avviene</a:t>
+            </a:r>
+            <a:endParaRPr lang="en-US" dirty="0">
+              <a:latin typeface="Century Gothic"/>
+            </a:endParaRPr>
+          </a:p>
+          <a:p>
+            <a:r>
+              <a:rPr lang="it-IT" dirty="0">
+                <a:solidFill>
+                  <a:srgbClr val="000000"/>
+                </a:solidFill>
+                <a:latin typeface="Century Gothic"/>
+              </a:rPr>
+              <a:t>attraverso un driver. Quando il pin TRIG </a:t>
+            </a:r>
+            <a:r>
+              <a:rPr lang="it-IT" dirty="0" err="1">
+                <a:solidFill>
+                  <a:srgbClr val="000000"/>
+                </a:solidFill>
+                <a:latin typeface="Century Gothic"/>
+              </a:rPr>
+              <a:t>e'</a:t>
+            </a:r>
+            <a:r>
+              <a:rPr lang="it-IT" dirty="0">
+                <a:solidFill>
+                  <a:srgbClr val="000000"/>
+                </a:solidFill>
+                <a:latin typeface="Century Gothic"/>
+              </a:rPr>
+              <a:t> alto, il sensore invia un segnale ad ultrasuoni a 40Hz; quando il segnale rimbalza su un oggetto e colpisce il sensore, il pin ECHO viene messo alto per il tempo di volo del segnale.</a:t>
+            </a:r>
+            <a:endParaRPr lang="en-US" dirty="0">
+              <a:latin typeface="Century Gothic"/>
+            </a:endParaRPr>
+          </a:p>
+          <a:p>
+            <a:endParaRPr lang="it-IT" dirty="0">
+              <a:latin typeface="Century Gothic"/>
+            </a:endParaRPr>
+          </a:p>
+          <a:p>
+            <a:r>
+              <a:rPr lang="it-IT" dirty="0">
+                <a:solidFill>
+                  <a:srgbClr val="000000"/>
+                </a:solidFill>
+                <a:latin typeface="Century Gothic"/>
+              </a:rPr>
+              <a:t>La formula per la conversione in distanza usa la </a:t>
+            </a:r>
+            <a:r>
+              <a:rPr lang="it-IT" dirty="0" err="1">
+                <a:solidFill>
+                  <a:srgbClr val="000000"/>
+                </a:solidFill>
+                <a:latin typeface="Century Gothic"/>
+              </a:rPr>
+              <a:t>velocita'</a:t>
+            </a:r>
+            <a:r>
+              <a:rPr lang="it-IT" dirty="0">
+                <a:solidFill>
+                  <a:srgbClr val="000000"/>
+                </a:solidFill>
+                <a:latin typeface="Century Gothic"/>
+              </a:rPr>
+              <a:t> del suono nell'aria (340 m/s):</a:t>
+            </a:r>
+            <a:endParaRPr lang="en-US" dirty="0">
+              <a:latin typeface="Century Gothic"/>
+            </a:endParaRPr>
+          </a:p>
+          <a:p>
+            <a:endParaRPr lang="it-IT" dirty="0">
+              <a:latin typeface="Century Gothic"/>
+            </a:endParaRPr>
+          </a:p>
+          <a:p>
+            <a:r>
+              <a:rPr lang="it-IT" dirty="0">
+                <a:solidFill>
+                  <a:srgbClr val="000000"/>
+                </a:solidFill>
+                <a:latin typeface="Century Gothic"/>
+              </a:rPr>
+              <a:t>distanza = tempo[s] * 340[m/s] / 2</a:t>
             </a:r>
             <a:br>
               <a:rPr lang="it-IT" dirty="0"/>
             </a:br>
-            <a:endParaRPr lang="it-IT" dirty="0"/>
+            <a:endParaRPr lang="it-IT"/>
           </a:p>
         </p:txBody>
       </p:sp>
@@ -14654,7 +14552,13 @@
   <p:cSld>
     <p:spTree>
       <p:nvGrpSpPr>
-        <p:cNvPr id="1" name=""/>
+        <p:cNvPr id="1" name="">
+          <a:extLst>
+            <a:ext uri="{FF2B5EF4-FFF2-40B4-BE49-F238E27FC236}">
+              <a16:creationId xmlns:a16="http://schemas.microsoft.com/office/drawing/2014/main" id="{7435E4FF-A62E-428B-94ED-A8E64DA2ABD8}"/>
+            </a:ext>
+          </a:extLst>
+        </p:cNvPr>
         <p:cNvGrpSpPr/>
         <p:nvPr/>
       </p:nvGrpSpPr>
@@ -14668,7 +14572,13 @@
       </p:grpSpPr>
       <p:sp>
         <p:nvSpPr>
-          <p:cNvPr id="2" name="Titolo 1"/>
+          <p:cNvPr id="2" name="Titolo 1">
+            <a:extLst>
+              <a:ext uri="{FF2B5EF4-FFF2-40B4-BE49-F238E27FC236}">
+                <a16:creationId xmlns:a16="http://schemas.microsoft.com/office/drawing/2014/main" id="{B9FDD072-933F-C8BC-883D-A207308ADF8D}"/>
+              </a:ext>
+            </a:extLst>
+          </p:cNvPr>
           <p:cNvSpPr>
             <a:spLocks noGrp="1"/>
           </p:cNvSpPr>
@@ -14678,8 +14588,8 @@
         </p:nvSpPr>
         <p:spPr>
           <a:xfrm>
-            <a:off x="1459345" y="624110"/>
-            <a:ext cx="10045267" cy="1280890"/>
+            <a:off x="1801092" y="550219"/>
+            <a:ext cx="9721994" cy="1280890"/>
           </a:xfrm>
         </p:spPr>
         <p:txBody>
@@ -14689,21 +14599,241 @@
             <a:pPr algn="ctr"/>
             <a:r>
               <a:rPr lang="it-IT" dirty="0">
-                <a:latin typeface="Arial Black" panose="020B0A04020102020204" pitchFamily="34" charset="0"/>
+                <a:latin typeface="Arial Black"/>
               </a:rPr>
               <a:t>POMPA</a:t>
             </a:r>
-            <a:r>
-              <a:rPr lang="it-IT" dirty="0"/>
-              <a:t> </a:t>
-            </a:r>
+            <a:endParaRPr lang="it-IT" dirty="0">
+              <a:latin typeface="Arial Black" panose="020B0A04020102020204" pitchFamily="34" charset="0"/>
+            </a:endParaRPr>
           </a:p>
         </p:txBody>
       </p:sp>
+      <p:sp>
+        <p:nvSpPr>
+          <p:cNvPr id="4" name="Rettangolo 3">
+            <a:extLst>
+              <a:ext uri="{FF2B5EF4-FFF2-40B4-BE49-F238E27FC236}">
+                <a16:creationId xmlns:a16="http://schemas.microsoft.com/office/drawing/2014/main" id="{CB94F5AB-4F05-2D61-E81F-32ABC577AF5D}"/>
+              </a:ext>
+            </a:extLst>
+          </p:cNvPr>
+          <p:cNvSpPr/>
+          <p:nvPr/>
+        </p:nvSpPr>
+        <p:spPr>
+          <a:xfrm>
+            <a:off x="5305346" y="2007094"/>
+            <a:ext cx="5815236" cy="3139321"/>
+          </a:xfrm>
+          <a:prstGeom prst="rect">
+            <a:avLst/>
+          </a:prstGeom>
+        </p:spPr>
+        <p:txBody>
+          <a:bodyPr wrap="square" lIns="91440" tIns="45720" rIns="91440" bIns="45720" anchor="t">
+            <a:spAutoFit/>
+          </a:bodyPr>
+          <a:lstStyle/>
+          <a:p>
+            <a:r>
+              <a:rPr lang="it-IT" b="1" dirty="0">
+                <a:solidFill>
+                  <a:srgbClr val="373737"/>
+                </a:solidFill>
+                <a:latin typeface="Helvetica Neue"/>
+              </a:rPr>
+              <a:t>La pompa ad immersione</a:t>
+            </a:r>
+            <a:endParaRPr lang="it-IT" dirty="0">
+              <a:solidFill>
+                <a:srgbClr val="000000"/>
+              </a:solidFill>
+              <a:latin typeface="Century Gothic" panose="020B0502020202020204"/>
+            </a:endParaRPr>
+          </a:p>
+          <a:p>
+            <a:r>
+              <a:rPr lang="it-IT" dirty="0">
+                <a:solidFill>
+                  <a:srgbClr val="373737"/>
+                </a:solidFill>
+                <a:latin typeface="Helvetica Neue"/>
+              </a:rPr>
+              <a:t>Viene utilizzata con una fonte di alimentazione esterna e con un </a:t>
+            </a:r>
+            <a:r>
+              <a:rPr lang="it-IT" dirty="0" err="1">
+                <a:solidFill>
+                  <a:srgbClr val="373737"/>
+                </a:solidFill>
+                <a:latin typeface="Helvetica Neue"/>
+              </a:rPr>
+              <a:t>rele'</a:t>
+            </a:r>
+            <a:endParaRPr lang="it-IT" dirty="0">
+              <a:solidFill>
+                <a:srgbClr val="373737"/>
+              </a:solidFill>
+              <a:latin typeface="Helvetica Neue"/>
+            </a:endParaRPr>
+          </a:p>
+          <a:p>
+            <a:endParaRPr lang="it-IT" dirty="0">
+              <a:solidFill>
+                <a:srgbClr val="373737"/>
+              </a:solidFill>
+              <a:latin typeface="Helvetica Neue"/>
+            </a:endParaRPr>
+          </a:p>
+          <a:p>
+            <a:r>
+              <a:rPr lang="it-IT" dirty="0">
+                <a:solidFill>
+                  <a:srgbClr val="373737"/>
+                </a:solidFill>
+                <a:latin typeface="Helvetica Neue"/>
+              </a:rPr>
+              <a:t>Il </a:t>
+            </a:r>
+            <a:r>
+              <a:rPr lang="it-IT" dirty="0" err="1">
+                <a:solidFill>
+                  <a:srgbClr val="373737"/>
+                </a:solidFill>
+                <a:latin typeface="Helvetica Neue"/>
+              </a:rPr>
+              <a:t>rele'</a:t>
+            </a:r>
+            <a:r>
+              <a:rPr lang="it-IT" dirty="0">
+                <a:solidFill>
+                  <a:srgbClr val="373737"/>
+                </a:solidFill>
+                <a:latin typeface="Helvetica Neue"/>
+              </a:rPr>
+              <a:t> fornisce tre pin da collegare: VCC, GND e IN.</a:t>
+            </a:r>
+          </a:p>
+          <a:p>
+            <a:r>
+              <a:rPr lang="it-IT" dirty="0">
+                <a:solidFill>
+                  <a:srgbClr val="373737"/>
+                </a:solidFill>
+                <a:latin typeface="Helvetica Neue"/>
+                <a:ea typeface="+mn-lt"/>
+                <a:cs typeface="+mn-lt"/>
+              </a:rPr>
+              <a:t>Possiamo attivare la pompa mantenendo alto il pin IN per il tempo richiesto.</a:t>
+            </a:r>
+            <a:endParaRPr lang="it-IT">
+              <a:latin typeface="Helvetica Neue"/>
+            </a:endParaRPr>
+          </a:p>
+          <a:p>
+            <a:endParaRPr lang="it-IT" dirty="0">
+              <a:solidFill>
+                <a:srgbClr val="373737"/>
+              </a:solidFill>
+              <a:latin typeface="Helvetica Neue"/>
+            </a:endParaRPr>
+          </a:p>
+          <a:p>
+            <a:r>
+              <a:rPr lang="it-IT" dirty="0">
+                <a:solidFill>
+                  <a:srgbClr val="373737"/>
+                </a:solidFill>
+                <a:latin typeface="Helvetica Neue"/>
+              </a:rPr>
+              <a:t>Per il corretto funzionamento bisogna collegare la porta COM con l'alimentazione della pompa, e la porta NO (</a:t>
+            </a:r>
+            <a:r>
+              <a:rPr lang="it-IT" dirty="0" err="1">
+                <a:solidFill>
+                  <a:srgbClr val="373737"/>
+                </a:solidFill>
+                <a:latin typeface="Helvetica Neue"/>
+              </a:rPr>
+              <a:t>Normally</a:t>
+            </a:r>
+            <a:r>
+              <a:rPr lang="it-IT" dirty="0">
+                <a:solidFill>
+                  <a:srgbClr val="373737"/>
+                </a:solidFill>
+                <a:latin typeface="Helvetica Neue"/>
+              </a:rPr>
+              <a:t> Open) con l'alimentazione esterna.</a:t>
+            </a:r>
+          </a:p>
+        </p:txBody>
+      </p:sp>
+      <p:pic>
+        <p:nvPicPr>
+          <p:cNvPr id="5" name="Immagine 4" descr="Mini pompa ad immersione 12 Vdc">
+            <a:extLst>
+              <a:ext uri="{FF2B5EF4-FFF2-40B4-BE49-F238E27FC236}">
+                <a16:creationId xmlns:a16="http://schemas.microsoft.com/office/drawing/2014/main" id="{0C82FFB6-90A7-6666-4E1B-1600FB489FAF}"/>
+              </a:ext>
+            </a:extLst>
+          </p:cNvPr>
+          <p:cNvPicPr>
+            <a:picLocks noChangeAspect="1"/>
+          </p:cNvPicPr>
+          <p:nvPr/>
+        </p:nvPicPr>
+        <p:blipFill>
+          <a:blip r:embed="rId2"/>
+          <a:stretch>
+            <a:fillRect/>
+          </a:stretch>
+        </p:blipFill>
+        <p:spPr>
+          <a:xfrm>
+            <a:off x="856745" y="1394039"/>
+            <a:ext cx="2743200" cy="2743200"/>
+          </a:xfrm>
+          <a:prstGeom prst="rect">
+            <a:avLst/>
+          </a:prstGeom>
+        </p:spPr>
+      </p:pic>
+      <p:pic>
+        <p:nvPicPr>
+          <p:cNvPr id="6" name="Immagine 5" descr="Immagine che contiene Componente di circuito, Ingegneria elettronica, Componente elettrico, Componente di circuito passivo&#10;&#10;Il contenuto generato dall&amp;#39;IA potrebbe non essere corretto.">
+            <a:extLst>
+              <a:ext uri="{FF2B5EF4-FFF2-40B4-BE49-F238E27FC236}">
+                <a16:creationId xmlns:a16="http://schemas.microsoft.com/office/drawing/2014/main" id="{332D21D4-4E61-78A2-5376-864446A11576}"/>
+              </a:ext>
+            </a:extLst>
+          </p:cNvPr>
+          <p:cNvPicPr>
+            <a:picLocks noChangeAspect="1"/>
+          </p:cNvPicPr>
+          <p:nvPr/>
+        </p:nvPicPr>
+        <p:blipFill>
+          <a:blip r:embed="rId3"/>
+          <a:stretch>
+            <a:fillRect/>
+          </a:stretch>
+        </p:blipFill>
+        <p:spPr>
+          <a:xfrm>
+            <a:off x="2225963" y="4416180"/>
+            <a:ext cx="2533650" cy="1619250"/>
+          </a:xfrm>
+          <a:prstGeom prst="rect">
+            <a:avLst/>
+          </a:prstGeom>
+        </p:spPr>
+      </p:pic>
     </p:spTree>
     <p:extLst>
       <p:ext uri="{BB962C8B-B14F-4D97-AF65-F5344CB8AC3E}">
-        <p14:creationId xmlns:p14="http://schemas.microsoft.com/office/powerpoint/2010/main" val="1092441638"/>
+        <p14:creationId xmlns:p14="http://schemas.microsoft.com/office/powerpoint/2010/main" val="680447503"/>
       </p:ext>
     </p:extLst>
   </p:cSld>

--- a/docs/Smart Garden.pptx
+++ b/docs/Smart Garden.pptx
@@ -6,13 +6,14 @@
   </p:sldMasterIdLst>
   <p:sldIdLst>
     <p:sldId id="256" r:id="rId2"/>
-    <p:sldId id="257" r:id="rId3"/>
-    <p:sldId id="261" r:id="rId4"/>
-    <p:sldId id="260" r:id="rId5"/>
-    <p:sldId id="265" r:id="rId6"/>
-    <p:sldId id="263" r:id="rId7"/>
-    <p:sldId id="264" r:id="rId8"/>
-    <p:sldId id="259" r:id="rId9"/>
+    <p:sldId id="266" r:id="rId3"/>
+    <p:sldId id="257" r:id="rId4"/>
+    <p:sldId id="261" r:id="rId5"/>
+    <p:sldId id="260" r:id="rId6"/>
+    <p:sldId id="265" r:id="rId7"/>
+    <p:sldId id="263" r:id="rId8"/>
+    <p:sldId id="264" r:id="rId9"/>
+    <p:sldId id="259" r:id="rId10"/>
   </p:sldIdLst>
   <p:sldSz cx="12192000" cy="6858000"/>
   <p:notesSz cx="6858000" cy="9144000"/>
@@ -122,13 +123,911 @@
 <file path=ppt/revisionInfo.xml><?xml version="1.0" encoding="utf-8"?>
 <p1510:revInfo xmlns:a="http://schemas.openxmlformats.org/drawingml/2006/main" xmlns:r="http://schemas.openxmlformats.org/officeDocument/2006/relationships" xmlns:p1510="http://schemas.microsoft.com/office/powerpoint/2015/10/main">
   <p1510:revLst>
-    <p1510:client id="{57C32130-FE90-4796-A918-C20BD1736453}" v="8" dt="2026-01-28T11:25:10.516"/>
-    <p1510:client id="{FA22C7F2-C4DB-476C-A55E-363AA47E3EDA}" v="111" dt="2026-01-28T10:46:35.945"/>
+    <p1510:client id="{FA22C7F2-C4DB-476C-A55E-363AA47E3EDA}" v="14" dt="2026-01-29T15:24:08.881"/>
   </p1510:revLst>
 </p1510:revInfo>
 </file>
 
+<file path=ppt/changesInfos/changesInfo1.xml><?xml version="1.0" encoding="utf-8"?>
+<pc:chgInfo xmlns:a="http://schemas.openxmlformats.org/drawingml/2006/main" xmlns:r="http://schemas.openxmlformats.org/officeDocument/2006/relationships" xmlns:ac="http://schemas.microsoft.com/office/drawing/2013/main/command" xmlns:pc="http://schemas.microsoft.com/office/powerpoint/2013/main/command">
+  <pc:docChgLst>
+    <pc:chgData name="NICOLO'MASSIMO LISENA" userId="f3d6d6cc-e1af-4921-83db-785f07c959d4" providerId="ADAL" clId="{52300CBB-EB40-437D-AC13-5F91FFBE4C5E}"/>
+    <pc:docChg chg="undo custSel addSld modSld">
+      <pc:chgData name="NICOLO'MASSIMO LISENA" userId="f3d6d6cc-e1af-4921-83db-785f07c959d4" providerId="ADAL" clId="{52300CBB-EB40-437D-AC13-5F91FFBE4C5E}" dt="2026-01-29T15:24:08.881" v="64" actId="2711"/>
+      <pc:docMkLst>
+        <pc:docMk/>
+      </pc:docMkLst>
+      <pc:sldChg chg="addSp delSp modSp new mod setBg">
+        <pc:chgData name="NICOLO'MASSIMO LISENA" userId="f3d6d6cc-e1af-4921-83db-785f07c959d4" providerId="ADAL" clId="{52300CBB-EB40-437D-AC13-5F91FFBE4C5E}" dt="2026-01-29T15:24:08.881" v="64" actId="2711"/>
+        <pc:sldMkLst>
+          <pc:docMk/>
+          <pc:sldMk cId="3655723999" sldId="266"/>
+        </pc:sldMkLst>
+        <pc:spChg chg="mod ord">
+          <ac:chgData name="NICOLO'MASSIMO LISENA" userId="f3d6d6cc-e1af-4921-83db-785f07c959d4" providerId="ADAL" clId="{52300CBB-EB40-437D-AC13-5F91FFBE4C5E}" dt="2026-01-29T15:12:16.358" v="25" actId="2711"/>
+          <ac:spMkLst>
+            <pc:docMk/>
+            <pc:sldMk cId="3655723999" sldId="266"/>
+            <ac:spMk id="2" creationId="{12062CB1-AD25-1D0F-3AFD-4EA6DE04C842}"/>
+          </ac:spMkLst>
+        </pc:spChg>
+        <pc:spChg chg="del">
+          <ac:chgData name="NICOLO'MASSIMO LISENA" userId="f3d6d6cc-e1af-4921-83db-785f07c959d4" providerId="ADAL" clId="{52300CBB-EB40-437D-AC13-5F91FFBE4C5E}" dt="2026-01-29T15:11:06.369" v="16" actId="931"/>
+          <ac:spMkLst>
+            <pc:docMk/>
+            <pc:sldMk cId="3655723999" sldId="266"/>
+            <ac:spMk id="3" creationId="{052448C1-D0CA-639B-D071-08B6D98B8514}"/>
+          </ac:spMkLst>
+        </pc:spChg>
+        <pc:spChg chg="add mod">
+          <ac:chgData name="NICOLO'MASSIMO LISENA" userId="f3d6d6cc-e1af-4921-83db-785f07c959d4" providerId="ADAL" clId="{52300CBB-EB40-437D-AC13-5F91FFBE4C5E}" dt="2026-01-29T15:23:39.484" v="59" actId="1076"/>
+          <ac:spMkLst>
+            <pc:docMk/>
+            <pc:sldMk cId="3655723999" sldId="266"/>
+            <ac:spMk id="3" creationId="{3D0B5AE4-AAEE-51B8-B445-AC29B412A7CD}"/>
+          </ac:spMkLst>
+        </pc:spChg>
+        <pc:spChg chg="add mod ord">
+          <ac:chgData name="NICOLO'MASSIMO LISENA" userId="f3d6d6cc-e1af-4921-83db-785f07c959d4" providerId="ADAL" clId="{52300CBB-EB40-437D-AC13-5F91FFBE4C5E}" dt="2026-01-29T15:23:59.721" v="63" actId="208"/>
+          <ac:spMkLst>
+            <pc:docMk/>
+            <pc:sldMk cId="3655723999" sldId="266"/>
+            <ac:spMk id="4" creationId="{F621DF9A-5622-A025-DFFD-2F1831FA82AA}"/>
+          </ac:spMkLst>
+        </pc:spChg>
+        <pc:spChg chg="add del mod">
+          <ac:chgData name="NICOLO'MASSIMO LISENA" userId="f3d6d6cc-e1af-4921-83db-785f07c959d4" providerId="ADAL" clId="{52300CBB-EB40-437D-AC13-5F91FFBE4C5E}" dt="2026-01-29T15:19:33.569" v="29" actId="26606"/>
+          <ac:spMkLst>
+            <pc:docMk/>
+            <pc:sldMk cId="3655723999" sldId="266"/>
+            <ac:spMk id="9" creationId="{050022E1-F6DB-D402-023C-5300E4C6FBB3}"/>
+          </ac:spMkLst>
+        </pc:spChg>
+        <pc:spChg chg="add">
+          <ac:chgData name="NICOLO'MASSIMO LISENA" userId="f3d6d6cc-e1af-4921-83db-785f07c959d4" providerId="ADAL" clId="{52300CBB-EB40-437D-AC13-5F91FFBE4C5E}" dt="2026-01-29T15:12:02.991" v="23" actId="26606"/>
+          <ac:spMkLst>
+            <pc:docMk/>
+            <pc:sldMk cId="3655723999" sldId="266"/>
+            <ac:spMk id="12" creationId="{008ED74B-06F2-4BD5-838F-1AAD0033EF0B}"/>
+          </ac:spMkLst>
+        </pc:spChg>
+        <pc:spChg chg="add">
+          <ac:chgData name="NICOLO'MASSIMO LISENA" userId="f3d6d6cc-e1af-4921-83db-785f07c959d4" providerId="ADAL" clId="{52300CBB-EB40-437D-AC13-5F91FFBE4C5E}" dt="2026-01-29T15:12:02.991" v="23" actId="26606"/>
+          <ac:spMkLst>
+            <pc:docMk/>
+            <pc:sldMk cId="3655723999" sldId="266"/>
+            <ac:spMk id="42" creationId="{CC9387DA-2D8E-4E5D-BD65-274370B65965}"/>
+          </ac:spMkLst>
+        </pc:spChg>
+        <pc:spChg chg="add">
+          <ac:chgData name="NICOLO'MASSIMO LISENA" userId="f3d6d6cc-e1af-4921-83db-785f07c959d4" providerId="ADAL" clId="{52300CBB-EB40-437D-AC13-5F91FFBE4C5E}" dt="2026-01-29T15:12:02.991" v="23" actId="26606"/>
+          <ac:spMkLst>
+            <pc:docMk/>
+            <pc:sldMk cId="3655723999" sldId="266"/>
+            <ac:spMk id="44" creationId="{18BFC65B-9706-4EE1-8B75-FEEC1C530558}"/>
+          </ac:spMkLst>
+        </pc:spChg>
+        <pc:grpChg chg="add">
+          <ac:chgData name="NICOLO'MASSIMO LISENA" userId="f3d6d6cc-e1af-4921-83db-785f07c959d4" providerId="ADAL" clId="{52300CBB-EB40-437D-AC13-5F91FFBE4C5E}" dt="2026-01-29T15:12:02.991" v="23" actId="26606"/>
+          <ac:grpSpMkLst>
+            <pc:docMk/>
+            <pc:sldMk cId="3655723999" sldId="266"/>
+            <ac:grpSpMk id="14" creationId="{E9F586E1-75B5-49B8-9A21-DD14CA0F6955}"/>
+          </ac:grpSpMkLst>
+        </pc:grpChg>
+        <pc:grpChg chg="add">
+          <ac:chgData name="NICOLO'MASSIMO LISENA" userId="f3d6d6cc-e1af-4921-83db-785f07c959d4" providerId="ADAL" clId="{52300CBB-EB40-437D-AC13-5F91FFBE4C5E}" dt="2026-01-29T15:12:02.991" v="23" actId="26606"/>
+          <ac:grpSpMkLst>
+            <pc:docMk/>
+            <pc:sldMk cId="3655723999" sldId="266"/>
+            <ac:grpSpMk id="28" creationId="{F9CAF6A1-77C7-4ABC-9E4A-E74A8DB16DC1}"/>
+          </ac:grpSpMkLst>
+        </pc:grpChg>
+        <pc:graphicFrameChg chg="add mod">
+          <ac:chgData name="NICOLO'MASSIMO LISENA" userId="f3d6d6cc-e1af-4921-83db-785f07c959d4" providerId="ADAL" clId="{52300CBB-EB40-437D-AC13-5F91FFBE4C5E}" dt="2026-01-29T15:24:08.881" v="64" actId="2711"/>
+          <ac:graphicFrameMkLst>
+            <pc:docMk/>
+            <pc:sldMk cId="3655723999" sldId="266"/>
+            <ac:graphicFrameMk id="46" creationId="{DF29969D-009E-2C9C-B73C-6FDECA747C89}"/>
+          </ac:graphicFrameMkLst>
+        </pc:graphicFrameChg>
+        <pc:picChg chg="add mod">
+          <ac:chgData name="NICOLO'MASSIMO LISENA" userId="f3d6d6cc-e1af-4921-83db-785f07c959d4" providerId="ADAL" clId="{52300CBB-EB40-437D-AC13-5F91FFBE4C5E}" dt="2026-01-29T15:23:06.835" v="55" actId="1076"/>
+          <ac:picMkLst>
+            <pc:docMk/>
+            <pc:sldMk cId="3655723999" sldId="266"/>
+            <ac:picMk id="5" creationId="{819A475D-EC4D-C7F7-9724-B05E77370D2F}"/>
+          </ac:picMkLst>
+        </pc:picChg>
+      </pc:sldChg>
+    </pc:docChg>
+  </pc:docChgLst>
+</pc:chgInfo>
+</file>
+
 <file path=ppt/diagrams/colors1.xml><?xml version="1.0" encoding="utf-8"?>
+<dgm:colorsDef xmlns:dgm="http://schemas.openxmlformats.org/drawingml/2006/diagram" xmlns:a="http://schemas.openxmlformats.org/drawingml/2006/main" uniqueId="urn:microsoft.com/office/officeart/2005/8/colors/colorful5">
+  <dgm:title val=""/>
+  <dgm:desc val=""/>
+  <dgm:catLst>
+    <dgm:cat type="colorful" pri="10500"/>
+  </dgm:catLst>
+  <dgm:styleLbl name="node0">
+    <dgm:fillClrLst meth="repeat">
+      <a:schemeClr val="accent4"/>
+    </dgm:fillClrLst>
+    <dgm:linClrLst meth="repeat">
+      <a:schemeClr val="lt1"/>
+    </dgm:linClrLst>
+    <dgm:effectClrLst/>
+    <dgm:txLinClrLst/>
+    <dgm:txFillClrLst/>
+    <dgm:txEffectClrLst/>
+  </dgm:styleLbl>
+  <dgm:styleLbl name="node1">
+    <dgm:fillClrLst>
+      <a:schemeClr val="accent5"/>
+      <a:schemeClr val="accent6"/>
+    </dgm:fillClrLst>
+    <dgm:linClrLst meth="repeat">
+      <a:schemeClr val="lt1"/>
+    </dgm:linClrLst>
+    <dgm:effectClrLst/>
+    <dgm:txLinClrLst/>
+    <dgm:txFillClrLst/>
+    <dgm:txEffectClrLst/>
+  </dgm:styleLbl>
+  <dgm:styleLbl name="alignNode1">
+    <dgm:fillClrLst>
+      <a:schemeClr val="accent5"/>
+      <a:schemeClr val="accent6"/>
+    </dgm:fillClrLst>
+    <dgm:linClrLst>
+      <a:schemeClr val="accent5"/>
+      <a:schemeClr val="accent6"/>
+    </dgm:linClrLst>
+    <dgm:effectClrLst/>
+    <dgm:txLinClrLst/>
+    <dgm:txFillClrLst/>
+    <dgm:txEffectClrLst/>
+  </dgm:styleLbl>
+  <dgm:styleLbl name="lnNode1">
+    <dgm:fillClrLst>
+      <a:schemeClr val="accent5"/>
+      <a:schemeClr val="accent6"/>
+    </dgm:fillClrLst>
+    <dgm:linClrLst meth="repeat">
+      <a:schemeClr val="lt1"/>
+    </dgm:linClrLst>
+    <dgm:effectClrLst/>
+    <dgm:txLinClrLst/>
+    <dgm:txFillClrLst/>
+    <dgm:txEffectClrLst/>
+  </dgm:styleLbl>
+  <dgm:styleLbl name="vennNode1">
+    <dgm:fillClrLst>
+      <a:schemeClr val="accent5">
+        <a:alpha val="50000"/>
+      </a:schemeClr>
+      <a:schemeClr val="accent6">
+        <a:alpha val="50000"/>
+      </a:schemeClr>
+    </dgm:fillClrLst>
+    <dgm:linClrLst meth="repeat">
+      <a:schemeClr val="lt1"/>
+    </dgm:linClrLst>
+    <dgm:effectClrLst/>
+    <dgm:txLinClrLst/>
+    <dgm:txFillClrLst/>
+    <dgm:txEffectClrLst/>
+  </dgm:styleLbl>
+  <dgm:styleLbl name="node2">
+    <dgm:fillClrLst>
+      <a:schemeClr val="accent6"/>
+    </dgm:fillClrLst>
+    <dgm:linClrLst meth="repeat">
+      <a:schemeClr val="lt1"/>
+    </dgm:linClrLst>
+    <dgm:effectClrLst/>
+    <dgm:txLinClrLst/>
+    <dgm:txFillClrLst/>
+    <dgm:txEffectClrLst/>
+  </dgm:styleLbl>
+  <dgm:styleLbl name="node3">
+    <dgm:fillClrLst>
+      <a:schemeClr val="accent1"/>
+    </dgm:fillClrLst>
+    <dgm:linClrLst meth="repeat">
+      <a:schemeClr val="lt1"/>
+    </dgm:linClrLst>
+    <dgm:effectClrLst/>
+    <dgm:txLinClrLst/>
+    <dgm:txFillClrLst/>
+    <dgm:txEffectClrLst/>
+  </dgm:styleLbl>
+  <dgm:styleLbl name="node4">
+    <dgm:fillClrLst>
+      <a:schemeClr val="accent2"/>
+    </dgm:fillClrLst>
+    <dgm:linClrLst meth="repeat">
+      <a:schemeClr val="lt1"/>
+    </dgm:linClrLst>
+    <dgm:effectClrLst/>
+    <dgm:txLinClrLst/>
+    <dgm:txFillClrLst/>
+    <dgm:txEffectClrLst/>
+  </dgm:styleLbl>
+  <dgm:styleLbl name="fgImgPlace1">
+    <dgm:fillClrLst>
+      <a:schemeClr val="accent5">
+        <a:tint val="50000"/>
+      </a:schemeClr>
+      <a:schemeClr val="accent6">
+        <a:tint val="50000"/>
+      </a:schemeClr>
+    </dgm:fillClrLst>
+    <dgm:linClrLst meth="repeat">
+      <a:schemeClr val="lt1"/>
+    </dgm:linClrLst>
+    <dgm:effectClrLst/>
+    <dgm:txLinClrLst/>
+    <dgm:txFillClrLst meth="repeat">
+      <a:schemeClr val="lt1"/>
+    </dgm:txFillClrLst>
+    <dgm:txEffectClrLst/>
+  </dgm:styleLbl>
+  <dgm:styleLbl name="alignImgPlace1">
+    <dgm:fillClrLst>
+      <a:schemeClr val="accent5">
+        <a:tint val="50000"/>
+      </a:schemeClr>
+      <a:schemeClr val="accent6">
+        <a:tint val="20000"/>
+      </a:schemeClr>
+    </dgm:fillClrLst>
+    <dgm:linClrLst meth="repeat">
+      <a:schemeClr val="lt1"/>
+    </dgm:linClrLst>
+    <dgm:effectClrLst/>
+    <dgm:txLinClrLst/>
+    <dgm:txFillClrLst meth="repeat">
+      <a:schemeClr val="lt1"/>
+    </dgm:txFillClrLst>
+    <dgm:txEffectClrLst/>
+  </dgm:styleLbl>
+  <dgm:styleLbl name="bgImgPlace1">
+    <dgm:fillClrLst>
+      <a:schemeClr val="accent5">
+        <a:tint val="50000"/>
+      </a:schemeClr>
+      <a:schemeClr val="accent6">
+        <a:tint val="20000"/>
+      </a:schemeClr>
+    </dgm:fillClrLst>
+    <dgm:linClrLst meth="repeat">
+      <a:schemeClr val="lt1"/>
+    </dgm:linClrLst>
+    <dgm:effectClrLst/>
+    <dgm:txLinClrLst/>
+    <dgm:txFillClrLst meth="repeat">
+      <a:schemeClr val="lt1"/>
+    </dgm:txFillClrLst>
+    <dgm:txEffectClrLst/>
+  </dgm:styleLbl>
+  <dgm:styleLbl name="sibTrans2D1">
+    <dgm:fillClrLst>
+      <a:schemeClr val="accent5"/>
+      <a:schemeClr val="accent6"/>
+    </dgm:fillClrLst>
+    <dgm:linClrLst meth="repeat">
+      <a:schemeClr val="lt1"/>
+    </dgm:linClrLst>
+    <dgm:effectClrLst/>
+    <dgm:txLinClrLst/>
+    <dgm:txFillClrLst/>
+    <dgm:txEffectClrLst/>
+  </dgm:styleLbl>
+  <dgm:styleLbl name="fgSibTrans2D1">
+    <dgm:fillClrLst>
+      <a:schemeClr val="accent5"/>
+      <a:schemeClr val="accent6"/>
+    </dgm:fillClrLst>
+    <dgm:linClrLst meth="repeat">
+      <a:schemeClr val="lt1"/>
+    </dgm:linClrLst>
+    <dgm:effectClrLst/>
+    <dgm:txLinClrLst/>
+    <dgm:txFillClrLst meth="repeat">
+      <a:schemeClr val="lt1"/>
+    </dgm:txFillClrLst>
+    <dgm:txEffectClrLst/>
+  </dgm:styleLbl>
+  <dgm:styleLbl name="bgSibTrans2D1">
+    <dgm:fillClrLst>
+      <a:schemeClr val="accent5"/>
+      <a:schemeClr val="accent6"/>
+    </dgm:fillClrLst>
+    <dgm:linClrLst meth="repeat">
+      <a:schemeClr val="lt1"/>
+    </dgm:linClrLst>
+    <dgm:effectClrLst/>
+    <dgm:txLinClrLst/>
+    <dgm:txFillClrLst meth="repeat">
+      <a:schemeClr val="lt1"/>
+    </dgm:txFillClrLst>
+    <dgm:txEffectClrLst/>
+  </dgm:styleLbl>
+  <dgm:styleLbl name="sibTrans1D1">
+    <dgm:fillClrLst/>
+    <dgm:linClrLst>
+      <a:schemeClr val="accent5"/>
+      <a:schemeClr val="accent6"/>
+    </dgm:linClrLst>
+    <dgm:effectClrLst/>
+    <dgm:txLinClrLst/>
+    <dgm:txFillClrLst meth="repeat">
+      <a:schemeClr val="tx1"/>
+    </dgm:txFillClrLst>
+    <dgm:txEffectClrLst/>
+  </dgm:styleLbl>
+  <dgm:styleLbl name="callout">
+    <dgm:fillClrLst meth="repeat">
+      <a:schemeClr val="accent5"/>
+    </dgm:fillClrLst>
+    <dgm:linClrLst meth="repeat">
+      <a:schemeClr val="accent5">
+        <a:tint val="50000"/>
+      </a:schemeClr>
+    </dgm:linClrLst>
+    <dgm:effectClrLst/>
+    <dgm:txLinClrLst/>
+    <dgm:txFillClrLst meth="repeat">
+      <a:schemeClr val="tx1"/>
+    </dgm:txFillClrLst>
+    <dgm:txEffectClrLst/>
+  </dgm:styleLbl>
+  <dgm:styleLbl name="asst0">
+    <dgm:fillClrLst meth="repeat">
+      <a:schemeClr val="accent5"/>
+    </dgm:fillClrLst>
+    <dgm:linClrLst meth="repeat">
+      <a:schemeClr val="lt1">
+        <a:shade val="80000"/>
+      </a:schemeClr>
+    </dgm:linClrLst>
+    <dgm:effectClrLst/>
+    <dgm:txLinClrLst/>
+    <dgm:txFillClrLst/>
+    <dgm:txEffectClrLst/>
+  </dgm:styleLbl>
+  <dgm:styleLbl name="asst1">
+    <dgm:fillClrLst meth="repeat">
+      <a:schemeClr val="accent6"/>
+    </dgm:fillClrLst>
+    <dgm:linClrLst meth="repeat">
+      <a:schemeClr val="lt1">
+        <a:shade val="80000"/>
+      </a:schemeClr>
+    </dgm:linClrLst>
+    <dgm:effectClrLst/>
+    <dgm:txLinClrLst/>
+    <dgm:txFillClrLst/>
+    <dgm:txEffectClrLst/>
+  </dgm:styleLbl>
+  <dgm:styleLbl name="asst2">
+    <dgm:fillClrLst>
+      <a:schemeClr val="accent1"/>
+    </dgm:fillClrLst>
+    <dgm:linClrLst meth="repeat">
+      <a:schemeClr val="lt1"/>
+    </dgm:linClrLst>
+    <dgm:effectClrLst/>
+    <dgm:txLinClrLst/>
+    <dgm:txFillClrLst/>
+    <dgm:txEffectClrLst/>
+  </dgm:styleLbl>
+  <dgm:styleLbl name="asst3">
+    <dgm:fillClrLst>
+      <a:schemeClr val="accent2"/>
+    </dgm:fillClrLst>
+    <dgm:linClrLst meth="repeat">
+      <a:schemeClr val="lt1"/>
+    </dgm:linClrLst>
+    <dgm:effectClrLst/>
+    <dgm:txLinClrLst/>
+    <dgm:txFillClrLst/>
+    <dgm:txEffectClrLst/>
+  </dgm:styleLbl>
+  <dgm:styleLbl name="asst4">
+    <dgm:fillClrLst>
+      <a:schemeClr val="accent3"/>
+    </dgm:fillClrLst>
+    <dgm:linClrLst meth="repeat">
+      <a:schemeClr val="lt1"/>
+    </dgm:linClrLst>
+    <dgm:effectClrLst/>
+    <dgm:txLinClrLst/>
+    <dgm:txFillClrLst/>
+    <dgm:txEffectClrLst/>
+  </dgm:styleLbl>
+  <dgm:styleLbl name="parChTrans2D1">
+    <dgm:fillClrLst meth="repeat">
+      <a:schemeClr val="accent5"/>
+    </dgm:fillClrLst>
+    <dgm:linClrLst meth="repeat">
+      <a:schemeClr val="lt1"/>
+    </dgm:linClrLst>
+    <dgm:effectClrLst/>
+    <dgm:txLinClrLst/>
+    <dgm:txFillClrLst meth="repeat">
+      <a:schemeClr val="lt1"/>
+    </dgm:txFillClrLst>
+    <dgm:txEffectClrLst/>
+  </dgm:styleLbl>
+  <dgm:styleLbl name="parChTrans2D2">
+    <dgm:fillClrLst meth="repeat">
+      <a:schemeClr val="accent6"/>
+    </dgm:fillClrLst>
+    <dgm:linClrLst meth="repeat">
+      <a:schemeClr val="lt1"/>
+    </dgm:linClrLst>
+    <dgm:effectClrLst/>
+    <dgm:txLinClrLst/>
+    <dgm:txFillClrLst/>
+    <dgm:txEffectClrLst/>
+  </dgm:styleLbl>
+  <dgm:styleLbl name="parChTrans2D3">
+    <dgm:fillClrLst meth="repeat">
+      <a:schemeClr val="accent6"/>
+    </dgm:fillClrLst>
+    <dgm:linClrLst meth="repeat">
+      <a:schemeClr val="lt1"/>
+    </dgm:linClrLst>
+    <dgm:effectClrLst/>
+    <dgm:txLinClrLst/>
+    <dgm:txFillClrLst/>
+    <dgm:txEffectClrLst/>
+  </dgm:styleLbl>
+  <dgm:styleLbl name="parChTrans2D4">
+    <dgm:fillClrLst meth="repeat">
+      <a:schemeClr val="accent1"/>
+    </dgm:fillClrLst>
+    <dgm:linClrLst meth="repeat">
+      <a:schemeClr val="lt1"/>
+    </dgm:linClrLst>
+    <dgm:effectClrLst/>
+    <dgm:txLinClrLst/>
+    <dgm:txFillClrLst meth="repeat">
+      <a:schemeClr val="lt1"/>
+    </dgm:txFillClrLst>
+    <dgm:txEffectClrLst/>
+  </dgm:styleLbl>
+  <dgm:styleLbl name="parChTrans1D1">
+    <dgm:fillClrLst meth="repeat">
+      <a:schemeClr val="accent5"/>
+    </dgm:fillClrLst>
+    <dgm:linClrLst meth="repeat">
+      <a:schemeClr val="accent5"/>
+    </dgm:linClrLst>
+    <dgm:effectClrLst/>
+    <dgm:txLinClrLst/>
+    <dgm:txFillClrLst meth="repeat">
+      <a:schemeClr val="tx1"/>
+    </dgm:txFillClrLst>
+    <dgm:txEffectClrLst/>
+  </dgm:styleLbl>
+  <dgm:styleLbl name="parChTrans1D2">
+    <dgm:fillClrLst meth="repeat">
+      <a:schemeClr val="accent6">
+        <a:tint val="90000"/>
+      </a:schemeClr>
+    </dgm:fillClrLst>
+    <dgm:linClrLst meth="repeat">
+      <a:schemeClr val="accent6"/>
+    </dgm:linClrLst>
+    <dgm:effectClrLst/>
+    <dgm:txLinClrLst/>
+    <dgm:txFillClrLst meth="repeat">
+      <a:schemeClr val="tx1"/>
+    </dgm:txFillClrLst>
+    <dgm:txEffectClrLst/>
+  </dgm:styleLbl>
+  <dgm:styleLbl name="parChTrans1D3">
+    <dgm:fillClrLst meth="repeat">
+      <a:schemeClr val="accent6">
+        <a:tint val="70000"/>
+      </a:schemeClr>
+    </dgm:fillClrLst>
+    <dgm:linClrLst meth="repeat">
+      <a:schemeClr val="accent1"/>
+    </dgm:linClrLst>
+    <dgm:effectClrLst/>
+    <dgm:txLinClrLst/>
+    <dgm:txFillClrLst meth="repeat">
+      <a:schemeClr val="tx1"/>
+    </dgm:txFillClrLst>
+    <dgm:txEffectClrLst/>
+  </dgm:styleLbl>
+  <dgm:styleLbl name="parChTrans1D4">
+    <dgm:fillClrLst meth="repeat">
+      <a:schemeClr val="accent6">
+        <a:tint val="50000"/>
+      </a:schemeClr>
+    </dgm:fillClrLst>
+    <dgm:linClrLst meth="repeat">
+      <a:schemeClr val="accent2"/>
+    </dgm:linClrLst>
+    <dgm:effectClrLst/>
+    <dgm:txLinClrLst/>
+    <dgm:txFillClrLst meth="repeat">
+      <a:schemeClr val="tx1"/>
+    </dgm:txFillClrLst>
+    <dgm:txEffectClrLst/>
+  </dgm:styleLbl>
+  <dgm:styleLbl name="fgAcc1">
+    <dgm:fillClrLst meth="repeat">
+      <a:schemeClr val="lt1">
+        <a:alpha val="90000"/>
+      </a:schemeClr>
+    </dgm:fillClrLst>
+    <dgm:linClrLst>
+      <a:schemeClr val="accent5"/>
+      <a:schemeClr val="accent6"/>
+    </dgm:linClrLst>
+    <dgm:effectClrLst/>
+    <dgm:txLinClrLst/>
+    <dgm:txFillClrLst meth="repeat">
+      <a:schemeClr val="dk1"/>
+    </dgm:txFillClrLst>
+    <dgm:txEffectClrLst/>
+  </dgm:styleLbl>
+  <dgm:styleLbl name="conFgAcc1">
+    <dgm:fillClrLst meth="repeat">
+      <a:schemeClr val="lt1">
+        <a:alpha val="90000"/>
+      </a:schemeClr>
+    </dgm:fillClrLst>
+    <dgm:linClrLst>
+      <a:schemeClr val="accent5"/>
+      <a:schemeClr val="accent6"/>
+    </dgm:linClrLst>
+    <dgm:effectClrLst/>
+    <dgm:txLinClrLst/>
+    <dgm:txFillClrLst meth="repeat">
+      <a:schemeClr val="dk1"/>
+    </dgm:txFillClrLst>
+    <dgm:txEffectClrLst/>
+  </dgm:styleLbl>
+  <dgm:styleLbl name="alignAcc1">
+    <dgm:fillClrLst meth="repeat">
+      <a:schemeClr val="lt1">
+        <a:alpha val="90000"/>
+      </a:schemeClr>
+    </dgm:fillClrLst>
+    <dgm:linClrLst>
+      <a:schemeClr val="accent5"/>
+      <a:schemeClr val="accent6"/>
+    </dgm:linClrLst>
+    <dgm:effectClrLst/>
+    <dgm:txLinClrLst/>
+    <dgm:txFillClrLst meth="repeat">
+      <a:schemeClr val="dk1"/>
+    </dgm:txFillClrLst>
+    <dgm:txEffectClrLst/>
+  </dgm:styleLbl>
+  <dgm:styleLbl name="trAlignAcc1">
+    <dgm:fillClrLst meth="repeat">
+      <a:schemeClr val="lt1">
+        <a:alpha val="40000"/>
+      </a:schemeClr>
+    </dgm:fillClrLst>
+    <dgm:linClrLst meth="repeat">
+      <a:schemeClr val="accent5"/>
+    </dgm:linClrLst>
+    <dgm:effectClrLst/>
+    <dgm:txLinClrLst/>
+    <dgm:txFillClrLst meth="repeat">
+      <a:schemeClr val="dk1"/>
+    </dgm:txFillClrLst>
+    <dgm:txEffectClrLst/>
+  </dgm:styleLbl>
+  <dgm:styleLbl name="bgAcc1">
+    <dgm:fillClrLst meth="repeat">
+      <a:schemeClr val="lt1">
+        <a:alpha val="90000"/>
+      </a:schemeClr>
+    </dgm:fillClrLst>
+    <dgm:linClrLst>
+      <a:schemeClr val="accent5"/>
+      <a:schemeClr val="accent6"/>
+    </dgm:linClrLst>
+    <dgm:effectClrLst/>
+    <dgm:txLinClrLst/>
+    <dgm:txFillClrLst meth="repeat">
+      <a:schemeClr val="dk1"/>
+    </dgm:txFillClrLst>
+    <dgm:txEffectClrLst/>
+  </dgm:styleLbl>
+  <dgm:styleLbl name="solidFgAcc1">
+    <dgm:fillClrLst meth="repeat">
+      <a:schemeClr val="lt1"/>
+    </dgm:fillClrLst>
+    <dgm:linClrLst>
+      <a:schemeClr val="accent5"/>
+      <a:schemeClr val="accent6"/>
+    </dgm:linClrLst>
+    <dgm:effectClrLst/>
+    <dgm:txLinClrLst/>
+    <dgm:txFillClrLst meth="repeat">
+      <a:schemeClr val="dk1"/>
+    </dgm:txFillClrLst>
+    <dgm:txEffectClrLst/>
+  </dgm:styleLbl>
+  <dgm:styleLbl name="solidAlignAcc1">
+    <dgm:fillClrLst meth="repeat">
+      <a:schemeClr val="lt1"/>
+    </dgm:fillClrLst>
+    <dgm:linClrLst>
+      <a:schemeClr val="accent5"/>
+      <a:schemeClr val="accent6"/>
+    </dgm:linClrLst>
+    <dgm:effectClrLst/>
+    <dgm:txLinClrLst/>
+    <dgm:txFillClrLst meth="repeat">
+      <a:schemeClr val="dk1"/>
+    </dgm:txFillClrLst>
+    <dgm:txEffectClrLst/>
+  </dgm:styleLbl>
+  <dgm:styleLbl name="solidBgAcc1">
+    <dgm:fillClrLst meth="repeat">
+      <a:schemeClr val="lt1"/>
+    </dgm:fillClrLst>
+    <dgm:linClrLst>
+      <a:schemeClr val="accent5"/>
+      <a:schemeClr val="accent6"/>
+    </dgm:linClrLst>
+    <dgm:effectClrLst/>
+    <dgm:txLinClrLst/>
+    <dgm:txFillClrLst meth="repeat">
+      <a:schemeClr val="dk1"/>
+    </dgm:txFillClrLst>
+    <dgm:txEffectClrLst/>
+  </dgm:styleLbl>
+  <dgm:styleLbl name="fgAccFollowNode1">
+    <dgm:fillClrLst>
+      <a:schemeClr val="accent5">
+        <a:tint val="40000"/>
+        <a:alpha val="90000"/>
+      </a:schemeClr>
+      <a:schemeClr val="accent6">
+        <a:tint val="40000"/>
+        <a:alpha val="90000"/>
+      </a:schemeClr>
+    </dgm:fillClrLst>
+    <dgm:linClrLst>
+      <a:schemeClr val="accent5">
+        <a:tint val="40000"/>
+        <a:alpha val="90000"/>
+      </a:schemeClr>
+      <a:schemeClr val="accent5">
+        <a:tint val="40000"/>
+        <a:alpha val="90000"/>
+      </a:schemeClr>
+    </dgm:linClrLst>
+    <dgm:effectClrLst/>
+    <dgm:txLinClrLst/>
+    <dgm:txFillClrLst meth="repeat">
+      <a:schemeClr val="dk1"/>
+    </dgm:txFillClrLst>
+    <dgm:txEffectClrLst/>
+  </dgm:styleLbl>
+  <dgm:styleLbl name="alignAccFollowNode1">
+    <dgm:fillClrLst>
+      <a:schemeClr val="accent5">
+        <a:tint val="40000"/>
+        <a:alpha val="90000"/>
+      </a:schemeClr>
+      <a:schemeClr val="accent6">
+        <a:tint val="40000"/>
+        <a:alpha val="90000"/>
+      </a:schemeClr>
+    </dgm:fillClrLst>
+    <dgm:linClrLst>
+      <a:schemeClr val="accent5">
+        <a:tint val="40000"/>
+        <a:alpha val="90000"/>
+      </a:schemeClr>
+      <a:schemeClr val="accent6">
+        <a:tint val="40000"/>
+        <a:alpha val="90000"/>
+      </a:schemeClr>
+    </dgm:linClrLst>
+    <dgm:effectClrLst/>
+    <dgm:txLinClrLst/>
+    <dgm:txFillClrLst meth="repeat">
+      <a:schemeClr val="dk1"/>
+    </dgm:txFillClrLst>
+    <dgm:txEffectClrLst/>
+  </dgm:styleLbl>
+  <dgm:styleLbl name="bgAccFollowNode1">
+    <dgm:fillClrLst>
+      <a:schemeClr val="accent5">
+        <a:tint val="40000"/>
+        <a:alpha val="90000"/>
+      </a:schemeClr>
+      <a:schemeClr val="accent6">
+        <a:tint val="40000"/>
+        <a:alpha val="90000"/>
+      </a:schemeClr>
+    </dgm:fillClrLst>
+    <dgm:linClrLst>
+      <a:schemeClr val="accent5">
+        <a:tint val="40000"/>
+        <a:alpha val="90000"/>
+      </a:schemeClr>
+      <a:schemeClr val="accent6">
+        <a:tint val="40000"/>
+        <a:alpha val="90000"/>
+      </a:schemeClr>
+    </dgm:linClrLst>
+    <dgm:effectClrLst/>
+    <dgm:txLinClrLst/>
+    <dgm:txFillClrLst meth="repeat">
+      <a:schemeClr val="dk1"/>
+    </dgm:txFillClrLst>
+    <dgm:txEffectClrLst/>
+  </dgm:styleLbl>
+  <dgm:styleLbl name="fgAcc0">
+    <dgm:fillClrLst meth="repeat">
+      <a:schemeClr val="lt1">
+        <a:alpha val="90000"/>
+      </a:schemeClr>
+    </dgm:fillClrLst>
+    <dgm:linClrLst>
+      <a:schemeClr val="accent4"/>
+    </dgm:linClrLst>
+    <dgm:effectClrLst/>
+    <dgm:txLinClrLst/>
+    <dgm:txFillClrLst meth="repeat">
+      <a:schemeClr val="dk1"/>
+    </dgm:txFillClrLst>
+    <dgm:txEffectClrLst/>
+  </dgm:styleLbl>
+  <dgm:styleLbl name="fgAcc2">
+    <dgm:fillClrLst meth="repeat">
+      <a:schemeClr val="lt1">
+        <a:alpha val="90000"/>
+      </a:schemeClr>
+    </dgm:fillClrLst>
+    <dgm:linClrLst>
+      <a:schemeClr val="accent6"/>
+    </dgm:linClrLst>
+    <dgm:effectClrLst/>
+    <dgm:txLinClrLst/>
+    <dgm:txFillClrLst meth="repeat">
+      <a:schemeClr val="dk1"/>
+    </dgm:txFillClrLst>
+    <dgm:txEffectClrLst/>
+  </dgm:styleLbl>
+  <dgm:styleLbl name="fgAcc3">
+    <dgm:fillClrLst meth="repeat">
+      <a:schemeClr val="lt1">
+        <a:alpha val="90000"/>
+      </a:schemeClr>
+    </dgm:fillClrLst>
+    <dgm:linClrLst>
+      <a:schemeClr val="accent1"/>
+    </dgm:linClrLst>
+    <dgm:effectClrLst/>
+    <dgm:txLinClrLst/>
+    <dgm:txFillClrLst meth="repeat">
+      <a:schemeClr val="dk1"/>
+    </dgm:txFillClrLst>
+    <dgm:txEffectClrLst/>
+  </dgm:styleLbl>
+  <dgm:styleLbl name="fgAcc4">
+    <dgm:fillClrLst meth="repeat">
+      <a:schemeClr val="lt1">
+        <a:alpha val="90000"/>
+      </a:schemeClr>
+    </dgm:fillClrLst>
+    <dgm:linClrLst>
+      <a:schemeClr val="accent2"/>
+    </dgm:linClrLst>
+    <dgm:effectClrLst/>
+    <dgm:txLinClrLst/>
+    <dgm:txFillClrLst meth="repeat">
+      <a:schemeClr val="dk1"/>
+    </dgm:txFillClrLst>
+    <dgm:txEffectClrLst/>
+  </dgm:styleLbl>
+  <dgm:styleLbl name="bgShp">
+    <dgm:fillClrLst meth="repeat">
+      <a:schemeClr val="accent5">
+        <a:tint val="40000"/>
+      </a:schemeClr>
+    </dgm:fillClrLst>
+    <dgm:linClrLst meth="repeat">
+      <a:schemeClr val="dk1"/>
+    </dgm:linClrLst>
+    <dgm:effectClrLst/>
+    <dgm:txLinClrLst/>
+    <dgm:txFillClrLst meth="repeat">
+      <a:schemeClr val="dk1"/>
+    </dgm:txFillClrLst>
+    <dgm:txEffectClrLst/>
+  </dgm:styleLbl>
+  <dgm:styleLbl name="dkBgShp">
+    <dgm:fillClrLst meth="repeat">
+      <a:schemeClr val="accent5">
+        <a:shade val="90000"/>
+      </a:schemeClr>
+    </dgm:fillClrLst>
+    <dgm:linClrLst meth="repeat">
+      <a:schemeClr val="dk1"/>
+    </dgm:linClrLst>
+    <dgm:effectClrLst/>
+    <dgm:txLinClrLst/>
+    <dgm:txFillClrLst meth="repeat">
+      <a:schemeClr val="lt1"/>
+    </dgm:txFillClrLst>
+    <dgm:txEffectClrLst/>
+  </dgm:styleLbl>
+  <dgm:styleLbl name="trBgShp">
+    <dgm:fillClrLst meth="repeat">
+      <a:schemeClr val="accent5">
+        <a:tint val="50000"/>
+        <a:alpha val="40000"/>
+      </a:schemeClr>
+    </dgm:fillClrLst>
+    <dgm:linClrLst meth="repeat">
+      <a:schemeClr val="accent5"/>
+    </dgm:linClrLst>
+    <dgm:effectClrLst/>
+    <dgm:txLinClrLst/>
+    <dgm:txFillClrLst meth="repeat">
+      <a:schemeClr val="lt1"/>
+    </dgm:txFillClrLst>
+    <dgm:txEffectClrLst/>
+  </dgm:styleLbl>
+  <dgm:styleLbl name="fgShp">
+    <dgm:fillClrLst meth="repeat">
+      <a:schemeClr val="accent5">
+        <a:tint val="40000"/>
+      </a:schemeClr>
+    </dgm:fillClrLst>
+    <dgm:linClrLst meth="repeat">
+      <a:schemeClr val="lt1"/>
+    </dgm:linClrLst>
+    <dgm:effectClrLst/>
+    <dgm:txLinClrLst/>
+    <dgm:txFillClrLst meth="repeat">
+      <a:schemeClr val="dk1"/>
+    </dgm:txFillClrLst>
+    <dgm:txEffectClrLst/>
+  </dgm:styleLbl>
+  <dgm:styleLbl name="revTx">
+    <dgm:fillClrLst meth="repeat">
+      <a:schemeClr val="lt1">
+        <a:alpha val="0"/>
+      </a:schemeClr>
+    </dgm:fillClrLst>
+    <dgm:linClrLst meth="repeat">
+      <a:schemeClr val="dk1">
+        <a:alpha val="0"/>
+      </a:schemeClr>
+    </dgm:linClrLst>
+    <dgm:effectClrLst/>
+    <dgm:txLinClrLst/>
+    <dgm:txFillClrLst meth="repeat">
+      <a:schemeClr val="tx1"/>
+    </dgm:txFillClrLst>
+    <dgm:txEffectClrLst/>
+  </dgm:styleLbl>
+</dgm:colorsDef>
+</file>
+
+<file path=ppt/diagrams/colors2.xml><?xml version="1.0" encoding="utf-8"?>
 <dgm:colorsDef xmlns:dgm="http://schemas.openxmlformats.org/drawingml/2006/diagram" xmlns:a="http://schemas.openxmlformats.org/drawingml/2006/main" uniqueId="urn:microsoft.com/office/officeart/2005/8/colors/accent1_2">
   <dgm:title val=""/>
   <dgm:desc val=""/>
@@ -875,7 +1774,7 @@
 </dgm:colorsDef>
 </file>
 
-<file path=ppt/diagrams/colors2.xml><?xml version="1.0" encoding="utf-8"?>
+<file path=ppt/diagrams/colors3.xml><?xml version="1.0" encoding="utf-8"?>
 <dgm:colorsDef xmlns:dgm="http://schemas.openxmlformats.org/drawingml/2006/diagram" xmlns:a="http://schemas.openxmlformats.org/drawingml/2006/main" uniqueId="urn:microsoft.com/office/officeart/2005/8/colors/accent1_1">
   <dgm:title val=""/>
   <dgm:desc val=""/>
@@ -1683,6 +2582,348 @@
 </file>
 
 <file path=ppt/diagrams/data1.xml><?xml version="1.0" encoding="utf-8"?>
+<dgm:dataModel xmlns:dgm="http://schemas.openxmlformats.org/drawingml/2006/diagram" xmlns:a="http://schemas.openxmlformats.org/drawingml/2006/main">
+  <dgm:ptLst>
+    <dgm:pt modelId="{44D5730A-9E6B-4FBA-B28D-0117FC43D654}" type="doc">
+      <dgm:prSet loTypeId="urn:microsoft.com/office/officeart/2018/2/layout/IconVerticalSolidList" loCatId="icon" qsTypeId="urn:microsoft.com/office/officeart/2005/8/quickstyle/simple1" qsCatId="simple" csTypeId="urn:microsoft.com/office/officeart/2005/8/colors/colorful5" csCatId="colorful" phldr="1"/>
+      <dgm:spPr/>
+      <dgm:t>
+        <a:bodyPr/>
+        <a:lstStyle/>
+        <a:p>
+          <a:endParaRPr lang="en-US"/>
+        </a:p>
+      </dgm:t>
+    </dgm:pt>
+    <dgm:pt modelId="{84A08CED-7E37-479C-8FFC-6748C2942DB9}">
+      <dgm:prSet/>
+      <dgm:spPr/>
+      <dgm:t>
+        <a:bodyPr/>
+        <a:lstStyle/>
+        <a:p>
+          <a:pPr>
+            <a:lnSpc>
+              <a:spcPct val="100000"/>
+            </a:lnSpc>
+          </a:pPr>
+          <a:r>
+            <a:rPr lang="it-IT" dirty="0">
+              <a:latin typeface="Calibri" panose="020F0502020204030204" pitchFamily="34" charset="0"/>
+              <a:ea typeface="Calibri" panose="020F0502020204030204" pitchFamily="34" charset="0"/>
+              <a:cs typeface="Calibri" panose="020F0502020204030204" pitchFamily="34" charset="0"/>
+            </a:rPr>
+            <a:t>Salute della pianta al primo posto</a:t>
+          </a:r>
+          <a:endParaRPr lang="en-US" dirty="0">
+            <a:latin typeface="Calibri" panose="020F0502020204030204" pitchFamily="34" charset="0"/>
+            <a:ea typeface="Calibri" panose="020F0502020204030204" pitchFamily="34" charset="0"/>
+            <a:cs typeface="Calibri" panose="020F0502020204030204" pitchFamily="34" charset="0"/>
+          </a:endParaRPr>
+        </a:p>
+      </dgm:t>
+    </dgm:pt>
+    <dgm:pt modelId="{1F7BF5E1-ECFA-4EBF-8078-44C0C7E636E2}" type="parTrans" cxnId="{0A13A5D7-0830-4865-8974-0430B4235C66}">
+      <dgm:prSet/>
+      <dgm:spPr/>
+      <dgm:t>
+        <a:bodyPr/>
+        <a:lstStyle/>
+        <a:p>
+          <a:endParaRPr lang="en-US"/>
+        </a:p>
+      </dgm:t>
+    </dgm:pt>
+    <dgm:pt modelId="{C362A143-E03B-4112-A349-6DE80F2B7571}" type="sibTrans" cxnId="{0A13A5D7-0830-4865-8974-0430B4235C66}">
+      <dgm:prSet/>
+      <dgm:spPr/>
+      <dgm:t>
+        <a:bodyPr/>
+        <a:lstStyle/>
+        <a:p>
+          <a:endParaRPr lang="en-US"/>
+        </a:p>
+      </dgm:t>
+    </dgm:pt>
+    <dgm:pt modelId="{54EAD3F4-F4F5-4816-B1D8-DA25FDEA68DF}">
+      <dgm:prSet/>
+      <dgm:spPr/>
+      <dgm:t>
+        <a:bodyPr/>
+        <a:lstStyle/>
+        <a:p>
+          <a:pPr>
+            <a:lnSpc>
+              <a:spcPct val="100000"/>
+            </a:lnSpc>
+          </a:pPr>
+          <a:r>
+            <a:rPr lang="it-IT"/>
+            <a:t>Tecnologia ESP32 integrata</a:t>
+          </a:r>
+          <a:endParaRPr lang="en-US"/>
+        </a:p>
+      </dgm:t>
+    </dgm:pt>
+    <dgm:pt modelId="{19E319AC-DF3E-43EC-815C-9D7546D636A1}" type="parTrans" cxnId="{C1921C6F-3DB2-46AA-BC2A-223D670AD293}">
+      <dgm:prSet/>
+      <dgm:spPr/>
+      <dgm:t>
+        <a:bodyPr/>
+        <a:lstStyle/>
+        <a:p>
+          <a:endParaRPr lang="en-US"/>
+        </a:p>
+      </dgm:t>
+    </dgm:pt>
+    <dgm:pt modelId="{CD4AFF6F-43B9-475F-9A90-073B3CB29331}" type="sibTrans" cxnId="{C1921C6F-3DB2-46AA-BC2A-223D670AD293}">
+      <dgm:prSet/>
+      <dgm:spPr/>
+      <dgm:t>
+        <a:bodyPr/>
+        <a:lstStyle/>
+        <a:p>
+          <a:endParaRPr lang="en-US"/>
+        </a:p>
+      </dgm:t>
+    </dgm:pt>
+    <dgm:pt modelId="{EC345640-646A-46BE-8809-1DD637C26E93}">
+      <dgm:prSet/>
+      <dgm:spPr/>
+      <dgm:t>
+        <a:bodyPr/>
+        <a:lstStyle/>
+        <a:p>
+          <a:pPr>
+            <a:lnSpc>
+              <a:spcPct val="100000"/>
+            </a:lnSpc>
+          </a:pPr>
+          <a:r>
+            <a:rPr lang="it-IT" dirty="0"/>
+            <a:t>Irrigazione autonoma basata su dati</a:t>
+          </a:r>
+          <a:endParaRPr lang="en-US" dirty="0"/>
+        </a:p>
+      </dgm:t>
+    </dgm:pt>
+    <dgm:pt modelId="{17D2DD28-F2DA-4809-9DFD-9680723945E8}" type="parTrans" cxnId="{5A26FADD-97BD-4665-8705-2F3150200126}">
+      <dgm:prSet/>
+      <dgm:spPr/>
+      <dgm:t>
+        <a:bodyPr/>
+        <a:lstStyle/>
+        <a:p>
+          <a:endParaRPr lang="en-US"/>
+        </a:p>
+      </dgm:t>
+    </dgm:pt>
+    <dgm:pt modelId="{DEB80982-3259-414F-A36B-F6FC540954AD}" type="sibTrans" cxnId="{5A26FADD-97BD-4665-8705-2F3150200126}">
+      <dgm:prSet/>
+      <dgm:spPr/>
+      <dgm:t>
+        <a:bodyPr/>
+        <a:lstStyle/>
+        <a:p>
+          <a:endParaRPr lang="en-US"/>
+        </a:p>
+      </dgm:t>
+    </dgm:pt>
+    <dgm:pt modelId="{10269CAF-3FA7-43AD-A38E-8DC822A5737B}" type="pres">
+      <dgm:prSet presAssocID="{44D5730A-9E6B-4FBA-B28D-0117FC43D654}" presName="root" presStyleCnt="0">
+        <dgm:presLayoutVars>
+          <dgm:dir/>
+          <dgm:resizeHandles val="exact"/>
+        </dgm:presLayoutVars>
+      </dgm:prSet>
+      <dgm:spPr/>
+    </dgm:pt>
+    <dgm:pt modelId="{F2DE264B-380C-4167-8FF3-0A706E920983}" type="pres">
+      <dgm:prSet presAssocID="{84A08CED-7E37-479C-8FFC-6748C2942DB9}" presName="compNode" presStyleCnt="0"/>
+      <dgm:spPr/>
+    </dgm:pt>
+    <dgm:pt modelId="{631AA89A-A537-4862-924B-68976801871C}" type="pres">
+      <dgm:prSet presAssocID="{84A08CED-7E37-479C-8FFC-6748C2942DB9}" presName="bgRect" presStyleLbl="bgShp" presStyleIdx="0" presStyleCnt="3" custLinFactNeighborX="-45399" custLinFactNeighborY="1153"/>
+      <dgm:spPr>
+        <a:solidFill>
+          <a:srgbClr val="DCE2D0"/>
+        </a:solidFill>
+      </dgm:spPr>
+    </dgm:pt>
+    <dgm:pt modelId="{38835986-6D61-4DF4-B047-C04FA7A0B141}" type="pres">
+      <dgm:prSet presAssocID="{84A08CED-7E37-479C-8FFC-6748C2942DB9}" presName="iconRect" presStyleLbl="node1" presStyleIdx="0" presStyleCnt="3"/>
+      <dgm:spPr>
+        <a:blipFill>
+          <a:blip xmlns:r="http://schemas.openxmlformats.org/officeDocument/2006/relationships" r:embed="rId1">
+            <a:extLst>
+              <a:ext uri="{28A0092B-C50C-407E-A947-70E740481C1C}">
+                <a14:useLocalDpi xmlns:a14="http://schemas.microsoft.com/office/drawing/2010/main" val="0"/>
+              </a:ext>
+              <a:ext uri="{96DAC541-7B7A-43D3-8B79-37D633B846F1}">
+                <asvg:svgBlip xmlns:asvg="http://schemas.microsoft.com/office/drawing/2016/SVG/main" r:embed="rId2"/>
+              </a:ext>
+            </a:extLst>
+          </a:blip>
+          <a:stretch>
+            <a:fillRect/>
+          </a:stretch>
+        </a:blipFill>
+      </dgm:spPr>
+      <dgm:extLst>
+        <a:ext uri="{E40237B7-FDA0-4F09-8148-C483321AD2D9}">
+          <dgm14:cNvPr xmlns:dgm14="http://schemas.microsoft.com/office/drawing/2010/diagram" id="0" name="" descr="Leaf"/>
+        </a:ext>
+      </dgm:extLst>
+    </dgm:pt>
+    <dgm:pt modelId="{09982464-F6D3-451D-91DB-B79D7B482454}" type="pres">
+      <dgm:prSet presAssocID="{84A08CED-7E37-479C-8FFC-6748C2942DB9}" presName="spaceRect" presStyleCnt="0"/>
+      <dgm:spPr/>
+    </dgm:pt>
+    <dgm:pt modelId="{209853C3-B544-42C1-A79C-6E4EA676D5E2}" type="pres">
+      <dgm:prSet presAssocID="{84A08CED-7E37-479C-8FFC-6748C2942DB9}" presName="parTx" presStyleLbl="revTx" presStyleIdx="0" presStyleCnt="3">
+        <dgm:presLayoutVars>
+          <dgm:chMax val="0"/>
+          <dgm:chPref val="0"/>
+        </dgm:presLayoutVars>
+      </dgm:prSet>
+      <dgm:spPr/>
+    </dgm:pt>
+    <dgm:pt modelId="{5281032B-DD5C-475F-AE23-D1CB5425F888}" type="pres">
+      <dgm:prSet presAssocID="{C362A143-E03B-4112-A349-6DE80F2B7571}" presName="sibTrans" presStyleCnt="0"/>
+      <dgm:spPr/>
+    </dgm:pt>
+    <dgm:pt modelId="{21B731A0-11F5-4D2D-83C9-4706A40754A9}" type="pres">
+      <dgm:prSet presAssocID="{54EAD3F4-F4F5-4816-B1D8-DA25FDEA68DF}" presName="compNode" presStyleCnt="0"/>
+      <dgm:spPr/>
+    </dgm:pt>
+    <dgm:pt modelId="{6A2B4E76-5084-49AA-8BC2-8A79178E6639}" type="pres">
+      <dgm:prSet presAssocID="{54EAD3F4-F4F5-4816-B1D8-DA25FDEA68DF}" presName="bgRect" presStyleLbl="bgShp" presStyleIdx="1" presStyleCnt="3"/>
+      <dgm:spPr/>
+    </dgm:pt>
+    <dgm:pt modelId="{2B3ADA8E-374C-474A-8700-D8B41BB02D8D}" type="pres">
+      <dgm:prSet presAssocID="{54EAD3F4-F4F5-4816-B1D8-DA25FDEA68DF}" presName="iconRect" presStyleLbl="node1" presStyleIdx="1" presStyleCnt="3"/>
+      <dgm:spPr>
+        <a:blipFill>
+          <a:blip xmlns:r="http://schemas.openxmlformats.org/officeDocument/2006/relationships" r:embed="rId3">
+            <a:extLst>
+              <a:ext uri="{96DAC541-7B7A-43D3-8B79-37D633B846F1}">
+                <asvg:svgBlip xmlns:asvg="http://schemas.microsoft.com/office/drawing/2016/SVG/main" r:embed="rId4"/>
+              </a:ext>
+            </a:extLst>
+          </a:blip>
+          <a:srcRect/>
+          <a:stretch>
+            <a:fillRect/>
+          </a:stretch>
+        </a:blipFill>
+      </dgm:spPr>
+      <dgm:extLst>
+        <a:ext uri="{E40237B7-FDA0-4F09-8148-C483321AD2D9}">
+          <dgm14:cNvPr xmlns:dgm14="http://schemas.microsoft.com/office/drawing/2010/diagram" id="0" name="" descr="Processore con riempimento a tinta unita"/>
+        </a:ext>
+      </dgm:extLst>
+    </dgm:pt>
+    <dgm:pt modelId="{42E435C0-9B5A-46FB-9611-274A689382B5}" type="pres">
+      <dgm:prSet presAssocID="{54EAD3F4-F4F5-4816-B1D8-DA25FDEA68DF}" presName="spaceRect" presStyleCnt="0"/>
+      <dgm:spPr/>
+    </dgm:pt>
+    <dgm:pt modelId="{02FA9445-EC7C-4C60-BE4B-5506E59BB2C7}" type="pres">
+      <dgm:prSet presAssocID="{54EAD3F4-F4F5-4816-B1D8-DA25FDEA68DF}" presName="parTx" presStyleLbl="revTx" presStyleIdx="1" presStyleCnt="3">
+        <dgm:presLayoutVars>
+          <dgm:chMax val="0"/>
+          <dgm:chPref val="0"/>
+        </dgm:presLayoutVars>
+      </dgm:prSet>
+      <dgm:spPr/>
+    </dgm:pt>
+    <dgm:pt modelId="{1D67BF94-AEA9-486E-AB4F-435494C3B12C}" type="pres">
+      <dgm:prSet presAssocID="{CD4AFF6F-43B9-475F-9A90-073B3CB29331}" presName="sibTrans" presStyleCnt="0"/>
+      <dgm:spPr/>
+    </dgm:pt>
+    <dgm:pt modelId="{77868987-8E38-4217-A4CD-5736BE47EFB5}" type="pres">
+      <dgm:prSet presAssocID="{EC345640-646A-46BE-8809-1DD637C26E93}" presName="compNode" presStyleCnt="0"/>
+      <dgm:spPr/>
+    </dgm:pt>
+    <dgm:pt modelId="{441BADB3-1912-4513-9BD3-AB1356D47757}" type="pres">
+      <dgm:prSet presAssocID="{EC345640-646A-46BE-8809-1DD637C26E93}" presName="bgRect" presStyleLbl="bgShp" presStyleIdx="2" presStyleCnt="3"/>
+      <dgm:spPr/>
+    </dgm:pt>
+    <dgm:pt modelId="{F7298EBA-E304-40A2-89DB-C986798C460E}" type="pres">
+      <dgm:prSet presAssocID="{EC345640-646A-46BE-8809-1DD637C26E93}" presName="iconRect" presStyleLbl="node1" presStyleIdx="2" presStyleCnt="3"/>
+      <dgm:spPr>
+        <a:blipFill>
+          <a:blip xmlns:r="http://schemas.openxmlformats.org/officeDocument/2006/relationships" r:embed="rId5">
+            <a:extLst>
+              <a:ext uri="{28A0092B-C50C-407E-A947-70E740481C1C}">
+                <a14:useLocalDpi xmlns:a14="http://schemas.microsoft.com/office/drawing/2010/main" val="0"/>
+              </a:ext>
+              <a:ext uri="{96DAC541-7B7A-43D3-8B79-37D633B846F1}">
+                <asvg:svgBlip xmlns:asvg="http://schemas.microsoft.com/office/drawing/2016/SVG/main" r:embed="rId6"/>
+              </a:ext>
+            </a:extLst>
+          </a:blip>
+          <a:stretch>
+            <a:fillRect/>
+          </a:stretch>
+        </a:blipFill>
+      </dgm:spPr>
+      <dgm:extLst>
+        <a:ext uri="{E40237B7-FDA0-4F09-8148-C483321AD2D9}">
+          <dgm14:cNvPr xmlns:dgm14="http://schemas.microsoft.com/office/drawing/2010/diagram" id="0" name="" descr="Watering pot"/>
+        </a:ext>
+      </dgm:extLst>
+    </dgm:pt>
+    <dgm:pt modelId="{DDEDE5AD-AE2C-4318-85E0-19F2B9B33E9F}" type="pres">
+      <dgm:prSet presAssocID="{EC345640-646A-46BE-8809-1DD637C26E93}" presName="spaceRect" presStyleCnt="0"/>
+      <dgm:spPr/>
+    </dgm:pt>
+    <dgm:pt modelId="{DFD81C07-3074-4301-9C0E-30936B4993E4}" type="pres">
+      <dgm:prSet presAssocID="{EC345640-646A-46BE-8809-1DD637C26E93}" presName="parTx" presStyleLbl="revTx" presStyleIdx="2" presStyleCnt="3">
+        <dgm:presLayoutVars>
+          <dgm:chMax val="0"/>
+          <dgm:chPref val="0"/>
+        </dgm:presLayoutVars>
+      </dgm:prSet>
+      <dgm:spPr/>
+    </dgm:pt>
+  </dgm:ptLst>
+  <dgm:cxnLst>
+    <dgm:cxn modelId="{4D17061F-E911-4C2D-BD1B-79525ACFD146}" type="presOf" srcId="{84A08CED-7E37-479C-8FFC-6748C2942DB9}" destId="{209853C3-B544-42C1-A79C-6E4EA676D5E2}" srcOrd="0" destOrd="0" presId="urn:microsoft.com/office/officeart/2018/2/layout/IconVerticalSolidList"/>
+    <dgm:cxn modelId="{76071237-37EB-41D7-9CD4-F4D6C05F930A}" type="presOf" srcId="{EC345640-646A-46BE-8809-1DD637C26E93}" destId="{DFD81C07-3074-4301-9C0E-30936B4993E4}" srcOrd="0" destOrd="0" presId="urn:microsoft.com/office/officeart/2018/2/layout/IconVerticalSolidList"/>
+    <dgm:cxn modelId="{C1921C6F-3DB2-46AA-BC2A-223D670AD293}" srcId="{44D5730A-9E6B-4FBA-B28D-0117FC43D654}" destId="{54EAD3F4-F4F5-4816-B1D8-DA25FDEA68DF}" srcOrd="1" destOrd="0" parTransId="{19E319AC-DF3E-43EC-815C-9D7546D636A1}" sibTransId="{CD4AFF6F-43B9-475F-9A90-073B3CB29331}"/>
+    <dgm:cxn modelId="{E1602DC2-DD9F-41AE-9A48-CD129C97548F}" type="presOf" srcId="{54EAD3F4-F4F5-4816-B1D8-DA25FDEA68DF}" destId="{02FA9445-EC7C-4C60-BE4B-5506E59BB2C7}" srcOrd="0" destOrd="0" presId="urn:microsoft.com/office/officeart/2018/2/layout/IconVerticalSolidList"/>
+    <dgm:cxn modelId="{11890BCE-429B-4755-98E7-DCE0AFCF9D79}" type="presOf" srcId="{44D5730A-9E6B-4FBA-B28D-0117FC43D654}" destId="{10269CAF-3FA7-43AD-A38E-8DC822A5737B}" srcOrd="0" destOrd="0" presId="urn:microsoft.com/office/officeart/2018/2/layout/IconVerticalSolidList"/>
+    <dgm:cxn modelId="{0A13A5D7-0830-4865-8974-0430B4235C66}" srcId="{44D5730A-9E6B-4FBA-B28D-0117FC43D654}" destId="{84A08CED-7E37-479C-8FFC-6748C2942DB9}" srcOrd="0" destOrd="0" parTransId="{1F7BF5E1-ECFA-4EBF-8078-44C0C7E636E2}" sibTransId="{C362A143-E03B-4112-A349-6DE80F2B7571}"/>
+    <dgm:cxn modelId="{5A26FADD-97BD-4665-8705-2F3150200126}" srcId="{44D5730A-9E6B-4FBA-B28D-0117FC43D654}" destId="{EC345640-646A-46BE-8809-1DD637C26E93}" srcOrd="2" destOrd="0" parTransId="{17D2DD28-F2DA-4809-9DFD-9680723945E8}" sibTransId="{DEB80982-3259-414F-A36B-F6FC540954AD}"/>
+    <dgm:cxn modelId="{7FE28A9D-FD1E-46E8-8FBD-93D2967F02F5}" type="presParOf" srcId="{10269CAF-3FA7-43AD-A38E-8DC822A5737B}" destId="{F2DE264B-380C-4167-8FF3-0A706E920983}" srcOrd="0" destOrd="0" presId="urn:microsoft.com/office/officeart/2018/2/layout/IconVerticalSolidList"/>
+    <dgm:cxn modelId="{99903DE9-3B8C-4480-8583-6736AE15C247}" type="presParOf" srcId="{F2DE264B-380C-4167-8FF3-0A706E920983}" destId="{631AA89A-A537-4862-924B-68976801871C}" srcOrd="0" destOrd="0" presId="urn:microsoft.com/office/officeart/2018/2/layout/IconVerticalSolidList"/>
+    <dgm:cxn modelId="{AC0FC4A6-A4C3-4AAF-8038-D591936514D4}" type="presParOf" srcId="{F2DE264B-380C-4167-8FF3-0A706E920983}" destId="{38835986-6D61-4DF4-B047-C04FA7A0B141}" srcOrd="1" destOrd="0" presId="urn:microsoft.com/office/officeart/2018/2/layout/IconVerticalSolidList"/>
+    <dgm:cxn modelId="{81AEAB08-3A1E-4C9B-8594-1CA703B08E10}" type="presParOf" srcId="{F2DE264B-380C-4167-8FF3-0A706E920983}" destId="{09982464-F6D3-451D-91DB-B79D7B482454}" srcOrd="2" destOrd="0" presId="urn:microsoft.com/office/officeart/2018/2/layout/IconVerticalSolidList"/>
+    <dgm:cxn modelId="{24087699-8C53-48F9-8D42-5B060C1445F4}" type="presParOf" srcId="{F2DE264B-380C-4167-8FF3-0A706E920983}" destId="{209853C3-B544-42C1-A79C-6E4EA676D5E2}" srcOrd="3" destOrd="0" presId="urn:microsoft.com/office/officeart/2018/2/layout/IconVerticalSolidList"/>
+    <dgm:cxn modelId="{96358AD8-70FC-428E-902C-D5042F1B8A64}" type="presParOf" srcId="{10269CAF-3FA7-43AD-A38E-8DC822A5737B}" destId="{5281032B-DD5C-475F-AE23-D1CB5425F888}" srcOrd="1" destOrd="0" presId="urn:microsoft.com/office/officeart/2018/2/layout/IconVerticalSolidList"/>
+    <dgm:cxn modelId="{99B86D19-C0AE-407D-85BA-FFEEB466ECB6}" type="presParOf" srcId="{10269CAF-3FA7-43AD-A38E-8DC822A5737B}" destId="{21B731A0-11F5-4D2D-83C9-4706A40754A9}" srcOrd="2" destOrd="0" presId="urn:microsoft.com/office/officeart/2018/2/layout/IconVerticalSolidList"/>
+    <dgm:cxn modelId="{6339C435-F462-4048-A3CE-D8FF7363F3FE}" type="presParOf" srcId="{21B731A0-11F5-4D2D-83C9-4706A40754A9}" destId="{6A2B4E76-5084-49AA-8BC2-8A79178E6639}" srcOrd="0" destOrd="0" presId="urn:microsoft.com/office/officeart/2018/2/layout/IconVerticalSolidList"/>
+    <dgm:cxn modelId="{EA985115-7B90-47A5-B420-EA66D0182879}" type="presParOf" srcId="{21B731A0-11F5-4D2D-83C9-4706A40754A9}" destId="{2B3ADA8E-374C-474A-8700-D8B41BB02D8D}" srcOrd="1" destOrd="0" presId="urn:microsoft.com/office/officeart/2018/2/layout/IconVerticalSolidList"/>
+    <dgm:cxn modelId="{EEA37102-B960-41E2-B190-750954E4F6AE}" type="presParOf" srcId="{21B731A0-11F5-4D2D-83C9-4706A40754A9}" destId="{42E435C0-9B5A-46FB-9611-274A689382B5}" srcOrd="2" destOrd="0" presId="urn:microsoft.com/office/officeart/2018/2/layout/IconVerticalSolidList"/>
+    <dgm:cxn modelId="{C965384F-66FE-4EE3-AB54-9AA5320BE97A}" type="presParOf" srcId="{21B731A0-11F5-4D2D-83C9-4706A40754A9}" destId="{02FA9445-EC7C-4C60-BE4B-5506E59BB2C7}" srcOrd="3" destOrd="0" presId="urn:microsoft.com/office/officeart/2018/2/layout/IconVerticalSolidList"/>
+    <dgm:cxn modelId="{FEF1F759-560B-4FA6-9619-96843D74A2BA}" type="presParOf" srcId="{10269CAF-3FA7-43AD-A38E-8DC822A5737B}" destId="{1D67BF94-AEA9-486E-AB4F-435494C3B12C}" srcOrd="3" destOrd="0" presId="urn:microsoft.com/office/officeart/2018/2/layout/IconVerticalSolidList"/>
+    <dgm:cxn modelId="{204EF37A-ED88-447E-B9AF-8DE866013249}" type="presParOf" srcId="{10269CAF-3FA7-43AD-A38E-8DC822A5737B}" destId="{77868987-8E38-4217-A4CD-5736BE47EFB5}" srcOrd="4" destOrd="0" presId="urn:microsoft.com/office/officeart/2018/2/layout/IconVerticalSolidList"/>
+    <dgm:cxn modelId="{F9F884A3-CF9A-4453-AE4E-D53DF863036F}" type="presParOf" srcId="{77868987-8E38-4217-A4CD-5736BE47EFB5}" destId="{441BADB3-1912-4513-9BD3-AB1356D47757}" srcOrd="0" destOrd="0" presId="urn:microsoft.com/office/officeart/2018/2/layout/IconVerticalSolidList"/>
+    <dgm:cxn modelId="{D91CADE2-C0FC-4C4D-84E0-CD7519DDAA64}" type="presParOf" srcId="{77868987-8E38-4217-A4CD-5736BE47EFB5}" destId="{F7298EBA-E304-40A2-89DB-C986798C460E}" srcOrd="1" destOrd="0" presId="urn:microsoft.com/office/officeart/2018/2/layout/IconVerticalSolidList"/>
+    <dgm:cxn modelId="{3FA55104-7F8F-41A7-9A71-12DC750101B5}" type="presParOf" srcId="{77868987-8E38-4217-A4CD-5736BE47EFB5}" destId="{DDEDE5AD-AE2C-4318-85E0-19F2B9B33E9F}" srcOrd="2" destOrd="0" presId="urn:microsoft.com/office/officeart/2018/2/layout/IconVerticalSolidList"/>
+    <dgm:cxn modelId="{313285D0-7EBC-4B2B-9758-9A0D95008146}" type="presParOf" srcId="{77868987-8E38-4217-A4CD-5736BE47EFB5}" destId="{DFD81C07-3074-4301-9C0E-30936B4993E4}" srcOrd="3" destOrd="0" presId="urn:microsoft.com/office/officeart/2018/2/layout/IconVerticalSolidList"/>
+  </dgm:cxnLst>
+  <dgm:bg/>
+  <dgm:whole/>
+  <dgm:extLst>
+    <a:ext uri="http://schemas.microsoft.com/office/drawing/2008/diagram">
+      <dsp:dataModelExt xmlns:dsp="http://schemas.microsoft.com/office/drawing/2008/diagram" relId="rId7" minVer="http://schemas.openxmlformats.org/drawingml/2006/diagram"/>
+    </a:ext>
+  </dgm:extLst>
+</dgm:dataModel>
+</file>
+
+<file path=ppt/diagrams/data2.xml><?xml version="1.0" encoding="utf-8"?>
 <dgm:dataModel xmlns:dgm="http://schemas.openxmlformats.org/drawingml/2006/diagram" xmlns:a="http://schemas.openxmlformats.org/drawingml/2006/main">
   <dgm:ptLst>
     <dgm:pt modelId="{EC2D76B9-B828-4F9D-B505-3EA4F7647C5F}" type="doc">
@@ -1966,7 +3207,7 @@
 </dgm:dataModel>
 </file>
 
-<file path=ppt/diagrams/data2.xml><?xml version="1.0" encoding="utf-8"?>
+<file path=ppt/diagrams/data3.xml><?xml version="1.0" encoding="utf-8"?>
 <dgm:dataModel xmlns:dgm="http://schemas.openxmlformats.org/drawingml/2006/diagram" xmlns:a="http://schemas.openxmlformats.org/drawingml/2006/main">
   <dgm:ptLst>
     <dgm:pt modelId="{1B344D79-EA94-4099-B4FC-9066F397CA51}" type="doc">
@@ -2499,6 +3740,495 @@
       <dsp:cNvGrpSpPr/>
     </dsp:nvGrpSpPr>
     <dsp:grpSpPr/>
+    <dsp:sp modelId="{631AA89A-A537-4862-924B-68976801871C}">
+      <dsp:nvSpPr>
+        <dsp:cNvPr id="0" name=""/>
+        <dsp:cNvSpPr/>
+      </dsp:nvSpPr>
+      <dsp:spPr>
+        <a:xfrm>
+          <a:off x="0" y="10134"/>
+          <a:ext cx="3831253" cy="847553"/>
+        </a:xfrm>
+        <a:prstGeom prst="roundRect">
+          <a:avLst>
+            <a:gd name="adj" fmla="val 10000"/>
+          </a:avLst>
+        </a:prstGeom>
+        <a:solidFill>
+          <a:srgbClr val="DCE2D0"/>
+        </a:solidFill>
+        <a:ln>
+          <a:noFill/>
+        </a:ln>
+        <a:effectLst/>
+      </dsp:spPr>
+      <dsp:style>
+        <a:lnRef idx="0">
+          <a:scrgbClr r="0" g="0" b="0"/>
+        </a:lnRef>
+        <a:fillRef idx="1">
+          <a:scrgbClr r="0" g="0" b="0"/>
+        </a:fillRef>
+        <a:effectRef idx="0">
+          <a:scrgbClr r="0" g="0" b="0"/>
+        </a:effectRef>
+        <a:fontRef idx="minor"/>
+      </dsp:style>
+    </dsp:sp>
+    <dsp:sp modelId="{38835986-6D61-4DF4-B047-C04FA7A0B141}">
+      <dsp:nvSpPr>
+        <dsp:cNvPr id="0" name=""/>
+        <dsp:cNvSpPr/>
+      </dsp:nvSpPr>
+      <dsp:spPr>
+        <a:xfrm>
+          <a:off x="256384" y="191061"/>
+          <a:ext cx="466154" cy="466154"/>
+        </a:xfrm>
+        <a:prstGeom prst="rect">
+          <a:avLst/>
+        </a:prstGeom>
+        <a:blipFill>
+          <a:blip xmlns:r="http://schemas.openxmlformats.org/officeDocument/2006/relationships" r:embed="rId1">
+            <a:extLst>
+              <a:ext uri="{28A0092B-C50C-407E-A947-70E740481C1C}">
+                <a14:useLocalDpi xmlns:a14="http://schemas.microsoft.com/office/drawing/2010/main" val="0"/>
+              </a:ext>
+              <a:ext uri="{96DAC541-7B7A-43D3-8B79-37D633B846F1}">
+                <asvg:svgBlip xmlns:asvg="http://schemas.microsoft.com/office/drawing/2016/SVG/main" r:embed="rId2"/>
+              </a:ext>
+            </a:extLst>
+          </a:blip>
+          <a:stretch>
+            <a:fillRect/>
+          </a:stretch>
+        </a:blipFill>
+        <a:ln w="15875" cap="rnd" cmpd="sng" algn="ctr">
+          <a:solidFill>
+            <a:schemeClr val="lt1">
+              <a:hueOff val="0"/>
+              <a:satOff val="0"/>
+              <a:lumOff val="0"/>
+              <a:alphaOff val="0"/>
+            </a:schemeClr>
+          </a:solidFill>
+          <a:prstDash val="solid"/>
+        </a:ln>
+        <a:effectLst/>
+      </dsp:spPr>
+      <dsp:style>
+        <a:lnRef idx="2">
+          <a:scrgbClr r="0" g="0" b="0"/>
+        </a:lnRef>
+        <a:fillRef idx="1">
+          <a:scrgbClr r="0" g="0" b="0"/>
+        </a:fillRef>
+        <a:effectRef idx="0">
+          <a:scrgbClr r="0" g="0" b="0"/>
+        </a:effectRef>
+        <a:fontRef idx="minor">
+          <a:schemeClr val="lt1"/>
+        </a:fontRef>
+      </dsp:style>
+    </dsp:sp>
+    <dsp:sp modelId="{209853C3-B544-42C1-A79C-6E4EA676D5E2}">
+      <dsp:nvSpPr>
+        <dsp:cNvPr id="0" name=""/>
+        <dsp:cNvSpPr/>
+      </dsp:nvSpPr>
+      <dsp:spPr>
+        <a:xfrm>
+          <a:off x="978923" y="362"/>
+          <a:ext cx="2852329" cy="847553"/>
+        </a:xfrm>
+        <a:prstGeom prst="rect">
+          <a:avLst/>
+        </a:prstGeom>
+        <a:noFill/>
+        <a:ln>
+          <a:noFill/>
+        </a:ln>
+        <a:effectLst/>
+      </dsp:spPr>
+      <dsp:style>
+        <a:lnRef idx="0">
+          <a:scrgbClr r="0" g="0" b="0"/>
+        </a:lnRef>
+        <a:fillRef idx="0">
+          <a:scrgbClr r="0" g="0" b="0"/>
+        </a:fillRef>
+        <a:effectRef idx="0">
+          <a:scrgbClr r="0" g="0" b="0"/>
+        </a:effectRef>
+        <a:fontRef idx="minor"/>
+      </dsp:style>
+      <dsp:txBody>
+        <a:bodyPr spcFirstLastPara="0" vert="horz" wrap="square" lIns="89699" tIns="89699" rIns="89699" bIns="89699" numCol="1" spcCol="1270" anchor="ctr" anchorCtr="0">
+          <a:noAutofit/>
+        </a:bodyPr>
+        <a:lstStyle/>
+        <a:p>
+          <a:pPr marL="0" lvl="0" indent="0" algn="l" defTabSz="844550">
+            <a:lnSpc>
+              <a:spcPct val="100000"/>
+            </a:lnSpc>
+            <a:spcBef>
+              <a:spcPct val="0"/>
+            </a:spcBef>
+            <a:spcAft>
+              <a:spcPct val="35000"/>
+            </a:spcAft>
+            <a:buNone/>
+          </a:pPr>
+          <a:r>
+            <a:rPr lang="it-IT" sz="1900" kern="1200" dirty="0">
+              <a:latin typeface="Calibri" panose="020F0502020204030204" pitchFamily="34" charset="0"/>
+              <a:ea typeface="Calibri" panose="020F0502020204030204" pitchFamily="34" charset="0"/>
+              <a:cs typeface="Calibri" panose="020F0502020204030204" pitchFamily="34" charset="0"/>
+            </a:rPr>
+            <a:t>Salute della pianta al primo posto</a:t>
+          </a:r>
+          <a:endParaRPr lang="en-US" sz="1900" kern="1200" dirty="0">
+            <a:latin typeface="Calibri" panose="020F0502020204030204" pitchFamily="34" charset="0"/>
+            <a:ea typeface="Calibri" panose="020F0502020204030204" pitchFamily="34" charset="0"/>
+            <a:cs typeface="Calibri" panose="020F0502020204030204" pitchFamily="34" charset="0"/>
+          </a:endParaRPr>
+        </a:p>
+      </dsp:txBody>
+      <dsp:txXfrm>
+        <a:off x="978923" y="362"/>
+        <a:ext cx="2852329" cy="847553"/>
+      </dsp:txXfrm>
+    </dsp:sp>
+    <dsp:sp modelId="{6A2B4E76-5084-49AA-8BC2-8A79178E6639}">
+      <dsp:nvSpPr>
+        <dsp:cNvPr id="0" name=""/>
+        <dsp:cNvSpPr/>
+      </dsp:nvSpPr>
+      <dsp:spPr>
+        <a:xfrm>
+          <a:off x="0" y="1059803"/>
+          <a:ext cx="3831253" cy="847553"/>
+        </a:xfrm>
+        <a:prstGeom prst="roundRect">
+          <a:avLst>
+            <a:gd name="adj" fmla="val 10000"/>
+          </a:avLst>
+        </a:prstGeom>
+        <a:solidFill>
+          <a:schemeClr val="accent5">
+            <a:tint val="40000"/>
+            <a:hueOff val="0"/>
+            <a:satOff val="0"/>
+            <a:lumOff val="0"/>
+            <a:alphaOff val="0"/>
+          </a:schemeClr>
+        </a:solidFill>
+        <a:ln>
+          <a:noFill/>
+        </a:ln>
+        <a:effectLst/>
+      </dsp:spPr>
+      <dsp:style>
+        <a:lnRef idx="0">
+          <a:scrgbClr r="0" g="0" b="0"/>
+        </a:lnRef>
+        <a:fillRef idx="1">
+          <a:scrgbClr r="0" g="0" b="0"/>
+        </a:fillRef>
+        <a:effectRef idx="0">
+          <a:scrgbClr r="0" g="0" b="0"/>
+        </a:effectRef>
+        <a:fontRef idx="minor"/>
+      </dsp:style>
+    </dsp:sp>
+    <dsp:sp modelId="{2B3ADA8E-374C-474A-8700-D8B41BB02D8D}">
+      <dsp:nvSpPr>
+        <dsp:cNvPr id="0" name=""/>
+        <dsp:cNvSpPr/>
+      </dsp:nvSpPr>
+      <dsp:spPr>
+        <a:xfrm>
+          <a:off x="256384" y="1250502"/>
+          <a:ext cx="466154" cy="466154"/>
+        </a:xfrm>
+        <a:prstGeom prst="rect">
+          <a:avLst/>
+        </a:prstGeom>
+        <a:blipFill>
+          <a:blip xmlns:r="http://schemas.openxmlformats.org/officeDocument/2006/relationships" r:embed="rId3">
+            <a:extLst>
+              <a:ext uri="{96DAC541-7B7A-43D3-8B79-37D633B846F1}">
+                <asvg:svgBlip xmlns:asvg="http://schemas.microsoft.com/office/drawing/2016/SVG/main" r:embed="rId4"/>
+              </a:ext>
+            </a:extLst>
+          </a:blip>
+          <a:srcRect/>
+          <a:stretch>
+            <a:fillRect/>
+          </a:stretch>
+        </a:blipFill>
+        <a:ln w="15875" cap="rnd" cmpd="sng" algn="ctr">
+          <a:solidFill>
+            <a:schemeClr val="lt1">
+              <a:hueOff val="0"/>
+              <a:satOff val="0"/>
+              <a:lumOff val="0"/>
+              <a:alphaOff val="0"/>
+            </a:schemeClr>
+          </a:solidFill>
+          <a:prstDash val="solid"/>
+        </a:ln>
+        <a:effectLst/>
+      </dsp:spPr>
+      <dsp:style>
+        <a:lnRef idx="2">
+          <a:scrgbClr r="0" g="0" b="0"/>
+        </a:lnRef>
+        <a:fillRef idx="1">
+          <a:scrgbClr r="0" g="0" b="0"/>
+        </a:fillRef>
+        <a:effectRef idx="0">
+          <a:scrgbClr r="0" g="0" b="0"/>
+        </a:effectRef>
+        <a:fontRef idx="minor">
+          <a:schemeClr val="lt1"/>
+        </a:fontRef>
+      </dsp:style>
+    </dsp:sp>
+    <dsp:sp modelId="{02FA9445-EC7C-4C60-BE4B-5506E59BB2C7}">
+      <dsp:nvSpPr>
+        <dsp:cNvPr id="0" name=""/>
+        <dsp:cNvSpPr/>
+      </dsp:nvSpPr>
+      <dsp:spPr>
+        <a:xfrm>
+          <a:off x="978923" y="1059803"/>
+          <a:ext cx="2852329" cy="847553"/>
+        </a:xfrm>
+        <a:prstGeom prst="rect">
+          <a:avLst/>
+        </a:prstGeom>
+        <a:noFill/>
+        <a:ln>
+          <a:noFill/>
+        </a:ln>
+        <a:effectLst/>
+      </dsp:spPr>
+      <dsp:style>
+        <a:lnRef idx="0">
+          <a:scrgbClr r="0" g="0" b="0"/>
+        </a:lnRef>
+        <a:fillRef idx="0">
+          <a:scrgbClr r="0" g="0" b="0"/>
+        </a:fillRef>
+        <a:effectRef idx="0">
+          <a:scrgbClr r="0" g="0" b="0"/>
+        </a:effectRef>
+        <a:fontRef idx="minor"/>
+      </dsp:style>
+      <dsp:txBody>
+        <a:bodyPr spcFirstLastPara="0" vert="horz" wrap="square" lIns="89699" tIns="89699" rIns="89699" bIns="89699" numCol="1" spcCol="1270" anchor="ctr" anchorCtr="0">
+          <a:noAutofit/>
+        </a:bodyPr>
+        <a:lstStyle/>
+        <a:p>
+          <a:pPr marL="0" lvl="0" indent="0" algn="l" defTabSz="844550">
+            <a:lnSpc>
+              <a:spcPct val="100000"/>
+            </a:lnSpc>
+            <a:spcBef>
+              <a:spcPct val="0"/>
+            </a:spcBef>
+            <a:spcAft>
+              <a:spcPct val="35000"/>
+            </a:spcAft>
+            <a:buNone/>
+          </a:pPr>
+          <a:r>
+            <a:rPr lang="it-IT" sz="1900" kern="1200"/>
+            <a:t>Tecnologia ESP32 integrata</a:t>
+          </a:r>
+          <a:endParaRPr lang="en-US" sz="1900" kern="1200"/>
+        </a:p>
+      </dsp:txBody>
+      <dsp:txXfrm>
+        <a:off x="978923" y="1059803"/>
+        <a:ext cx="2852329" cy="847553"/>
+      </dsp:txXfrm>
+    </dsp:sp>
+    <dsp:sp modelId="{441BADB3-1912-4513-9BD3-AB1356D47757}">
+      <dsp:nvSpPr>
+        <dsp:cNvPr id="0" name=""/>
+        <dsp:cNvSpPr/>
+      </dsp:nvSpPr>
+      <dsp:spPr>
+        <a:xfrm>
+          <a:off x="0" y="2119244"/>
+          <a:ext cx="3831253" cy="847553"/>
+        </a:xfrm>
+        <a:prstGeom prst="roundRect">
+          <a:avLst>
+            <a:gd name="adj" fmla="val 10000"/>
+          </a:avLst>
+        </a:prstGeom>
+        <a:solidFill>
+          <a:schemeClr val="accent5">
+            <a:tint val="40000"/>
+            <a:hueOff val="0"/>
+            <a:satOff val="0"/>
+            <a:lumOff val="0"/>
+            <a:alphaOff val="0"/>
+          </a:schemeClr>
+        </a:solidFill>
+        <a:ln>
+          <a:noFill/>
+        </a:ln>
+        <a:effectLst/>
+      </dsp:spPr>
+      <dsp:style>
+        <a:lnRef idx="0">
+          <a:scrgbClr r="0" g="0" b="0"/>
+        </a:lnRef>
+        <a:fillRef idx="1">
+          <a:scrgbClr r="0" g="0" b="0"/>
+        </a:fillRef>
+        <a:effectRef idx="0">
+          <a:scrgbClr r="0" g="0" b="0"/>
+        </a:effectRef>
+        <a:fontRef idx="minor"/>
+      </dsp:style>
+    </dsp:sp>
+    <dsp:sp modelId="{F7298EBA-E304-40A2-89DB-C986798C460E}">
+      <dsp:nvSpPr>
+        <dsp:cNvPr id="0" name=""/>
+        <dsp:cNvSpPr/>
+      </dsp:nvSpPr>
+      <dsp:spPr>
+        <a:xfrm>
+          <a:off x="256384" y="2309944"/>
+          <a:ext cx="466154" cy="466154"/>
+        </a:xfrm>
+        <a:prstGeom prst="rect">
+          <a:avLst/>
+        </a:prstGeom>
+        <a:blipFill>
+          <a:blip xmlns:r="http://schemas.openxmlformats.org/officeDocument/2006/relationships" r:embed="rId5">
+            <a:extLst>
+              <a:ext uri="{28A0092B-C50C-407E-A947-70E740481C1C}">
+                <a14:useLocalDpi xmlns:a14="http://schemas.microsoft.com/office/drawing/2010/main" val="0"/>
+              </a:ext>
+              <a:ext uri="{96DAC541-7B7A-43D3-8B79-37D633B846F1}">
+                <asvg:svgBlip xmlns:asvg="http://schemas.microsoft.com/office/drawing/2016/SVG/main" r:embed="rId6"/>
+              </a:ext>
+            </a:extLst>
+          </a:blip>
+          <a:stretch>
+            <a:fillRect/>
+          </a:stretch>
+        </a:blipFill>
+        <a:ln w="15875" cap="rnd" cmpd="sng" algn="ctr">
+          <a:solidFill>
+            <a:schemeClr val="lt1">
+              <a:hueOff val="0"/>
+              <a:satOff val="0"/>
+              <a:lumOff val="0"/>
+              <a:alphaOff val="0"/>
+            </a:schemeClr>
+          </a:solidFill>
+          <a:prstDash val="solid"/>
+        </a:ln>
+        <a:effectLst/>
+      </dsp:spPr>
+      <dsp:style>
+        <a:lnRef idx="2">
+          <a:scrgbClr r="0" g="0" b="0"/>
+        </a:lnRef>
+        <a:fillRef idx="1">
+          <a:scrgbClr r="0" g="0" b="0"/>
+        </a:fillRef>
+        <a:effectRef idx="0">
+          <a:scrgbClr r="0" g="0" b="0"/>
+        </a:effectRef>
+        <a:fontRef idx="minor">
+          <a:schemeClr val="lt1"/>
+        </a:fontRef>
+      </dsp:style>
+    </dsp:sp>
+    <dsp:sp modelId="{DFD81C07-3074-4301-9C0E-30936B4993E4}">
+      <dsp:nvSpPr>
+        <dsp:cNvPr id="0" name=""/>
+        <dsp:cNvSpPr/>
+      </dsp:nvSpPr>
+      <dsp:spPr>
+        <a:xfrm>
+          <a:off x="978923" y="2119244"/>
+          <a:ext cx="2852329" cy="847553"/>
+        </a:xfrm>
+        <a:prstGeom prst="rect">
+          <a:avLst/>
+        </a:prstGeom>
+        <a:noFill/>
+        <a:ln>
+          <a:noFill/>
+        </a:ln>
+        <a:effectLst/>
+      </dsp:spPr>
+      <dsp:style>
+        <a:lnRef idx="0">
+          <a:scrgbClr r="0" g="0" b="0"/>
+        </a:lnRef>
+        <a:fillRef idx="0">
+          <a:scrgbClr r="0" g="0" b="0"/>
+        </a:fillRef>
+        <a:effectRef idx="0">
+          <a:scrgbClr r="0" g="0" b="0"/>
+        </a:effectRef>
+        <a:fontRef idx="minor"/>
+      </dsp:style>
+      <dsp:txBody>
+        <a:bodyPr spcFirstLastPara="0" vert="horz" wrap="square" lIns="89699" tIns="89699" rIns="89699" bIns="89699" numCol="1" spcCol="1270" anchor="ctr" anchorCtr="0">
+          <a:noAutofit/>
+        </a:bodyPr>
+        <a:lstStyle/>
+        <a:p>
+          <a:pPr marL="0" lvl="0" indent="0" algn="l" defTabSz="844550">
+            <a:lnSpc>
+              <a:spcPct val="100000"/>
+            </a:lnSpc>
+            <a:spcBef>
+              <a:spcPct val="0"/>
+            </a:spcBef>
+            <a:spcAft>
+              <a:spcPct val="35000"/>
+            </a:spcAft>
+            <a:buNone/>
+          </a:pPr>
+          <a:r>
+            <a:rPr lang="it-IT" sz="1900" kern="1200" dirty="0"/>
+            <a:t>Irrigazione autonoma basata su dati</a:t>
+          </a:r>
+          <a:endParaRPr lang="en-US" sz="1900" kern="1200" dirty="0"/>
+        </a:p>
+      </dsp:txBody>
+      <dsp:txXfrm>
+        <a:off x="978923" y="2119244"/>
+        <a:ext cx="2852329" cy="847553"/>
+      </dsp:txXfrm>
+    </dsp:sp>
+  </dsp:spTree>
+</dsp:drawing>
+</file>
+
+<file path=ppt/diagrams/drawing2.xml><?xml version="1.0" encoding="utf-8"?>
+<dsp:drawing xmlns:dgm="http://schemas.openxmlformats.org/drawingml/2006/diagram" xmlns:dsp="http://schemas.microsoft.com/office/drawing/2008/diagram" xmlns:a="http://schemas.openxmlformats.org/drawingml/2006/main">
+  <dsp:spTree>
+    <dsp:nvGrpSpPr>
+      <dsp:cNvPr id="0" name=""/>
+      <dsp:cNvGrpSpPr/>
+    </dsp:nvGrpSpPr>
+    <dsp:grpSpPr/>
     <dsp:sp modelId="{F4AB82AC-4794-4860-9A48-0C1639583FFE}">
       <dsp:nvSpPr>
         <dsp:cNvPr id="0" name=""/>
@@ -2863,7 +4593,7 @@
 </dsp:drawing>
 </file>
 
-<file path=ppt/diagrams/drawing2.xml><?xml version="1.0" encoding="utf-8"?>
+<file path=ppt/diagrams/drawing3.xml><?xml version="1.0" encoding="utf-8"?>
 <dsp:drawing xmlns:dgm="http://schemas.openxmlformats.org/drawingml/2006/diagram" xmlns:dsp="http://schemas.microsoft.com/office/drawing/2008/diagram" xmlns:a="http://schemas.openxmlformats.org/drawingml/2006/main">
   <dsp:spTree>
     <dsp:nvGrpSpPr>
@@ -3718,6 +5448,300 @@
 </file>
 
 <file path=ppt/diagrams/layout2.xml><?xml version="1.0" encoding="utf-8"?>
+<dgm:layoutDef xmlns:dgm="http://schemas.openxmlformats.org/drawingml/2006/diagram" xmlns:a="http://schemas.openxmlformats.org/drawingml/2006/main" uniqueId="urn:microsoft.com/office/officeart/2018/2/layout/IconVerticalSolidList">
+  <dgm:title val="Icon Vertical Solid List"/>
+  <dgm:desc val="Use to show a series of visuals from top to bottom with Level 1 or Level 1 and Level 2 text grouped in a shape. Works best with icons or small pictures with lengthier descriptions."/>
+  <dgm:catLst>
+    <dgm:cat type="icon" pri="500"/>
+  </dgm:catLst>
+  <dgm:sampData useDef="1">
+    <dgm:dataModel>
+      <dgm:ptLst/>
+      <dgm:bg/>
+      <dgm:whole/>
+    </dgm:dataModel>
+  </dgm:sampData>
+  <dgm:styleData useDef="1">
+    <dgm:dataModel>
+      <dgm:ptLst/>
+      <dgm:bg/>
+      <dgm:whole/>
+    </dgm:dataModel>
+  </dgm:styleData>
+  <dgm:clrData useDef="1">
+    <dgm:dataModel>
+      <dgm:ptLst/>
+      <dgm:bg/>
+      <dgm:whole/>
+    </dgm:dataModel>
+  </dgm:clrData>
+  <dgm:layoutNode name="root">
+    <dgm:varLst>
+      <dgm:dir/>
+      <dgm:resizeHandles val="exact"/>
+    </dgm:varLst>
+    <dgm:choose name="Name0">
+      <dgm:if name="Name1" axis="self" func="var" arg="dir" op="equ" val="norm">
+        <dgm:alg type="lin">
+          <dgm:param type="linDir" val="fromT"/>
+          <dgm:param type="nodeHorzAlign" val="l"/>
+        </dgm:alg>
+      </dgm:if>
+      <dgm:else name="Name2">
+        <dgm:alg type="lin">
+          <dgm:param type="linDir" val="fromT"/>
+          <dgm:param type="nodeHorzAlign" val="r"/>
+        </dgm:alg>
+      </dgm:else>
+    </dgm:choose>
+    <dgm:shape xmlns:r="http://schemas.openxmlformats.org/officeDocument/2006/relationships" r:blip="">
+      <dgm:adjLst/>
+    </dgm:shape>
+    <dgm:presOf/>
+    <dgm:choose name="Name3">
+      <dgm:if name="Name4" axis="ch" ptType="node" func="cnt" op="lte" val="3">
+        <dgm:constrLst>
+          <dgm:constr type="h" for="ch" forName="compNode" refType="h" fact="0.3"/>
+          <dgm:constr type="w" for="ch" forName="compNode" refType="w"/>
+          <dgm:constr type="h" for="ch" forName="sibTrans" refType="h" refFor="ch" refForName="compNode" fact="0.25"/>
+          <dgm:constr type="primFontSz" for="des" forName="parTx" val="25"/>
+          <dgm:constr type="primFontSz" for="des" forName="desTx" refType="primFontSz" refFor="des" refForName="parTx" op="lte" fact="0.75"/>
+          <dgm:constr type="h" for="des" forName="compNode" op="equ"/>
+          <dgm:constr type="h" for="des" forName="bgRect" op="equ"/>
+          <dgm:constr type="h" for="des" forName="iconRect" op="equ"/>
+          <dgm:constr type="w" for="des" forName="iconRect" op="equ"/>
+          <dgm:constr type="h" for="des" forName="spaceRect" op="equ"/>
+          <dgm:constr type="h" for="des" forName="parTx" op="equ"/>
+          <dgm:constr type="h" for="des" forName="desTx" op="equ"/>
+        </dgm:constrLst>
+      </dgm:if>
+      <dgm:if name="Name5" axis="ch" ptType="node" func="cnt" op="lte" val="4">
+        <dgm:constrLst>
+          <dgm:constr type="h" for="ch" forName="compNode" refType="h" fact="0.3"/>
+          <dgm:constr type="w" for="ch" forName="compNode" refType="w"/>
+          <dgm:constr type="h" for="ch" forName="sibTrans" refType="h" refFor="ch" refForName="compNode" fact="0.25"/>
+          <dgm:constr type="primFontSz" for="des" forName="parTx" val="22"/>
+          <dgm:constr type="primFontSz" for="des" forName="desTx" refType="primFontSz" refFor="des" refForName="parTx" op="lte" fact="0.75"/>
+          <dgm:constr type="h" for="des" forName="compNode" op="equ"/>
+          <dgm:constr type="h" for="des" forName="bgRect" op="equ"/>
+          <dgm:constr type="h" for="des" forName="iconRect" op="equ"/>
+          <dgm:constr type="w" for="des" forName="iconRect" op="equ"/>
+          <dgm:constr type="h" for="des" forName="spaceRect" op="equ"/>
+          <dgm:constr type="h" for="des" forName="parTx" op="equ"/>
+          <dgm:constr type="h" for="des" forName="desTx" op="equ"/>
+        </dgm:constrLst>
+      </dgm:if>
+      <dgm:if name="Name6" axis="ch" ptType="node" func="cnt" op="lte" val="6">
+        <dgm:constrLst>
+          <dgm:constr type="h" for="ch" forName="compNode" refType="h" fact="0.3"/>
+          <dgm:constr type="w" for="ch" forName="compNode" refType="w"/>
+          <dgm:constr type="h" for="ch" forName="sibTrans" refType="h" refFor="ch" refForName="compNode" fact="0.25"/>
+          <dgm:constr type="primFontSz" for="des" forName="parTx" val="19"/>
+          <dgm:constr type="primFontSz" for="des" forName="desTx" refType="primFontSz" refFor="des" refForName="parTx" op="lte" fact="0.75"/>
+          <dgm:constr type="h" for="des" forName="compNode" op="equ"/>
+          <dgm:constr type="h" for="des" forName="bgRect" op="equ"/>
+          <dgm:constr type="h" for="des" forName="iconRect" op="equ"/>
+          <dgm:constr type="w" for="des" forName="iconRect" op="equ"/>
+          <dgm:constr type="h" for="des" forName="spaceRect" op="equ"/>
+          <dgm:constr type="h" for="des" forName="parTx" op="equ"/>
+          <dgm:constr type="h" for="des" forName="desTx" op="equ"/>
+        </dgm:constrLst>
+      </dgm:if>
+      <dgm:else name="Name7">
+        <dgm:constrLst>
+          <dgm:constr type="h" for="ch" forName="compNode" refType="h" fact="0.3"/>
+          <dgm:constr type="w" for="ch" forName="compNode" refType="w"/>
+          <dgm:constr type="h" for="ch" forName="sibTrans" refType="h" refFor="ch" refForName="compNode" fact="0.25"/>
+          <dgm:constr type="primFontSz" for="des" forName="parTx" val="16"/>
+          <dgm:constr type="primFontSz" for="des" forName="desTx" refType="primFontSz" refFor="des" refForName="parTx" op="lte" fact="0.75"/>
+          <dgm:constr type="h" for="des" forName="compNode" op="equ"/>
+          <dgm:constr type="h" for="des" forName="bgRect" op="equ"/>
+          <dgm:constr type="h" for="des" forName="iconRect" op="equ"/>
+          <dgm:constr type="w" for="des" forName="iconRect" op="equ"/>
+          <dgm:constr type="h" for="des" forName="spaceRect" op="equ"/>
+          <dgm:constr type="h" for="des" forName="parTx" op="equ"/>
+          <dgm:constr type="h" for="des" forName="desTx" op="equ"/>
+        </dgm:constrLst>
+      </dgm:else>
+    </dgm:choose>
+    <dgm:ruleLst>
+      <dgm:rule type="h" for="ch" forName="compNode" val="0" fact="NaN" max="NaN"/>
+    </dgm:ruleLst>
+    <dgm:forEach name="Name8" axis="ch" ptType="node">
+      <dgm:layoutNode name="compNode">
+        <dgm:alg type="composite"/>
+        <dgm:shape xmlns:r="http://schemas.openxmlformats.org/officeDocument/2006/relationships" r:blip="">
+          <dgm:adjLst/>
+        </dgm:shape>
+        <dgm:presOf axis="self"/>
+        <dgm:choose name="Name9">
+          <dgm:if name="Name10" axis="ch" ptType="node" func="cnt" op="gte" val="1">
+            <dgm:constrLst>
+              <dgm:constr type="w" for="ch" forName="bgRect" refType="w"/>
+              <dgm:constr type="h" for="ch" forName="bgRect" refType="h"/>
+              <dgm:constr type="l" for="ch" forName="bgRect"/>
+              <dgm:constr type="t" for="ch" forName="bgRect"/>
+              <dgm:constr type="h" for="ch" forName="iconRect" refType="h" fact="0.55"/>
+              <dgm:constr type="w" for="ch" forName="iconRect" refType="h" refFor="ch" refForName="iconRect"/>
+              <dgm:constr type="l" for="ch" forName="iconRect" refType="h" refFor="ch" refForName="iconRect" fact="0.55"/>
+              <dgm:constr type="ctrY" for="ch" forName="iconRect" refType="ctrY" refFor="ch" refForName="bgRect"/>
+              <dgm:constr type="w" for="ch" forName="spaceRect" refType="l" refFor="ch" refForName="iconRect"/>
+              <dgm:constr type="h" for="ch" forName="spaceRect" refType="h"/>
+              <dgm:constr type="l" for="ch" forName="spaceRect" refType="r" refFor="ch" refForName="iconRect"/>
+              <dgm:constr type="t" for="ch" forName="spaceRect"/>
+              <dgm:constr type="w" for="ch" forName="parTx" refType="w" fact="0.45"/>
+              <dgm:constr type="h" for="ch" forName="parTx" refType="h"/>
+              <dgm:constr type="l" for="ch" forName="parTx" refType="r" refFor="ch" refForName="spaceRect"/>
+              <dgm:constr type="t" for="ch" forName="parTx"/>
+              <dgm:constr type="h" for="ch" forName="desTx" refType="h"/>
+              <dgm:constr type="l" for="ch" forName="desTx" refType="r" refFor="ch" refForName="parTx"/>
+              <dgm:constr type="t" for="ch" forName="desTx"/>
+            </dgm:constrLst>
+          </dgm:if>
+          <dgm:else name="Name11">
+            <dgm:constrLst>
+              <dgm:constr type="w" for="ch" forName="bgRect" refType="w"/>
+              <dgm:constr type="h" for="ch" forName="bgRect" refType="h"/>
+              <dgm:constr type="l" for="ch" forName="bgRect"/>
+              <dgm:constr type="t" for="ch" forName="bgRect"/>
+              <dgm:constr type="h" for="ch" forName="iconRect" refType="h" fact="0.55"/>
+              <dgm:constr type="w" for="ch" forName="iconRect" refType="h" refFor="ch" refForName="iconRect"/>
+              <dgm:constr type="l" for="ch" forName="iconRect" refType="h" refFor="ch" refForName="iconRect" fact="0.55"/>
+              <dgm:constr type="ctrY" for="ch" forName="iconRect" refType="ctrY" refFor="ch" refForName="bgRect"/>
+              <dgm:constr type="w" for="ch" forName="spaceRect" refType="l" refFor="ch" refForName="iconRect"/>
+              <dgm:constr type="h" for="ch" forName="spaceRect" refType="h"/>
+              <dgm:constr type="l" for="ch" forName="spaceRect" refType="r" refFor="ch" refForName="iconRect"/>
+              <dgm:constr type="t" for="ch" forName="spaceRect"/>
+              <dgm:constr type="h" for="ch" forName="parTx" refType="h"/>
+              <dgm:constr type="l" for="ch" forName="parTx" refType="r" refFor="ch" refForName="spaceRect"/>
+              <dgm:constr type="t" for="ch" forName="parTx"/>
+            </dgm:constrLst>
+          </dgm:else>
+        </dgm:choose>
+        <dgm:ruleLst>
+          <dgm:rule type="h" val="INF" fact="NaN" max="NaN"/>
+        </dgm:ruleLst>
+        <dgm:layoutNode name="bgRect" styleLbl="bgShp">
+          <dgm:alg type="sp"/>
+          <dgm:shape xmlns:r="http://schemas.openxmlformats.org/officeDocument/2006/relationships" type="roundRect" r:blip="">
+            <dgm:adjLst>
+              <dgm:adj idx="1" val="0.1"/>
+            </dgm:adjLst>
+          </dgm:shape>
+          <dgm:presOf/>
+          <dgm:constrLst/>
+          <dgm:ruleLst/>
+        </dgm:layoutNode>
+        <dgm:layoutNode name="iconRect" styleLbl="node1">
+          <dgm:alg type="sp"/>
+          <dgm:shape xmlns:r="http://schemas.openxmlformats.org/officeDocument/2006/relationships" type="rect" r:blip="" blipPhldr="1">
+            <dgm:adjLst/>
+          </dgm:shape>
+          <dgm:presOf/>
+          <dgm:constrLst/>
+          <dgm:ruleLst/>
+        </dgm:layoutNode>
+        <dgm:layoutNode name="spaceRect">
+          <dgm:alg type="sp"/>
+          <dgm:shape xmlns:r="http://schemas.openxmlformats.org/officeDocument/2006/relationships" r:blip="">
+            <dgm:adjLst/>
+          </dgm:shape>
+          <dgm:presOf/>
+          <dgm:constrLst/>
+          <dgm:ruleLst/>
+        </dgm:layoutNode>
+        <dgm:layoutNode name="parTx" styleLbl="revTx">
+          <dgm:varLst>
+            <dgm:chMax val="0"/>
+            <dgm:chPref val="0"/>
+          </dgm:varLst>
+          <dgm:alg type="tx">
+            <dgm:param type="txAnchorVert" val="mid"/>
+            <dgm:param type="parTxLTRAlign" val="l"/>
+            <dgm:param type="shpTxLTRAlignCh" val="l"/>
+            <dgm:param type="parTxRTLAlign" val="r"/>
+            <dgm:param type="shpTxRTLAlignCh" val="r"/>
+          </dgm:alg>
+          <dgm:shape xmlns:r="http://schemas.openxmlformats.org/officeDocument/2006/relationships" type="rect" r:blip="">
+            <dgm:adjLst/>
+          </dgm:shape>
+          <dgm:presOf axis="self" ptType="node"/>
+          <dgm:constrLst>
+            <dgm:constr type="lMarg" refType="h" fact="0.3"/>
+            <dgm:constr type="rMarg" refType="h" fact="0.3"/>
+            <dgm:constr type="tMarg" refType="h" fact="0.3"/>
+            <dgm:constr type="bMarg" refType="h" fact="0.3"/>
+          </dgm:constrLst>
+          <dgm:ruleLst>
+            <dgm:rule type="primFontSz" val="14" fact="NaN" max="NaN"/>
+            <dgm:rule type="h" val="INF" fact="NaN" max="NaN"/>
+          </dgm:ruleLst>
+        </dgm:layoutNode>
+        <dgm:choose name="Name12">
+          <dgm:if name="Name13" axis="ch" ptType="node" func="cnt" op="gte" val="1">
+            <dgm:layoutNode name="desTx" styleLbl="revTx">
+              <dgm:varLst/>
+              <dgm:alg type="tx">
+                <dgm:param type="txAnchorVertCh" val="mid"/>
+                <dgm:param type="parTxLTRAlign" val="l"/>
+                <dgm:param type="shpTxLTRAlignCh" val="l"/>
+                <dgm:param type="parTxRTLAlign" val="r"/>
+                <dgm:param type="shpTxRTLAlignCh" val="r"/>
+                <dgm:param type="stBulletLvl" val="0"/>
+              </dgm:alg>
+              <dgm:shape xmlns:r="http://schemas.openxmlformats.org/officeDocument/2006/relationships" type="rect" r:blip="">
+                <dgm:adjLst/>
+              </dgm:shape>
+              <dgm:presOf axis="des" ptType="node"/>
+              <dgm:constrLst>
+                <dgm:constr type="primFontSz" val="18"/>
+                <dgm:constr type="secFontSz" refType="primFontSz"/>
+                <dgm:constr type="lMarg" refType="h" fact="0.3"/>
+                <dgm:constr type="rMarg" refType="h" fact="0.3"/>
+                <dgm:constr type="tMarg" refType="h" fact="0.3"/>
+                <dgm:constr type="bMarg" refType="h" fact="0.3"/>
+              </dgm:constrLst>
+              <dgm:ruleLst>
+                <dgm:rule type="primFontSz" val="11" fact="NaN" max="NaN"/>
+              </dgm:ruleLst>
+            </dgm:layoutNode>
+          </dgm:if>
+          <dgm:else name="Name14"/>
+        </dgm:choose>
+      </dgm:layoutNode>
+      <dgm:forEach name="Name15" axis="followSib" ptType="sibTrans" cnt="1">
+        <dgm:layoutNode name="sibTrans">
+          <dgm:alg type="sp"/>
+          <dgm:shape xmlns:r="http://schemas.openxmlformats.org/officeDocument/2006/relationships" r:blip="">
+            <dgm:adjLst/>
+          </dgm:shape>
+          <dgm:presOf axis="self"/>
+          <dgm:constrLst/>
+          <dgm:ruleLst/>
+        </dgm:layoutNode>
+      </dgm:forEach>
+    </dgm:forEach>
+  </dgm:layoutNode>
+  <dgm:extLst>
+    <a:ext uri="{68A01E43-0DF5-4B5B-8FA6-DAF915123BFB}">
+      <dgm1612:lstStyle xmlns:dgm1612="http://schemas.microsoft.com/office/drawing/2016/12/diagram">
+        <a:lvl1pPr>
+          <a:lnSpc>
+            <a:spcPct val="100000"/>
+          </a:lnSpc>
+        </a:lvl1pPr>
+        <a:lvl2pPr>
+          <a:lnSpc>
+            <a:spcPct val="100000"/>
+          </a:lnSpc>
+        </a:lvl2pPr>
+      </dgm1612:lstStyle>
+    </a:ext>
+  </dgm:extLst>
+</dgm:layoutDef>
+</file>
+
+<file path=ppt/diagrams/layout3.xml><?xml version="1.0" encoding="utf-8"?>
 <dgm:layoutDef xmlns:dgm="http://schemas.openxmlformats.org/drawingml/2006/diagram" xmlns:a="http://schemas.openxmlformats.org/drawingml/2006/main" uniqueId="urn:microsoft.com/office/officeart/2005/8/layout/vList4">
   <dgm:title val=""/>
   <dgm:desc val=""/>
@@ -5992,6 +8016,1040 @@
 </dgm:styleDef>
 </file>
 
+<file path=ppt/diagrams/quickStyle3.xml><?xml version="1.0" encoding="utf-8"?>
+<dgm:styleDef xmlns:dgm="http://schemas.openxmlformats.org/drawingml/2006/diagram" xmlns:a="http://schemas.openxmlformats.org/drawingml/2006/main" uniqueId="urn:microsoft.com/office/officeart/2005/8/quickstyle/simple1">
+  <dgm:title val=""/>
+  <dgm:desc val=""/>
+  <dgm:catLst>
+    <dgm:cat type="simple" pri="10100"/>
+  </dgm:catLst>
+  <dgm:scene3d>
+    <a:camera prst="orthographicFront"/>
+    <a:lightRig rig="threePt" dir="t"/>
+  </dgm:scene3d>
+  <dgm:styleLbl name="node0">
+    <dgm:scene3d>
+      <a:camera prst="orthographicFront"/>
+      <a:lightRig rig="threePt" dir="t"/>
+    </dgm:scene3d>
+    <dgm:sp3d/>
+    <dgm:txPr/>
+    <dgm:style>
+      <a:lnRef idx="2">
+        <a:scrgbClr r="0" g="0" b="0"/>
+      </a:lnRef>
+      <a:fillRef idx="1">
+        <a:scrgbClr r="0" g="0" b="0"/>
+      </a:fillRef>
+      <a:effectRef idx="0">
+        <a:scrgbClr r="0" g="0" b="0"/>
+      </a:effectRef>
+      <a:fontRef idx="minor">
+        <a:schemeClr val="lt1"/>
+      </a:fontRef>
+    </dgm:style>
+  </dgm:styleLbl>
+  <dgm:styleLbl name="lnNode1">
+    <dgm:scene3d>
+      <a:camera prst="orthographicFront"/>
+      <a:lightRig rig="threePt" dir="t"/>
+    </dgm:scene3d>
+    <dgm:sp3d/>
+    <dgm:txPr/>
+    <dgm:style>
+      <a:lnRef idx="2">
+        <a:scrgbClr r="0" g="0" b="0"/>
+      </a:lnRef>
+      <a:fillRef idx="1">
+        <a:scrgbClr r="0" g="0" b="0"/>
+      </a:fillRef>
+      <a:effectRef idx="0">
+        <a:scrgbClr r="0" g="0" b="0"/>
+      </a:effectRef>
+      <a:fontRef idx="minor">
+        <a:schemeClr val="lt1"/>
+      </a:fontRef>
+    </dgm:style>
+  </dgm:styleLbl>
+  <dgm:styleLbl name="vennNode1">
+    <dgm:scene3d>
+      <a:camera prst="orthographicFront"/>
+      <a:lightRig rig="threePt" dir="t"/>
+    </dgm:scene3d>
+    <dgm:sp3d/>
+    <dgm:txPr/>
+    <dgm:style>
+      <a:lnRef idx="2">
+        <a:scrgbClr r="0" g="0" b="0"/>
+      </a:lnRef>
+      <a:fillRef idx="1">
+        <a:scrgbClr r="0" g="0" b="0"/>
+      </a:fillRef>
+      <a:effectRef idx="0">
+        <a:scrgbClr r="0" g="0" b="0"/>
+      </a:effectRef>
+      <a:fontRef idx="minor">
+        <a:schemeClr val="tx1"/>
+      </a:fontRef>
+    </dgm:style>
+  </dgm:styleLbl>
+  <dgm:styleLbl name="alignNode1">
+    <dgm:scene3d>
+      <a:camera prst="orthographicFront"/>
+      <a:lightRig rig="threePt" dir="t"/>
+    </dgm:scene3d>
+    <dgm:sp3d/>
+    <dgm:txPr/>
+    <dgm:style>
+      <a:lnRef idx="2">
+        <a:scrgbClr r="0" g="0" b="0"/>
+      </a:lnRef>
+      <a:fillRef idx="1">
+        <a:scrgbClr r="0" g="0" b="0"/>
+      </a:fillRef>
+      <a:effectRef idx="0">
+        <a:scrgbClr r="0" g="0" b="0"/>
+      </a:effectRef>
+      <a:fontRef idx="minor">
+        <a:schemeClr val="lt1"/>
+      </a:fontRef>
+    </dgm:style>
+  </dgm:styleLbl>
+  <dgm:styleLbl name="node1">
+    <dgm:scene3d>
+      <a:camera prst="orthographicFront"/>
+      <a:lightRig rig="threePt" dir="t"/>
+    </dgm:scene3d>
+    <dgm:sp3d/>
+    <dgm:txPr/>
+    <dgm:style>
+      <a:lnRef idx="2">
+        <a:scrgbClr r="0" g="0" b="0"/>
+      </a:lnRef>
+      <a:fillRef idx="1">
+        <a:scrgbClr r="0" g="0" b="0"/>
+      </a:fillRef>
+      <a:effectRef idx="0">
+        <a:scrgbClr r="0" g="0" b="0"/>
+      </a:effectRef>
+      <a:fontRef idx="minor">
+        <a:schemeClr val="lt1"/>
+      </a:fontRef>
+    </dgm:style>
+  </dgm:styleLbl>
+  <dgm:styleLbl name="node2">
+    <dgm:scene3d>
+      <a:camera prst="orthographicFront"/>
+      <a:lightRig rig="threePt" dir="t"/>
+    </dgm:scene3d>
+    <dgm:sp3d/>
+    <dgm:txPr/>
+    <dgm:style>
+      <a:lnRef idx="2">
+        <a:scrgbClr r="0" g="0" b="0"/>
+      </a:lnRef>
+      <a:fillRef idx="1">
+        <a:scrgbClr r="0" g="0" b="0"/>
+      </a:fillRef>
+      <a:effectRef idx="0">
+        <a:scrgbClr r="0" g="0" b="0"/>
+      </a:effectRef>
+      <a:fontRef idx="minor">
+        <a:schemeClr val="lt1"/>
+      </a:fontRef>
+    </dgm:style>
+  </dgm:styleLbl>
+  <dgm:styleLbl name="node3">
+    <dgm:scene3d>
+      <a:camera prst="orthographicFront"/>
+      <a:lightRig rig="threePt" dir="t"/>
+    </dgm:scene3d>
+    <dgm:sp3d/>
+    <dgm:txPr/>
+    <dgm:style>
+      <a:lnRef idx="2">
+        <a:scrgbClr r="0" g="0" b="0"/>
+      </a:lnRef>
+      <a:fillRef idx="1">
+        <a:scrgbClr r="0" g="0" b="0"/>
+      </a:fillRef>
+      <a:effectRef idx="0">
+        <a:scrgbClr r="0" g="0" b="0"/>
+      </a:effectRef>
+      <a:fontRef idx="minor">
+        <a:schemeClr val="lt1"/>
+      </a:fontRef>
+    </dgm:style>
+  </dgm:styleLbl>
+  <dgm:styleLbl name="node4">
+    <dgm:scene3d>
+      <a:camera prst="orthographicFront"/>
+      <a:lightRig rig="threePt" dir="t"/>
+    </dgm:scene3d>
+    <dgm:sp3d/>
+    <dgm:txPr/>
+    <dgm:style>
+      <a:lnRef idx="2">
+        <a:scrgbClr r="0" g="0" b="0"/>
+      </a:lnRef>
+      <a:fillRef idx="1">
+        <a:scrgbClr r="0" g="0" b="0"/>
+      </a:fillRef>
+      <a:effectRef idx="0">
+        <a:scrgbClr r="0" g="0" b="0"/>
+      </a:effectRef>
+      <a:fontRef idx="minor">
+        <a:schemeClr val="lt1"/>
+      </a:fontRef>
+    </dgm:style>
+  </dgm:styleLbl>
+  <dgm:styleLbl name="fgImgPlace1">
+    <dgm:scene3d>
+      <a:camera prst="orthographicFront"/>
+      <a:lightRig rig="threePt" dir="t"/>
+    </dgm:scene3d>
+    <dgm:sp3d/>
+    <dgm:txPr/>
+    <dgm:style>
+      <a:lnRef idx="2">
+        <a:scrgbClr r="0" g="0" b="0"/>
+      </a:lnRef>
+      <a:fillRef idx="1">
+        <a:scrgbClr r="0" g="0" b="0"/>
+      </a:fillRef>
+      <a:effectRef idx="0">
+        <a:scrgbClr r="0" g="0" b="0"/>
+      </a:effectRef>
+      <a:fontRef idx="minor"/>
+    </dgm:style>
+  </dgm:styleLbl>
+  <dgm:styleLbl name="alignImgPlace1">
+    <dgm:scene3d>
+      <a:camera prst="orthographicFront"/>
+      <a:lightRig rig="threePt" dir="t"/>
+    </dgm:scene3d>
+    <dgm:sp3d/>
+    <dgm:txPr/>
+    <dgm:style>
+      <a:lnRef idx="2">
+        <a:scrgbClr r="0" g="0" b="0"/>
+      </a:lnRef>
+      <a:fillRef idx="1">
+        <a:scrgbClr r="0" g="0" b="0"/>
+      </a:fillRef>
+      <a:effectRef idx="0">
+        <a:scrgbClr r="0" g="0" b="0"/>
+      </a:effectRef>
+      <a:fontRef idx="minor"/>
+    </dgm:style>
+  </dgm:styleLbl>
+  <dgm:styleLbl name="bgImgPlace1">
+    <dgm:scene3d>
+      <a:camera prst="orthographicFront"/>
+      <a:lightRig rig="threePt" dir="t"/>
+    </dgm:scene3d>
+    <dgm:sp3d/>
+    <dgm:txPr/>
+    <dgm:style>
+      <a:lnRef idx="2">
+        <a:scrgbClr r="0" g="0" b="0"/>
+      </a:lnRef>
+      <a:fillRef idx="1">
+        <a:scrgbClr r="0" g="0" b="0"/>
+      </a:fillRef>
+      <a:effectRef idx="0">
+        <a:scrgbClr r="0" g="0" b="0"/>
+      </a:effectRef>
+      <a:fontRef idx="minor"/>
+    </dgm:style>
+  </dgm:styleLbl>
+  <dgm:styleLbl name="sibTrans2D1">
+    <dgm:scene3d>
+      <a:camera prst="orthographicFront"/>
+      <a:lightRig rig="threePt" dir="t"/>
+    </dgm:scene3d>
+    <dgm:sp3d/>
+    <dgm:txPr/>
+    <dgm:style>
+      <a:lnRef idx="0">
+        <a:scrgbClr r="0" g="0" b="0"/>
+      </a:lnRef>
+      <a:fillRef idx="1">
+        <a:scrgbClr r="0" g="0" b="0"/>
+      </a:fillRef>
+      <a:effectRef idx="0">
+        <a:scrgbClr r="0" g="0" b="0"/>
+      </a:effectRef>
+      <a:fontRef idx="minor">
+        <a:schemeClr val="lt1"/>
+      </a:fontRef>
+    </dgm:style>
+  </dgm:styleLbl>
+  <dgm:styleLbl name="fgSibTrans2D1">
+    <dgm:scene3d>
+      <a:camera prst="orthographicFront"/>
+      <a:lightRig rig="threePt" dir="t"/>
+    </dgm:scene3d>
+    <dgm:sp3d/>
+    <dgm:txPr/>
+    <dgm:style>
+      <a:lnRef idx="0">
+        <a:scrgbClr r="0" g="0" b="0"/>
+      </a:lnRef>
+      <a:fillRef idx="1">
+        <a:scrgbClr r="0" g="0" b="0"/>
+      </a:fillRef>
+      <a:effectRef idx="0">
+        <a:scrgbClr r="0" g="0" b="0"/>
+      </a:effectRef>
+      <a:fontRef idx="minor">
+        <a:schemeClr val="lt1"/>
+      </a:fontRef>
+    </dgm:style>
+  </dgm:styleLbl>
+  <dgm:styleLbl name="bgSibTrans2D1">
+    <dgm:scene3d>
+      <a:camera prst="orthographicFront"/>
+      <a:lightRig rig="threePt" dir="t"/>
+    </dgm:scene3d>
+    <dgm:sp3d/>
+    <dgm:txPr/>
+    <dgm:style>
+      <a:lnRef idx="0">
+        <a:scrgbClr r="0" g="0" b="0"/>
+      </a:lnRef>
+      <a:fillRef idx="1">
+        <a:scrgbClr r="0" g="0" b="0"/>
+      </a:fillRef>
+      <a:effectRef idx="0">
+        <a:scrgbClr r="0" g="0" b="0"/>
+      </a:effectRef>
+      <a:fontRef idx="minor">
+        <a:schemeClr val="lt1"/>
+      </a:fontRef>
+    </dgm:style>
+  </dgm:styleLbl>
+  <dgm:styleLbl name="sibTrans1D1">
+    <dgm:scene3d>
+      <a:camera prst="orthographicFront"/>
+      <a:lightRig rig="threePt" dir="t"/>
+    </dgm:scene3d>
+    <dgm:sp3d/>
+    <dgm:txPr/>
+    <dgm:style>
+      <a:lnRef idx="1">
+        <a:scrgbClr r="0" g="0" b="0"/>
+      </a:lnRef>
+      <a:fillRef idx="0">
+        <a:scrgbClr r="0" g="0" b="0"/>
+      </a:fillRef>
+      <a:effectRef idx="0">
+        <a:scrgbClr r="0" g="0" b="0"/>
+      </a:effectRef>
+      <a:fontRef idx="minor"/>
+    </dgm:style>
+  </dgm:styleLbl>
+  <dgm:styleLbl name="callout">
+    <dgm:scene3d>
+      <a:camera prst="orthographicFront"/>
+      <a:lightRig rig="threePt" dir="t"/>
+    </dgm:scene3d>
+    <dgm:sp3d/>
+    <dgm:txPr/>
+    <dgm:style>
+      <a:lnRef idx="2">
+        <a:scrgbClr r="0" g="0" b="0"/>
+      </a:lnRef>
+      <a:fillRef idx="1">
+        <a:scrgbClr r="0" g="0" b="0"/>
+      </a:fillRef>
+      <a:effectRef idx="0">
+        <a:scrgbClr r="0" g="0" b="0"/>
+      </a:effectRef>
+      <a:fontRef idx="minor"/>
+    </dgm:style>
+  </dgm:styleLbl>
+  <dgm:styleLbl name="asst0">
+    <dgm:scene3d>
+      <a:camera prst="orthographicFront"/>
+      <a:lightRig rig="threePt" dir="t"/>
+    </dgm:scene3d>
+    <dgm:sp3d/>
+    <dgm:txPr/>
+    <dgm:style>
+      <a:lnRef idx="2">
+        <a:scrgbClr r="0" g="0" b="0"/>
+      </a:lnRef>
+      <a:fillRef idx="1">
+        <a:scrgbClr r="0" g="0" b="0"/>
+      </a:fillRef>
+      <a:effectRef idx="0">
+        <a:scrgbClr r="0" g="0" b="0"/>
+      </a:effectRef>
+      <a:fontRef idx="minor">
+        <a:schemeClr val="lt1"/>
+      </a:fontRef>
+    </dgm:style>
+  </dgm:styleLbl>
+  <dgm:styleLbl name="asst1">
+    <dgm:scene3d>
+      <a:camera prst="orthographicFront"/>
+      <a:lightRig rig="threePt" dir="t"/>
+    </dgm:scene3d>
+    <dgm:sp3d/>
+    <dgm:txPr/>
+    <dgm:style>
+      <a:lnRef idx="2">
+        <a:scrgbClr r="0" g="0" b="0"/>
+      </a:lnRef>
+      <a:fillRef idx="1">
+        <a:scrgbClr r="0" g="0" b="0"/>
+      </a:fillRef>
+      <a:effectRef idx="0">
+        <a:scrgbClr r="0" g="0" b="0"/>
+      </a:effectRef>
+      <a:fontRef idx="minor">
+        <a:schemeClr val="lt1"/>
+      </a:fontRef>
+    </dgm:style>
+  </dgm:styleLbl>
+  <dgm:styleLbl name="asst2">
+    <dgm:scene3d>
+      <a:camera prst="orthographicFront"/>
+      <a:lightRig rig="threePt" dir="t"/>
+    </dgm:scene3d>
+    <dgm:sp3d/>
+    <dgm:txPr/>
+    <dgm:style>
+      <a:lnRef idx="2">
+        <a:scrgbClr r="0" g="0" b="0"/>
+      </a:lnRef>
+      <a:fillRef idx="1">
+        <a:scrgbClr r="0" g="0" b="0"/>
+      </a:fillRef>
+      <a:effectRef idx="0">
+        <a:scrgbClr r="0" g="0" b="0"/>
+      </a:effectRef>
+      <a:fontRef idx="minor">
+        <a:schemeClr val="lt1"/>
+      </a:fontRef>
+    </dgm:style>
+  </dgm:styleLbl>
+  <dgm:styleLbl name="asst3">
+    <dgm:scene3d>
+      <a:camera prst="orthographicFront"/>
+      <a:lightRig rig="threePt" dir="t"/>
+    </dgm:scene3d>
+    <dgm:sp3d/>
+    <dgm:txPr/>
+    <dgm:style>
+      <a:lnRef idx="2">
+        <a:scrgbClr r="0" g="0" b="0"/>
+      </a:lnRef>
+      <a:fillRef idx="1">
+        <a:scrgbClr r="0" g="0" b="0"/>
+      </a:fillRef>
+      <a:effectRef idx="0">
+        <a:scrgbClr r="0" g="0" b="0"/>
+      </a:effectRef>
+      <a:fontRef idx="minor">
+        <a:schemeClr val="lt1"/>
+      </a:fontRef>
+    </dgm:style>
+  </dgm:styleLbl>
+  <dgm:styleLbl name="asst4">
+    <dgm:scene3d>
+      <a:camera prst="orthographicFront"/>
+      <a:lightRig rig="threePt" dir="t"/>
+    </dgm:scene3d>
+    <dgm:sp3d/>
+    <dgm:txPr/>
+    <dgm:style>
+      <a:lnRef idx="2">
+        <a:scrgbClr r="0" g="0" b="0"/>
+      </a:lnRef>
+      <a:fillRef idx="1">
+        <a:scrgbClr r="0" g="0" b="0"/>
+      </a:fillRef>
+      <a:effectRef idx="0">
+        <a:scrgbClr r="0" g="0" b="0"/>
+      </a:effectRef>
+      <a:fontRef idx="minor">
+        <a:schemeClr val="lt1"/>
+      </a:fontRef>
+    </dgm:style>
+  </dgm:styleLbl>
+  <dgm:styleLbl name="parChTrans2D1">
+    <dgm:scene3d>
+      <a:camera prst="orthographicFront"/>
+      <a:lightRig rig="threePt" dir="t"/>
+    </dgm:scene3d>
+    <dgm:sp3d/>
+    <dgm:txPr/>
+    <dgm:style>
+      <a:lnRef idx="2">
+        <a:scrgbClr r="0" g="0" b="0"/>
+      </a:lnRef>
+      <a:fillRef idx="1">
+        <a:scrgbClr r="0" g="0" b="0"/>
+      </a:fillRef>
+      <a:effectRef idx="0">
+        <a:scrgbClr r="0" g="0" b="0"/>
+      </a:effectRef>
+      <a:fontRef idx="minor">
+        <a:schemeClr val="lt1"/>
+      </a:fontRef>
+    </dgm:style>
+  </dgm:styleLbl>
+  <dgm:styleLbl name="parChTrans2D2">
+    <dgm:scene3d>
+      <a:camera prst="orthographicFront"/>
+      <a:lightRig rig="threePt" dir="t"/>
+    </dgm:scene3d>
+    <dgm:sp3d/>
+    <dgm:txPr/>
+    <dgm:style>
+      <a:lnRef idx="2">
+        <a:scrgbClr r="0" g="0" b="0"/>
+      </a:lnRef>
+      <a:fillRef idx="1">
+        <a:scrgbClr r="0" g="0" b="0"/>
+      </a:fillRef>
+      <a:effectRef idx="0">
+        <a:scrgbClr r="0" g="0" b="0"/>
+      </a:effectRef>
+      <a:fontRef idx="minor">
+        <a:schemeClr val="lt1"/>
+      </a:fontRef>
+    </dgm:style>
+  </dgm:styleLbl>
+  <dgm:styleLbl name="parChTrans2D3">
+    <dgm:scene3d>
+      <a:camera prst="orthographicFront"/>
+      <a:lightRig rig="threePt" dir="t"/>
+    </dgm:scene3d>
+    <dgm:sp3d/>
+    <dgm:txPr/>
+    <dgm:style>
+      <a:lnRef idx="2">
+        <a:scrgbClr r="0" g="0" b="0"/>
+      </a:lnRef>
+      <a:fillRef idx="1">
+        <a:scrgbClr r="0" g="0" b="0"/>
+      </a:fillRef>
+      <a:effectRef idx="0">
+        <a:scrgbClr r="0" g="0" b="0"/>
+      </a:effectRef>
+      <a:fontRef idx="minor">
+        <a:schemeClr val="lt1"/>
+      </a:fontRef>
+    </dgm:style>
+  </dgm:styleLbl>
+  <dgm:styleLbl name="parChTrans2D4">
+    <dgm:scene3d>
+      <a:camera prst="orthographicFront"/>
+      <a:lightRig rig="threePt" dir="t"/>
+    </dgm:scene3d>
+    <dgm:sp3d/>
+    <dgm:txPr/>
+    <dgm:style>
+      <a:lnRef idx="2">
+        <a:scrgbClr r="0" g="0" b="0"/>
+      </a:lnRef>
+      <a:fillRef idx="1">
+        <a:scrgbClr r="0" g="0" b="0"/>
+      </a:fillRef>
+      <a:effectRef idx="0">
+        <a:scrgbClr r="0" g="0" b="0"/>
+      </a:effectRef>
+      <a:fontRef idx="minor">
+        <a:schemeClr val="lt1"/>
+      </a:fontRef>
+    </dgm:style>
+  </dgm:styleLbl>
+  <dgm:styleLbl name="parChTrans1D1">
+    <dgm:scene3d>
+      <a:camera prst="orthographicFront"/>
+      <a:lightRig rig="threePt" dir="t"/>
+    </dgm:scene3d>
+    <dgm:sp3d/>
+    <dgm:txPr/>
+    <dgm:style>
+      <a:lnRef idx="2">
+        <a:scrgbClr r="0" g="0" b="0"/>
+      </a:lnRef>
+      <a:fillRef idx="0">
+        <a:scrgbClr r="0" g="0" b="0"/>
+      </a:fillRef>
+      <a:effectRef idx="0">
+        <a:scrgbClr r="0" g="0" b="0"/>
+      </a:effectRef>
+      <a:fontRef idx="minor"/>
+    </dgm:style>
+  </dgm:styleLbl>
+  <dgm:styleLbl name="parChTrans1D2">
+    <dgm:scene3d>
+      <a:camera prst="orthographicFront"/>
+      <a:lightRig rig="threePt" dir="t"/>
+    </dgm:scene3d>
+    <dgm:sp3d/>
+    <dgm:txPr/>
+    <dgm:style>
+      <a:lnRef idx="2">
+        <a:scrgbClr r="0" g="0" b="0"/>
+      </a:lnRef>
+      <a:fillRef idx="0">
+        <a:scrgbClr r="0" g="0" b="0"/>
+      </a:fillRef>
+      <a:effectRef idx="0">
+        <a:scrgbClr r="0" g="0" b="0"/>
+      </a:effectRef>
+      <a:fontRef idx="minor"/>
+    </dgm:style>
+  </dgm:styleLbl>
+  <dgm:styleLbl name="parChTrans1D3">
+    <dgm:scene3d>
+      <a:camera prst="orthographicFront"/>
+      <a:lightRig rig="threePt" dir="t"/>
+    </dgm:scene3d>
+    <dgm:sp3d/>
+    <dgm:txPr/>
+    <dgm:style>
+      <a:lnRef idx="2">
+        <a:scrgbClr r="0" g="0" b="0"/>
+      </a:lnRef>
+      <a:fillRef idx="0">
+        <a:scrgbClr r="0" g="0" b="0"/>
+      </a:fillRef>
+      <a:effectRef idx="0">
+        <a:scrgbClr r="0" g="0" b="0"/>
+      </a:effectRef>
+      <a:fontRef idx="minor"/>
+    </dgm:style>
+  </dgm:styleLbl>
+  <dgm:styleLbl name="parChTrans1D4">
+    <dgm:scene3d>
+      <a:camera prst="orthographicFront"/>
+      <a:lightRig rig="threePt" dir="t"/>
+    </dgm:scene3d>
+    <dgm:sp3d/>
+    <dgm:txPr/>
+    <dgm:style>
+      <a:lnRef idx="2">
+        <a:scrgbClr r="0" g="0" b="0"/>
+      </a:lnRef>
+      <a:fillRef idx="0">
+        <a:scrgbClr r="0" g="0" b="0"/>
+      </a:fillRef>
+      <a:effectRef idx="0">
+        <a:scrgbClr r="0" g="0" b="0"/>
+      </a:effectRef>
+      <a:fontRef idx="minor"/>
+    </dgm:style>
+  </dgm:styleLbl>
+  <dgm:styleLbl name="fgAcc1">
+    <dgm:scene3d>
+      <a:camera prst="orthographicFront"/>
+      <a:lightRig rig="threePt" dir="t"/>
+    </dgm:scene3d>
+    <dgm:sp3d/>
+    <dgm:txPr/>
+    <dgm:style>
+      <a:lnRef idx="2">
+        <a:scrgbClr r="0" g="0" b="0"/>
+      </a:lnRef>
+      <a:fillRef idx="1">
+        <a:scrgbClr r="0" g="0" b="0"/>
+      </a:fillRef>
+      <a:effectRef idx="0">
+        <a:scrgbClr r="0" g="0" b="0"/>
+      </a:effectRef>
+      <a:fontRef idx="minor"/>
+    </dgm:style>
+  </dgm:styleLbl>
+  <dgm:styleLbl name="conFgAcc1">
+    <dgm:scene3d>
+      <a:camera prst="orthographicFront"/>
+      <a:lightRig rig="threePt" dir="t"/>
+    </dgm:scene3d>
+    <dgm:sp3d/>
+    <dgm:txPr/>
+    <dgm:style>
+      <a:lnRef idx="2">
+        <a:scrgbClr r="0" g="0" b="0"/>
+      </a:lnRef>
+      <a:fillRef idx="1">
+        <a:scrgbClr r="0" g="0" b="0"/>
+      </a:fillRef>
+      <a:effectRef idx="0">
+        <a:scrgbClr r="0" g="0" b="0"/>
+      </a:effectRef>
+      <a:fontRef idx="minor"/>
+    </dgm:style>
+  </dgm:styleLbl>
+  <dgm:styleLbl name="alignAcc1">
+    <dgm:scene3d>
+      <a:camera prst="orthographicFront"/>
+      <a:lightRig rig="threePt" dir="t"/>
+    </dgm:scene3d>
+    <dgm:sp3d/>
+    <dgm:txPr/>
+    <dgm:style>
+      <a:lnRef idx="2">
+        <a:scrgbClr r="0" g="0" b="0"/>
+      </a:lnRef>
+      <a:fillRef idx="1">
+        <a:scrgbClr r="0" g="0" b="0"/>
+      </a:fillRef>
+      <a:effectRef idx="0">
+        <a:scrgbClr r="0" g="0" b="0"/>
+      </a:effectRef>
+      <a:fontRef idx="minor"/>
+    </dgm:style>
+  </dgm:styleLbl>
+  <dgm:styleLbl name="trAlignAcc1">
+    <dgm:scene3d>
+      <a:camera prst="orthographicFront"/>
+      <a:lightRig rig="threePt" dir="t"/>
+    </dgm:scene3d>
+    <dgm:sp3d/>
+    <dgm:txPr/>
+    <dgm:style>
+      <a:lnRef idx="1">
+        <a:scrgbClr r="0" g="0" b="0"/>
+      </a:lnRef>
+      <a:fillRef idx="1">
+        <a:scrgbClr r="0" g="0" b="0"/>
+      </a:fillRef>
+      <a:effectRef idx="0">
+        <a:scrgbClr r="0" g="0" b="0"/>
+      </a:effectRef>
+      <a:fontRef idx="minor"/>
+    </dgm:style>
+  </dgm:styleLbl>
+  <dgm:styleLbl name="bgAcc1">
+    <dgm:scene3d>
+      <a:camera prst="orthographicFront"/>
+      <a:lightRig rig="threePt" dir="t"/>
+    </dgm:scene3d>
+    <dgm:sp3d/>
+    <dgm:txPr/>
+    <dgm:style>
+      <a:lnRef idx="2">
+        <a:scrgbClr r="0" g="0" b="0"/>
+      </a:lnRef>
+      <a:fillRef idx="1">
+        <a:scrgbClr r="0" g="0" b="0"/>
+      </a:fillRef>
+      <a:effectRef idx="0">
+        <a:scrgbClr r="0" g="0" b="0"/>
+      </a:effectRef>
+      <a:fontRef idx="minor"/>
+    </dgm:style>
+  </dgm:styleLbl>
+  <dgm:styleLbl name="solidFgAcc1">
+    <dgm:scene3d>
+      <a:camera prst="orthographicFront"/>
+      <a:lightRig rig="threePt" dir="t"/>
+    </dgm:scene3d>
+    <dgm:sp3d/>
+    <dgm:txPr/>
+    <dgm:style>
+      <a:lnRef idx="2">
+        <a:scrgbClr r="0" g="0" b="0"/>
+      </a:lnRef>
+      <a:fillRef idx="1">
+        <a:scrgbClr r="0" g="0" b="0"/>
+      </a:fillRef>
+      <a:effectRef idx="0">
+        <a:scrgbClr r="0" g="0" b="0"/>
+      </a:effectRef>
+      <a:fontRef idx="minor"/>
+    </dgm:style>
+  </dgm:styleLbl>
+  <dgm:styleLbl name="solidAlignAcc1">
+    <dgm:scene3d>
+      <a:camera prst="orthographicFront"/>
+      <a:lightRig rig="threePt" dir="t"/>
+    </dgm:scene3d>
+    <dgm:sp3d/>
+    <dgm:txPr/>
+    <dgm:style>
+      <a:lnRef idx="2">
+        <a:scrgbClr r="0" g="0" b="0"/>
+      </a:lnRef>
+      <a:fillRef idx="1">
+        <a:scrgbClr r="0" g="0" b="0"/>
+      </a:fillRef>
+      <a:effectRef idx="0">
+        <a:scrgbClr r="0" g="0" b="0"/>
+      </a:effectRef>
+      <a:fontRef idx="minor"/>
+    </dgm:style>
+  </dgm:styleLbl>
+  <dgm:styleLbl name="solidBgAcc1">
+    <dgm:scene3d>
+      <a:camera prst="orthographicFront"/>
+      <a:lightRig rig="threePt" dir="t"/>
+    </dgm:scene3d>
+    <dgm:sp3d/>
+    <dgm:txPr/>
+    <dgm:style>
+      <a:lnRef idx="2">
+        <a:scrgbClr r="0" g="0" b="0"/>
+      </a:lnRef>
+      <a:fillRef idx="1">
+        <a:scrgbClr r="0" g="0" b="0"/>
+      </a:fillRef>
+      <a:effectRef idx="0">
+        <a:scrgbClr r="0" g="0" b="0"/>
+      </a:effectRef>
+      <a:fontRef idx="minor"/>
+    </dgm:style>
+  </dgm:styleLbl>
+  <dgm:styleLbl name="fgAccFollowNode1">
+    <dgm:scene3d>
+      <a:camera prst="orthographicFront"/>
+      <a:lightRig rig="threePt" dir="t"/>
+    </dgm:scene3d>
+    <dgm:sp3d/>
+    <dgm:txPr/>
+    <dgm:style>
+      <a:lnRef idx="2">
+        <a:scrgbClr r="0" g="0" b="0"/>
+      </a:lnRef>
+      <a:fillRef idx="1">
+        <a:scrgbClr r="0" g="0" b="0"/>
+      </a:fillRef>
+      <a:effectRef idx="0">
+        <a:scrgbClr r="0" g="0" b="0"/>
+      </a:effectRef>
+      <a:fontRef idx="minor"/>
+    </dgm:style>
+  </dgm:styleLbl>
+  <dgm:styleLbl name="alignAccFollowNode1">
+    <dgm:scene3d>
+      <a:camera prst="orthographicFront"/>
+      <a:lightRig rig="threePt" dir="t"/>
+    </dgm:scene3d>
+    <dgm:sp3d/>
+    <dgm:txPr/>
+    <dgm:style>
+      <a:lnRef idx="2">
+        <a:scrgbClr r="0" g="0" b="0"/>
+      </a:lnRef>
+      <a:fillRef idx="1">
+        <a:scrgbClr r="0" g="0" b="0"/>
+      </a:fillRef>
+      <a:effectRef idx="0">
+        <a:scrgbClr r="0" g="0" b="0"/>
+      </a:effectRef>
+      <a:fontRef idx="minor"/>
+    </dgm:style>
+  </dgm:styleLbl>
+  <dgm:styleLbl name="bgAccFollowNode1">
+    <dgm:scene3d>
+      <a:camera prst="orthographicFront"/>
+      <a:lightRig rig="threePt" dir="t"/>
+    </dgm:scene3d>
+    <dgm:sp3d/>
+    <dgm:txPr/>
+    <dgm:style>
+      <a:lnRef idx="2">
+        <a:scrgbClr r="0" g="0" b="0"/>
+      </a:lnRef>
+      <a:fillRef idx="1">
+        <a:scrgbClr r="0" g="0" b="0"/>
+      </a:fillRef>
+      <a:effectRef idx="0">
+        <a:scrgbClr r="0" g="0" b="0"/>
+      </a:effectRef>
+      <a:fontRef idx="minor"/>
+    </dgm:style>
+  </dgm:styleLbl>
+  <dgm:styleLbl name="fgAcc0">
+    <dgm:scene3d>
+      <a:camera prst="orthographicFront"/>
+      <a:lightRig rig="threePt" dir="t"/>
+    </dgm:scene3d>
+    <dgm:sp3d/>
+    <dgm:txPr/>
+    <dgm:style>
+      <a:lnRef idx="2">
+        <a:scrgbClr r="0" g="0" b="0"/>
+      </a:lnRef>
+      <a:fillRef idx="1">
+        <a:scrgbClr r="0" g="0" b="0"/>
+      </a:fillRef>
+      <a:effectRef idx="0">
+        <a:scrgbClr r="0" g="0" b="0"/>
+      </a:effectRef>
+      <a:fontRef idx="minor"/>
+    </dgm:style>
+  </dgm:styleLbl>
+  <dgm:styleLbl name="fgAcc2">
+    <dgm:scene3d>
+      <a:camera prst="orthographicFront"/>
+      <a:lightRig rig="threePt" dir="t"/>
+    </dgm:scene3d>
+    <dgm:sp3d/>
+    <dgm:txPr/>
+    <dgm:style>
+      <a:lnRef idx="2">
+        <a:scrgbClr r="0" g="0" b="0"/>
+      </a:lnRef>
+      <a:fillRef idx="1">
+        <a:scrgbClr r="0" g="0" b="0"/>
+      </a:fillRef>
+      <a:effectRef idx="0">
+        <a:scrgbClr r="0" g="0" b="0"/>
+      </a:effectRef>
+      <a:fontRef idx="minor"/>
+    </dgm:style>
+  </dgm:styleLbl>
+  <dgm:styleLbl name="fgAcc3">
+    <dgm:scene3d>
+      <a:camera prst="orthographicFront"/>
+      <a:lightRig rig="threePt" dir="t"/>
+    </dgm:scene3d>
+    <dgm:sp3d/>
+    <dgm:txPr/>
+    <dgm:style>
+      <a:lnRef idx="2">
+        <a:scrgbClr r="0" g="0" b="0"/>
+      </a:lnRef>
+      <a:fillRef idx="1">
+        <a:scrgbClr r="0" g="0" b="0"/>
+      </a:fillRef>
+      <a:effectRef idx="0">
+        <a:scrgbClr r="0" g="0" b="0"/>
+      </a:effectRef>
+      <a:fontRef idx="minor"/>
+    </dgm:style>
+  </dgm:styleLbl>
+  <dgm:styleLbl name="fgAcc4">
+    <dgm:scene3d>
+      <a:camera prst="orthographicFront"/>
+      <a:lightRig rig="threePt" dir="t"/>
+    </dgm:scene3d>
+    <dgm:sp3d/>
+    <dgm:txPr/>
+    <dgm:style>
+      <a:lnRef idx="2">
+        <a:scrgbClr r="0" g="0" b="0"/>
+      </a:lnRef>
+      <a:fillRef idx="1">
+        <a:scrgbClr r="0" g="0" b="0"/>
+      </a:fillRef>
+      <a:effectRef idx="0">
+        <a:scrgbClr r="0" g="0" b="0"/>
+      </a:effectRef>
+      <a:fontRef idx="minor"/>
+    </dgm:style>
+  </dgm:styleLbl>
+  <dgm:styleLbl name="bgShp">
+    <dgm:scene3d>
+      <a:camera prst="orthographicFront"/>
+      <a:lightRig rig="threePt" dir="t"/>
+    </dgm:scene3d>
+    <dgm:sp3d/>
+    <dgm:txPr/>
+    <dgm:style>
+      <a:lnRef idx="0">
+        <a:scrgbClr r="0" g="0" b="0"/>
+      </a:lnRef>
+      <a:fillRef idx="1">
+        <a:scrgbClr r="0" g="0" b="0"/>
+      </a:fillRef>
+      <a:effectRef idx="0">
+        <a:scrgbClr r="0" g="0" b="0"/>
+      </a:effectRef>
+      <a:fontRef idx="minor"/>
+    </dgm:style>
+  </dgm:styleLbl>
+  <dgm:styleLbl name="dkBgShp">
+    <dgm:scene3d>
+      <a:camera prst="orthographicFront"/>
+      <a:lightRig rig="threePt" dir="t"/>
+    </dgm:scene3d>
+    <dgm:sp3d/>
+    <dgm:txPr/>
+    <dgm:style>
+      <a:lnRef idx="0">
+        <a:scrgbClr r="0" g="0" b="0"/>
+      </a:lnRef>
+      <a:fillRef idx="1">
+        <a:scrgbClr r="0" g="0" b="0"/>
+      </a:fillRef>
+      <a:effectRef idx="0">
+        <a:scrgbClr r="0" g="0" b="0"/>
+      </a:effectRef>
+      <a:fontRef idx="minor"/>
+    </dgm:style>
+  </dgm:styleLbl>
+  <dgm:styleLbl name="trBgShp">
+    <dgm:scene3d>
+      <a:camera prst="orthographicFront"/>
+      <a:lightRig rig="threePt" dir="t"/>
+    </dgm:scene3d>
+    <dgm:sp3d/>
+    <dgm:txPr/>
+    <dgm:style>
+      <a:lnRef idx="0">
+        <a:scrgbClr r="0" g="0" b="0"/>
+      </a:lnRef>
+      <a:fillRef idx="1">
+        <a:scrgbClr r="0" g="0" b="0"/>
+      </a:fillRef>
+      <a:effectRef idx="0">
+        <a:scrgbClr r="0" g="0" b="0"/>
+      </a:effectRef>
+      <a:fontRef idx="minor"/>
+    </dgm:style>
+  </dgm:styleLbl>
+  <dgm:styleLbl name="fgShp">
+    <dgm:scene3d>
+      <a:camera prst="orthographicFront"/>
+      <a:lightRig rig="threePt" dir="t"/>
+    </dgm:scene3d>
+    <dgm:sp3d/>
+    <dgm:txPr/>
+    <dgm:style>
+      <a:lnRef idx="2">
+        <a:scrgbClr r="0" g="0" b="0"/>
+      </a:lnRef>
+      <a:fillRef idx="1">
+        <a:scrgbClr r="0" g="0" b="0"/>
+      </a:fillRef>
+      <a:effectRef idx="0">
+        <a:scrgbClr r="0" g="0" b="0"/>
+      </a:effectRef>
+      <a:fontRef idx="minor"/>
+    </dgm:style>
+  </dgm:styleLbl>
+  <dgm:styleLbl name="revTx">
+    <dgm:scene3d>
+      <a:camera prst="orthographicFront"/>
+      <a:lightRig rig="threePt" dir="t"/>
+    </dgm:scene3d>
+    <dgm:sp3d/>
+    <dgm:txPr/>
+    <dgm:style>
+      <a:lnRef idx="0">
+        <a:scrgbClr r="0" g="0" b="0"/>
+      </a:lnRef>
+      <a:fillRef idx="0">
+        <a:scrgbClr r="0" g="0" b="0"/>
+      </a:fillRef>
+      <a:effectRef idx="0">
+        <a:scrgbClr r="0" g="0" b="0"/>
+      </a:effectRef>
+      <a:fontRef idx="minor"/>
+    </dgm:style>
+  </dgm:styleLbl>
+</dgm:styleDef>
+</file>
+
 <file path=ppt/slideLayouts/slideLayout1.xml><?xml version="1.0" encoding="utf-8"?>
 <p:sldLayout xmlns:a="http://schemas.openxmlformats.org/drawingml/2006/main" xmlns:r="http://schemas.openxmlformats.org/officeDocument/2006/relationships" xmlns:p="http://schemas.openxmlformats.org/presentationml/2006/main" type="title" preserve="1">
   <p:cSld name="Diapositiva titolo">
@@ -6180,7 +9238,7 @@
           <a:p>
             <a:fld id="{9B8746E3-48A3-4D71-8E7E-F2042DC1B749}" type="datetimeFigureOut">
               <a:rPr lang="it-IT" smtClean="0"/>
-              <a:t>28/01/2026</a:t>
+              <a:t>29/01/2026</a:t>
             </a:fld>
             <a:endParaRPr lang="it-IT"/>
           </a:p>
@@ -6525,7 +9583,7 @@
           <a:p>
             <a:fld id="{9B8746E3-48A3-4D71-8E7E-F2042DC1B749}" type="datetimeFigureOut">
               <a:rPr lang="it-IT" smtClean="0"/>
-              <a:t>28/01/2026</a:t>
+              <a:t>29/01/2026</a:t>
             </a:fld>
             <a:endParaRPr lang="it-IT"/>
           </a:p>
@@ -6926,7 +9984,7 @@
           <a:p>
             <a:fld id="{9B8746E3-48A3-4D71-8E7E-F2042DC1B749}" type="datetimeFigureOut">
               <a:rPr lang="it-IT" smtClean="0"/>
-              <a:t>28/01/2026</a:t>
+              <a:t>29/01/2026</a:t>
             </a:fld>
             <a:endParaRPr lang="it-IT"/>
           </a:p>
@@ -7262,7 +10320,7 @@
           <a:p>
             <a:fld id="{9B8746E3-48A3-4D71-8E7E-F2042DC1B749}" type="datetimeFigureOut">
               <a:rPr lang="it-IT" smtClean="0"/>
-              <a:t>28/01/2026</a:t>
+              <a:t>29/01/2026</a:t>
             </a:fld>
             <a:endParaRPr lang="it-IT"/>
           </a:p>
@@ -7582,7 +10640,7 @@
           <a:p>
             <a:fld id="{9B8746E3-48A3-4D71-8E7E-F2042DC1B749}" type="datetimeFigureOut">
               <a:rPr lang="it-IT" smtClean="0"/>
-              <a:t>28/01/2026</a:t>
+              <a:t>29/01/2026</a:t>
             </a:fld>
             <a:endParaRPr lang="it-IT"/>
           </a:p>
@@ -7978,7 +11036,7 @@
           <a:p>
             <a:fld id="{9B8746E3-48A3-4D71-8E7E-F2042DC1B749}" type="datetimeFigureOut">
               <a:rPr lang="it-IT" smtClean="0"/>
-              <a:t>28/01/2026</a:t>
+              <a:t>29/01/2026</a:t>
             </a:fld>
             <a:endParaRPr lang="it-IT"/>
           </a:p>
@@ -8235,7 +11293,7 @@
           <a:p>
             <a:fld id="{9B8746E3-48A3-4D71-8E7E-F2042DC1B749}" type="datetimeFigureOut">
               <a:rPr lang="it-IT" smtClean="0"/>
-              <a:t>28/01/2026</a:t>
+              <a:t>29/01/2026</a:t>
             </a:fld>
             <a:endParaRPr lang="it-IT"/>
           </a:p>
@@ -8497,7 +11555,7 @@
           <a:p>
             <a:fld id="{9B8746E3-48A3-4D71-8E7E-F2042DC1B749}" type="datetimeFigureOut">
               <a:rPr lang="it-IT" smtClean="0"/>
-              <a:t>28/01/2026</a:t>
+              <a:t>29/01/2026</a:t>
             </a:fld>
             <a:endParaRPr lang="it-IT"/>
           </a:p>
@@ -8759,7 +11817,7 @@
           <a:p>
             <a:fld id="{9B8746E3-48A3-4D71-8E7E-F2042DC1B749}" type="datetimeFigureOut">
               <a:rPr lang="it-IT" smtClean="0"/>
-              <a:t>28/01/2026</a:t>
+              <a:t>29/01/2026</a:t>
             </a:fld>
             <a:endParaRPr lang="it-IT"/>
           </a:p>
@@ -9088,7 +12146,7 @@
           <a:p>
             <a:fld id="{9B8746E3-48A3-4D71-8E7E-F2042DC1B749}" type="datetimeFigureOut">
               <a:rPr lang="it-IT" smtClean="0"/>
-              <a:t>28/01/2026</a:t>
+              <a:t>29/01/2026</a:t>
             </a:fld>
             <a:endParaRPr lang="it-IT"/>
           </a:p>
@@ -9411,7 +12469,7 @@
           <a:p>
             <a:fld id="{9B8746E3-48A3-4D71-8E7E-F2042DC1B749}" type="datetimeFigureOut">
               <a:rPr lang="it-IT" smtClean="0"/>
-              <a:t>28/01/2026</a:t>
+              <a:t>29/01/2026</a:t>
             </a:fld>
             <a:endParaRPr lang="it-IT"/>
           </a:p>
@@ -9868,7 +12926,7 @@
           <a:p>
             <a:fld id="{9B8746E3-48A3-4D71-8E7E-F2042DC1B749}" type="datetimeFigureOut">
               <a:rPr lang="it-IT" smtClean="0"/>
-              <a:t>28/01/2026</a:t>
+              <a:t>29/01/2026</a:t>
             </a:fld>
             <a:endParaRPr lang="it-IT"/>
           </a:p>
@@ -10073,7 +13131,7 @@
           <a:p>
             <a:fld id="{9B8746E3-48A3-4D71-8E7E-F2042DC1B749}" type="datetimeFigureOut">
               <a:rPr lang="it-IT" smtClean="0"/>
-              <a:t>28/01/2026</a:t>
+              <a:t>29/01/2026</a:t>
             </a:fld>
             <a:endParaRPr lang="it-IT"/>
           </a:p>
@@ -10250,7 +13308,7 @@
           <a:p>
             <a:fld id="{9B8746E3-48A3-4D71-8E7E-F2042DC1B749}" type="datetimeFigureOut">
               <a:rPr lang="it-IT" smtClean="0"/>
-              <a:t>28/01/2026</a:t>
+              <a:t>29/01/2026</a:t>
             </a:fld>
             <a:endParaRPr lang="it-IT"/>
           </a:p>
@@ -10583,7 +13641,7 @@
           <a:p>
             <a:fld id="{9B8746E3-48A3-4D71-8E7E-F2042DC1B749}" type="datetimeFigureOut">
               <a:rPr lang="it-IT" smtClean="0"/>
-              <a:t>28/01/2026</a:t>
+              <a:t>29/01/2026</a:t>
             </a:fld>
             <a:endParaRPr lang="it-IT"/>
           </a:p>
@@ -10928,7 +13986,7 @@
           <a:p>
             <a:fld id="{9B8746E3-48A3-4D71-8E7E-F2042DC1B749}" type="datetimeFigureOut">
               <a:rPr lang="it-IT" smtClean="0"/>
-              <a:t>28/01/2026</a:t>
+              <a:t>29/01/2026</a:t>
             </a:fld>
             <a:endParaRPr lang="it-IT"/>
           </a:p>
@@ -13220,7 +16278,7 @@
           <a:p>
             <a:fld id="{9B8746E3-48A3-4D71-8E7E-F2042DC1B749}" type="datetimeFigureOut">
               <a:rPr lang="it-IT" smtClean="0"/>
-              <a:t>28/01/2026</a:t>
+              <a:t>29/01/2026</a:t>
             </a:fld>
             <a:endParaRPr lang="it-IT"/>
           </a:p>
@@ -13811,6 +16869,2966 @@
 <file path=ppt/slides/slide2.xml><?xml version="1.0" encoding="utf-8"?>
 <p:sld xmlns:a="http://schemas.openxmlformats.org/drawingml/2006/main" xmlns:r="http://schemas.openxmlformats.org/officeDocument/2006/relationships" xmlns:p="http://schemas.openxmlformats.org/presentationml/2006/main">
   <p:cSld>
+    <p:bg>
+      <p:bgPr>
+        <a:gradFill rotWithShape="1">
+          <a:gsLst>
+            <a:gs pos="0">
+              <a:schemeClr val="bg2">
+                <a:tint val="90000"/>
+                <a:satMod val="92000"/>
+                <a:lumMod val="120000"/>
+              </a:schemeClr>
+            </a:gs>
+            <a:gs pos="100000">
+              <a:schemeClr val="bg2">
+                <a:shade val="98000"/>
+                <a:satMod val="120000"/>
+                <a:lumMod val="98000"/>
+              </a:schemeClr>
+            </a:gs>
+          </a:gsLst>
+          <a:path path="circle">
+            <a:fillToRect l="50000" t="50000" r="100000" b="100000"/>
+          </a:path>
+        </a:gradFill>
+        <a:effectLst/>
+      </p:bgPr>
+    </p:bg>
+    <p:spTree>
+      <p:nvGrpSpPr>
+        <p:cNvPr id="1" name=""/>
+        <p:cNvGrpSpPr/>
+        <p:nvPr/>
+      </p:nvGrpSpPr>
+      <p:grpSpPr>
+        <a:xfrm>
+          <a:off x="0" y="0"/>
+          <a:ext cx="0" cy="0"/>
+          <a:chOff x="0" y="0"/>
+          <a:chExt cx="0" cy="0"/>
+        </a:xfrm>
+      </p:grpSpPr>
+      <p:sp useBgFill="1">
+        <p:nvSpPr>
+          <p:cNvPr id="12" name="Rectangle 11">
+            <a:extLst>
+              <a:ext uri="{FF2B5EF4-FFF2-40B4-BE49-F238E27FC236}">
+                <a16:creationId xmlns:a16="http://schemas.microsoft.com/office/drawing/2014/main" id="{008ED74B-06F2-4BD5-838F-1AAD0033EF0B}"/>
+              </a:ext>
+              <a:ext uri="{C183D7F6-B498-43B3-948B-1728B52AA6E4}">
+                <adec:decorative xmlns:adec="http://schemas.microsoft.com/office/drawing/2017/decorative" val="1"/>
+              </a:ext>
+            </a:extLst>
+          </p:cNvPr>
+          <p:cNvSpPr>
+            <a:spLocks noGrp="1" noRot="1" noChangeAspect="1" noMove="1" noResize="1" noEditPoints="1" noAdjustHandles="1" noChangeArrowheads="1" noChangeShapeType="1" noTextEdit="1"/>
+          </p:cNvSpPr>
+          <p:nvPr>
+            <p:extLst>
+              <p:ext uri="{386F3935-93C4-4BCD-93E2-E3B085C9AB24}">
+                <p16:designElem xmlns:p16="http://schemas.microsoft.com/office/powerpoint/2015/main" val="1"/>
+              </p:ext>
+            </p:extLst>
+          </p:nvPr>
+        </p:nvSpPr>
+        <p:spPr>
+          <a:xfrm>
+            <a:off x="-7620" y="-1"/>
+            <a:ext cx="12207240" cy="6858001"/>
+          </a:xfrm>
+          <a:prstGeom prst="rect">
+            <a:avLst/>
+          </a:prstGeom>
+          <a:ln>
+            <a:noFill/>
+          </a:ln>
+        </p:spPr>
+        <p:style>
+          <a:lnRef idx="2">
+            <a:schemeClr val="accent1">
+              <a:shade val="50000"/>
+            </a:schemeClr>
+          </a:lnRef>
+          <a:fillRef idx="1">
+            <a:schemeClr val="accent1"/>
+          </a:fillRef>
+          <a:effectRef idx="0">
+            <a:schemeClr val="accent1"/>
+          </a:effectRef>
+          <a:fontRef idx="minor">
+            <a:schemeClr val="lt1"/>
+          </a:fontRef>
+        </p:style>
+        <p:txBody>
+          <a:bodyPr rot="0" spcFirstLastPara="0" vert="horz" wrap="square" lIns="91440" tIns="45720" rIns="91440" bIns="45720" numCol="1" spcCol="0" rtlCol="0" fromWordArt="0" anchor="ctr" anchorCtr="0" forceAA="0" compatLnSpc="1">
+            <a:prstTxWarp prst="textNoShape">
+              <a:avLst/>
+            </a:prstTxWarp>
+            <a:noAutofit/>
+          </a:bodyPr>
+          <a:lstStyle>
+            <a:defPPr>
+              <a:defRPr lang="en-US"/>
+            </a:defPPr>
+            <a:lvl1pPr marL="0" algn="l" defTabSz="914400" rtl="0" eaLnBrk="1" latinLnBrk="0" hangingPunct="1">
+              <a:defRPr sz="1800" kern="1200">
+                <a:solidFill>
+                  <a:schemeClr val="lt1"/>
+                </a:solidFill>
+                <a:latin typeface="+mn-lt"/>
+                <a:ea typeface="+mn-ea"/>
+                <a:cs typeface="+mn-cs"/>
+              </a:defRPr>
+            </a:lvl1pPr>
+            <a:lvl2pPr marL="457200" algn="l" defTabSz="914400" rtl="0" eaLnBrk="1" latinLnBrk="0" hangingPunct="1">
+              <a:defRPr sz="1800" kern="1200">
+                <a:solidFill>
+                  <a:schemeClr val="lt1"/>
+                </a:solidFill>
+                <a:latin typeface="+mn-lt"/>
+                <a:ea typeface="+mn-ea"/>
+                <a:cs typeface="+mn-cs"/>
+              </a:defRPr>
+            </a:lvl2pPr>
+            <a:lvl3pPr marL="914400" algn="l" defTabSz="914400" rtl="0" eaLnBrk="1" latinLnBrk="0" hangingPunct="1">
+              <a:defRPr sz="1800" kern="1200">
+                <a:solidFill>
+                  <a:schemeClr val="lt1"/>
+                </a:solidFill>
+                <a:latin typeface="+mn-lt"/>
+                <a:ea typeface="+mn-ea"/>
+                <a:cs typeface="+mn-cs"/>
+              </a:defRPr>
+            </a:lvl3pPr>
+            <a:lvl4pPr marL="1371600" algn="l" defTabSz="914400" rtl="0" eaLnBrk="1" latinLnBrk="0" hangingPunct="1">
+              <a:defRPr sz="1800" kern="1200">
+                <a:solidFill>
+                  <a:schemeClr val="lt1"/>
+                </a:solidFill>
+                <a:latin typeface="+mn-lt"/>
+                <a:ea typeface="+mn-ea"/>
+                <a:cs typeface="+mn-cs"/>
+              </a:defRPr>
+            </a:lvl4pPr>
+            <a:lvl5pPr marL="1828800" algn="l" defTabSz="914400" rtl="0" eaLnBrk="1" latinLnBrk="0" hangingPunct="1">
+              <a:defRPr sz="1800" kern="1200">
+                <a:solidFill>
+                  <a:schemeClr val="lt1"/>
+                </a:solidFill>
+                <a:latin typeface="+mn-lt"/>
+                <a:ea typeface="+mn-ea"/>
+                <a:cs typeface="+mn-cs"/>
+              </a:defRPr>
+            </a:lvl5pPr>
+            <a:lvl6pPr marL="2286000" algn="l" defTabSz="914400" rtl="0" eaLnBrk="1" latinLnBrk="0" hangingPunct="1">
+              <a:defRPr sz="1800" kern="1200">
+                <a:solidFill>
+                  <a:schemeClr val="lt1"/>
+                </a:solidFill>
+                <a:latin typeface="+mn-lt"/>
+                <a:ea typeface="+mn-ea"/>
+                <a:cs typeface="+mn-cs"/>
+              </a:defRPr>
+            </a:lvl6pPr>
+            <a:lvl7pPr marL="2743200" algn="l" defTabSz="914400" rtl="0" eaLnBrk="1" latinLnBrk="0" hangingPunct="1">
+              <a:defRPr sz="1800" kern="1200">
+                <a:solidFill>
+                  <a:schemeClr val="lt1"/>
+                </a:solidFill>
+                <a:latin typeface="+mn-lt"/>
+                <a:ea typeface="+mn-ea"/>
+                <a:cs typeface="+mn-cs"/>
+              </a:defRPr>
+            </a:lvl7pPr>
+            <a:lvl8pPr marL="3200400" algn="l" defTabSz="914400" rtl="0" eaLnBrk="1" latinLnBrk="0" hangingPunct="1">
+              <a:defRPr sz="1800" kern="1200">
+                <a:solidFill>
+                  <a:schemeClr val="lt1"/>
+                </a:solidFill>
+                <a:latin typeface="+mn-lt"/>
+                <a:ea typeface="+mn-ea"/>
+                <a:cs typeface="+mn-cs"/>
+              </a:defRPr>
+            </a:lvl8pPr>
+            <a:lvl9pPr marL="3657600" algn="l" defTabSz="914400" rtl="0" eaLnBrk="1" latinLnBrk="0" hangingPunct="1">
+              <a:defRPr sz="1800" kern="1200">
+                <a:solidFill>
+                  <a:schemeClr val="lt1"/>
+                </a:solidFill>
+                <a:latin typeface="+mn-lt"/>
+                <a:ea typeface="+mn-ea"/>
+                <a:cs typeface="+mn-cs"/>
+              </a:defRPr>
+            </a:lvl9pPr>
+          </a:lstStyle>
+          <a:p>
+            <a:pPr algn="ctr"/>
+            <a:endParaRPr lang="en-US"/>
+          </a:p>
+        </p:txBody>
+      </p:sp>
+      <p:pic>
+        <p:nvPicPr>
+          <p:cNvPr id="5" name="Segnaposto contenuto 4" descr="Immagine che contiene testo, Carattere, logo, simbolo&#10;&#10;Il contenuto generato dall'IA potrebbe non essere corretto.">
+            <a:extLst>
+              <a:ext uri="{FF2B5EF4-FFF2-40B4-BE49-F238E27FC236}">
+                <a16:creationId xmlns:a16="http://schemas.microsoft.com/office/drawing/2014/main" id="{819A475D-EC4D-C7F7-9724-B05E77370D2F}"/>
+              </a:ext>
+            </a:extLst>
+          </p:cNvPr>
+          <p:cNvPicPr>
+            <a:picLocks noChangeAspect="1"/>
+          </p:cNvPicPr>
+          <p:nvPr/>
+        </p:nvPicPr>
+        <p:blipFill>
+          <a:blip r:embed="rId2">
+            <a:duotone>
+              <a:schemeClr val="bg2">
+                <a:shade val="45000"/>
+                <a:satMod val="135000"/>
+              </a:schemeClr>
+              <a:prstClr val="white"/>
+            </a:duotone>
+            <a:alphaModFix amt="40000"/>
+            <a:extLst>
+              <a:ext uri="{28A0092B-C50C-407E-A947-70E740481C1C}">
+                <a14:useLocalDpi xmlns:a14="http://schemas.microsoft.com/office/drawing/2010/main" val="0"/>
+              </a:ext>
+            </a:extLst>
+          </a:blip>
+          <a:srcRect l="6523" r="6367" b="1"/>
+          <a:stretch>
+            <a:fillRect/>
+          </a:stretch>
+        </p:blipFill>
+        <p:spPr>
+          <a:xfrm>
+            <a:off x="20" y="-10010"/>
+            <a:ext cx="12191980" cy="6857990"/>
+          </a:xfrm>
+          <a:prstGeom prst="rect">
+            <a:avLst/>
+          </a:prstGeom>
+        </p:spPr>
+      </p:pic>
+      <p:grpSp>
+        <p:nvGrpSpPr>
+          <p:cNvPr id="14" name="Group 13">
+            <a:extLst>
+              <a:ext uri="{FF2B5EF4-FFF2-40B4-BE49-F238E27FC236}">
+                <a16:creationId xmlns:a16="http://schemas.microsoft.com/office/drawing/2014/main" id="{E9F586E1-75B5-49B8-9A21-DD14CA0F6955}"/>
+              </a:ext>
+              <a:ext uri="{C183D7F6-B498-43B3-948B-1728B52AA6E4}">
+                <adec:decorative xmlns:adec="http://schemas.microsoft.com/office/drawing/2017/decorative" val="1"/>
+              </a:ext>
+            </a:extLst>
+          </p:cNvPr>
+          <p:cNvGrpSpPr>
+            <a:grpSpLocks noGrp="1" noUngrp="1" noRot="1" noChangeAspect="1" noMove="1" noResize="1"/>
+          </p:cNvGrpSpPr>
+          <p:nvPr>
+            <p:extLst>
+              <p:ext uri="{386F3935-93C4-4BCD-93E2-E3B085C9AB24}">
+                <p16:designElem xmlns:p16="http://schemas.microsoft.com/office/powerpoint/2015/main" val="1"/>
+              </p:ext>
+            </p:extLst>
+          </p:nvPr>
+        </p:nvGrpSpPr>
+        <p:grpSpPr>
+          <a:xfrm>
+            <a:off x="9" y="228600"/>
+            <a:ext cx="2851523" cy="6638625"/>
+            <a:chOff x="2487613" y="285750"/>
+            <a:chExt cx="2428875" cy="5654676"/>
+          </a:xfrm>
+        </p:grpSpPr>
+        <p:sp>
+          <p:nvSpPr>
+            <p:cNvPr id="15" name="Freeform 11">
+              <a:extLst>
+                <a:ext uri="{FF2B5EF4-FFF2-40B4-BE49-F238E27FC236}">
+                  <a16:creationId xmlns:a16="http://schemas.microsoft.com/office/drawing/2014/main" id="{8ECF1231-6B06-42A7-9653-F6A738AACE62}"/>
+                </a:ext>
+                <a:ext uri="{C183D7F6-B498-43B3-948B-1728B52AA6E4}">
+                  <adec:decorative xmlns:adec="http://schemas.microsoft.com/office/drawing/2017/decorative" val="1"/>
+                </a:ext>
+              </a:extLst>
+            </p:cNvPr>
+            <p:cNvSpPr/>
+            <p:nvPr>
+              <p:extLst>
+                <p:ext uri="{386F3935-93C4-4BCD-93E2-E3B085C9AB24}">
+                  <p16:designElem xmlns:p16="http://schemas.microsoft.com/office/powerpoint/2015/main" val="1"/>
+                </p:ext>
+              </p:extLst>
+            </p:nvPr>
+          </p:nvSpPr>
+          <p:spPr bwMode="auto">
+            <a:xfrm>
+              <a:off x="2487613" y="2284413"/>
+              <a:ext cx="85725" cy="533400"/>
+            </a:xfrm>
+            <a:custGeom>
+              <a:avLst/>
+              <a:gdLst/>
+              <a:ahLst/>
+              <a:cxnLst/>
+              <a:rect l="0" t="0" r="r" b="b"/>
+              <a:pathLst>
+                <a:path w="22" h="136">
+                  <a:moveTo>
+                    <a:pt x="22" y="136"/>
+                  </a:moveTo>
+                  <a:cubicBezTo>
+                    <a:pt x="20" y="117"/>
+                    <a:pt x="19" y="99"/>
+                    <a:pt x="17" y="80"/>
+                  </a:cubicBezTo>
+                  <a:cubicBezTo>
+                    <a:pt x="11" y="54"/>
+                    <a:pt x="6" y="27"/>
+                    <a:pt x="0" y="0"/>
+                  </a:cubicBezTo>
+                  <a:cubicBezTo>
+                    <a:pt x="0" y="35"/>
+                    <a:pt x="0" y="35"/>
+                    <a:pt x="0" y="35"/>
+                  </a:cubicBezTo>
+                  <a:cubicBezTo>
+                    <a:pt x="6" y="64"/>
+                    <a:pt x="13" y="94"/>
+                    <a:pt x="20" y="124"/>
+                  </a:cubicBezTo>
+                  <a:cubicBezTo>
+                    <a:pt x="20" y="128"/>
+                    <a:pt x="21" y="132"/>
+                    <a:pt x="22" y="136"/>
+                  </a:cubicBezTo>
+                  <a:close/>
+                </a:path>
+              </a:pathLst>
+            </a:custGeom>
+            <a:solidFill>
+              <a:schemeClr val="tx2">
+                <a:alpha val="20000"/>
+              </a:schemeClr>
+            </a:solidFill>
+            <a:ln>
+              <a:noFill/>
+            </a:ln>
+          </p:spPr>
+          <p:txBody>
+            <a:bodyPr/>
+            <a:lstStyle/>
+            <a:p>
+              <a:endParaRPr lang="it-IT"/>
+            </a:p>
+          </p:txBody>
+        </p:sp>
+        <p:sp>
+          <p:nvSpPr>
+            <p:cNvPr id="16" name="Freeform 12">
+              <a:extLst>
+                <a:ext uri="{FF2B5EF4-FFF2-40B4-BE49-F238E27FC236}">
+                  <a16:creationId xmlns:a16="http://schemas.microsoft.com/office/drawing/2014/main" id="{DD0D424C-4930-4745-B075-4AF5691E38B6}"/>
+                </a:ext>
+                <a:ext uri="{C183D7F6-B498-43B3-948B-1728B52AA6E4}">
+                  <adec:decorative xmlns:adec="http://schemas.microsoft.com/office/drawing/2017/decorative" val="1"/>
+                </a:ext>
+              </a:extLst>
+            </p:cNvPr>
+            <p:cNvSpPr/>
+            <p:nvPr>
+              <p:extLst>
+                <p:ext uri="{386F3935-93C4-4BCD-93E2-E3B085C9AB24}">
+                  <p16:designElem xmlns:p16="http://schemas.microsoft.com/office/powerpoint/2015/main" val="1"/>
+                </p:ext>
+              </p:extLst>
+            </p:nvPr>
+          </p:nvSpPr>
+          <p:spPr bwMode="auto">
+            <a:xfrm>
+              <a:off x="2597151" y="2779713"/>
+              <a:ext cx="550863" cy="1978025"/>
+            </a:xfrm>
+            <a:custGeom>
+              <a:avLst/>
+              <a:gdLst/>
+              <a:ahLst/>
+              <a:cxnLst/>
+              <a:rect l="0" t="0" r="r" b="b"/>
+              <a:pathLst>
+                <a:path w="140" h="504">
+                  <a:moveTo>
+                    <a:pt x="86" y="350"/>
+                  </a:moveTo>
+                  <a:cubicBezTo>
+                    <a:pt x="103" y="402"/>
+                    <a:pt x="120" y="453"/>
+                    <a:pt x="139" y="504"/>
+                  </a:cubicBezTo>
+                  <a:cubicBezTo>
+                    <a:pt x="139" y="495"/>
+                    <a:pt x="139" y="487"/>
+                    <a:pt x="140" y="478"/>
+                  </a:cubicBezTo>
+                  <a:cubicBezTo>
+                    <a:pt x="124" y="435"/>
+                    <a:pt x="109" y="391"/>
+                    <a:pt x="95" y="347"/>
+                  </a:cubicBezTo>
+                  <a:cubicBezTo>
+                    <a:pt x="58" y="233"/>
+                    <a:pt x="27" y="117"/>
+                    <a:pt x="0" y="0"/>
+                  </a:cubicBezTo>
+                  <a:cubicBezTo>
+                    <a:pt x="2" y="20"/>
+                    <a:pt x="4" y="41"/>
+                    <a:pt x="6" y="61"/>
+                  </a:cubicBezTo>
+                  <a:cubicBezTo>
+                    <a:pt x="30" y="158"/>
+                    <a:pt x="56" y="255"/>
+                    <a:pt x="86" y="350"/>
+                  </a:cubicBezTo>
+                  <a:close/>
+                </a:path>
+              </a:pathLst>
+            </a:custGeom>
+            <a:solidFill>
+              <a:schemeClr val="tx2">
+                <a:alpha val="20000"/>
+              </a:schemeClr>
+            </a:solidFill>
+            <a:ln>
+              <a:noFill/>
+            </a:ln>
+          </p:spPr>
+          <p:txBody>
+            <a:bodyPr/>
+            <a:lstStyle/>
+            <a:p>
+              <a:endParaRPr lang="it-IT"/>
+            </a:p>
+          </p:txBody>
+        </p:sp>
+        <p:sp>
+          <p:nvSpPr>
+            <p:cNvPr id="17" name="Freeform 13">
+              <a:extLst>
+                <a:ext uri="{FF2B5EF4-FFF2-40B4-BE49-F238E27FC236}">
+                  <a16:creationId xmlns:a16="http://schemas.microsoft.com/office/drawing/2014/main" id="{8CD110D4-7970-4333-ACA2-F5A0DFCE94F3}"/>
+                </a:ext>
+                <a:ext uri="{C183D7F6-B498-43B3-948B-1728B52AA6E4}">
+                  <adec:decorative xmlns:adec="http://schemas.microsoft.com/office/drawing/2017/decorative" val="1"/>
+                </a:ext>
+              </a:extLst>
+            </p:cNvPr>
+            <p:cNvSpPr/>
+            <p:nvPr>
+              <p:extLst>
+                <p:ext uri="{386F3935-93C4-4BCD-93E2-E3B085C9AB24}">
+                  <p16:designElem xmlns:p16="http://schemas.microsoft.com/office/powerpoint/2015/main" val="1"/>
+                </p:ext>
+              </p:extLst>
+            </p:nvPr>
+          </p:nvSpPr>
+          <p:spPr bwMode="auto">
+            <a:xfrm>
+              <a:off x="3175001" y="4730750"/>
+              <a:ext cx="519113" cy="1209675"/>
+            </a:xfrm>
+            <a:custGeom>
+              <a:avLst/>
+              <a:gdLst/>
+              <a:ahLst/>
+              <a:cxnLst/>
+              <a:rect l="0" t="0" r="r" b="b"/>
+              <a:pathLst>
+                <a:path w="132" h="308">
+                  <a:moveTo>
+                    <a:pt x="8" y="22"/>
+                  </a:moveTo>
+                  <a:cubicBezTo>
+                    <a:pt x="5" y="15"/>
+                    <a:pt x="2" y="8"/>
+                    <a:pt x="0" y="0"/>
+                  </a:cubicBezTo>
+                  <a:cubicBezTo>
+                    <a:pt x="0" y="10"/>
+                    <a:pt x="0" y="19"/>
+                    <a:pt x="0" y="29"/>
+                  </a:cubicBezTo>
+                  <a:cubicBezTo>
+                    <a:pt x="21" y="85"/>
+                    <a:pt x="44" y="140"/>
+                    <a:pt x="68" y="194"/>
+                  </a:cubicBezTo>
+                  <a:cubicBezTo>
+                    <a:pt x="85" y="232"/>
+                    <a:pt x="104" y="270"/>
+                    <a:pt x="123" y="308"/>
+                  </a:cubicBezTo>
+                  <a:cubicBezTo>
+                    <a:pt x="132" y="308"/>
+                    <a:pt x="132" y="308"/>
+                    <a:pt x="132" y="308"/>
+                  </a:cubicBezTo>
+                  <a:cubicBezTo>
+                    <a:pt x="113" y="269"/>
+                    <a:pt x="94" y="230"/>
+                    <a:pt x="77" y="190"/>
+                  </a:cubicBezTo>
+                  <a:cubicBezTo>
+                    <a:pt x="52" y="135"/>
+                    <a:pt x="29" y="79"/>
+                    <a:pt x="8" y="22"/>
+                  </a:cubicBezTo>
+                  <a:close/>
+                </a:path>
+              </a:pathLst>
+            </a:custGeom>
+            <a:solidFill>
+              <a:schemeClr val="tx2">
+                <a:alpha val="20000"/>
+              </a:schemeClr>
+            </a:solidFill>
+            <a:ln>
+              <a:noFill/>
+            </a:ln>
+          </p:spPr>
+          <p:txBody>
+            <a:bodyPr/>
+            <a:lstStyle/>
+            <a:p>
+              <a:endParaRPr lang="it-IT"/>
+            </a:p>
+          </p:txBody>
+        </p:sp>
+        <p:sp>
+          <p:nvSpPr>
+            <p:cNvPr id="18" name="Freeform 14">
+              <a:extLst>
+                <a:ext uri="{FF2B5EF4-FFF2-40B4-BE49-F238E27FC236}">
+                  <a16:creationId xmlns:a16="http://schemas.microsoft.com/office/drawing/2014/main" id="{94C2DE85-6DF9-48B6-AC63-963A52242186}"/>
+                </a:ext>
+                <a:ext uri="{C183D7F6-B498-43B3-948B-1728B52AA6E4}">
+                  <adec:decorative xmlns:adec="http://schemas.microsoft.com/office/drawing/2017/decorative" val="1"/>
+                </a:ext>
+              </a:extLst>
+            </p:cNvPr>
+            <p:cNvSpPr/>
+            <p:nvPr>
+              <p:extLst>
+                <p:ext uri="{386F3935-93C4-4BCD-93E2-E3B085C9AB24}">
+                  <p16:designElem xmlns:p16="http://schemas.microsoft.com/office/powerpoint/2015/main" val="1"/>
+                </p:ext>
+              </p:extLst>
+            </p:nvPr>
+          </p:nvSpPr>
+          <p:spPr bwMode="auto">
+            <a:xfrm>
+              <a:off x="3305176" y="5630863"/>
+              <a:ext cx="146050" cy="309563"/>
+            </a:xfrm>
+            <a:custGeom>
+              <a:avLst/>
+              <a:gdLst/>
+              <a:ahLst/>
+              <a:cxnLst/>
+              <a:rect l="0" t="0" r="r" b="b"/>
+              <a:pathLst>
+                <a:path w="37" h="79">
+                  <a:moveTo>
+                    <a:pt x="28" y="79"/>
+                  </a:moveTo>
+                  <a:cubicBezTo>
+                    <a:pt x="37" y="79"/>
+                    <a:pt x="37" y="79"/>
+                    <a:pt x="37" y="79"/>
+                  </a:cubicBezTo>
+                  <a:cubicBezTo>
+                    <a:pt x="24" y="53"/>
+                    <a:pt x="12" y="27"/>
+                    <a:pt x="0" y="0"/>
+                  </a:cubicBezTo>
+                  <a:cubicBezTo>
+                    <a:pt x="8" y="27"/>
+                    <a:pt x="17" y="53"/>
+                    <a:pt x="28" y="79"/>
+                  </a:cubicBezTo>
+                  <a:close/>
+                </a:path>
+              </a:pathLst>
+            </a:custGeom>
+            <a:solidFill>
+              <a:schemeClr val="tx2">
+                <a:alpha val="20000"/>
+              </a:schemeClr>
+            </a:solidFill>
+            <a:ln>
+              <a:noFill/>
+            </a:ln>
+          </p:spPr>
+          <p:txBody>
+            <a:bodyPr/>
+            <a:lstStyle/>
+            <a:p>
+              <a:endParaRPr lang="it-IT"/>
+            </a:p>
+          </p:txBody>
+        </p:sp>
+        <p:sp>
+          <p:nvSpPr>
+            <p:cNvPr id="19" name="Freeform 15">
+              <a:extLst>
+                <a:ext uri="{FF2B5EF4-FFF2-40B4-BE49-F238E27FC236}">
+                  <a16:creationId xmlns:a16="http://schemas.microsoft.com/office/drawing/2014/main" id="{2B527314-243D-423D-9285-A30290D18F51}"/>
+                </a:ext>
+                <a:ext uri="{C183D7F6-B498-43B3-948B-1728B52AA6E4}">
+                  <adec:decorative xmlns:adec="http://schemas.microsoft.com/office/drawing/2017/decorative" val="1"/>
+                </a:ext>
+              </a:extLst>
+            </p:cNvPr>
+            <p:cNvSpPr/>
+            <p:nvPr>
+              <p:extLst>
+                <p:ext uri="{386F3935-93C4-4BCD-93E2-E3B085C9AB24}">
+                  <p16:designElem xmlns:p16="http://schemas.microsoft.com/office/powerpoint/2015/main" val="1"/>
+                </p:ext>
+              </p:extLst>
+            </p:nvPr>
+          </p:nvSpPr>
+          <p:spPr bwMode="auto">
+            <a:xfrm>
+              <a:off x="2573338" y="2817813"/>
+              <a:ext cx="700088" cy="2835275"/>
+            </a:xfrm>
+            <a:custGeom>
+              <a:avLst/>
+              <a:gdLst/>
+              <a:ahLst/>
+              <a:cxnLst/>
+              <a:rect l="0" t="0" r="r" b="b"/>
+              <a:pathLst>
+                <a:path w="178" h="722">
+                  <a:moveTo>
+                    <a:pt x="162" y="660"/>
+                  </a:moveTo>
+                  <a:cubicBezTo>
+                    <a:pt x="145" y="618"/>
+                    <a:pt x="130" y="576"/>
+                    <a:pt x="116" y="534"/>
+                  </a:cubicBezTo>
+                  <a:cubicBezTo>
+                    <a:pt x="84" y="437"/>
+                    <a:pt x="59" y="337"/>
+                    <a:pt x="40" y="236"/>
+                  </a:cubicBezTo>
+                  <a:cubicBezTo>
+                    <a:pt x="29" y="175"/>
+                    <a:pt x="20" y="113"/>
+                    <a:pt x="12" y="51"/>
+                  </a:cubicBezTo>
+                  <a:cubicBezTo>
+                    <a:pt x="8" y="34"/>
+                    <a:pt x="4" y="17"/>
+                    <a:pt x="0" y="0"/>
+                  </a:cubicBezTo>
+                  <a:cubicBezTo>
+                    <a:pt x="8" y="79"/>
+                    <a:pt x="19" y="159"/>
+                    <a:pt x="33" y="237"/>
+                  </a:cubicBezTo>
+                  <a:cubicBezTo>
+                    <a:pt x="51" y="339"/>
+                    <a:pt x="76" y="439"/>
+                    <a:pt x="107" y="537"/>
+                  </a:cubicBezTo>
+                  <a:cubicBezTo>
+                    <a:pt x="123" y="586"/>
+                    <a:pt x="141" y="634"/>
+                    <a:pt x="160" y="681"/>
+                  </a:cubicBezTo>
+                  <a:cubicBezTo>
+                    <a:pt x="166" y="695"/>
+                    <a:pt x="172" y="708"/>
+                    <a:pt x="178" y="722"/>
+                  </a:cubicBezTo>
+                  <a:cubicBezTo>
+                    <a:pt x="176" y="717"/>
+                    <a:pt x="175" y="713"/>
+                    <a:pt x="174" y="708"/>
+                  </a:cubicBezTo>
+                  <a:cubicBezTo>
+                    <a:pt x="169" y="692"/>
+                    <a:pt x="165" y="676"/>
+                    <a:pt x="162" y="660"/>
+                  </a:cubicBezTo>
+                  <a:close/>
+                </a:path>
+              </a:pathLst>
+            </a:custGeom>
+            <a:solidFill>
+              <a:schemeClr val="tx2">
+                <a:alpha val="20000"/>
+              </a:schemeClr>
+            </a:solidFill>
+            <a:ln>
+              <a:noFill/>
+            </a:ln>
+          </p:spPr>
+          <p:txBody>
+            <a:bodyPr/>
+            <a:lstStyle/>
+            <a:p>
+              <a:endParaRPr lang="it-IT"/>
+            </a:p>
+          </p:txBody>
+        </p:sp>
+        <p:sp>
+          <p:nvSpPr>
+            <p:cNvPr id="20" name="Freeform 16">
+              <a:extLst>
+                <a:ext uri="{FF2B5EF4-FFF2-40B4-BE49-F238E27FC236}">
+                  <a16:creationId xmlns:a16="http://schemas.microsoft.com/office/drawing/2014/main" id="{857798C9-0A62-400E-B105-429ABFC4D7E2}"/>
+                </a:ext>
+                <a:ext uri="{C183D7F6-B498-43B3-948B-1728B52AA6E4}">
+                  <adec:decorative xmlns:adec="http://schemas.microsoft.com/office/drawing/2017/decorative" val="1"/>
+                </a:ext>
+              </a:extLst>
+            </p:cNvPr>
+            <p:cNvSpPr/>
+            <p:nvPr>
+              <p:extLst>
+                <p:ext uri="{386F3935-93C4-4BCD-93E2-E3B085C9AB24}">
+                  <p16:designElem xmlns:p16="http://schemas.microsoft.com/office/powerpoint/2015/main" val="1"/>
+                </p:ext>
+              </p:extLst>
+            </p:nvPr>
+          </p:nvSpPr>
+          <p:spPr bwMode="auto">
+            <a:xfrm>
+              <a:off x="2506663" y="285750"/>
+              <a:ext cx="90488" cy="2493963"/>
+            </a:xfrm>
+            <a:custGeom>
+              <a:avLst/>
+              <a:gdLst/>
+              <a:ahLst/>
+              <a:cxnLst/>
+              <a:rect l="0" t="0" r="r" b="b"/>
+              <a:pathLst>
+                <a:path w="23" h="635">
+                  <a:moveTo>
+                    <a:pt x="11" y="577"/>
+                  </a:moveTo>
+                  <a:cubicBezTo>
+                    <a:pt x="12" y="581"/>
+                    <a:pt x="12" y="585"/>
+                    <a:pt x="12" y="589"/>
+                  </a:cubicBezTo>
+                  <a:cubicBezTo>
+                    <a:pt x="15" y="603"/>
+                    <a:pt x="19" y="617"/>
+                    <a:pt x="22" y="632"/>
+                  </a:cubicBezTo>
+                  <a:cubicBezTo>
+                    <a:pt x="22" y="633"/>
+                    <a:pt x="22" y="634"/>
+                    <a:pt x="23" y="635"/>
+                  </a:cubicBezTo>
+                  <a:cubicBezTo>
+                    <a:pt x="21" y="615"/>
+                    <a:pt x="19" y="596"/>
+                    <a:pt x="17" y="576"/>
+                  </a:cubicBezTo>
+                  <a:cubicBezTo>
+                    <a:pt x="9" y="474"/>
+                    <a:pt x="5" y="372"/>
+                    <a:pt x="5" y="269"/>
+                  </a:cubicBezTo>
+                  <a:cubicBezTo>
+                    <a:pt x="6" y="179"/>
+                    <a:pt x="9" y="90"/>
+                    <a:pt x="15" y="0"/>
+                  </a:cubicBezTo>
+                  <a:cubicBezTo>
+                    <a:pt x="12" y="0"/>
+                    <a:pt x="12" y="0"/>
+                    <a:pt x="12" y="0"/>
+                  </a:cubicBezTo>
+                  <a:cubicBezTo>
+                    <a:pt x="5" y="89"/>
+                    <a:pt x="2" y="179"/>
+                    <a:pt x="1" y="269"/>
+                  </a:cubicBezTo>
+                  <a:cubicBezTo>
+                    <a:pt x="0" y="372"/>
+                    <a:pt x="3" y="474"/>
+                    <a:pt x="11" y="577"/>
+                  </a:cubicBezTo>
+                  <a:close/>
+                </a:path>
+              </a:pathLst>
+            </a:custGeom>
+            <a:solidFill>
+              <a:schemeClr val="tx2">
+                <a:alpha val="20000"/>
+              </a:schemeClr>
+            </a:solidFill>
+            <a:ln>
+              <a:noFill/>
+            </a:ln>
+          </p:spPr>
+          <p:txBody>
+            <a:bodyPr/>
+            <a:lstStyle/>
+            <a:p>
+              <a:endParaRPr lang="it-IT"/>
+            </a:p>
+          </p:txBody>
+        </p:sp>
+        <p:sp>
+          <p:nvSpPr>
+            <p:cNvPr id="21" name="Freeform 17">
+              <a:extLst>
+                <a:ext uri="{FF2B5EF4-FFF2-40B4-BE49-F238E27FC236}">
+                  <a16:creationId xmlns:a16="http://schemas.microsoft.com/office/drawing/2014/main" id="{40E214F1-D642-41FF-8FBB-F1484108E999}"/>
+                </a:ext>
+                <a:ext uri="{C183D7F6-B498-43B3-948B-1728B52AA6E4}">
+                  <adec:decorative xmlns:adec="http://schemas.microsoft.com/office/drawing/2017/decorative" val="1"/>
+                </a:ext>
+              </a:extLst>
+            </p:cNvPr>
+            <p:cNvSpPr/>
+            <p:nvPr>
+              <p:extLst>
+                <p:ext uri="{386F3935-93C4-4BCD-93E2-E3B085C9AB24}">
+                  <p16:designElem xmlns:p16="http://schemas.microsoft.com/office/powerpoint/2015/main" val="1"/>
+                </p:ext>
+              </p:extLst>
+            </p:nvPr>
+          </p:nvSpPr>
+          <p:spPr bwMode="auto">
+            <a:xfrm>
+              <a:off x="2554288" y="2598738"/>
+              <a:ext cx="66675" cy="420688"/>
+            </a:xfrm>
+            <a:custGeom>
+              <a:avLst/>
+              <a:gdLst/>
+              <a:ahLst/>
+              <a:cxnLst/>
+              <a:rect l="0" t="0" r="r" b="b"/>
+              <a:pathLst>
+                <a:path w="17" h="107">
+                  <a:moveTo>
+                    <a:pt x="0" y="0"/>
+                  </a:moveTo>
+                  <a:cubicBezTo>
+                    <a:pt x="2" y="19"/>
+                    <a:pt x="3" y="37"/>
+                    <a:pt x="5" y="56"/>
+                  </a:cubicBezTo>
+                  <a:cubicBezTo>
+                    <a:pt x="9" y="73"/>
+                    <a:pt x="13" y="90"/>
+                    <a:pt x="17" y="107"/>
+                  </a:cubicBezTo>
+                  <a:cubicBezTo>
+                    <a:pt x="15" y="87"/>
+                    <a:pt x="13" y="66"/>
+                    <a:pt x="11" y="46"/>
+                  </a:cubicBezTo>
+                  <a:cubicBezTo>
+                    <a:pt x="10" y="45"/>
+                    <a:pt x="10" y="44"/>
+                    <a:pt x="10" y="43"/>
+                  </a:cubicBezTo>
+                  <a:cubicBezTo>
+                    <a:pt x="7" y="28"/>
+                    <a:pt x="3" y="14"/>
+                    <a:pt x="0" y="0"/>
+                  </a:cubicBezTo>
+                  <a:close/>
+                </a:path>
+              </a:pathLst>
+            </a:custGeom>
+            <a:solidFill>
+              <a:schemeClr val="tx2">
+                <a:alpha val="20000"/>
+              </a:schemeClr>
+            </a:solidFill>
+            <a:ln>
+              <a:noFill/>
+            </a:ln>
+          </p:spPr>
+          <p:txBody>
+            <a:bodyPr/>
+            <a:lstStyle/>
+            <a:p>
+              <a:endParaRPr lang="it-IT"/>
+            </a:p>
+          </p:txBody>
+        </p:sp>
+        <p:sp>
+          <p:nvSpPr>
+            <p:cNvPr id="22" name="Freeform 18">
+              <a:extLst>
+                <a:ext uri="{FF2B5EF4-FFF2-40B4-BE49-F238E27FC236}">
+                  <a16:creationId xmlns:a16="http://schemas.microsoft.com/office/drawing/2014/main" id="{24EBEFE9-8F4F-41C2-9022-FF9730C4E0BF}"/>
+                </a:ext>
+                <a:ext uri="{C183D7F6-B498-43B3-948B-1728B52AA6E4}">
+                  <adec:decorative xmlns:adec="http://schemas.microsoft.com/office/drawing/2017/decorative" val="1"/>
+                </a:ext>
+              </a:extLst>
+            </p:cNvPr>
+            <p:cNvSpPr/>
+            <p:nvPr>
+              <p:extLst>
+                <p:ext uri="{386F3935-93C4-4BCD-93E2-E3B085C9AB24}">
+                  <p16:designElem xmlns:p16="http://schemas.microsoft.com/office/powerpoint/2015/main" val="1"/>
+                </p:ext>
+              </p:extLst>
+            </p:nvPr>
+          </p:nvSpPr>
+          <p:spPr bwMode="auto">
+            <a:xfrm>
+              <a:off x="3143251" y="4757738"/>
+              <a:ext cx="161925" cy="873125"/>
+            </a:xfrm>
+            <a:custGeom>
+              <a:avLst/>
+              <a:gdLst/>
+              <a:ahLst/>
+              <a:cxnLst/>
+              <a:rect l="0" t="0" r="r" b="b"/>
+              <a:pathLst>
+                <a:path w="41" h="222">
+                  <a:moveTo>
+                    <a:pt x="0" y="0"/>
+                  </a:moveTo>
+                  <a:cubicBezTo>
+                    <a:pt x="0" y="31"/>
+                    <a:pt x="2" y="62"/>
+                    <a:pt x="5" y="93"/>
+                  </a:cubicBezTo>
+                  <a:cubicBezTo>
+                    <a:pt x="8" y="117"/>
+                    <a:pt x="12" y="142"/>
+                    <a:pt x="17" y="166"/>
+                  </a:cubicBezTo>
+                  <a:cubicBezTo>
+                    <a:pt x="19" y="172"/>
+                    <a:pt x="22" y="178"/>
+                    <a:pt x="24" y="184"/>
+                  </a:cubicBezTo>
+                  <a:cubicBezTo>
+                    <a:pt x="30" y="197"/>
+                    <a:pt x="35" y="209"/>
+                    <a:pt x="41" y="222"/>
+                  </a:cubicBezTo>
+                  <a:cubicBezTo>
+                    <a:pt x="40" y="219"/>
+                    <a:pt x="39" y="215"/>
+                    <a:pt x="38" y="212"/>
+                  </a:cubicBezTo>
+                  <a:cubicBezTo>
+                    <a:pt x="26" y="172"/>
+                    <a:pt x="18" y="132"/>
+                    <a:pt x="13" y="92"/>
+                  </a:cubicBezTo>
+                  <a:cubicBezTo>
+                    <a:pt x="11" y="68"/>
+                    <a:pt x="9" y="45"/>
+                    <a:pt x="8" y="22"/>
+                  </a:cubicBezTo>
+                  <a:cubicBezTo>
+                    <a:pt x="8" y="21"/>
+                    <a:pt x="7" y="20"/>
+                    <a:pt x="7" y="18"/>
+                  </a:cubicBezTo>
+                  <a:cubicBezTo>
+                    <a:pt x="5" y="12"/>
+                    <a:pt x="2" y="6"/>
+                    <a:pt x="0" y="0"/>
+                  </a:cubicBezTo>
+                  <a:close/>
+                </a:path>
+              </a:pathLst>
+            </a:custGeom>
+            <a:solidFill>
+              <a:schemeClr val="tx2">
+                <a:alpha val="20000"/>
+              </a:schemeClr>
+            </a:solidFill>
+            <a:ln>
+              <a:noFill/>
+            </a:ln>
+          </p:spPr>
+          <p:txBody>
+            <a:bodyPr/>
+            <a:lstStyle/>
+            <a:p>
+              <a:endParaRPr lang="it-IT"/>
+            </a:p>
+          </p:txBody>
+        </p:sp>
+        <p:sp>
+          <p:nvSpPr>
+            <p:cNvPr id="23" name="Freeform 19">
+              <a:extLst>
+                <a:ext uri="{FF2B5EF4-FFF2-40B4-BE49-F238E27FC236}">
+                  <a16:creationId xmlns:a16="http://schemas.microsoft.com/office/drawing/2014/main" id="{389BEA2F-6457-431A-941E-840A670CA139}"/>
+                </a:ext>
+                <a:ext uri="{C183D7F6-B498-43B3-948B-1728B52AA6E4}">
+                  <adec:decorative xmlns:adec="http://schemas.microsoft.com/office/drawing/2017/decorative" val="1"/>
+                </a:ext>
+              </a:extLst>
+            </p:cNvPr>
+            <p:cNvSpPr/>
+            <p:nvPr>
+              <p:extLst>
+                <p:ext uri="{386F3935-93C4-4BCD-93E2-E3B085C9AB24}">
+                  <p16:designElem xmlns:p16="http://schemas.microsoft.com/office/powerpoint/2015/main" val="1"/>
+                </p:ext>
+              </p:extLst>
+            </p:nvPr>
+          </p:nvSpPr>
+          <p:spPr bwMode="auto">
+            <a:xfrm>
+              <a:off x="3148013" y="1282700"/>
+              <a:ext cx="1768475" cy="3448050"/>
+            </a:xfrm>
+            <a:custGeom>
+              <a:avLst/>
+              <a:gdLst/>
+              <a:ahLst/>
+              <a:cxnLst/>
+              <a:rect l="0" t="0" r="r" b="b"/>
+              <a:pathLst>
+                <a:path w="450" h="878">
+                  <a:moveTo>
+                    <a:pt x="7" y="854"/>
+                  </a:moveTo>
+                  <a:cubicBezTo>
+                    <a:pt x="10" y="772"/>
+                    <a:pt x="26" y="691"/>
+                    <a:pt x="50" y="613"/>
+                  </a:cubicBezTo>
+                  <a:cubicBezTo>
+                    <a:pt x="75" y="535"/>
+                    <a:pt x="109" y="460"/>
+                    <a:pt x="149" y="388"/>
+                  </a:cubicBezTo>
+                  <a:cubicBezTo>
+                    <a:pt x="189" y="316"/>
+                    <a:pt x="235" y="248"/>
+                    <a:pt x="285" y="183"/>
+                  </a:cubicBezTo>
+                  <a:cubicBezTo>
+                    <a:pt x="310" y="151"/>
+                    <a:pt x="337" y="119"/>
+                    <a:pt x="364" y="89"/>
+                  </a:cubicBezTo>
+                  <a:cubicBezTo>
+                    <a:pt x="378" y="74"/>
+                    <a:pt x="392" y="58"/>
+                    <a:pt x="406" y="44"/>
+                  </a:cubicBezTo>
+                  <a:cubicBezTo>
+                    <a:pt x="421" y="29"/>
+                    <a:pt x="435" y="15"/>
+                    <a:pt x="450" y="1"/>
+                  </a:cubicBezTo>
+                  <a:cubicBezTo>
+                    <a:pt x="450" y="0"/>
+                    <a:pt x="450" y="0"/>
+                    <a:pt x="450" y="0"/>
+                  </a:cubicBezTo>
+                  <a:cubicBezTo>
+                    <a:pt x="434" y="14"/>
+                    <a:pt x="420" y="28"/>
+                    <a:pt x="405" y="43"/>
+                  </a:cubicBezTo>
+                  <a:cubicBezTo>
+                    <a:pt x="391" y="57"/>
+                    <a:pt x="377" y="72"/>
+                    <a:pt x="363" y="88"/>
+                  </a:cubicBezTo>
+                  <a:cubicBezTo>
+                    <a:pt x="335" y="118"/>
+                    <a:pt x="308" y="149"/>
+                    <a:pt x="283" y="181"/>
+                  </a:cubicBezTo>
+                  <a:cubicBezTo>
+                    <a:pt x="232" y="246"/>
+                    <a:pt x="185" y="314"/>
+                    <a:pt x="145" y="386"/>
+                  </a:cubicBezTo>
+                  <a:cubicBezTo>
+                    <a:pt x="104" y="457"/>
+                    <a:pt x="70" y="533"/>
+                    <a:pt x="45" y="611"/>
+                  </a:cubicBezTo>
+                  <a:cubicBezTo>
+                    <a:pt x="19" y="690"/>
+                    <a:pt x="3" y="771"/>
+                    <a:pt x="0" y="854"/>
+                  </a:cubicBezTo>
+                  <a:cubicBezTo>
+                    <a:pt x="0" y="856"/>
+                    <a:pt x="0" y="857"/>
+                    <a:pt x="0" y="859"/>
+                  </a:cubicBezTo>
+                  <a:cubicBezTo>
+                    <a:pt x="2" y="865"/>
+                    <a:pt x="4" y="872"/>
+                    <a:pt x="7" y="878"/>
+                  </a:cubicBezTo>
+                  <a:cubicBezTo>
+                    <a:pt x="7" y="870"/>
+                    <a:pt x="7" y="862"/>
+                    <a:pt x="7" y="854"/>
+                  </a:cubicBezTo>
+                  <a:close/>
+                </a:path>
+              </a:pathLst>
+            </a:custGeom>
+            <a:solidFill>
+              <a:schemeClr val="tx2">
+                <a:alpha val="20000"/>
+              </a:schemeClr>
+            </a:solidFill>
+            <a:ln>
+              <a:noFill/>
+            </a:ln>
+          </p:spPr>
+          <p:txBody>
+            <a:bodyPr/>
+            <a:lstStyle/>
+            <a:p>
+              <a:endParaRPr lang="it-IT"/>
+            </a:p>
+          </p:txBody>
+        </p:sp>
+        <p:sp>
+          <p:nvSpPr>
+            <p:cNvPr id="24" name="Freeform 20">
+              <a:extLst>
+                <a:ext uri="{FF2B5EF4-FFF2-40B4-BE49-F238E27FC236}">
+                  <a16:creationId xmlns:a16="http://schemas.microsoft.com/office/drawing/2014/main" id="{D32D9258-EB54-414B-A2D5-4583395695F2}"/>
+                </a:ext>
+                <a:ext uri="{C183D7F6-B498-43B3-948B-1728B52AA6E4}">
+                  <adec:decorative xmlns:adec="http://schemas.microsoft.com/office/drawing/2017/decorative" val="1"/>
+                </a:ext>
+              </a:extLst>
+            </p:cNvPr>
+            <p:cNvSpPr/>
+            <p:nvPr>
+              <p:extLst>
+                <p:ext uri="{386F3935-93C4-4BCD-93E2-E3B085C9AB24}">
+                  <p16:designElem xmlns:p16="http://schemas.microsoft.com/office/powerpoint/2015/main" val="1"/>
+                </p:ext>
+              </p:extLst>
+            </p:nvPr>
+          </p:nvSpPr>
+          <p:spPr bwMode="auto">
+            <a:xfrm>
+              <a:off x="3273426" y="5653088"/>
+              <a:ext cx="138113" cy="287338"/>
+            </a:xfrm>
+            <a:custGeom>
+              <a:avLst/>
+              <a:gdLst/>
+              <a:ahLst/>
+              <a:cxnLst/>
+              <a:rect l="0" t="0" r="r" b="b"/>
+              <a:pathLst>
+                <a:path w="35" h="73">
+                  <a:moveTo>
+                    <a:pt x="0" y="0"/>
+                  </a:moveTo>
+                  <a:cubicBezTo>
+                    <a:pt x="7" y="24"/>
+                    <a:pt x="16" y="49"/>
+                    <a:pt x="26" y="73"/>
+                  </a:cubicBezTo>
+                  <a:cubicBezTo>
+                    <a:pt x="35" y="73"/>
+                    <a:pt x="35" y="73"/>
+                    <a:pt x="35" y="73"/>
+                  </a:cubicBezTo>
+                  <a:cubicBezTo>
+                    <a:pt x="23" y="49"/>
+                    <a:pt x="11" y="24"/>
+                    <a:pt x="0" y="0"/>
+                  </a:cubicBezTo>
+                  <a:close/>
+                </a:path>
+              </a:pathLst>
+            </a:custGeom>
+            <a:solidFill>
+              <a:schemeClr val="tx2">
+                <a:alpha val="20000"/>
+              </a:schemeClr>
+            </a:solidFill>
+            <a:ln>
+              <a:noFill/>
+            </a:ln>
+          </p:spPr>
+          <p:txBody>
+            <a:bodyPr/>
+            <a:lstStyle/>
+            <a:p>
+              <a:endParaRPr lang="it-IT"/>
+            </a:p>
+          </p:txBody>
+        </p:sp>
+        <p:sp>
+          <p:nvSpPr>
+            <p:cNvPr id="25" name="Freeform 21">
+              <a:extLst>
+                <a:ext uri="{FF2B5EF4-FFF2-40B4-BE49-F238E27FC236}">
+                  <a16:creationId xmlns:a16="http://schemas.microsoft.com/office/drawing/2014/main" id="{495967EF-C4BF-4A5F-90E5-A603A6654293}"/>
+                </a:ext>
+                <a:ext uri="{C183D7F6-B498-43B3-948B-1728B52AA6E4}">
+                  <adec:decorative xmlns:adec="http://schemas.microsoft.com/office/drawing/2017/decorative" val="1"/>
+                </a:ext>
+              </a:extLst>
+            </p:cNvPr>
+            <p:cNvSpPr/>
+            <p:nvPr>
+              <p:extLst>
+                <p:ext uri="{386F3935-93C4-4BCD-93E2-E3B085C9AB24}">
+                  <p16:designElem xmlns:p16="http://schemas.microsoft.com/office/powerpoint/2015/main" val="1"/>
+                </p:ext>
+              </p:extLst>
+            </p:nvPr>
+          </p:nvSpPr>
+          <p:spPr bwMode="auto">
+            <a:xfrm>
+              <a:off x="3143251" y="4656138"/>
+              <a:ext cx="31750" cy="188913"/>
+            </a:xfrm>
+            <a:custGeom>
+              <a:avLst/>
+              <a:gdLst/>
+              <a:ahLst/>
+              <a:cxnLst/>
+              <a:rect l="0" t="0" r="r" b="b"/>
+              <a:pathLst>
+                <a:path w="8" h="48">
+                  <a:moveTo>
+                    <a:pt x="7" y="44"/>
+                  </a:moveTo>
+                  <a:cubicBezTo>
+                    <a:pt x="7" y="46"/>
+                    <a:pt x="8" y="47"/>
+                    <a:pt x="8" y="48"/>
+                  </a:cubicBezTo>
+                  <a:cubicBezTo>
+                    <a:pt x="8" y="38"/>
+                    <a:pt x="8" y="29"/>
+                    <a:pt x="8" y="19"/>
+                  </a:cubicBezTo>
+                  <a:cubicBezTo>
+                    <a:pt x="5" y="13"/>
+                    <a:pt x="3" y="6"/>
+                    <a:pt x="1" y="0"/>
+                  </a:cubicBezTo>
+                  <a:cubicBezTo>
+                    <a:pt x="0" y="9"/>
+                    <a:pt x="0" y="17"/>
+                    <a:pt x="0" y="26"/>
+                  </a:cubicBezTo>
+                  <a:cubicBezTo>
+                    <a:pt x="2" y="32"/>
+                    <a:pt x="5" y="38"/>
+                    <a:pt x="7" y="44"/>
+                  </a:cubicBezTo>
+                  <a:close/>
+                </a:path>
+              </a:pathLst>
+            </a:custGeom>
+            <a:solidFill>
+              <a:schemeClr val="tx2">
+                <a:alpha val="20000"/>
+              </a:schemeClr>
+            </a:solidFill>
+            <a:ln>
+              <a:noFill/>
+            </a:ln>
+          </p:spPr>
+          <p:txBody>
+            <a:bodyPr/>
+            <a:lstStyle/>
+            <a:p>
+              <a:endParaRPr lang="it-IT"/>
+            </a:p>
+          </p:txBody>
+        </p:sp>
+        <p:sp>
+          <p:nvSpPr>
+            <p:cNvPr id="26" name="Freeform 22">
+              <a:extLst>
+                <a:ext uri="{FF2B5EF4-FFF2-40B4-BE49-F238E27FC236}">
+                  <a16:creationId xmlns:a16="http://schemas.microsoft.com/office/drawing/2014/main" id="{253675EB-03CE-4B59-BEBD-4D0D98710438}"/>
+                </a:ext>
+                <a:ext uri="{C183D7F6-B498-43B3-948B-1728B52AA6E4}">
+                  <adec:decorative xmlns:adec="http://schemas.microsoft.com/office/drawing/2017/decorative" val="1"/>
+                </a:ext>
+              </a:extLst>
+            </p:cNvPr>
+            <p:cNvSpPr/>
+            <p:nvPr>
+              <p:extLst>
+                <p:ext uri="{386F3935-93C4-4BCD-93E2-E3B085C9AB24}">
+                  <p16:designElem xmlns:p16="http://schemas.microsoft.com/office/powerpoint/2015/main" val="1"/>
+                </p:ext>
+              </p:extLst>
+            </p:nvPr>
+          </p:nvSpPr>
+          <p:spPr bwMode="auto">
+            <a:xfrm>
+              <a:off x="3211513" y="5410200"/>
+              <a:ext cx="203200" cy="530225"/>
+            </a:xfrm>
+            <a:custGeom>
+              <a:avLst/>
+              <a:gdLst/>
+              <a:ahLst/>
+              <a:cxnLst/>
+              <a:rect l="0" t="0" r="r" b="b"/>
+              <a:pathLst>
+                <a:path w="52" h="135">
+                  <a:moveTo>
+                    <a:pt x="7" y="18"/>
+                  </a:moveTo>
+                  <a:cubicBezTo>
+                    <a:pt x="5" y="12"/>
+                    <a:pt x="2" y="6"/>
+                    <a:pt x="0" y="0"/>
+                  </a:cubicBezTo>
+                  <a:cubicBezTo>
+                    <a:pt x="3" y="16"/>
+                    <a:pt x="7" y="32"/>
+                    <a:pt x="12" y="48"/>
+                  </a:cubicBezTo>
+                  <a:cubicBezTo>
+                    <a:pt x="13" y="53"/>
+                    <a:pt x="14" y="57"/>
+                    <a:pt x="16" y="62"/>
+                  </a:cubicBezTo>
+                  <a:cubicBezTo>
+                    <a:pt x="27" y="86"/>
+                    <a:pt x="39" y="111"/>
+                    <a:pt x="51" y="135"/>
+                  </a:cubicBezTo>
+                  <a:cubicBezTo>
+                    <a:pt x="52" y="135"/>
+                    <a:pt x="52" y="135"/>
+                    <a:pt x="52" y="135"/>
+                  </a:cubicBezTo>
+                  <a:cubicBezTo>
+                    <a:pt x="41" y="109"/>
+                    <a:pt x="32" y="83"/>
+                    <a:pt x="24" y="56"/>
+                  </a:cubicBezTo>
+                  <a:cubicBezTo>
+                    <a:pt x="18" y="43"/>
+                    <a:pt x="13" y="31"/>
+                    <a:pt x="7" y="18"/>
+                  </a:cubicBezTo>
+                  <a:close/>
+                </a:path>
+              </a:pathLst>
+            </a:custGeom>
+            <a:solidFill>
+              <a:schemeClr val="tx2">
+                <a:alpha val="20000"/>
+              </a:schemeClr>
+            </a:solidFill>
+            <a:ln>
+              <a:noFill/>
+            </a:ln>
+          </p:spPr>
+          <p:txBody>
+            <a:bodyPr/>
+            <a:lstStyle/>
+            <a:p>
+              <a:endParaRPr lang="it-IT"/>
+            </a:p>
+          </p:txBody>
+        </p:sp>
+      </p:grpSp>
+      <p:sp>
+        <p:nvSpPr>
+          <p:cNvPr id="2" name="Titolo 1">
+            <a:extLst>
+              <a:ext uri="{FF2B5EF4-FFF2-40B4-BE49-F238E27FC236}">
+                <a16:creationId xmlns:a16="http://schemas.microsoft.com/office/drawing/2014/main" id="{12062CB1-AD25-1D0F-3AFD-4EA6DE04C842}"/>
+              </a:ext>
+            </a:extLst>
+          </p:cNvPr>
+          <p:cNvSpPr>
+            <a:spLocks noGrp="1"/>
+          </p:cNvSpPr>
+          <p:nvPr>
+            <p:ph type="title"/>
+          </p:nvPr>
+        </p:nvSpPr>
+        <p:spPr>
+          <a:xfrm>
+            <a:off x="2592925" y="624110"/>
+            <a:ext cx="8911687" cy="1280890"/>
+          </a:xfrm>
+        </p:spPr>
+        <p:txBody>
+          <a:bodyPr>
+            <a:normAutofit/>
+          </a:bodyPr>
+          <a:lstStyle/>
+          <a:p>
+            <a:r>
+              <a:rPr lang="it-IT" b="1" dirty="0">
+                <a:latin typeface="Calibri" panose="020F0502020204030204" pitchFamily="34" charset="0"/>
+                <a:ea typeface="Calibri" panose="020F0502020204030204" pitchFamily="34" charset="0"/>
+                <a:cs typeface="Calibri" panose="020F0502020204030204" pitchFamily="34" charset="0"/>
+              </a:rPr>
+              <a:t>SMART POT-XII</a:t>
+            </a:r>
+          </a:p>
+        </p:txBody>
+      </p:sp>
+      <p:grpSp>
+        <p:nvGrpSpPr>
+          <p:cNvPr id="28" name="Group 27">
+            <a:extLst>
+              <a:ext uri="{FF2B5EF4-FFF2-40B4-BE49-F238E27FC236}">
+                <a16:creationId xmlns:a16="http://schemas.microsoft.com/office/drawing/2014/main" id="{F9CAF6A1-77C7-4ABC-9E4A-E74A8DB16DC1}"/>
+              </a:ext>
+              <a:ext uri="{C183D7F6-B498-43B3-948B-1728B52AA6E4}">
+                <adec:decorative xmlns:adec="http://schemas.microsoft.com/office/drawing/2017/decorative" val="1"/>
+              </a:ext>
+            </a:extLst>
+          </p:cNvPr>
+          <p:cNvGrpSpPr>
+            <a:grpSpLocks noGrp="1" noUngrp="1" noRot="1" noChangeAspect="1" noMove="1" noResize="1"/>
+          </p:cNvGrpSpPr>
+          <p:nvPr>
+            <p:extLst>
+              <p:ext uri="{386F3935-93C4-4BCD-93E2-E3B085C9AB24}">
+                <p16:designElem xmlns:p16="http://schemas.microsoft.com/office/powerpoint/2015/main" val="1"/>
+              </p:ext>
+            </p:extLst>
+          </p:nvPr>
+        </p:nvGrpSpPr>
+        <p:grpSpPr>
+          <a:xfrm>
+            <a:off x="27224" y="-786"/>
+            <a:ext cx="2356675" cy="6854040"/>
+            <a:chOff x="6627813" y="194833"/>
+            <a:chExt cx="1952625" cy="5678918"/>
+          </a:xfrm>
+        </p:grpSpPr>
+        <p:sp>
+          <p:nvSpPr>
+            <p:cNvPr id="29" name="Freeform 27">
+              <a:extLst>
+                <a:ext uri="{FF2B5EF4-FFF2-40B4-BE49-F238E27FC236}">
+                  <a16:creationId xmlns:a16="http://schemas.microsoft.com/office/drawing/2014/main" id="{6B3F65AF-943F-4D0E-B890-AA058F48B373}"/>
+                </a:ext>
+                <a:ext uri="{C183D7F6-B498-43B3-948B-1728B52AA6E4}">
+                  <adec:decorative xmlns:adec="http://schemas.microsoft.com/office/drawing/2017/decorative" val="1"/>
+                </a:ext>
+              </a:extLst>
+            </p:cNvPr>
+            <p:cNvSpPr/>
+            <p:nvPr>
+              <p:extLst>
+                <p:ext uri="{386F3935-93C4-4BCD-93E2-E3B085C9AB24}">
+                  <p16:designElem xmlns:p16="http://schemas.microsoft.com/office/powerpoint/2015/main" val="1"/>
+                </p:ext>
+              </p:extLst>
+            </p:nvPr>
+          </p:nvSpPr>
+          <p:spPr bwMode="auto">
+            <a:xfrm>
+              <a:off x="6627813" y="194833"/>
+              <a:ext cx="409575" cy="3646488"/>
+            </a:xfrm>
+            <a:custGeom>
+              <a:avLst/>
+              <a:gdLst/>
+              <a:ahLst/>
+              <a:cxnLst/>
+              <a:rect l="0" t="0" r="r" b="b"/>
+              <a:pathLst>
+                <a:path w="103" h="920">
+                  <a:moveTo>
+                    <a:pt x="7" y="210"/>
+                  </a:moveTo>
+                  <a:cubicBezTo>
+                    <a:pt x="11" y="288"/>
+                    <a:pt x="17" y="367"/>
+                    <a:pt x="26" y="445"/>
+                  </a:cubicBezTo>
+                  <a:cubicBezTo>
+                    <a:pt x="34" y="523"/>
+                    <a:pt x="44" y="601"/>
+                    <a:pt x="57" y="679"/>
+                  </a:cubicBezTo>
+                  <a:cubicBezTo>
+                    <a:pt x="69" y="757"/>
+                    <a:pt x="84" y="834"/>
+                    <a:pt x="101" y="911"/>
+                  </a:cubicBezTo>
+                  <a:cubicBezTo>
+                    <a:pt x="102" y="914"/>
+                    <a:pt x="103" y="917"/>
+                    <a:pt x="103" y="920"/>
+                  </a:cubicBezTo>
+                  <a:cubicBezTo>
+                    <a:pt x="102" y="905"/>
+                    <a:pt x="100" y="889"/>
+                    <a:pt x="99" y="874"/>
+                  </a:cubicBezTo>
+                  <a:cubicBezTo>
+                    <a:pt x="99" y="871"/>
+                    <a:pt x="99" y="868"/>
+                    <a:pt x="99" y="866"/>
+                  </a:cubicBezTo>
+                  <a:cubicBezTo>
+                    <a:pt x="85" y="803"/>
+                    <a:pt x="73" y="741"/>
+                    <a:pt x="63" y="678"/>
+                  </a:cubicBezTo>
+                  <a:cubicBezTo>
+                    <a:pt x="50" y="600"/>
+                    <a:pt x="39" y="523"/>
+                    <a:pt x="30" y="444"/>
+                  </a:cubicBezTo>
+                  <a:cubicBezTo>
+                    <a:pt x="21" y="366"/>
+                    <a:pt x="14" y="288"/>
+                    <a:pt x="9" y="209"/>
+                  </a:cubicBezTo>
+                  <a:cubicBezTo>
+                    <a:pt x="7" y="170"/>
+                    <a:pt x="5" y="131"/>
+                    <a:pt x="3" y="92"/>
+                  </a:cubicBezTo>
+                  <a:cubicBezTo>
+                    <a:pt x="2" y="61"/>
+                    <a:pt x="1" y="31"/>
+                    <a:pt x="1" y="0"/>
+                  </a:cubicBezTo>
+                  <a:cubicBezTo>
+                    <a:pt x="0" y="0"/>
+                    <a:pt x="0" y="0"/>
+                    <a:pt x="0" y="0"/>
+                  </a:cubicBezTo>
+                  <a:cubicBezTo>
+                    <a:pt x="0" y="31"/>
+                    <a:pt x="1" y="61"/>
+                    <a:pt x="1" y="92"/>
+                  </a:cubicBezTo>
+                  <a:cubicBezTo>
+                    <a:pt x="3" y="131"/>
+                    <a:pt x="4" y="170"/>
+                    <a:pt x="7" y="210"/>
+                  </a:cubicBezTo>
+                  <a:close/>
+                </a:path>
+              </a:pathLst>
+            </a:custGeom>
+            <a:solidFill>
+              <a:schemeClr val="tx2"/>
+            </a:solidFill>
+            <a:ln>
+              <a:noFill/>
+            </a:ln>
+          </p:spPr>
+          <p:txBody>
+            <a:bodyPr/>
+            <a:lstStyle/>
+            <a:p>
+              <a:endParaRPr lang="it-IT"/>
+            </a:p>
+          </p:txBody>
+        </p:sp>
+        <p:sp>
+          <p:nvSpPr>
+            <p:cNvPr id="30" name="Freeform 28">
+              <a:extLst>
+                <a:ext uri="{FF2B5EF4-FFF2-40B4-BE49-F238E27FC236}">
+                  <a16:creationId xmlns:a16="http://schemas.microsoft.com/office/drawing/2014/main" id="{660B5807-5995-44AD-9E16-10337DC83A67}"/>
+                </a:ext>
+                <a:ext uri="{C183D7F6-B498-43B3-948B-1728B52AA6E4}">
+                  <adec:decorative xmlns:adec="http://schemas.microsoft.com/office/drawing/2017/decorative" val="1"/>
+                </a:ext>
+              </a:extLst>
+            </p:cNvPr>
+            <p:cNvSpPr/>
+            <p:nvPr>
+              <p:extLst>
+                <p:ext uri="{386F3935-93C4-4BCD-93E2-E3B085C9AB24}">
+                  <p16:designElem xmlns:p16="http://schemas.microsoft.com/office/powerpoint/2015/main" val="1"/>
+                </p:ext>
+              </p:extLst>
+            </p:nvPr>
+          </p:nvSpPr>
+          <p:spPr bwMode="auto">
+            <a:xfrm>
+              <a:off x="7061201" y="3771900"/>
+              <a:ext cx="350838" cy="1309688"/>
+            </a:xfrm>
+            <a:custGeom>
+              <a:avLst/>
+              <a:gdLst/>
+              <a:ahLst/>
+              <a:cxnLst/>
+              <a:rect l="0" t="0" r="r" b="b"/>
+              <a:pathLst>
+                <a:path w="88" h="330">
+                  <a:moveTo>
+                    <a:pt x="53" y="229"/>
+                  </a:moveTo>
+                  <a:cubicBezTo>
+                    <a:pt x="64" y="263"/>
+                    <a:pt x="75" y="297"/>
+                    <a:pt x="88" y="330"/>
+                  </a:cubicBezTo>
+                  <a:cubicBezTo>
+                    <a:pt x="88" y="323"/>
+                    <a:pt x="88" y="315"/>
+                    <a:pt x="88" y="308"/>
+                  </a:cubicBezTo>
+                  <a:cubicBezTo>
+                    <a:pt x="88" y="307"/>
+                    <a:pt x="88" y="305"/>
+                    <a:pt x="88" y="304"/>
+                  </a:cubicBezTo>
+                  <a:cubicBezTo>
+                    <a:pt x="79" y="278"/>
+                    <a:pt x="70" y="252"/>
+                    <a:pt x="62" y="226"/>
+                  </a:cubicBezTo>
+                  <a:cubicBezTo>
+                    <a:pt x="38" y="152"/>
+                    <a:pt x="17" y="76"/>
+                    <a:pt x="0" y="0"/>
+                  </a:cubicBezTo>
+                  <a:cubicBezTo>
+                    <a:pt x="2" y="21"/>
+                    <a:pt x="4" y="42"/>
+                    <a:pt x="7" y="63"/>
+                  </a:cubicBezTo>
+                  <a:cubicBezTo>
+                    <a:pt x="21" y="119"/>
+                    <a:pt x="36" y="174"/>
+                    <a:pt x="53" y="229"/>
+                  </a:cubicBezTo>
+                  <a:close/>
+                </a:path>
+              </a:pathLst>
+            </a:custGeom>
+            <a:solidFill>
+              <a:schemeClr val="tx2"/>
+            </a:solidFill>
+            <a:ln>
+              <a:noFill/>
+            </a:ln>
+          </p:spPr>
+          <p:txBody>
+            <a:bodyPr/>
+            <a:lstStyle/>
+            <a:p>
+              <a:endParaRPr lang="it-IT"/>
+            </a:p>
+          </p:txBody>
+        </p:sp>
+        <p:sp>
+          <p:nvSpPr>
+            <p:cNvPr id="31" name="Freeform 29">
+              <a:extLst>
+                <a:ext uri="{FF2B5EF4-FFF2-40B4-BE49-F238E27FC236}">
+                  <a16:creationId xmlns:a16="http://schemas.microsoft.com/office/drawing/2014/main" id="{E80AC2A9-A86D-45A4-B218-B52F22B3E3FC}"/>
+                </a:ext>
+                <a:ext uri="{C183D7F6-B498-43B3-948B-1728B52AA6E4}">
+                  <adec:decorative xmlns:adec="http://schemas.microsoft.com/office/drawing/2017/decorative" val="1"/>
+                </a:ext>
+              </a:extLst>
+            </p:cNvPr>
+            <p:cNvSpPr/>
+            <p:nvPr>
+              <p:extLst>
+                <p:ext uri="{386F3935-93C4-4BCD-93E2-E3B085C9AB24}">
+                  <p16:designElem xmlns:p16="http://schemas.microsoft.com/office/powerpoint/2015/main" val="1"/>
+                </p:ext>
+              </p:extLst>
+            </p:nvPr>
+          </p:nvSpPr>
+          <p:spPr bwMode="auto">
+            <a:xfrm>
+              <a:off x="7439026" y="5053013"/>
+              <a:ext cx="357188" cy="820738"/>
+            </a:xfrm>
+            <a:custGeom>
+              <a:avLst/>
+              <a:gdLst/>
+              <a:ahLst/>
+              <a:cxnLst/>
+              <a:rect l="0" t="0" r="r" b="b"/>
+              <a:pathLst>
+                <a:path w="90" h="207">
+                  <a:moveTo>
+                    <a:pt x="6" y="15"/>
+                  </a:moveTo>
+                  <a:cubicBezTo>
+                    <a:pt x="4" y="10"/>
+                    <a:pt x="2" y="5"/>
+                    <a:pt x="0" y="0"/>
+                  </a:cubicBezTo>
+                  <a:cubicBezTo>
+                    <a:pt x="0" y="9"/>
+                    <a:pt x="0" y="19"/>
+                    <a:pt x="1" y="29"/>
+                  </a:cubicBezTo>
+                  <a:cubicBezTo>
+                    <a:pt x="14" y="62"/>
+                    <a:pt x="27" y="95"/>
+                    <a:pt x="42" y="127"/>
+                  </a:cubicBezTo>
+                  <a:cubicBezTo>
+                    <a:pt x="54" y="154"/>
+                    <a:pt x="67" y="181"/>
+                    <a:pt x="80" y="207"/>
+                  </a:cubicBezTo>
+                  <a:cubicBezTo>
+                    <a:pt x="90" y="207"/>
+                    <a:pt x="90" y="207"/>
+                    <a:pt x="90" y="207"/>
+                  </a:cubicBezTo>
+                  <a:cubicBezTo>
+                    <a:pt x="76" y="180"/>
+                    <a:pt x="63" y="152"/>
+                    <a:pt x="50" y="123"/>
+                  </a:cubicBezTo>
+                  <a:cubicBezTo>
+                    <a:pt x="34" y="88"/>
+                    <a:pt x="20" y="51"/>
+                    <a:pt x="6" y="15"/>
+                  </a:cubicBezTo>
+                  <a:close/>
+                </a:path>
+              </a:pathLst>
+            </a:custGeom>
+            <a:solidFill>
+              <a:schemeClr val="tx2"/>
+            </a:solidFill>
+            <a:ln>
+              <a:noFill/>
+            </a:ln>
+          </p:spPr>
+          <p:txBody>
+            <a:bodyPr/>
+            <a:lstStyle/>
+            <a:p>
+              <a:endParaRPr lang="it-IT"/>
+            </a:p>
+          </p:txBody>
+        </p:sp>
+        <p:sp>
+          <p:nvSpPr>
+            <p:cNvPr id="32" name="Freeform 30">
+              <a:extLst>
+                <a:ext uri="{FF2B5EF4-FFF2-40B4-BE49-F238E27FC236}">
+                  <a16:creationId xmlns:a16="http://schemas.microsoft.com/office/drawing/2014/main" id="{2DB7D344-D8A0-46BE-8BD4-70DEC451E567}"/>
+                </a:ext>
+                <a:ext uri="{C183D7F6-B498-43B3-948B-1728B52AA6E4}">
+                  <adec:decorative xmlns:adec="http://schemas.microsoft.com/office/drawing/2017/decorative" val="1"/>
+                </a:ext>
+              </a:extLst>
+            </p:cNvPr>
+            <p:cNvSpPr/>
+            <p:nvPr>
+              <p:extLst>
+                <p:ext uri="{386F3935-93C4-4BCD-93E2-E3B085C9AB24}">
+                  <p16:designElem xmlns:p16="http://schemas.microsoft.com/office/powerpoint/2015/main" val="1"/>
+                </p:ext>
+              </p:extLst>
+            </p:nvPr>
+          </p:nvSpPr>
+          <p:spPr bwMode="auto">
+            <a:xfrm>
+              <a:off x="7037388" y="3811588"/>
+              <a:ext cx="457200" cy="1852613"/>
+            </a:xfrm>
+            <a:custGeom>
+              <a:avLst/>
+              <a:gdLst/>
+              <a:ahLst/>
+              <a:cxnLst/>
+              <a:rect l="0" t="0" r="r" b="b"/>
+              <a:pathLst>
+                <a:path w="115" h="467">
+                  <a:moveTo>
+                    <a:pt x="101" y="409"/>
+                  </a:moveTo>
+                  <a:cubicBezTo>
+                    <a:pt x="93" y="388"/>
+                    <a:pt x="85" y="366"/>
+                    <a:pt x="78" y="344"/>
+                  </a:cubicBezTo>
+                  <a:cubicBezTo>
+                    <a:pt x="57" y="281"/>
+                    <a:pt x="41" y="216"/>
+                    <a:pt x="29" y="151"/>
+                  </a:cubicBezTo>
+                  <a:cubicBezTo>
+                    <a:pt x="22" y="119"/>
+                    <a:pt x="17" y="86"/>
+                    <a:pt x="13" y="53"/>
+                  </a:cubicBezTo>
+                  <a:cubicBezTo>
+                    <a:pt x="9" y="35"/>
+                    <a:pt x="4" y="18"/>
+                    <a:pt x="0" y="0"/>
+                  </a:cubicBezTo>
+                  <a:cubicBezTo>
+                    <a:pt x="5" y="51"/>
+                    <a:pt x="12" y="102"/>
+                    <a:pt x="21" y="152"/>
+                  </a:cubicBezTo>
+                  <a:cubicBezTo>
+                    <a:pt x="33" y="218"/>
+                    <a:pt x="49" y="283"/>
+                    <a:pt x="69" y="347"/>
+                  </a:cubicBezTo>
+                  <a:cubicBezTo>
+                    <a:pt x="79" y="378"/>
+                    <a:pt x="90" y="410"/>
+                    <a:pt x="103" y="441"/>
+                  </a:cubicBezTo>
+                  <a:cubicBezTo>
+                    <a:pt x="107" y="449"/>
+                    <a:pt x="111" y="458"/>
+                    <a:pt x="115" y="467"/>
+                  </a:cubicBezTo>
+                  <a:cubicBezTo>
+                    <a:pt x="114" y="464"/>
+                    <a:pt x="113" y="461"/>
+                    <a:pt x="112" y="458"/>
+                  </a:cubicBezTo>
+                  <a:cubicBezTo>
+                    <a:pt x="108" y="442"/>
+                    <a:pt x="104" y="425"/>
+                    <a:pt x="101" y="409"/>
+                  </a:cubicBezTo>
+                  <a:close/>
+                </a:path>
+              </a:pathLst>
+            </a:custGeom>
+            <a:solidFill>
+              <a:schemeClr val="tx2"/>
+            </a:solidFill>
+            <a:ln>
+              <a:noFill/>
+            </a:ln>
+          </p:spPr>
+          <p:txBody>
+            <a:bodyPr/>
+            <a:lstStyle/>
+            <a:p>
+              <a:endParaRPr lang="it-IT"/>
+            </a:p>
+          </p:txBody>
+        </p:sp>
+        <p:sp>
+          <p:nvSpPr>
+            <p:cNvPr id="33" name="Freeform 31">
+              <a:extLst>
+                <a:ext uri="{FF2B5EF4-FFF2-40B4-BE49-F238E27FC236}">
+                  <a16:creationId xmlns:a16="http://schemas.microsoft.com/office/drawing/2014/main" id="{90B7E18B-6B64-4711-94DE-715DE0CB71A8}"/>
+                </a:ext>
+                <a:ext uri="{C183D7F6-B498-43B3-948B-1728B52AA6E4}">
+                  <adec:decorative xmlns:adec="http://schemas.microsoft.com/office/drawing/2017/decorative" val="1"/>
+                </a:ext>
+              </a:extLst>
+            </p:cNvPr>
+            <p:cNvSpPr/>
+            <p:nvPr>
+              <p:extLst>
+                <p:ext uri="{386F3935-93C4-4BCD-93E2-E3B085C9AB24}">
+                  <p16:designElem xmlns:p16="http://schemas.microsoft.com/office/powerpoint/2015/main" val="1"/>
+                </p:ext>
+              </p:extLst>
+            </p:nvPr>
+          </p:nvSpPr>
+          <p:spPr bwMode="auto">
+            <a:xfrm>
+              <a:off x="6992938" y="1263650"/>
+              <a:ext cx="144463" cy="2508250"/>
+            </a:xfrm>
+            <a:custGeom>
+              <a:avLst/>
+              <a:gdLst/>
+              <a:ahLst/>
+              <a:cxnLst/>
+              <a:rect l="0" t="0" r="r" b="b"/>
+              <a:pathLst>
+                <a:path w="36" h="633">
+                  <a:moveTo>
+                    <a:pt x="17" y="633"/>
+                  </a:moveTo>
+                  <a:cubicBezTo>
+                    <a:pt x="15" y="621"/>
+                    <a:pt x="14" y="609"/>
+                    <a:pt x="13" y="597"/>
+                  </a:cubicBezTo>
+                  <a:cubicBezTo>
+                    <a:pt x="8" y="530"/>
+                    <a:pt x="5" y="464"/>
+                    <a:pt x="5" y="398"/>
+                  </a:cubicBezTo>
+                  <a:cubicBezTo>
+                    <a:pt x="5" y="331"/>
+                    <a:pt x="8" y="265"/>
+                    <a:pt x="13" y="198"/>
+                  </a:cubicBezTo>
+                  <a:cubicBezTo>
+                    <a:pt x="15" y="165"/>
+                    <a:pt x="18" y="132"/>
+                    <a:pt x="22" y="99"/>
+                  </a:cubicBezTo>
+                  <a:cubicBezTo>
+                    <a:pt x="26" y="66"/>
+                    <a:pt x="30" y="33"/>
+                    <a:pt x="36" y="0"/>
+                  </a:cubicBezTo>
+                  <a:cubicBezTo>
+                    <a:pt x="35" y="0"/>
+                    <a:pt x="35" y="0"/>
+                    <a:pt x="35" y="0"/>
+                  </a:cubicBezTo>
+                  <a:cubicBezTo>
+                    <a:pt x="29" y="33"/>
+                    <a:pt x="24" y="66"/>
+                    <a:pt x="20" y="99"/>
+                  </a:cubicBezTo>
+                  <a:cubicBezTo>
+                    <a:pt x="16" y="132"/>
+                    <a:pt x="13" y="165"/>
+                    <a:pt x="10" y="198"/>
+                  </a:cubicBezTo>
+                  <a:cubicBezTo>
+                    <a:pt x="4" y="264"/>
+                    <a:pt x="1" y="331"/>
+                    <a:pt x="1" y="398"/>
+                  </a:cubicBezTo>
+                  <a:cubicBezTo>
+                    <a:pt x="0" y="461"/>
+                    <a:pt x="2" y="525"/>
+                    <a:pt x="7" y="589"/>
+                  </a:cubicBezTo>
+                  <a:cubicBezTo>
+                    <a:pt x="10" y="603"/>
+                    <a:pt x="13" y="618"/>
+                    <a:pt x="16" y="632"/>
+                  </a:cubicBezTo>
+                  <a:cubicBezTo>
+                    <a:pt x="16" y="632"/>
+                    <a:pt x="17" y="633"/>
+                    <a:pt x="17" y="633"/>
+                  </a:cubicBezTo>
+                  <a:close/>
+                </a:path>
+              </a:pathLst>
+            </a:custGeom>
+            <a:solidFill>
+              <a:schemeClr val="tx2"/>
+            </a:solidFill>
+            <a:ln>
+              <a:noFill/>
+            </a:ln>
+          </p:spPr>
+          <p:txBody>
+            <a:bodyPr/>
+            <a:lstStyle/>
+            <a:p>
+              <a:endParaRPr lang="it-IT"/>
+            </a:p>
+          </p:txBody>
+        </p:sp>
+        <p:sp>
+          <p:nvSpPr>
+            <p:cNvPr id="34" name="Freeform 32">
+              <a:extLst>
+                <a:ext uri="{FF2B5EF4-FFF2-40B4-BE49-F238E27FC236}">
+                  <a16:creationId xmlns:a16="http://schemas.microsoft.com/office/drawing/2014/main" id="{7CCF1B9C-A47F-4AC1-8164-F13CD4288767}"/>
+                </a:ext>
+                <a:ext uri="{C183D7F6-B498-43B3-948B-1728B52AA6E4}">
+                  <adec:decorative xmlns:adec="http://schemas.microsoft.com/office/drawing/2017/decorative" val="1"/>
+                </a:ext>
+              </a:extLst>
+            </p:cNvPr>
+            <p:cNvSpPr/>
+            <p:nvPr>
+              <p:extLst>
+                <p:ext uri="{386F3935-93C4-4BCD-93E2-E3B085C9AB24}">
+                  <p16:designElem xmlns:p16="http://schemas.microsoft.com/office/powerpoint/2015/main" val="1"/>
+                </p:ext>
+              </p:extLst>
+            </p:nvPr>
+          </p:nvSpPr>
+          <p:spPr bwMode="auto">
+            <a:xfrm>
+              <a:off x="7526338" y="5640388"/>
+              <a:ext cx="111125" cy="233363"/>
+            </a:xfrm>
+            <a:custGeom>
+              <a:avLst/>
+              <a:gdLst/>
+              <a:ahLst/>
+              <a:cxnLst/>
+              <a:rect l="0" t="0" r="r" b="b"/>
+              <a:pathLst>
+                <a:path w="28" h="59">
+                  <a:moveTo>
+                    <a:pt x="22" y="59"/>
+                  </a:moveTo>
+                  <a:cubicBezTo>
+                    <a:pt x="28" y="59"/>
+                    <a:pt x="28" y="59"/>
+                    <a:pt x="28" y="59"/>
+                  </a:cubicBezTo>
+                  <a:cubicBezTo>
+                    <a:pt x="18" y="40"/>
+                    <a:pt x="9" y="20"/>
+                    <a:pt x="0" y="0"/>
+                  </a:cubicBezTo>
+                  <a:cubicBezTo>
+                    <a:pt x="6" y="20"/>
+                    <a:pt x="13" y="40"/>
+                    <a:pt x="22" y="59"/>
+                  </a:cubicBezTo>
+                  <a:close/>
+                </a:path>
+              </a:pathLst>
+            </a:custGeom>
+            <a:solidFill>
+              <a:schemeClr val="tx2"/>
+            </a:solidFill>
+            <a:ln>
+              <a:noFill/>
+            </a:ln>
+          </p:spPr>
+          <p:txBody>
+            <a:bodyPr/>
+            <a:lstStyle/>
+            <a:p>
+              <a:endParaRPr lang="it-IT"/>
+            </a:p>
+          </p:txBody>
+        </p:sp>
+        <p:sp>
+          <p:nvSpPr>
+            <p:cNvPr id="35" name="Freeform 33">
+              <a:extLst>
+                <a:ext uri="{FF2B5EF4-FFF2-40B4-BE49-F238E27FC236}">
+                  <a16:creationId xmlns:a16="http://schemas.microsoft.com/office/drawing/2014/main" id="{A7694E0F-733F-4E78-A250-B7840DA06EB5}"/>
+                </a:ext>
+                <a:ext uri="{C183D7F6-B498-43B3-948B-1728B52AA6E4}">
+                  <adec:decorative xmlns:adec="http://schemas.microsoft.com/office/drawing/2017/decorative" val="1"/>
+                </a:ext>
+              </a:extLst>
+            </p:cNvPr>
+            <p:cNvSpPr/>
+            <p:nvPr>
+              <p:extLst>
+                <p:ext uri="{386F3935-93C4-4BCD-93E2-E3B085C9AB24}">
+                  <p16:designElem xmlns:p16="http://schemas.microsoft.com/office/powerpoint/2015/main" val="1"/>
+                </p:ext>
+              </p:extLst>
+            </p:nvPr>
+          </p:nvSpPr>
+          <p:spPr bwMode="auto">
+            <a:xfrm>
+              <a:off x="7021513" y="3598863"/>
+              <a:ext cx="68263" cy="423863"/>
+            </a:xfrm>
+            <a:custGeom>
+              <a:avLst/>
+              <a:gdLst/>
+              <a:ahLst/>
+              <a:cxnLst/>
+              <a:rect l="0" t="0" r="r" b="b"/>
+              <a:pathLst>
+                <a:path w="17" h="107">
+                  <a:moveTo>
+                    <a:pt x="4" y="54"/>
+                  </a:moveTo>
+                  <a:cubicBezTo>
+                    <a:pt x="8" y="72"/>
+                    <a:pt x="13" y="89"/>
+                    <a:pt x="17" y="107"/>
+                  </a:cubicBezTo>
+                  <a:cubicBezTo>
+                    <a:pt x="14" y="86"/>
+                    <a:pt x="12" y="65"/>
+                    <a:pt x="10" y="44"/>
+                  </a:cubicBezTo>
+                  <a:cubicBezTo>
+                    <a:pt x="10" y="44"/>
+                    <a:pt x="9" y="43"/>
+                    <a:pt x="9" y="43"/>
+                  </a:cubicBezTo>
+                  <a:cubicBezTo>
+                    <a:pt x="6" y="29"/>
+                    <a:pt x="3" y="14"/>
+                    <a:pt x="0" y="0"/>
+                  </a:cubicBezTo>
+                  <a:cubicBezTo>
+                    <a:pt x="0" y="2"/>
+                    <a:pt x="0" y="5"/>
+                    <a:pt x="0" y="8"/>
+                  </a:cubicBezTo>
+                  <a:cubicBezTo>
+                    <a:pt x="1" y="23"/>
+                    <a:pt x="3" y="39"/>
+                    <a:pt x="4" y="54"/>
+                  </a:cubicBezTo>
+                  <a:close/>
+                </a:path>
+              </a:pathLst>
+            </a:custGeom>
+            <a:solidFill>
+              <a:schemeClr val="tx2"/>
+            </a:solidFill>
+            <a:ln>
+              <a:noFill/>
+            </a:ln>
+          </p:spPr>
+          <p:txBody>
+            <a:bodyPr/>
+            <a:lstStyle/>
+            <a:p>
+              <a:endParaRPr lang="it-IT"/>
+            </a:p>
+          </p:txBody>
+        </p:sp>
+        <p:sp>
+          <p:nvSpPr>
+            <p:cNvPr id="36" name="Freeform 34">
+              <a:extLst>
+                <a:ext uri="{FF2B5EF4-FFF2-40B4-BE49-F238E27FC236}">
+                  <a16:creationId xmlns:a16="http://schemas.microsoft.com/office/drawing/2014/main" id="{7DE4B38A-BCE4-48FC-9109-41F73413B118}"/>
+                </a:ext>
+                <a:ext uri="{C183D7F6-B498-43B3-948B-1728B52AA6E4}">
+                  <adec:decorative xmlns:adec="http://schemas.microsoft.com/office/drawing/2017/decorative" val="1"/>
+                </a:ext>
+              </a:extLst>
+            </p:cNvPr>
+            <p:cNvSpPr/>
+            <p:nvPr>
+              <p:extLst>
+                <p:ext uri="{386F3935-93C4-4BCD-93E2-E3B085C9AB24}">
+                  <p16:designElem xmlns:p16="http://schemas.microsoft.com/office/powerpoint/2015/main" val="1"/>
+                </p:ext>
+              </p:extLst>
+            </p:nvPr>
+          </p:nvSpPr>
+          <p:spPr bwMode="auto">
+            <a:xfrm>
+              <a:off x="7412038" y="2801938"/>
+              <a:ext cx="1168400" cy="2251075"/>
+            </a:xfrm>
+            <a:custGeom>
+              <a:avLst/>
+              <a:gdLst/>
+              <a:ahLst/>
+              <a:cxnLst/>
+              <a:rect l="0" t="0" r="r" b="b"/>
+              <a:pathLst>
+                <a:path w="294" h="568">
+                  <a:moveTo>
+                    <a:pt x="8" y="553"/>
+                  </a:moveTo>
+                  <a:cubicBezTo>
+                    <a:pt x="9" y="501"/>
+                    <a:pt x="19" y="448"/>
+                    <a:pt x="35" y="397"/>
+                  </a:cubicBezTo>
+                  <a:cubicBezTo>
+                    <a:pt x="51" y="347"/>
+                    <a:pt x="73" y="298"/>
+                    <a:pt x="99" y="252"/>
+                  </a:cubicBezTo>
+                  <a:cubicBezTo>
+                    <a:pt x="124" y="205"/>
+                    <a:pt x="154" y="161"/>
+                    <a:pt x="187" y="119"/>
+                  </a:cubicBezTo>
+                  <a:cubicBezTo>
+                    <a:pt x="203" y="98"/>
+                    <a:pt x="220" y="77"/>
+                    <a:pt x="238" y="58"/>
+                  </a:cubicBezTo>
+                  <a:cubicBezTo>
+                    <a:pt x="247" y="48"/>
+                    <a:pt x="256" y="38"/>
+                    <a:pt x="265" y="28"/>
+                  </a:cubicBezTo>
+                  <a:cubicBezTo>
+                    <a:pt x="274" y="19"/>
+                    <a:pt x="284" y="9"/>
+                    <a:pt x="294" y="0"/>
+                  </a:cubicBezTo>
+                  <a:cubicBezTo>
+                    <a:pt x="293" y="0"/>
+                    <a:pt x="293" y="0"/>
+                    <a:pt x="293" y="0"/>
+                  </a:cubicBezTo>
+                  <a:cubicBezTo>
+                    <a:pt x="283" y="9"/>
+                    <a:pt x="273" y="18"/>
+                    <a:pt x="264" y="27"/>
+                  </a:cubicBezTo>
+                  <a:cubicBezTo>
+                    <a:pt x="255" y="37"/>
+                    <a:pt x="246" y="47"/>
+                    <a:pt x="237" y="56"/>
+                  </a:cubicBezTo>
+                  <a:cubicBezTo>
+                    <a:pt x="218" y="76"/>
+                    <a:pt x="201" y="96"/>
+                    <a:pt x="185" y="117"/>
+                  </a:cubicBezTo>
+                  <a:cubicBezTo>
+                    <a:pt x="151" y="159"/>
+                    <a:pt x="121" y="203"/>
+                    <a:pt x="95" y="249"/>
+                  </a:cubicBezTo>
+                  <a:cubicBezTo>
+                    <a:pt x="68" y="296"/>
+                    <a:pt x="46" y="345"/>
+                    <a:pt x="30" y="396"/>
+                  </a:cubicBezTo>
+                  <a:cubicBezTo>
+                    <a:pt x="13" y="445"/>
+                    <a:pt x="3" y="497"/>
+                    <a:pt x="0" y="549"/>
+                  </a:cubicBezTo>
+                  <a:cubicBezTo>
+                    <a:pt x="3" y="555"/>
+                    <a:pt x="5" y="561"/>
+                    <a:pt x="7" y="568"/>
+                  </a:cubicBezTo>
+                  <a:cubicBezTo>
+                    <a:pt x="7" y="563"/>
+                    <a:pt x="7" y="558"/>
+                    <a:pt x="8" y="553"/>
+                  </a:cubicBezTo>
+                  <a:close/>
+                </a:path>
+              </a:pathLst>
+            </a:custGeom>
+            <a:solidFill>
+              <a:schemeClr val="tx2"/>
+            </a:solidFill>
+            <a:ln>
+              <a:noFill/>
+            </a:ln>
+          </p:spPr>
+          <p:txBody>
+            <a:bodyPr/>
+            <a:lstStyle/>
+            <a:p>
+              <a:endParaRPr lang="it-IT"/>
+            </a:p>
+          </p:txBody>
+        </p:sp>
+        <p:sp>
+          <p:nvSpPr>
+            <p:cNvPr id="37" name="Freeform 35">
+              <a:extLst>
+                <a:ext uri="{FF2B5EF4-FFF2-40B4-BE49-F238E27FC236}">
+                  <a16:creationId xmlns:a16="http://schemas.microsoft.com/office/drawing/2014/main" id="{36605C57-20A9-46A2-A6DB-2EA83ADC9433}"/>
+                </a:ext>
+                <a:ext uri="{C183D7F6-B498-43B3-948B-1728B52AA6E4}">
+                  <adec:decorative xmlns:adec="http://schemas.microsoft.com/office/drawing/2017/decorative" val="1"/>
+                </a:ext>
+              </a:extLst>
+            </p:cNvPr>
+            <p:cNvSpPr/>
+            <p:nvPr>
+              <p:extLst>
+                <p:ext uri="{386F3935-93C4-4BCD-93E2-E3B085C9AB24}">
+                  <p16:designElem xmlns:p16="http://schemas.microsoft.com/office/powerpoint/2015/main" val="1"/>
+                </p:ext>
+              </p:extLst>
+            </p:nvPr>
+          </p:nvSpPr>
+          <p:spPr bwMode="auto">
+            <a:xfrm>
+              <a:off x="7494588" y="5664200"/>
+              <a:ext cx="100013" cy="209550"/>
+            </a:xfrm>
+            <a:custGeom>
+              <a:avLst/>
+              <a:gdLst/>
+              <a:ahLst/>
+              <a:cxnLst/>
+              <a:rect l="0" t="0" r="r" b="b"/>
+              <a:pathLst>
+                <a:path w="25" h="53">
+                  <a:moveTo>
+                    <a:pt x="0" y="0"/>
+                  </a:moveTo>
+                  <a:cubicBezTo>
+                    <a:pt x="5" y="18"/>
+                    <a:pt x="12" y="36"/>
+                    <a:pt x="19" y="53"/>
+                  </a:cubicBezTo>
+                  <a:cubicBezTo>
+                    <a:pt x="25" y="53"/>
+                    <a:pt x="25" y="53"/>
+                    <a:pt x="25" y="53"/>
+                  </a:cubicBezTo>
+                  <a:cubicBezTo>
+                    <a:pt x="16" y="36"/>
+                    <a:pt x="8" y="18"/>
+                    <a:pt x="0" y="0"/>
+                  </a:cubicBezTo>
+                  <a:close/>
+                </a:path>
+              </a:pathLst>
+            </a:custGeom>
+            <a:solidFill>
+              <a:schemeClr val="tx2"/>
+            </a:solidFill>
+            <a:ln>
+              <a:noFill/>
+            </a:ln>
+          </p:spPr>
+          <p:txBody>
+            <a:bodyPr/>
+            <a:lstStyle/>
+            <a:p>
+              <a:endParaRPr lang="it-IT"/>
+            </a:p>
+          </p:txBody>
+        </p:sp>
+        <p:sp>
+          <p:nvSpPr>
+            <p:cNvPr id="38" name="Freeform 36">
+              <a:extLst>
+                <a:ext uri="{FF2B5EF4-FFF2-40B4-BE49-F238E27FC236}">
+                  <a16:creationId xmlns:a16="http://schemas.microsoft.com/office/drawing/2014/main" id="{23EFA4B2-9313-4409-9BAE-FC04D2AF119F}"/>
+                </a:ext>
+                <a:ext uri="{C183D7F6-B498-43B3-948B-1728B52AA6E4}">
+                  <adec:decorative xmlns:adec="http://schemas.microsoft.com/office/drawing/2017/decorative" val="1"/>
+                </a:ext>
+              </a:extLst>
+            </p:cNvPr>
+            <p:cNvSpPr/>
+            <p:nvPr>
+              <p:extLst>
+                <p:ext uri="{386F3935-93C4-4BCD-93E2-E3B085C9AB24}">
+                  <p16:designElem xmlns:p16="http://schemas.microsoft.com/office/powerpoint/2015/main" val="1"/>
+                </p:ext>
+              </p:extLst>
+            </p:nvPr>
+          </p:nvSpPr>
+          <p:spPr bwMode="auto">
+            <a:xfrm>
+              <a:off x="7412038" y="5081588"/>
+              <a:ext cx="114300" cy="558800"/>
+            </a:xfrm>
+            <a:custGeom>
+              <a:avLst/>
+              <a:gdLst/>
+              <a:ahLst/>
+              <a:cxnLst/>
+              <a:rect l="0" t="0" r="r" b="b"/>
+              <a:pathLst>
+                <a:path w="29" h="141">
+                  <a:moveTo>
+                    <a:pt x="0" y="0"/>
+                  </a:moveTo>
+                  <a:cubicBezTo>
+                    <a:pt x="0" y="30"/>
+                    <a:pt x="2" y="60"/>
+                    <a:pt x="7" y="89"/>
+                  </a:cubicBezTo>
+                  <a:cubicBezTo>
+                    <a:pt x="11" y="98"/>
+                    <a:pt x="14" y="108"/>
+                    <a:pt x="18" y="117"/>
+                  </a:cubicBezTo>
+                  <a:cubicBezTo>
+                    <a:pt x="22" y="125"/>
+                    <a:pt x="25" y="133"/>
+                    <a:pt x="29" y="141"/>
+                  </a:cubicBezTo>
+                  <a:cubicBezTo>
+                    <a:pt x="28" y="139"/>
+                    <a:pt x="28" y="137"/>
+                    <a:pt x="27" y="135"/>
+                  </a:cubicBezTo>
+                  <a:cubicBezTo>
+                    <a:pt x="16" y="98"/>
+                    <a:pt x="10" y="60"/>
+                    <a:pt x="8" y="22"/>
+                  </a:cubicBezTo>
+                  <a:cubicBezTo>
+                    <a:pt x="7" y="18"/>
+                    <a:pt x="5" y="15"/>
+                    <a:pt x="4" y="11"/>
+                  </a:cubicBezTo>
+                  <a:cubicBezTo>
+                    <a:pt x="2" y="7"/>
+                    <a:pt x="1" y="3"/>
+                    <a:pt x="0" y="0"/>
+                  </a:cubicBezTo>
+                  <a:close/>
+                </a:path>
+              </a:pathLst>
+            </a:custGeom>
+            <a:solidFill>
+              <a:schemeClr val="tx2"/>
+            </a:solidFill>
+            <a:ln>
+              <a:noFill/>
+            </a:ln>
+          </p:spPr>
+          <p:txBody>
+            <a:bodyPr/>
+            <a:lstStyle/>
+            <a:p>
+              <a:endParaRPr lang="it-IT"/>
+            </a:p>
+          </p:txBody>
+        </p:sp>
+        <p:sp>
+          <p:nvSpPr>
+            <p:cNvPr id="39" name="Freeform 37">
+              <a:extLst>
+                <a:ext uri="{FF2B5EF4-FFF2-40B4-BE49-F238E27FC236}">
+                  <a16:creationId xmlns:a16="http://schemas.microsoft.com/office/drawing/2014/main" id="{C8A794CC-8846-4A65-8227-1001468DB81D}"/>
+                </a:ext>
+                <a:ext uri="{C183D7F6-B498-43B3-948B-1728B52AA6E4}">
+                  <adec:decorative xmlns:adec="http://schemas.microsoft.com/office/drawing/2017/decorative" val="1"/>
+                </a:ext>
+              </a:extLst>
+            </p:cNvPr>
+            <p:cNvSpPr/>
+            <p:nvPr>
+              <p:extLst>
+                <p:ext uri="{386F3935-93C4-4BCD-93E2-E3B085C9AB24}">
+                  <p16:designElem xmlns:p16="http://schemas.microsoft.com/office/powerpoint/2015/main" val="1"/>
+                </p:ext>
+              </p:extLst>
+            </p:nvPr>
+          </p:nvSpPr>
+          <p:spPr bwMode="auto">
+            <a:xfrm>
+              <a:off x="7412038" y="4978400"/>
+              <a:ext cx="31750" cy="188913"/>
+            </a:xfrm>
+            <a:custGeom>
+              <a:avLst/>
+              <a:gdLst/>
+              <a:ahLst/>
+              <a:cxnLst/>
+              <a:rect l="0" t="0" r="r" b="b"/>
+              <a:pathLst>
+                <a:path w="8" h="48">
+                  <a:moveTo>
+                    <a:pt x="0" y="26"/>
+                  </a:moveTo>
+                  <a:cubicBezTo>
+                    <a:pt x="1" y="29"/>
+                    <a:pt x="2" y="33"/>
+                    <a:pt x="4" y="37"/>
+                  </a:cubicBezTo>
+                  <a:cubicBezTo>
+                    <a:pt x="5" y="41"/>
+                    <a:pt x="7" y="44"/>
+                    <a:pt x="8" y="48"/>
+                  </a:cubicBezTo>
+                  <a:cubicBezTo>
+                    <a:pt x="7" y="38"/>
+                    <a:pt x="7" y="28"/>
+                    <a:pt x="7" y="19"/>
+                  </a:cubicBezTo>
+                  <a:cubicBezTo>
+                    <a:pt x="5" y="12"/>
+                    <a:pt x="3" y="6"/>
+                    <a:pt x="0" y="0"/>
+                  </a:cubicBezTo>
+                  <a:cubicBezTo>
+                    <a:pt x="0" y="1"/>
+                    <a:pt x="0" y="3"/>
+                    <a:pt x="0" y="4"/>
+                  </a:cubicBezTo>
+                  <a:cubicBezTo>
+                    <a:pt x="0" y="11"/>
+                    <a:pt x="0" y="19"/>
+                    <a:pt x="0" y="26"/>
+                  </a:cubicBezTo>
+                  <a:close/>
+                </a:path>
+              </a:pathLst>
+            </a:custGeom>
+            <a:solidFill>
+              <a:schemeClr val="tx2"/>
+            </a:solidFill>
+            <a:ln>
+              <a:noFill/>
+            </a:ln>
+          </p:spPr>
+          <p:txBody>
+            <a:bodyPr/>
+            <a:lstStyle/>
+            <a:p>
+              <a:endParaRPr lang="it-IT"/>
+            </a:p>
+          </p:txBody>
+        </p:sp>
+        <p:sp>
+          <p:nvSpPr>
+            <p:cNvPr id="40" name="Freeform 38">
+              <a:extLst>
+                <a:ext uri="{FF2B5EF4-FFF2-40B4-BE49-F238E27FC236}">
+                  <a16:creationId xmlns:a16="http://schemas.microsoft.com/office/drawing/2014/main" id="{87046215-2C6C-4EFD-9689-6EBF98CA98FE}"/>
+                </a:ext>
+                <a:ext uri="{C183D7F6-B498-43B3-948B-1728B52AA6E4}">
+                  <adec:decorative xmlns:adec="http://schemas.microsoft.com/office/drawing/2017/decorative" val="1"/>
+                </a:ext>
+              </a:extLst>
+            </p:cNvPr>
+            <p:cNvSpPr/>
+            <p:nvPr>
+              <p:extLst>
+                <p:ext uri="{386F3935-93C4-4BCD-93E2-E3B085C9AB24}">
+                  <p16:designElem xmlns:p16="http://schemas.microsoft.com/office/powerpoint/2015/main" val="1"/>
+                </p:ext>
+              </p:extLst>
+            </p:nvPr>
+          </p:nvSpPr>
+          <p:spPr bwMode="auto">
+            <a:xfrm>
+              <a:off x="7439026" y="5434013"/>
+              <a:ext cx="174625" cy="439738"/>
+            </a:xfrm>
+            <a:custGeom>
+              <a:avLst/>
+              <a:gdLst/>
+              <a:ahLst/>
+              <a:cxnLst/>
+              <a:rect l="0" t="0" r="r" b="b"/>
+              <a:pathLst>
+                <a:path w="44" h="111">
+                  <a:moveTo>
+                    <a:pt x="11" y="28"/>
+                  </a:moveTo>
+                  <a:cubicBezTo>
+                    <a:pt x="7" y="19"/>
+                    <a:pt x="4" y="9"/>
+                    <a:pt x="0" y="0"/>
+                  </a:cubicBezTo>
+                  <a:cubicBezTo>
+                    <a:pt x="3" y="16"/>
+                    <a:pt x="7" y="33"/>
+                    <a:pt x="11" y="49"/>
+                  </a:cubicBezTo>
+                  <a:cubicBezTo>
+                    <a:pt x="12" y="52"/>
+                    <a:pt x="13" y="55"/>
+                    <a:pt x="14" y="58"/>
+                  </a:cubicBezTo>
+                  <a:cubicBezTo>
+                    <a:pt x="22" y="76"/>
+                    <a:pt x="30" y="94"/>
+                    <a:pt x="39" y="111"/>
+                  </a:cubicBezTo>
+                  <a:cubicBezTo>
+                    <a:pt x="44" y="111"/>
+                    <a:pt x="44" y="111"/>
+                    <a:pt x="44" y="111"/>
+                  </a:cubicBezTo>
+                  <a:cubicBezTo>
+                    <a:pt x="35" y="92"/>
+                    <a:pt x="28" y="72"/>
+                    <a:pt x="22" y="52"/>
+                  </a:cubicBezTo>
+                  <a:cubicBezTo>
+                    <a:pt x="18" y="44"/>
+                    <a:pt x="15" y="36"/>
+                    <a:pt x="11" y="28"/>
+                  </a:cubicBezTo>
+                  <a:close/>
+                </a:path>
+              </a:pathLst>
+            </a:custGeom>
+            <a:solidFill>
+              <a:schemeClr val="tx2"/>
+            </a:solidFill>
+            <a:ln>
+              <a:noFill/>
+            </a:ln>
+          </p:spPr>
+          <p:txBody>
+            <a:bodyPr/>
+            <a:lstStyle/>
+            <a:p>
+              <a:endParaRPr lang="it-IT"/>
+            </a:p>
+          </p:txBody>
+        </p:sp>
+      </p:grpSp>
+      <p:sp>
+        <p:nvSpPr>
+          <p:cNvPr id="42" name="Rectangle 41">
+            <a:extLst>
+              <a:ext uri="{FF2B5EF4-FFF2-40B4-BE49-F238E27FC236}">
+                <a16:creationId xmlns:a16="http://schemas.microsoft.com/office/drawing/2014/main" id="{CC9387DA-2D8E-4E5D-BD65-274370B65965}"/>
+              </a:ext>
+              <a:ext uri="{C183D7F6-B498-43B3-948B-1728B52AA6E4}">
+                <adec:decorative xmlns:adec="http://schemas.microsoft.com/office/drawing/2017/decorative" val="1"/>
+              </a:ext>
+            </a:extLst>
+          </p:cNvPr>
+          <p:cNvSpPr>
+            <a:spLocks noGrp="1" noRot="1" noChangeAspect="1" noMove="1" noResize="1" noEditPoints="1" noAdjustHandles="1" noChangeArrowheads="1" noChangeShapeType="1" noTextEdit="1"/>
+          </p:cNvSpPr>
+          <p:nvPr>
+            <p:extLst>
+              <p:ext uri="{386F3935-93C4-4BCD-93E2-E3B085C9AB24}">
+                <p16:designElem xmlns:p16="http://schemas.microsoft.com/office/powerpoint/2015/main" val="1"/>
+              </p:ext>
+            </p:extLst>
+          </p:nvPr>
+        </p:nvSpPr>
+        <p:spPr>
+          <a:xfrm>
+            <a:off x="0" y="0"/>
+            <a:ext cx="182880" cy="6858000"/>
+          </a:xfrm>
+          <a:prstGeom prst="rect">
+            <a:avLst/>
+          </a:prstGeom>
+          <a:solidFill>
+            <a:schemeClr val="tx2"/>
+          </a:solidFill>
+          <a:ln>
+            <a:noFill/>
+          </a:ln>
+          <a:effectLst/>
+        </p:spPr>
+        <p:style>
+          <a:lnRef idx="1">
+            <a:schemeClr val="accent1"/>
+          </a:lnRef>
+          <a:fillRef idx="3">
+            <a:schemeClr val="accent1"/>
+          </a:fillRef>
+          <a:effectRef idx="2">
+            <a:schemeClr val="accent1"/>
+          </a:effectRef>
+          <a:fontRef idx="minor">
+            <a:schemeClr val="lt1"/>
+          </a:fontRef>
+        </p:style>
+        <p:txBody>
+          <a:bodyPr/>
+          <a:lstStyle/>
+          <a:p>
+            <a:endParaRPr lang="it-IT"/>
+          </a:p>
+        </p:txBody>
+      </p:sp>
+      <p:sp>
+        <p:nvSpPr>
+          <p:cNvPr id="44" name="Freeform 11">
+            <a:extLst>
+              <a:ext uri="{FF2B5EF4-FFF2-40B4-BE49-F238E27FC236}">
+                <a16:creationId xmlns:a16="http://schemas.microsoft.com/office/drawing/2014/main" id="{18BFC65B-9706-4EE1-8B75-FEEC1C530558}"/>
+              </a:ext>
+              <a:ext uri="{C183D7F6-B498-43B3-948B-1728B52AA6E4}">
+                <adec:decorative xmlns:adec="http://schemas.microsoft.com/office/drawing/2017/decorative" val="1"/>
+              </a:ext>
+            </a:extLst>
+          </p:cNvPr>
+          <p:cNvSpPr>
+            <a:spLocks noGrp="1" noRot="1" noChangeAspect="1" noMove="1" noResize="1" noEditPoints="1" noAdjustHandles="1" noChangeArrowheads="1" noChangeShapeType="1" noTextEdit="1"/>
+          </p:cNvSpPr>
+          <p:nvPr>
+            <p:extLst>
+              <p:ext uri="{386F3935-93C4-4BCD-93E2-E3B085C9AB24}">
+                <p16:designElem xmlns:p16="http://schemas.microsoft.com/office/powerpoint/2015/main" val="1"/>
+              </p:ext>
+            </p:extLst>
+          </p:nvPr>
+        </p:nvSpPr>
+        <p:spPr bwMode="auto">
+          <a:xfrm flipV="1">
+            <a:off x="-4189" y="714375"/>
+            <a:ext cx="1588527" cy="507297"/>
+          </a:xfrm>
+          <a:custGeom>
+            <a:avLst/>
+            <a:gdLst/>
+            <a:ahLst/>
+            <a:cxnLst/>
+            <a:rect l="l" t="t" r="r" b="b"/>
+            <a:pathLst>
+              <a:path w="9248" h="10000">
+                <a:moveTo>
+                  <a:pt x="9248" y="4701"/>
+                </a:moveTo>
+                <a:lnTo>
+                  <a:pt x="7915" y="188"/>
+                </a:lnTo>
+                <a:cubicBezTo>
+                  <a:pt x="7906" y="156"/>
+                  <a:pt x="7895" y="126"/>
+                  <a:pt x="7886" y="94"/>
+                </a:cubicBezTo>
+                <a:cubicBezTo>
+                  <a:pt x="7859" y="0"/>
+                  <a:pt x="7831" y="0"/>
+                  <a:pt x="7803" y="0"/>
+                </a:cubicBezTo>
+                <a:lnTo>
+                  <a:pt x="7275" y="0"/>
+                </a:lnTo>
+                <a:lnTo>
+                  <a:pt x="0" y="70"/>
+                </a:lnTo>
+                <a:cubicBezTo>
+                  <a:pt x="8" y="3380"/>
+                  <a:pt x="17" y="6690"/>
+                  <a:pt x="25" y="10000"/>
+                </a:cubicBezTo>
+                <a:lnTo>
+                  <a:pt x="7275" y="9966"/>
+                </a:lnTo>
+                <a:lnTo>
+                  <a:pt x="7803" y="9966"/>
+                </a:lnTo>
+                <a:cubicBezTo>
+                  <a:pt x="7831" y="9966"/>
+                  <a:pt x="7859" y="9872"/>
+                  <a:pt x="7886" y="9872"/>
+                </a:cubicBezTo>
+                <a:cubicBezTo>
+                  <a:pt x="7886" y="9778"/>
+                  <a:pt x="7915" y="9778"/>
+                  <a:pt x="7915" y="9778"/>
+                </a:cubicBezTo>
+                <a:lnTo>
+                  <a:pt x="9248" y="5265"/>
+                </a:lnTo>
+                <a:cubicBezTo>
+                  <a:pt x="9303" y="5077"/>
+                  <a:pt x="9303" y="4889"/>
+                  <a:pt x="9248" y="4701"/>
+                </a:cubicBezTo>
+                <a:close/>
+              </a:path>
+            </a:pathLst>
+          </a:custGeom>
+          <a:solidFill>
+            <a:schemeClr val="accent1"/>
+          </a:solidFill>
+          <a:ln>
+            <a:noFill/>
+          </a:ln>
+        </p:spPr>
+        <p:txBody>
+          <a:bodyPr/>
+          <a:lstStyle/>
+          <a:p>
+            <a:endParaRPr lang="it-IT"/>
+          </a:p>
+        </p:txBody>
+      </p:sp>
+      <p:graphicFrame>
+        <p:nvGraphicFramePr>
+          <p:cNvPr id="46" name="Content Placeholder 8">
+            <a:extLst>
+              <a:ext uri="{FF2B5EF4-FFF2-40B4-BE49-F238E27FC236}">
+                <a16:creationId xmlns:a16="http://schemas.microsoft.com/office/drawing/2014/main" id="{DF29969D-009E-2C9C-B73C-6FDECA747C89}"/>
+              </a:ext>
+            </a:extLst>
+          </p:cNvPr>
+          <p:cNvGraphicFramePr>
+            <a:graphicFrameLocks noGrp="1"/>
+          </p:cNvGraphicFramePr>
+          <p:nvPr>
+            <p:ph idx="1"/>
+            <p:extLst>
+              <p:ext uri="{D42A27DB-BD31-4B8C-83A1-F6EECF244321}">
+                <p14:modId xmlns:p14="http://schemas.microsoft.com/office/powerpoint/2010/main" val="3585373342"/>
+              </p:ext>
+            </p:extLst>
+          </p:nvPr>
+        </p:nvGraphicFramePr>
+        <p:xfrm>
+          <a:off x="451967" y="3328649"/>
+          <a:ext cx="3831253" cy="2967160"/>
+        </p:xfrm>
+        <a:graphic>
+          <a:graphicData uri="http://schemas.openxmlformats.org/drawingml/2006/diagram">
+            <dgm:relIds xmlns:dgm="http://schemas.openxmlformats.org/drawingml/2006/diagram" xmlns:r="http://schemas.openxmlformats.org/officeDocument/2006/relationships" r:dm="rId3" r:lo="rId4" r:qs="rId5" r:cs="rId6"/>
+          </a:graphicData>
+        </a:graphic>
+      </p:graphicFrame>
+      <p:sp>
+        <p:nvSpPr>
+          <p:cNvPr id="4" name="Rettangolo con angoli arrotondati 3">
+            <a:extLst>
+              <a:ext uri="{FF2B5EF4-FFF2-40B4-BE49-F238E27FC236}">
+                <a16:creationId xmlns:a16="http://schemas.microsoft.com/office/drawing/2014/main" id="{F621DF9A-5622-A025-DFFD-2F1831FA82AA}"/>
+              </a:ext>
+            </a:extLst>
+          </p:cNvPr>
+          <p:cNvSpPr/>
+          <p:nvPr/>
+        </p:nvSpPr>
+        <p:spPr>
+          <a:xfrm>
+            <a:off x="502391" y="1840900"/>
+            <a:ext cx="5819933" cy="1207525"/>
+          </a:xfrm>
+          <a:prstGeom prst="roundRect">
+            <a:avLst/>
+          </a:prstGeom>
+          <a:solidFill>
+            <a:srgbClr val="DCE2D0"/>
+          </a:solidFill>
+          <a:ln>
+            <a:solidFill>
+              <a:srgbClr val="DCE2D0"/>
+            </a:solidFill>
+          </a:ln>
+        </p:spPr>
+        <p:style>
+          <a:lnRef idx="2">
+            <a:schemeClr val="accent1">
+              <a:shade val="15000"/>
+            </a:schemeClr>
+          </a:lnRef>
+          <a:fillRef idx="1">
+            <a:schemeClr val="accent1"/>
+          </a:fillRef>
+          <a:effectRef idx="0">
+            <a:schemeClr val="accent1"/>
+          </a:effectRef>
+          <a:fontRef idx="minor">
+            <a:schemeClr val="lt1"/>
+          </a:fontRef>
+        </p:style>
+        <p:txBody>
+          <a:bodyPr rtlCol="0" anchor="ctr"/>
+          <a:lstStyle/>
+          <a:p>
+            <a:pPr algn="ctr"/>
+            <a:endParaRPr lang="it-IT"/>
+          </a:p>
+        </p:txBody>
+      </p:sp>
+      <p:sp>
+        <p:nvSpPr>
+          <p:cNvPr id="3" name="CasellaDiTesto 2">
+            <a:extLst>
+              <a:ext uri="{FF2B5EF4-FFF2-40B4-BE49-F238E27FC236}">
+                <a16:creationId xmlns:a16="http://schemas.microsoft.com/office/drawing/2014/main" id="{3D0B5AE4-AAEE-51B8-B445-AC29B412A7CD}"/>
+              </a:ext>
+            </a:extLst>
+          </p:cNvPr>
+          <p:cNvSpPr txBox="1"/>
+          <p:nvPr/>
+        </p:nvSpPr>
+        <p:spPr>
+          <a:xfrm>
+            <a:off x="451967" y="1973532"/>
+            <a:ext cx="5879862" cy="1200329"/>
+          </a:xfrm>
+          <a:prstGeom prst="rect">
+            <a:avLst/>
+          </a:prstGeom>
+          <a:noFill/>
+        </p:spPr>
+        <p:txBody>
+          <a:bodyPr wrap="square" rtlCol="0">
+            <a:spAutoFit/>
+          </a:bodyPr>
+          <a:lstStyle/>
+          <a:p>
+            <a:r>
+              <a:rPr lang="it-IT" dirty="0">
+                <a:latin typeface="Calibri" panose="020F0502020204030204" pitchFamily="34" charset="0"/>
+                <a:ea typeface="Calibri" panose="020F0502020204030204" pitchFamily="34" charset="0"/>
+                <a:cs typeface="Calibri" panose="020F0502020204030204" pitchFamily="34" charset="0"/>
+              </a:rPr>
+              <a:t>Un sistema intelligente progettato per la cura automatizzata delle piante domestiche. Smart </a:t>
+            </a:r>
+            <a:r>
+              <a:rPr lang="it-IT" dirty="0" err="1">
+                <a:latin typeface="Calibri" panose="020F0502020204030204" pitchFamily="34" charset="0"/>
+                <a:ea typeface="Calibri" panose="020F0502020204030204" pitchFamily="34" charset="0"/>
+                <a:cs typeface="Calibri" panose="020F0502020204030204" pitchFamily="34" charset="0"/>
+              </a:rPr>
+              <a:t>Pot</a:t>
+            </a:r>
+            <a:r>
+              <a:rPr lang="it-IT" dirty="0">
+                <a:latin typeface="Calibri" panose="020F0502020204030204" pitchFamily="34" charset="0"/>
+                <a:ea typeface="Calibri" panose="020F0502020204030204" pitchFamily="34" charset="0"/>
+                <a:cs typeface="Calibri" panose="020F0502020204030204" pitchFamily="34" charset="0"/>
+              </a:rPr>
+              <a:t>-XII trasforma un normale vaso in un ecosistema monitorato.</a:t>
+            </a:r>
+            <a:endParaRPr lang="en-US" dirty="0">
+              <a:latin typeface="Calibri" panose="020F0502020204030204" pitchFamily="34" charset="0"/>
+              <a:ea typeface="Calibri" panose="020F0502020204030204" pitchFamily="34" charset="0"/>
+              <a:cs typeface="Calibri" panose="020F0502020204030204" pitchFamily="34" charset="0"/>
+            </a:endParaRPr>
+          </a:p>
+          <a:p>
+            <a:endParaRPr lang="it-IT" dirty="0">
+              <a:latin typeface="Calibri" panose="020F0502020204030204" pitchFamily="34" charset="0"/>
+              <a:ea typeface="Calibri" panose="020F0502020204030204" pitchFamily="34" charset="0"/>
+              <a:cs typeface="Calibri" panose="020F0502020204030204" pitchFamily="34" charset="0"/>
+            </a:endParaRPr>
+          </a:p>
+        </p:txBody>
+      </p:sp>
+    </p:spTree>
+    <p:extLst>
+      <p:ext uri="{BB962C8B-B14F-4D97-AF65-F5344CB8AC3E}">
+        <p14:creationId xmlns:p14="http://schemas.microsoft.com/office/powerpoint/2010/main" val="3655723999"/>
+      </p:ext>
+    </p:extLst>
+  </p:cSld>
+  <p:clrMapOvr>
+    <a:masterClrMapping/>
+  </p:clrMapOvr>
+</p:sld>
+</file>
+
+<file path=ppt/slides/slide3.xml><?xml version="1.0" encoding="utf-8"?>
+<p:sld xmlns:a="http://schemas.openxmlformats.org/drawingml/2006/main" xmlns:r="http://schemas.openxmlformats.org/officeDocument/2006/relationships" xmlns:p="http://schemas.openxmlformats.org/presentationml/2006/main">
+  <p:cSld>
     <p:spTree>
       <p:nvGrpSpPr>
         <p:cNvPr id="1" name=""/>
@@ -14017,7 +20035,7 @@
 </p:sld>
 </file>
 
-<file path=ppt/slides/slide3.xml><?xml version="1.0" encoding="utf-8"?>
+<file path=ppt/slides/slide4.xml><?xml version="1.0" encoding="utf-8"?>
 <p:sld xmlns:a="http://schemas.openxmlformats.org/drawingml/2006/main" xmlns:r="http://schemas.openxmlformats.org/officeDocument/2006/relationships" xmlns:p="http://schemas.openxmlformats.org/presentationml/2006/main">
   <p:cSld>
     <p:spTree>
@@ -14281,7 +20299,7 @@
 </p:sld>
 </file>
 
-<file path=ppt/slides/slide4.xml><?xml version="1.0" encoding="utf-8"?>
+<file path=ppt/slides/slide5.xml><?xml version="1.0" encoding="utf-8"?>
 <p:sld xmlns:a="http://schemas.openxmlformats.org/drawingml/2006/main" xmlns:r="http://schemas.openxmlformats.org/officeDocument/2006/relationships" xmlns:p="http://schemas.openxmlformats.org/presentationml/2006/main">
   <p:cSld>
     <p:spTree>
@@ -14547,7 +20565,7 @@
 </p:sld>
 </file>
 
-<file path=ppt/slides/slide5.xml><?xml version="1.0" encoding="utf-8"?>
+<file path=ppt/slides/slide6.xml><?xml version="1.0" encoding="utf-8"?>
 <p:sld xmlns:a="http://schemas.openxmlformats.org/drawingml/2006/main" xmlns:r="http://schemas.openxmlformats.org/officeDocument/2006/relationships" xmlns:p="http://schemas.openxmlformats.org/presentationml/2006/main">
   <p:cSld>
     <p:spTree>
@@ -14843,7 +20861,7 @@
 </p:sld>
 </file>
 
-<file path=ppt/slides/slide6.xml><?xml version="1.0" encoding="utf-8"?>
+<file path=ppt/slides/slide7.xml><?xml version="1.0" encoding="utf-8"?>
 <p:sld xmlns:a="http://schemas.openxmlformats.org/drawingml/2006/main" xmlns:r="http://schemas.openxmlformats.org/officeDocument/2006/relationships" xmlns:p="http://schemas.openxmlformats.org/presentationml/2006/main">
   <p:cSld>
     <p:spTree>
@@ -15002,7 +21020,7 @@
 </p:sld>
 </file>
 
-<file path=ppt/slides/slide7.xml><?xml version="1.0" encoding="utf-8"?>
+<file path=ppt/slides/slide8.xml><?xml version="1.0" encoding="utf-8"?>
 <p:sld xmlns:a="http://schemas.openxmlformats.org/drawingml/2006/main" xmlns:r="http://schemas.openxmlformats.org/officeDocument/2006/relationships" xmlns:p="http://schemas.openxmlformats.org/presentationml/2006/main">
   <p:cSld>
     <p:spTree>
@@ -15278,7 +21296,7 @@
 </p:sld>
 </file>
 
-<file path=ppt/slides/slide8.xml><?xml version="1.0" encoding="utf-8"?>
+<file path=ppt/slides/slide9.xml><?xml version="1.0" encoding="utf-8"?>
 <p:sld xmlns:a="http://schemas.openxmlformats.org/drawingml/2006/main" xmlns:r="http://schemas.openxmlformats.org/officeDocument/2006/relationships" xmlns:p="http://schemas.openxmlformats.org/presentationml/2006/main">
   <p:cSld>
     <p:spTree>

--- a/docs/Smart Garden.pptx
+++ b/docs/Smart Garden.pptx
@@ -123,7 +123,7 @@
 <file path=ppt/revisionInfo.xml><?xml version="1.0" encoding="utf-8"?>
 <p1510:revInfo xmlns:a="http://schemas.openxmlformats.org/drawingml/2006/main" xmlns:r="http://schemas.openxmlformats.org/officeDocument/2006/relationships" xmlns:p1510="http://schemas.microsoft.com/office/powerpoint/2015/10/main">
   <p1510:revLst>
-    <p1510:client id="{FA22C7F2-C4DB-476C-A55E-363AA47E3EDA}" v="14" dt="2026-01-29T15:24:08.881"/>
+    <p1510:client id="{FA22C7F2-C4DB-476C-A55E-363AA47E3EDA}" v="19" dt="2026-01-29T15:31:10.672"/>
   </p1510:revLst>
 </p1510:revInfo>
 </file>
@@ -133,12 +133,12 @@
   <pc:docChgLst>
     <pc:chgData name="NICOLO'MASSIMO LISENA" userId="f3d6d6cc-e1af-4921-83db-785f07c959d4" providerId="ADAL" clId="{52300CBB-EB40-437D-AC13-5F91FFBE4C5E}"/>
     <pc:docChg chg="undo custSel addSld modSld">
-      <pc:chgData name="NICOLO'MASSIMO LISENA" userId="f3d6d6cc-e1af-4921-83db-785f07c959d4" providerId="ADAL" clId="{52300CBB-EB40-437D-AC13-5F91FFBE4C5E}" dt="2026-01-29T15:24:08.881" v="64" actId="2711"/>
+      <pc:chgData name="NICOLO'MASSIMO LISENA" userId="f3d6d6cc-e1af-4921-83db-785f07c959d4" providerId="ADAL" clId="{52300CBB-EB40-437D-AC13-5F91FFBE4C5E}" dt="2026-01-29T15:31:39.542" v="104" actId="20577"/>
       <pc:docMkLst>
         <pc:docMk/>
       </pc:docMkLst>
       <pc:sldChg chg="addSp delSp modSp new mod setBg">
-        <pc:chgData name="NICOLO'MASSIMO LISENA" userId="f3d6d6cc-e1af-4921-83db-785f07c959d4" providerId="ADAL" clId="{52300CBB-EB40-437D-AC13-5F91FFBE4C5E}" dt="2026-01-29T15:24:08.881" v="64" actId="2711"/>
+        <pc:chgData name="NICOLO'MASSIMO LISENA" userId="f3d6d6cc-e1af-4921-83db-785f07c959d4" providerId="ADAL" clId="{52300CBB-EB40-437D-AC13-5F91FFBE4C5E}" dt="2026-01-29T15:31:39.542" v="104" actId="20577"/>
         <pc:sldMkLst>
           <pc:docMk/>
           <pc:sldMk cId="3655723999" sldId="266"/>
@@ -160,7 +160,7 @@
           </ac:spMkLst>
         </pc:spChg>
         <pc:spChg chg="add mod">
-          <ac:chgData name="NICOLO'MASSIMO LISENA" userId="f3d6d6cc-e1af-4921-83db-785f07c959d4" providerId="ADAL" clId="{52300CBB-EB40-437D-AC13-5F91FFBE4C5E}" dt="2026-01-29T15:23:39.484" v="59" actId="1076"/>
+          <ac:chgData name="NICOLO'MASSIMO LISENA" userId="f3d6d6cc-e1af-4921-83db-785f07c959d4" providerId="ADAL" clId="{52300CBB-EB40-437D-AC13-5F91FFBE4C5E}" dt="2026-01-29T15:30:26.723" v="69" actId="207"/>
           <ac:spMkLst>
             <pc:docMk/>
             <pc:sldMk cId="3655723999" sldId="266"/>
@@ -168,7 +168,7 @@
           </ac:spMkLst>
         </pc:spChg>
         <pc:spChg chg="add mod ord">
-          <ac:chgData name="NICOLO'MASSIMO LISENA" userId="f3d6d6cc-e1af-4921-83db-785f07c959d4" providerId="ADAL" clId="{52300CBB-EB40-437D-AC13-5F91FFBE4C5E}" dt="2026-01-29T15:23:59.721" v="63" actId="208"/>
+          <ac:chgData name="NICOLO'MASSIMO LISENA" userId="f3d6d6cc-e1af-4921-83db-785f07c959d4" providerId="ADAL" clId="{52300CBB-EB40-437D-AC13-5F91FFBE4C5E}" dt="2026-01-29T15:31:04.005" v="75" actId="1076"/>
           <ac:spMkLst>
             <pc:docMk/>
             <pc:sldMk cId="3655723999" sldId="266"/>
@@ -223,8 +223,8 @@
             <ac:grpSpMk id="28" creationId="{F9CAF6A1-77C7-4ABC-9E4A-E74A8DB16DC1}"/>
           </ac:grpSpMkLst>
         </pc:grpChg>
-        <pc:graphicFrameChg chg="add mod">
-          <ac:chgData name="NICOLO'MASSIMO LISENA" userId="f3d6d6cc-e1af-4921-83db-785f07c959d4" providerId="ADAL" clId="{52300CBB-EB40-437D-AC13-5F91FFBE4C5E}" dt="2026-01-29T15:24:08.881" v="64" actId="2711"/>
+        <pc:graphicFrameChg chg="add mod modGraphic">
+          <ac:chgData name="NICOLO'MASSIMO LISENA" userId="f3d6d6cc-e1af-4921-83db-785f07c959d4" providerId="ADAL" clId="{52300CBB-EB40-437D-AC13-5F91FFBE4C5E}" dt="2026-01-29T15:31:39.542" v="104" actId="20577"/>
           <ac:graphicFrameMkLst>
             <pc:docMk/>
             <pc:sldMk cId="3655723999" sldId="266"/>
@@ -2658,10 +2658,18 @@
             </a:lnSpc>
           </a:pPr>
           <a:r>
-            <a:rPr lang="it-IT"/>
+            <a:rPr lang="it-IT" dirty="0">
+              <a:latin typeface="Calibri" panose="020F0502020204030204" pitchFamily="34" charset="0"/>
+              <a:ea typeface="Calibri" panose="020F0502020204030204" pitchFamily="34" charset="0"/>
+              <a:cs typeface="Calibri" panose="020F0502020204030204" pitchFamily="34" charset="0"/>
+            </a:rPr>
             <a:t>Tecnologia ESP32 integrata</a:t>
           </a:r>
-          <a:endParaRPr lang="en-US"/>
+          <a:endParaRPr lang="en-US" dirty="0">
+            <a:latin typeface="Calibri" panose="020F0502020204030204" pitchFamily="34" charset="0"/>
+            <a:ea typeface="Calibri" panose="020F0502020204030204" pitchFamily="34" charset="0"/>
+            <a:cs typeface="Calibri" panose="020F0502020204030204" pitchFamily="34" charset="0"/>
+          </a:endParaRPr>
         </a:p>
       </dgm:t>
     </dgm:pt>
@@ -2700,10 +2708,26 @@
             </a:lnSpc>
           </a:pPr>
           <a:r>
-            <a:rPr lang="it-IT" dirty="0"/>
-            <a:t>Irrigazione autonoma basata su dati</a:t>
+            <a:rPr lang="it-IT" dirty="0">
+              <a:latin typeface="Calibri" panose="020F0502020204030204" pitchFamily="34" charset="0"/>
+              <a:ea typeface="Calibri" panose="020F0502020204030204" pitchFamily="34" charset="0"/>
+              <a:cs typeface="Calibri" panose="020F0502020204030204" pitchFamily="34" charset="0"/>
+            </a:rPr>
+            <a:t>Irrigazione automatica basata </a:t>
           </a:r>
-          <a:endParaRPr lang="en-US" dirty="0"/>
+          <a:r>
+            <a:rPr lang="it-IT">
+              <a:latin typeface="Calibri" panose="020F0502020204030204" pitchFamily="34" charset="0"/>
+              <a:ea typeface="Calibri" panose="020F0502020204030204" pitchFamily="34" charset="0"/>
+              <a:cs typeface="Calibri" panose="020F0502020204030204" pitchFamily="34" charset="0"/>
+            </a:rPr>
+            <a:t>sui d</a:t>
+          </a:r>
+          <a:endParaRPr lang="en-US" dirty="0">
+            <a:latin typeface="Calibri" panose="020F0502020204030204" pitchFamily="34" charset="0"/>
+            <a:ea typeface="Calibri" panose="020F0502020204030204" pitchFamily="34" charset="0"/>
+            <a:cs typeface="Calibri" panose="020F0502020204030204" pitchFamily="34" charset="0"/>
+          </a:endParaRPr>
         </a:p>
       </dgm:t>
     </dgm:pt>
@@ -2746,7 +2770,7 @@
       <dgm:prSet presAssocID="{84A08CED-7E37-479C-8FFC-6748C2942DB9}" presName="bgRect" presStyleLbl="bgShp" presStyleIdx="0" presStyleCnt="3" custLinFactNeighborX="-45399" custLinFactNeighborY="1153"/>
       <dgm:spPr>
         <a:solidFill>
-          <a:srgbClr val="DCE2D0"/>
+          <a:srgbClr val="E1CDCC"/>
         </a:solidFill>
       </dgm:spPr>
     </dgm:pt>
@@ -2798,7 +2822,11 @@
     </dgm:pt>
     <dgm:pt modelId="{6A2B4E76-5084-49AA-8BC2-8A79178E6639}" type="pres">
       <dgm:prSet presAssocID="{54EAD3F4-F4F5-4816-B1D8-DA25FDEA68DF}" presName="bgRect" presStyleLbl="bgShp" presStyleIdx="1" presStyleCnt="3"/>
-      <dgm:spPr/>
+      <dgm:spPr>
+        <a:solidFill>
+          <a:srgbClr val="E1CDCC"/>
+        </a:solidFill>
+      </dgm:spPr>
     </dgm:pt>
     <dgm:pt modelId="{2B3ADA8E-374C-474A-8700-D8B41BB02D8D}" type="pres">
       <dgm:prSet presAssocID="{54EAD3F4-F4F5-4816-B1D8-DA25FDEA68DF}" presName="iconRect" presStyleLbl="node1" presStyleIdx="1" presStyleCnt="3"/>
@@ -2846,7 +2874,11 @@
     </dgm:pt>
     <dgm:pt modelId="{441BADB3-1912-4513-9BD3-AB1356D47757}" type="pres">
       <dgm:prSet presAssocID="{EC345640-646A-46BE-8809-1DD637C26E93}" presName="bgRect" presStyleLbl="bgShp" presStyleIdx="2" presStyleCnt="3"/>
-      <dgm:spPr/>
+      <dgm:spPr>
+        <a:solidFill>
+          <a:srgbClr val="E1CDCC"/>
+        </a:solidFill>
+      </dgm:spPr>
     </dgm:pt>
     <dgm:pt modelId="{F7298EBA-E304-40A2-89DB-C986798C460E}" type="pres">
       <dgm:prSet presAssocID="{EC345640-646A-46BE-8809-1DD637C26E93}" presName="iconRect" presStyleLbl="node1" presStyleIdx="2" presStyleCnt="3"/>
@@ -3756,7 +3788,7 @@
           </a:avLst>
         </a:prstGeom>
         <a:solidFill>
-          <a:srgbClr val="DCE2D0"/>
+          <a:srgbClr val="E1CDCC"/>
         </a:solidFill>
         <a:ln>
           <a:noFill/>
@@ -3869,7 +3901,7 @@
         </a:bodyPr>
         <a:lstStyle/>
         <a:p>
-          <a:pPr marL="0" lvl="0" indent="0" algn="l" defTabSz="844550">
+          <a:pPr marL="0" lvl="0" indent="0" algn="l" defTabSz="933450">
             <a:lnSpc>
               <a:spcPct val="100000"/>
             </a:lnSpc>
@@ -3882,14 +3914,14 @@
             <a:buNone/>
           </a:pPr>
           <a:r>
-            <a:rPr lang="it-IT" sz="1900" kern="1200" dirty="0">
+            <a:rPr lang="it-IT" sz="2100" kern="1200" dirty="0">
               <a:latin typeface="Calibri" panose="020F0502020204030204" pitchFamily="34" charset="0"/>
               <a:ea typeface="Calibri" panose="020F0502020204030204" pitchFamily="34" charset="0"/>
               <a:cs typeface="Calibri" panose="020F0502020204030204" pitchFamily="34" charset="0"/>
             </a:rPr>
             <a:t>Salute della pianta al primo posto</a:t>
           </a:r>
-          <a:endParaRPr lang="en-US" sz="1900" kern="1200" dirty="0">
+          <a:endParaRPr lang="en-US" sz="2100" kern="1200" dirty="0">
             <a:latin typeface="Calibri" panose="020F0502020204030204" pitchFamily="34" charset="0"/>
             <a:ea typeface="Calibri" panose="020F0502020204030204" pitchFamily="34" charset="0"/>
             <a:cs typeface="Calibri" panose="020F0502020204030204" pitchFamily="34" charset="0"/>
@@ -3917,13 +3949,7 @@
           </a:avLst>
         </a:prstGeom>
         <a:solidFill>
-          <a:schemeClr val="accent5">
-            <a:tint val="40000"/>
-            <a:hueOff val="0"/>
-            <a:satOff val="0"/>
-            <a:lumOff val="0"/>
-            <a:alphaOff val="0"/>
-          </a:schemeClr>
+          <a:srgbClr val="E1CDCC"/>
         </a:solidFill>
         <a:ln>
           <a:noFill/>
@@ -4034,7 +4060,7 @@
         </a:bodyPr>
         <a:lstStyle/>
         <a:p>
-          <a:pPr marL="0" lvl="0" indent="0" algn="l" defTabSz="844550">
+          <a:pPr marL="0" lvl="0" indent="0" algn="l" defTabSz="933450">
             <a:lnSpc>
               <a:spcPct val="100000"/>
             </a:lnSpc>
@@ -4047,10 +4073,18 @@
             <a:buNone/>
           </a:pPr>
           <a:r>
-            <a:rPr lang="it-IT" sz="1900" kern="1200"/>
+            <a:rPr lang="it-IT" sz="2100" kern="1200" dirty="0">
+              <a:latin typeface="Calibri" panose="020F0502020204030204" pitchFamily="34" charset="0"/>
+              <a:ea typeface="Calibri" panose="020F0502020204030204" pitchFamily="34" charset="0"/>
+              <a:cs typeface="Calibri" panose="020F0502020204030204" pitchFamily="34" charset="0"/>
+            </a:rPr>
             <a:t>Tecnologia ESP32 integrata</a:t>
           </a:r>
-          <a:endParaRPr lang="en-US" sz="1900" kern="1200"/>
+          <a:endParaRPr lang="en-US" sz="2100" kern="1200" dirty="0">
+            <a:latin typeface="Calibri" panose="020F0502020204030204" pitchFamily="34" charset="0"/>
+            <a:ea typeface="Calibri" panose="020F0502020204030204" pitchFamily="34" charset="0"/>
+            <a:cs typeface="Calibri" panose="020F0502020204030204" pitchFamily="34" charset="0"/>
+          </a:endParaRPr>
         </a:p>
       </dsp:txBody>
       <dsp:txXfrm>
@@ -4074,13 +4108,7 @@
           </a:avLst>
         </a:prstGeom>
         <a:solidFill>
-          <a:schemeClr val="accent5">
-            <a:tint val="40000"/>
-            <a:hueOff val="0"/>
-            <a:satOff val="0"/>
-            <a:lumOff val="0"/>
-            <a:alphaOff val="0"/>
-          </a:schemeClr>
+          <a:srgbClr val="E1CDCC"/>
         </a:solidFill>
         <a:ln>
           <a:noFill/>
@@ -4193,7 +4221,7 @@
         </a:bodyPr>
         <a:lstStyle/>
         <a:p>
-          <a:pPr marL="0" lvl="0" indent="0" algn="l" defTabSz="844550">
+          <a:pPr marL="0" lvl="0" indent="0" algn="l" defTabSz="933450">
             <a:lnSpc>
               <a:spcPct val="100000"/>
             </a:lnSpc>
@@ -4206,10 +4234,26 @@
             <a:buNone/>
           </a:pPr>
           <a:r>
-            <a:rPr lang="it-IT" sz="1900" kern="1200" dirty="0"/>
-            <a:t>Irrigazione autonoma basata su dati</a:t>
+            <a:rPr lang="it-IT" sz="2100" kern="1200" dirty="0">
+              <a:latin typeface="Calibri" panose="020F0502020204030204" pitchFamily="34" charset="0"/>
+              <a:ea typeface="Calibri" panose="020F0502020204030204" pitchFamily="34" charset="0"/>
+              <a:cs typeface="Calibri" panose="020F0502020204030204" pitchFamily="34" charset="0"/>
+            </a:rPr>
+            <a:t>Irrigazione automatica basata </a:t>
           </a:r>
-          <a:endParaRPr lang="en-US" sz="1900" kern="1200" dirty="0"/>
+          <a:r>
+            <a:rPr lang="it-IT" sz="2100" kern="1200">
+              <a:latin typeface="Calibri" panose="020F0502020204030204" pitchFamily="34" charset="0"/>
+              <a:ea typeface="Calibri" panose="020F0502020204030204" pitchFamily="34" charset="0"/>
+              <a:cs typeface="Calibri" panose="020F0502020204030204" pitchFamily="34" charset="0"/>
+            </a:rPr>
+            <a:t>sui d</a:t>
+          </a:r>
+          <a:endParaRPr lang="en-US" sz="2100" kern="1200" dirty="0">
+            <a:latin typeface="Calibri" panose="020F0502020204030204" pitchFamily="34" charset="0"/>
+            <a:ea typeface="Calibri" panose="020F0502020204030204" pitchFamily="34" charset="0"/>
+            <a:cs typeface="Calibri" panose="020F0502020204030204" pitchFamily="34" charset="0"/>
+          </a:endParaRPr>
         </a:p>
       </dsp:txBody>
       <dsp:txXfrm>
@@ -19677,7 +19721,7 @@
             <p:ph idx="1"/>
             <p:extLst>
               <p:ext uri="{D42A27DB-BD31-4B8C-83A1-F6EECF244321}">
-                <p14:modId xmlns:p14="http://schemas.microsoft.com/office/powerpoint/2010/main" val="3585373342"/>
+                <p14:modId xmlns:p14="http://schemas.microsoft.com/office/powerpoint/2010/main" val="3322099888"/>
               </p:ext>
             </p:extLst>
           </p:nvPr>
@@ -19706,18 +19750,18 @@
         </p:nvSpPr>
         <p:spPr>
           <a:xfrm>
-            <a:off x="502391" y="1840900"/>
+            <a:off x="467903" y="1871682"/>
             <a:ext cx="5819933" cy="1207525"/>
           </a:xfrm>
           <a:prstGeom prst="roundRect">
             <a:avLst/>
           </a:prstGeom>
           <a:solidFill>
-            <a:srgbClr val="DCE2D0"/>
+            <a:srgbClr val="E1CDCC"/>
           </a:solidFill>
           <a:ln>
             <a:solidFill>
-              <a:srgbClr val="DCE2D0"/>
+              <a:srgbClr val="E1CDCC"/>
             </a:solidFill>
           </a:ln>
         </p:spPr>
@@ -19760,7 +19804,7 @@
         </p:nvSpPr>
         <p:spPr>
           <a:xfrm>
-            <a:off x="451967" y="1973532"/>
+            <a:off x="451967" y="1935451"/>
             <a:ext cx="5879862" cy="1200329"/>
           </a:xfrm>
           <a:prstGeom prst="rect">
